--- a/DevelopmentLog/表面異物檢測實現於SoC.pptx
+++ b/DevelopmentLog/表面異物檢測實現於SoC.pptx
@@ -5,19 +5,26 @@
     <p:sldMasterId id="2147483660" r:id="rId1"/>
   </p:sldMasterIdLst>
   <p:notesMasterIdLst>
-    <p:notesMasterId r:id="rId12"/>
+    <p:notesMasterId r:id="rId19"/>
   </p:notesMasterIdLst>
   <p:sldIdLst>
     <p:sldId id="1269" r:id="rId2"/>
     <p:sldId id="1906" r:id="rId3"/>
     <p:sldId id="1956" r:id="rId4"/>
     <p:sldId id="1958" r:id="rId5"/>
-    <p:sldId id="1884" r:id="rId6"/>
-    <p:sldId id="1960" r:id="rId7"/>
-    <p:sldId id="1962" r:id="rId8"/>
-    <p:sldId id="1957" r:id="rId9"/>
-    <p:sldId id="1961" r:id="rId10"/>
-    <p:sldId id="1959" r:id="rId11"/>
+    <p:sldId id="2053" r:id="rId6"/>
+    <p:sldId id="2052" r:id="rId7"/>
+    <p:sldId id="2054" r:id="rId8"/>
+    <p:sldId id="2056" r:id="rId9"/>
+    <p:sldId id="2057" r:id="rId10"/>
+    <p:sldId id="2058" r:id="rId11"/>
+    <p:sldId id="2055" r:id="rId12"/>
+    <p:sldId id="1884" r:id="rId13"/>
+    <p:sldId id="1960" r:id="rId14"/>
+    <p:sldId id="1962" r:id="rId15"/>
+    <p:sldId id="1957" r:id="rId16"/>
+    <p:sldId id="1961" r:id="rId17"/>
+    <p:sldId id="1959" r:id="rId18"/>
   </p:sldIdLst>
   <p:sldSz cx="12192000" cy="6858000"/>
   <p:notesSz cx="6858000" cy="9144000"/>
@@ -135,6 +142,17 @@
             <p14:sldId id="1958"/>
           </p14:sldIdLst>
         </p14:section>
+        <p14:section name="2022/05/06 ~ 2022/05/13" id="{2676BF06-29DE-4C6C-9E79-9B69C672A098}">
+          <p14:sldIdLst>
+            <p14:sldId id="2053"/>
+            <p14:sldId id="2052"/>
+            <p14:sldId id="2054"/>
+            <p14:sldId id="2056"/>
+            <p14:sldId id="2057"/>
+            <p14:sldId id="2058"/>
+            <p14:sldId id="2055"/>
+          </p14:sldIdLst>
+        </p14:section>
         <p14:section name="專案架構" id="{FE513D5F-6646-4605-BC86-548C01BAD88E}">
           <p14:sldIdLst>
             <p14:sldId id="1884"/>
@@ -244,7 +262,7 @@
           <a:p>
             <a:fld id="{EBF284EE-AF39-4EE8-B03A-3922F0DB584E}" type="datetimeFigureOut">
               <a:rPr lang="zh-TW" altLang="en-US" smtClean="0"/>
-              <a:t>2022/5/6</a:t>
+              <a:t>2022/5/13</a:t>
             </a:fld>
             <a:endParaRPr lang="zh-TW" altLang="en-US"/>
           </a:p>
@@ -660,6 +678,155 @@
 </p:notes>
 </file>
 
+<file path=ppt/notesSlides/notesSlide10.xml><?xml version="1.0" encoding="utf-8"?>
+<p:notes xmlns:a="http://schemas.openxmlformats.org/drawingml/2006/main" xmlns:r="http://schemas.openxmlformats.org/officeDocument/2006/relationships" xmlns:p="http://schemas.openxmlformats.org/presentationml/2006/main">
+  <p:cSld>
+    <p:spTree>
+      <p:nvGrpSpPr>
+        <p:cNvPr id="1" name=""/>
+        <p:cNvGrpSpPr/>
+        <p:nvPr/>
+      </p:nvGrpSpPr>
+      <p:grpSpPr>
+        <a:xfrm>
+          <a:off x="0" y="0"/>
+          <a:ext cx="0" cy="0"/>
+          <a:chOff x="0" y="0"/>
+          <a:chExt cx="0" cy="0"/>
+        </a:xfrm>
+      </p:grpSpPr>
+      <p:sp>
+        <p:nvSpPr>
+          <p:cNvPr id="2" name="投影片影像版面配置區 1"/>
+          <p:cNvSpPr>
+            <a:spLocks noGrp="1" noRot="1" noChangeAspect="1"/>
+          </p:cNvSpPr>
+          <p:nvPr>
+            <p:ph type="sldImg"/>
+          </p:nvPr>
+        </p:nvSpPr>
+        <p:spPr>
+          <a:xfrm>
+            <a:off x="685800" y="1143000"/>
+            <a:ext cx="5486400" cy="3086100"/>
+          </a:xfrm>
+        </p:spPr>
+      </p:sp>
+      <p:sp>
+        <p:nvSpPr>
+          <p:cNvPr id="3" name="備忘稿版面配置區 2"/>
+          <p:cNvSpPr>
+            <a:spLocks noGrp="1"/>
+          </p:cNvSpPr>
+          <p:nvPr>
+            <p:ph type="body" idx="1"/>
+          </p:nvPr>
+        </p:nvSpPr>
+        <p:spPr/>
+        <p:txBody>
+          <a:bodyPr/>
+          <a:lstStyle/>
+          <a:p>
+            <a:endParaRPr lang="zh-TW" altLang="en-US" dirty="0"/>
+          </a:p>
+        </p:txBody>
+      </p:sp>
+      <p:sp>
+        <p:nvSpPr>
+          <p:cNvPr id="4" name="投影片編號版面配置區 3"/>
+          <p:cNvSpPr>
+            <a:spLocks noGrp="1"/>
+          </p:cNvSpPr>
+          <p:nvPr>
+            <p:ph type="sldNum" sz="quarter" idx="5"/>
+          </p:nvPr>
+        </p:nvSpPr>
+        <p:spPr/>
+        <p:txBody>
+          <a:bodyPr/>
+          <a:lstStyle/>
+          <a:p>
+            <a:pPr marL="0" marR="0" lvl="0" indent="0" algn="r" defTabSz="914400" rtl="0" eaLnBrk="1" fontAlgn="auto" latinLnBrk="0" hangingPunct="1">
+              <a:lnSpc>
+                <a:spcPct val="100000"/>
+              </a:lnSpc>
+              <a:spcBef>
+                <a:spcPts val="0"/>
+              </a:spcBef>
+              <a:spcAft>
+                <a:spcPts val="0"/>
+              </a:spcAft>
+              <a:buClrTx/>
+              <a:buSzTx/>
+              <a:buFontTx/>
+              <a:buNone/>
+              <a:tabLst/>
+              <a:defRPr/>
+            </a:pPr>
+            <a:fld id="{EF8A6B0B-A5FB-4629-B823-69B1A9EB3A43}" type="slidenum">
+              <a:rPr kumimoji="0" lang="zh-TW" altLang="en-US" sz="1200" b="0" i="0" u="none" strike="noStrike" kern="1200" cap="none" spc="0" normalizeH="0" baseline="0" noProof="0" smtClean="0">
+                <a:ln>
+                  <a:noFill/>
+                </a:ln>
+                <a:solidFill>
+                  <a:prstClr val="black"/>
+                </a:solidFill>
+                <a:effectLst/>
+                <a:uLnTx/>
+                <a:uFillTx/>
+                <a:latin typeface="Calibri" panose="020F0502020204030204"/>
+                <a:ea typeface="新細明體" panose="02020500000000000000" pitchFamily="18" charset="-120"/>
+                <a:cs typeface="+mn-cs"/>
+              </a:rPr>
+              <a:pPr marL="0" marR="0" lvl="0" indent="0" algn="r" defTabSz="914400" rtl="0" eaLnBrk="1" fontAlgn="auto" latinLnBrk="0" hangingPunct="1">
+                <a:lnSpc>
+                  <a:spcPct val="100000"/>
+                </a:lnSpc>
+                <a:spcBef>
+                  <a:spcPts val="0"/>
+                </a:spcBef>
+                <a:spcAft>
+                  <a:spcPts val="0"/>
+                </a:spcAft>
+                <a:buClrTx/>
+                <a:buSzTx/>
+                <a:buFontTx/>
+                <a:buNone/>
+                <a:tabLst/>
+                <a:defRPr/>
+              </a:pPr>
+              <a:t>17</a:t>
+            </a:fld>
+            <a:endParaRPr kumimoji="0" lang="zh-TW" altLang="en-US" sz="1200" b="0" i="0" u="none" strike="noStrike" kern="1200" cap="none" spc="0" normalizeH="0" baseline="0" noProof="0">
+              <a:ln>
+                <a:noFill/>
+              </a:ln>
+              <a:solidFill>
+                <a:prstClr val="black"/>
+              </a:solidFill>
+              <a:effectLst/>
+              <a:uLnTx/>
+              <a:uFillTx/>
+              <a:latin typeface="Calibri" panose="020F0502020204030204"/>
+              <a:ea typeface="新細明體" panose="02020500000000000000" pitchFamily="18" charset="-120"/>
+              <a:cs typeface="+mn-cs"/>
+            </a:endParaRPr>
+          </a:p>
+        </p:txBody>
+      </p:sp>
+    </p:spTree>
+    <p:extLst>
+      <p:ext uri="{BB962C8B-B14F-4D97-AF65-F5344CB8AC3E}">
+        <p14:creationId xmlns:p14="http://schemas.microsoft.com/office/powerpoint/2010/main" val="3947336601"/>
+      </p:ext>
+    </p:extLst>
+  </p:cSld>
+  <p:clrMapOvr>
+    <a:masterClrMapping/>
+  </p:clrMapOvr>
+</p:notes>
+</file>
+
 <file path=ppt/notesSlides/notesSlide2.xml><?xml version="1.0" encoding="utf-8"?>
 <p:notes xmlns:a="http://schemas.openxmlformats.org/drawingml/2006/main" xmlns:r="http://schemas.openxmlformats.org/officeDocument/2006/relationships" xmlns:p="http://schemas.openxmlformats.org/presentationml/2006/main">
   <p:cSld>
@@ -1015,6 +1182,90 @@
             <p:ph type="sldImg"/>
           </p:nvPr>
         </p:nvSpPr>
+        <p:spPr/>
+      </p:sp>
+      <p:sp>
+        <p:nvSpPr>
+          <p:cNvPr id="3" name="備忘稿版面配置區 2"/>
+          <p:cNvSpPr>
+            <a:spLocks noGrp="1"/>
+          </p:cNvSpPr>
+          <p:nvPr>
+            <p:ph type="body" idx="1"/>
+          </p:nvPr>
+        </p:nvSpPr>
+        <p:spPr/>
+        <p:txBody>
+          <a:bodyPr/>
+          <a:lstStyle/>
+          <a:p>
+            <a:endParaRPr lang="zh-TW" altLang="en-US" dirty="0"/>
+          </a:p>
+        </p:txBody>
+      </p:sp>
+      <p:sp>
+        <p:nvSpPr>
+          <p:cNvPr id="4" name="投影片編號版面配置區 3"/>
+          <p:cNvSpPr>
+            <a:spLocks noGrp="1"/>
+          </p:cNvSpPr>
+          <p:nvPr>
+            <p:ph type="sldNum" sz="quarter" idx="5"/>
+          </p:nvPr>
+        </p:nvSpPr>
+        <p:spPr/>
+        <p:txBody>
+          <a:bodyPr/>
+          <a:lstStyle/>
+          <a:p>
+            <a:fld id="{8AD05B81-5E5F-42A2-8385-12ABB6203A30}" type="slidenum">
+              <a:rPr lang="zh-TW" altLang="en-US" smtClean="0"/>
+              <a:t>5</a:t>
+            </a:fld>
+            <a:endParaRPr lang="zh-TW" altLang="en-US"/>
+          </a:p>
+        </p:txBody>
+      </p:sp>
+    </p:spTree>
+    <p:extLst>
+      <p:ext uri="{BB962C8B-B14F-4D97-AF65-F5344CB8AC3E}">
+        <p14:creationId xmlns:p14="http://schemas.microsoft.com/office/powerpoint/2010/main" val="699838211"/>
+      </p:ext>
+    </p:extLst>
+  </p:cSld>
+  <p:clrMapOvr>
+    <a:masterClrMapping/>
+  </p:clrMapOvr>
+</p:notes>
+</file>
+
+<file path=ppt/notesSlides/notesSlide6.xml><?xml version="1.0" encoding="utf-8"?>
+<p:notes xmlns:a="http://schemas.openxmlformats.org/drawingml/2006/main" xmlns:r="http://schemas.openxmlformats.org/officeDocument/2006/relationships" xmlns:p="http://schemas.openxmlformats.org/presentationml/2006/main">
+  <p:cSld>
+    <p:spTree>
+      <p:nvGrpSpPr>
+        <p:cNvPr id="1" name=""/>
+        <p:cNvGrpSpPr/>
+        <p:nvPr/>
+      </p:nvGrpSpPr>
+      <p:grpSpPr>
+        <a:xfrm>
+          <a:off x="0" y="0"/>
+          <a:ext cx="0" cy="0"/>
+          <a:chOff x="0" y="0"/>
+          <a:chExt cx="0" cy="0"/>
+        </a:xfrm>
+      </p:grpSpPr>
+      <p:sp>
+        <p:nvSpPr>
+          <p:cNvPr id="2" name="投影片影像版面配置區 1"/>
+          <p:cNvSpPr>
+            <a:spLocks noGrp="1" noRot="1" noChangeAspect="1"/>
+          </p:cNvSpPr>
+          <p:nvPr>
+            <p:ph type="sldImg"/>
+          </p:nvPr>
+        </p:nvSpPr>
         <p:spPr>
           <a:xfrm>
             <a:off x="685800" y="1143000"/>
@@ -1105,7 +1356,7 @@
                 <a:tabLst/>
                 <a:defRPr/>
               </a:pPr>
-              <a:t>5</a:t>
+              <a:t>12</a:t>
             </a:fld>
             <a:endParaRPr kumimoji="0" lang="zh-TW" altLang="en-US" sz="1200" b="0" i="0" u="none" strike="noStrike" kern="1200" cap="none" spc="0" normalizeH="0" baseline="0" noProof="0">
               <a:ln>
@@ -1137,7 +1388,7 @@
 </p:notes>
 </file>
 
-<file path=ppt/notesSlides/notesSlide6.xml><?xml version="1.0" encoding="utf-8"?>
+<file path=ppt/notesSlides/notesSlide7.xml><?xml version="1.0" encoding="utf-8"?>
 <p:notes xmlns:a="http://schemas.openxmlformats.org/drawingml/2006/main" xmlns:r="http://schemas.openxmlformats.org/officeDocument/2006/relationships" xmlns:p="http://schemas.openxmlformats.org/presentationml/2006/main">
   <p:cSld>
     <p:spTree>
@@ -1254,7 +1505,7 @@
                 <a:tabLst/>
                 <a:defRPr/>
               </a:pPr>
-              <a:t>6</a:t>
+              <a:t>13</a:t>
             </a:fld>
             <a:endParaRPr kumimoji="0" lang="zh-TW" altLang="en-US" sz="1200" b="0" i="0" u="none" strike="noStrike" kern="1200" cap="none" spc="0" normalizeH="0" baseline="0" noProof="0">
               <a:ln>
@@ -1286,7 +1537,7 @@
 </p:notes>
 </file>
 
-<file path=ppt/notesSlides/notesSlide7.xml><?xml version="1.0" encoding="utf-8"?>
+<file path=ppt/notesSlides/notesSlide8.xml><?xml version="1.0" encoding="utf-8"?>
 <p:notes xmlns:a="http://schemas.openxmlformats.org/drawingml/2006/main" xmlns:r="http://schemas.openxmlformats.org/officeDocument/2006/relationships" xmlns:p="http://schemas.openxmlformats.org/presentationml/2006/main">
   <p:cSld>
     <p:spTree>
@@ -1403,7 +1654,7 @@
                 <a:tabLst/>
                 <a:defRPr/>
               </a:pPr>
-              <a:t>8</a:t>
+              <a:t>15</a:t>
             </a:fld>
             <a:endParaRPr kumimoji="0" lang="zh-TW" altLang="en-US" sz="1200" b="0" i="0" u="none" strike="noStrike" kern="1200" cap="none" spc="0" normalizeH="0" baseline="0" noProof="0">
               <a:ln>
@@ -1435,7 +1686,7 @@
 </p:notes>
 </file>
 
-<file path=ppt/notesSlides/notesSlide8.xml><?xml version="1.0" encoding="utf-8"?>
+<file path=ppt/notesSlides/notesSlide9.xml><?xml version="1.0" encoding="utf-8"?>
 <p:notes xmlns:a="http://schemas.openxmlformats.org/drawingml/2006/main" xmlns:r="http://schemas.openxmlformats.org/officeDocument/2006/relationships" xmlns:p="http://schemas.openxmlformats.org/presentationml/2006/main">
   <p:cSld>
     <p:spTree>
@@ -1552,7 +1803,7 @@
                 <a:tabLst/>
                 <a:defRPr/>
               </a:pPr>
-              <a:t>9</a:t>
+              <a:t>16</a:t>
             </a:fld>
             <a:endParaRPr kumimoji="0" lang="zh-TW" altLang="en-US" sz="1200" b="0" i="0" u="none" strike="noStrike" kern="1200" cap="none" spc="0" normalizeH="0" baseline="0" noProof="0">
               <a:ln>
@@ -1575,155 +1826,6 @@
     <p:extLst>
       <p:ext uri="{BB962C8B-B14F-4D97-AF65-F5344CB8AC3E}">
         <p14:creationId xmlns:p14="http://schemas.microsoft.com/office/powerpoint/2010/main" val="2502276482"/>
-      </p:ext>
-    </p:extLst>
-  </p:cSld>
-  <p:clrMapOvr>
-    <a:masterClrMapping/>
-  </p:clrMapOvr>
-</p:notes>
-</file>
-
-<file path=ppt/notesSlides/notesSlide9.xml><?xml version="1.0" encoding="utf-8"?>
-<p:notes xmlns:a="http://schemas.openxmlformats.org/drawingml/2006/main" xmlns:r="http://schemas.openxmlformats.org/officeDocument/2006/relationships" xmlns:p="http://schemas.openxmlformats.org/presentationml/2006/main">
-  <p:cSld>
-    <p:spTree>
-      <p:nvGrpSpPr>
-        <p:cNvPr id="1" name=""/>
-        <p:cNvGrpSpPr/>
-        <p:nvPr/>
-      </p:nvGrpSpPr>
-      <p:grpSpPr>
-        <a:xfrm>
-          <a:off x="0" y="0"/>
-          <a:ext cx="0" cy="0"/>
-          <a:chOff x="0" y="0"/>
-          <a:chExt cx="0" cy="0"/>
-        </a:xfrm>
-      </p:grpSpPr>
-      <p:sp>
-        <p:nvSpPr>
-          <p:cNvPr id="2" name="投影片影像版面配置區 1"/>
-          <p:cNvSpPr>
-            <a:spLocks noGrp="1" noRot="1" noChangeAspect="1"/>
-          </p:cNvSpPr>
-          <p:nvPr>
-            <p:ph type="sldImg"/>
-          </p:nvPr>
-        </p:nvSpPr>
-        <p:spPr>
-          <a:xfrm>
-            <a:off x="685800" y="1143000"/>
-            <a:ext cx="5486400" cy="3086100"/>
-          </a:xfrm>
-        </p:spPr>
-      </p:sp>
-      <p:sp>
-        <p:nvSpPr>
-          <p:cNvPr id="3" name="備忘稿版面配置區 2"/>
-          <p:cNvSpPr>
-            <a:spLocks noGrp="1"/>
-          </p:cNvSpPr>
-          <p:nvPr>
-            <p:ph type="body" idx="1"/>
-          </p:nvPr>
-        </p:nvSpPr>
-        <p:spPr/>
-        <p:txBody>
-          <a:bodyPr/>
-          <a:lstStyle/>
-          <a:p>
-            <a:endParaRPr lang="zh-TW" altLang="en-US" dirty="0"/>
-          </a:p>
-        </p:txBody>
-      </p:sp>
-      <p:sp>
-        <p:nvSpPr>
-          <p:cNvPr id="4" name="投影片編號版面配置區 3"/>
-          <p:cNvSpPr>
-            <a:spLocks noGrp="1"/>
-          </p:cNvSpPr>
-          <p:nvPr>
-            <p:ph type="sldNum" sz="quarter" idx="5"/>
-          </p:nvPr>
-        </p:nvSpPr>
-        <p:spPr/>
-        <p:txBody>
-          <a:bodyPr/>
-          <a:lstStyle/>
-          <a:p>
-            <a:pPr marL="0" marR="0" lvl="0" indent="0" algn="r" defTabSz="914400" rtl="0" eaLnBrk="1" fontAlgn="auto" latinLnBrk="0" hangingPunct="1">
-              <a:lnSpc>
-                <a:spcPct val="100000"/>
-              </a:lnSpc>
-              <a:spcBef>
-                <a:spcPts val="0"/>
-              </a:spcBef>
-              <a:spcAft>
-                <a:spcPts val="0"/>
-              </a:spcAft>
-              <a:buClrTx/>
-              <a:buSzTx/>
-              <a:buFontTx/>
-              <a:buNone/>
-              <a:tabLst/>
-              <a:defRPr/>
-            </a:pPr>
-            <a:fld id="{EF8A6B0B-A5FB-4629-B823-69B1A9EB3A43}" type="slidenum">
-              <a:rPr kumimoji="0" lang="zh-TW" altLang="en-US" sz="1200" b="0" i="0" u="none" strike="noStrike" kern="1200" cap="none" spc="0" normalizeH="0" baseline="0" noProof="0" smtClean="0">
-                <a:ln>
-                  <a:noFill/>
-                </a:ln>
-                <a:solidFill>
-                  <a:prstClr val="black"/>
-                </a:solidFill>
-                <a:effectLst/>
-                <a:uLnTx/>
-                <a:uFillTx/>
-                <a:latin typeface="Calibri" panose="020F0502020204030204"/>
-                <a:ea typeface="新細明體" panose="02020500000000000000" pitchFamily="18" charset="-120"/>
-                <a:cs typeface="+mn-cs"/>
-              </a:rPr>
-              <a:pPr marL="0" marR="0" lvl="0" indent="0" algn="r" defTabSz="914400" rtl="0" eaLnBrk="1" fontAlgn="auto" latinLnBrk="0" hangingPunct="1">
-                <a:lnSpc>
-                  <a:spcPct val="100000"/>
-                </a:lnSpc>
-                <a:spcBef>
-                  <a:spcPts val="0"/>
-                </a:spcBef>
-                <a:spcAft>
-                  <a:spcPts val="0"/>
-                </a:spcAft>
-                <a:buClrTx/>
-                <a:buSzTx/>
-                <a:buFontTx/>
-                <a:buNone/>
-                <a:tabLst/>
-                <a:defRPr/>
-              </a:pPr>
-              <a:t>10</a:t>
-            </a:fld>
-            <a:endParaRPr kumimoji="0" lang="zh-TW" altLang="en-US" sz="1200" b="0" i="0" u="none" strike="noStrike" kern="1200" cap="none" spc="0" normalizeH="0" baseline="0" noProof="0">
-              <a:ln>
-                <a:noFill/>
-              </a:ln>
-              <a:solidFill>
-                <a:prstClr val="black"/>
-              </a:solidFill>
-              <a:effectLst/>
-              <a:uLnTx/>
-              <a:uFillTx/>
-              <a:latin typeface="Calibri" panose="020F0502020204030204"/>
-              <a:ea typeface="新細明體" panose="02020500000000000000" pitchFamily="18" charset="-120"/>
-              <a:cs typeface="+mn-cs"/>
-            </a:endParaRPr>
-          </a:p>
-        </p:txBody>
-      </p:sp>
-    </p:spTree>
-    <p:extLst>
-      <p:ext uri="{BB962C8B-B14F-4D97-AF65-F5344CB8AC3E}">
-        <p14:creationId xmlns:p14="http://schemas.microsoft.com/office/powerpoint/2010/main" val="3947336601"/>
       </p:ext>
     </p:extLst>
   </p:cSld>
@@ -1867,7 +1969,7 @@
           <a:p>
             <a:fld id="{0C0CC965-A63A-473D-BEFB-C8F9714D5269}" type="datetimeFigureOut">
               <a:rPr lang="zh-TW" altLang="en-US" smtClean="0"/>
-              <a:t>2022/5/6</a:t>
+              <a:t>2022/5/13</a:t>
             </a:fld>
             <a:endParaRPr lang="zh-TW" altLang="en-US"/>
           </a:p>
@@ -2035,7 +2137,7 @@
           <a:p>
             <a:fld id="{0C0CC965-A63A-473D-BEFB-C8F9714D5269}" type="datetimeFigureOut">
               <a:rPr lang="zh-TW" altLang="en-US" smtClean="0"/>
-              <a:t>2022/5/6</a:t>
+              <a:t>2022/5/13</a:t>
             </a:fld>
             <a:endParaRPr lang="zh-TW" altLang="en-US"/>
           </a:p>
@@ -2213,7 +2315,7 @@
           <a:p>
             <a:fld id="{0C0CC965-A63A-473D-BEFB-C8F9714D5269}" type="datetimeFigureOut">
               <a:rPr lang="zh-TW" altLang="en-US" smtClean="0"/>
-              <a:t>2022/5/6</a:t>
+              <a:t>2022/5/13</a:t>
             </a:fld>
             <a:endParaRPr lang="zh-TW" altLang="en-US"/>
           </a:p>
@@ -2408,7 +2510,7 @@
           <a:p>
             <a:fld id="{0C0CC965-A63A-473D-BEFB-C8F9714D5269}" type="datetimeFigureOut">
               <a:rPr lang="zh-TW" altLang="en-US" smtClean="0"/>
-              <a:t>2022/5/6</a:t>
+              <a:t>2022/5/13</a:t>
             </a:fld>
             <a:endParaRPr lang="zh-TW" altLang="en-US"/>
           </a:p>
@@ -2653,7 +2755,7 @@
           <a:p>
             <a:fld id="{0C0CC965-A63A-473D-BEFB-C8F9714D5269}" type="datetimeFigureOut">
               <a:rPr lang="zh-TW" altLang="en-US" smtClean="0"/>
-              <a:t>2022/5/6</a:t>
+              <a:t>2022/5/13</a:t>
             </a:fld>
             <a:endParaRPr lang="zh-TW" altLang="en-US"/>
           </a:p>
@@ -2882,7 +2984,7 @@
           <a:p>
             <a:fld id="{0C0CC965-A63A-473D-BEFB-C8F9714D5269}" type="datetimeFigureOut">
               <a:rPr lang="zh-TW" altLang="en-US" smtClean="0"/>
-              <a:t>2022/5/6</a:t>
+              <a:t>2022/5/13</a:t>
             </a:fld>
             <a:endParaRPr lang="zh-TW" altLang="en-US"/>
           </a:p>
@@ -3246,7 +3348,7 @@
           <a:p>
             <a:fld id="{0C0CC965-A63A-473D-BEFB-C8F9714D5269}" type="datetimeFigureOut">
               <a:rPr lang="zh-TW" altLang="en-US" smtClean="0"/>
-              <a:t>2022/5/6</a:t>
+              <a:t>2022/5/13</a:t>
             </a:fld>
             <a:endParaRPr lang="zh-TW" altLang="en-US"/>
           </a:p>
@@ -3363,7 +3465,7 @@
           <a:p>
             <a:fld id="{0C0CC965-A63A-473D-BEFB-C8F9714D5269}" type="datetimeFigureOut">
               <a:rPr lang="zh-TW" altLang="en-US" smtClean="0"/>
-              <a:t>2022/5/6</a:t>
+              <a:t>2022/5/13</a:t>
             </a:fld>
             <a:endParaRPr lang="zh-TW" altLang="en-US"/>
           </a:p>
@@ -3458,7 +3560,7 @@
           <a:p>
             <a:fld id="{0C0CC965-A63A-473D-BEFB-C8F9714D5269}" type="datetimeFigureOut">
               <a:rPr lang="zh-TW" altLang="en-US" smtClean="0"/>
-              <a:t>2022/5/6</a:t>
+              <a:t>2022/5/13</a:t>
             </a:fld>
             <a:endParaRPr lang="zh-TW" altLang="en-US"/>
           </a:p>
@@ -3733,7 +3835,7 @@
           <a:p>
             <a:fld id="{0C0CC965-A63A-473D-BEFB-C8F9714D5269}" type="datetimeFigureOut">
               <a:rPr lang="zh-TW" altLang="en-US" smtClean="0"/>
-              <a:t>2022/5/6</a:t>
+              <a:t>2022/5/13</a:t>
             </a:fld>
             <a:endParaRPr lang="zh-TW" altLang="en-US"/>
           </a:p>
@@ -3985,7 +4087,7 @@
           <a:p>
             <a:fld id="{0C0CC965-A63A-473D-BEFB-C8F9714D5269}" type="datetimeFigureOut">
               <a:rPr lang="zh-TW" altLang="en-US" smtClean="0"/>
-              <a:t>2022/5/6</a:t>
+              <a:t>2022/5/13</a:t>
             </a:fld>
             <a:endParaRPr lang="zh-TW" altLang="en-US"/>
           </a:p>
@@ -4199,7 +4301,7 @@
             <a:fld id="{0C0CC965-A63A-473D-BEFB-C8F9714D5269}" type="datetimeFigureOut">
               <a:rPr lang="zh-TW" altLang="en-US" smtClean="0"/>
               <a:pPr/>
-              <a:t>2022/5/6</a:t>
+              <a:t>2022/5/13</a:t>
             </a:fld>
             <a:endParaRPr lang="zh-TW" altLang="en-US"/>
           </a:p>
@@ -4323,70 +4425,6 @@
           </a:fontRef>
         </p:style>
       </p:cxnSp>
-      <p:cxnSp>
-        <p:nvCxnSpPr>
-          <p:cNvPr id="10" name="直線接點 9"/>
-          <p:cNvCxnSpPr/>
-          <p:nvPr userDrawn="1"/>
-        </p:nvCxnSpPr>
-        <p:spPr>
-          <a:xfrm>
-            <a:off x="838202" y="6296092"/>
-            <a:ext cx="10515600" cy="0"/>
-          </a:xfrm>
-          <a:prstGeom prst="line">
-            <a:avLst/>
-          </a:prstGeom>
-          <a:ln w="57150">
-            <a:solidFill>
-              <a:srgbClr val="00B050"/>
-            </a:solidFill>
-          </a:ln>
-        </p:spPr>
-        <p:style>
-          <a:lnRef idx="1">
-            <a:schemeClr val="accent2"/>
-          </a:lnRef>
-          <a:fillRef idx="0">
-            <a:schemeClr val="accent2"/>
-          </a:fillRef>
-          <a:effectRef idx="0">
-            <a:schemeClr val="accent2"/>
-          </a:effectRef>
-          <a:fontRef idx="minor">
-            <a:schemeClr val="tx1"/>
-          </a:fontRef>
-        </p:style>
-      </p:cxnSp>
-      <p:pic>
-        <p:nvPicPr>
-          <p:cNvPr id="11" name="Shape 13" descr="C:\Documents and Settings\frederic\My Documents\My Pictures\Wallpaper Images\GSLAB_LOGO1-120x120.jpg"/>
-          <p:cNvPicPr preferRelativeResize="0">
-            <a:picLocks noChangeAspect="1"/>
-          </p:cNvPicPr>
-          <p:nvPr userDrawn="1"/>
-        </p:nvPicPr>
-        <p:blipFill rotWithShape="1">
-          <a:blip r:embed="rId13">
-            <a:alphaModFix/>
-          </a:blip>
-          <a:srcRect/>
-          <a:stretch/>
-        </p:blipFill>
-        <p:spPr>
-          <a:xfrm>
-            <a:off x="11596538" y="6270926"/>
-            <a:ext cx="561908" cy="561907"/>
-          </a:xfrm>
-          <a:prstGeom prst="rect">
-            <a:avLst/>
-          </a:prstGeom>
-          <a:noFill/>
-          <a:ln>
-            <a:noFill/>
-          </a:ln>
-        </p:spPr>
-      </p:pic>
     </p:spTree>
     <p:extLst>
       <p:ext uri="{BB962C8B-B14F-4D97-AF65-F5344CB8AC3E}">
@@ -4934,7 +4972,7 @@
           <p:cNvPr id="3" name="標題 2">
             <a:extLst>
               <a:ext uri="{FF2B5EF4-FFF2-40B4-BE49-F238E27FC236}">
-                <a16:creationId xmlns:a16="http://schemas.microsoft.com/office/drawing/2014/main" id="{EF277299-8610-4660-86B9-EE584C561AB1}"/>
+                <a16:creationId xmlns:a16="http://schemas.microsoft.com/office/drawing/2014/main" id="{B0FE567C-34C6-4F98-A84A-4DEAB1E49A7C}"/>
               </a:ext>
             </a:extLst>
           </p:cNvPr>
@@ -4951,77 +4989,338 @@
           <a:lstStyle/>
           <a:p>
             <a:r>
+              <a:rPr lang="en-US" altLang="zh-TW" dirty="0" err="1"/>
+              <a:t>LinearRegression</a:t>
+            </a:r>
+            <a:r>
               <a:rPr lang="zh-TW" altLang="en-US" dirty="0"/>
-              <a:t>參考來源</a:t>
-            </a:r>
-          </a:p>
-        </p:txBody>
-      </p:sp>
-      <p:sp>
-        <p:nvSpPr>
-          <p:cNvPr id="4" name="矩形 3">
+              <a:t> </a:t>
+            </a:r>
+            <a:r>
+              <a:rPr lang="en-US" altLang="zh-TW" dirty="0"/>
+              <a:t>–</a:t>
+            </a:r>
+            <a:r>
+              <a:rPr lang="zh-TW" altLang="en-US" dirty="0"/>
+              <a:t> </a:t>
+            </a:r>
+            <a:r>
+              <a:rPr lang="en-US" altLang="zh-TW" dirty="0"/>
+              <a:t>HDL</a:t>
+            </a:r>
+            <a:r>
+              <a:rPr lang="zh-TW" altLang="en-US" dirty="0"/>
+              <a:t> </a:t>
+            </a:r>
+            <a:r>
+              <a:rPr lang="en-US" altLang="zh-TW" dirty="0"/>
+              <a:t>Coder</a:t>
+            </a:r>
+            <a:r>
+              <a:rPr lang="zh-TW" altLang="en-US" dirty="0"/>
+              <a:t>設定</a:t>
+            </a:r>
+            <a:r>
+              <a:rPr lang="en-US" altLang="zh-TW" dirty="0"/>
+              <a:t>(v1)</a:t>
+            </a:r>
+            <a:endParaRPr lang="zh-TW" altLang="en-US" dirty="0"/>
+          </a:p>
+        </p:txBody>
+      </p:sp>
+      <p:sp>
+        <p:nvSpPr>
+          <p:cNvPr id="30" name="文字方塊 29">
             <a:extLst>
               <a:ext uri="{FF2B5EF4-FFF2-40B4-BE49-F238E27FC236}">
-                <a16:creationId xmlns:a16="http://schemas.microsoft.com/office/drawing/2014/main" id="{8081C2F1-CB52-A3AF-F145-88AE1EF38229}"/>
+                <a16:creationId xmlns:a16="http://schemas.microsoft.com/office/drawing/2014/main" id="{93B8EB70-5903-4EB3-92A5-983BD91F2604}"/>
               </a:ext>
             </a:extLst>
           </p:cNvPr>
-          <p:cNvSpPr/>
+          <p:cNvSpPr txBox="1"/>
           <p:nvPr/>
         </p:nvSpPr>
         <p:spPr>
           <a:xfrm>
-            <a:off x="838199" y="1224282"/>
-            <a:ext cx="10515598" cy="461665"/>
+            <a:off x="838199" y="1252385"/>
+            <a:ext cx="10515599" cy="276999"/>
+          </a:xfrm>
+          <a:prstGeom prst="rect">
+            <a:avLst/>
+          </a:prstGeom>
+          <a:noFill/>
+        </p:spPr>
+        <p:txBody>
+          <a:bodyPr wrap="square" lIns="0" tIns="0" rIns="0" bIns="0" rtlCol="0">
+            <a:spAutoFit/>
+          </a:bodyPr>
+          <a:lstStyle/>
+          <a:p>
+            <a:pPr marL="285750" indent="-285750">
+              <a:buFont typeface="Arial" panose="020B0604020202020204" pitchFamily="34" charset="0"/>
+              <a:buChar char="•"/>
+            </a:pPr>
+            <a:r>
+              <a:rPr lang="en-US" altLang="zh-TW" dirty="0">
+                <a:solidFill>
+                  <a:prstClr val="black"/>
+                </a:solidFill>
+                <a:latin typeface="Times New Roman" panose="02020603050405020304" pitchFamily="18" charset="0"/>
+                <a:ea typeface="標楷體" panose="03000509000000000000" pitchFamily="65" charset="-120"/>
+                <a:cs typeface="Times New Roman" panose="02020603050405020304" pitchFamily="18" charset="0"/>
+              </a:rPr>
+              <a:t>MATLAB</a:t>
+            </a:r>
+            <a:r>
+              <a:rPr lang="zh-TW" altLang="en-US" dirty="0">
+                <a:solidFill>
+                  <a:prstClr val="black"/>
+                </a:solidFill>
+                <a:latin typeface="Times New Roman" panose="02020603050405020304" pitchFamily="18" charset="0"/>
+                <a:ea typeface="標楷體" panose="03000509000000000000" pitchFamily="65" charset="-120"/>
+                <a:cs typeface="Times New Roman" panose="02020603050405020304" pitchFamily="18" charset="0"/>
+              </a:rPr>
+              <a:t> 與 </a:t>
+            </a:r>
+            <a:r>
+              <a:rPr lang="en-US" altLang="zh-TW" dirty="0">
+                <a:solidFill>
+                  <a:prstClr val="black"/>
+                </a:solidFill>
+                <a:latin typeface="Times New Roman" panose="02020603050405020304" pitchFamily="18" charset="0"/>
+                <a:ea typeface="標楷體" panose="03000509000000000000" pitchFamily="65" charset="-120"/>
+                <a:cs typeface="Times New Roman" panose="02020603050405020304" pitchFamily="18" charset="0"/>
+              </a:rPr>
+              <a:t>HDL</a:t>
+            </a:r>
+            <a:r>
+              <a:rPr lang="zh-TW" altLang="en-US" dirty="0">
+                <a:solidFill>
+                  <a:prstClr val="black"/>
+                </a:solidFill>
+                <a:latin typeface="Times New Roman" panose="02020603050405020304" pitchFamily="18" charset="0"/>
+                <a:ea typeface="標楷體" panose="03000509000000000000" pitchFamily="65" charset="-120"/>
+                <a:cs typeface="Times New Roman" panose="02020603050405020304" pitchFamily="18" charset="0"/>
+              </a:rPr>
+              <a:t> </a:t>
+            </a:r>
+            <a:r>
+              <a:rPr lang="en-US" altLang="zh-TW" dirty="0">
+                <a:solidFill>
+                  <a:prstClr val="black"/>
+                </a:solidFill>
+                <a:latin typeface="Times New Roman" panose="02020603050405020304" pitchFamily="18" charset="0"/>
+                <a:ea typeface="標楷體" panose="03000509000000000000" pitchFamily="65" charset="-120"/>
+                <a:cs typeface="Times New Roman" panose="02020603050405020304" pitchFamily="18" charset="0"/>
+              </a:rPr>
+              <a:t>Coder</a:t>
+            </a:r>
+            <a:r>
+              <a:rPr lang="zh-TW" altLang="en-US" dirty="0">
+                <a:solidFill>
+                  <a:prstClr val="black"/>
+                </a:solidFill>
+                <a:latin typeface="Times New Roman" panose="02020603050405020304" pitchFamily="18" charset="0"/>
+                <a:ea typeface="標楷體" panose="03000509000000000000" pitchFamily="65" charset="-120"/>
+                <a:cs typeface="Times New Roman" panose="02020603050405020304" pitchFamily="18" charset="0"/>
+              </a:rPr>
+              <a:t> 誤差</a:t>
+            </a:r>
+            <a:endParaRPr lang="en-US" dirty="0">
+              <a:solidFill>
+                <a:prstClr val="black"/>
+              </a:solidFill>
+              <a:latin typeface="Times New Roman" panose="02020603050405020304" pitchFamily="18" charset="0"/>
+              <a:ea typeface="標楷體" panose="03000509000000000000" pitchFamily="65" charset="-120"/>
+              <a:cs typeface="Times New Roman" panose="02020603050405020304" pitchFamily="18" charset="0"/>
+            </a:endParaRPr>
+          </a:p>
+        </p:txBody>
+      </p:sp>
+      <p:pic>
+        <p:nvPicPr>
+          <p:cNvPr id="2" name="圖片 1">
+            <a:extLst>
+              <a:ext uri="{FF2B5EF4-FFF2-40B4-BE49-F238E27FC236}">
+                <a16:creationId xmlns:a16="http://schemas.microsoft.com/office/drawing/2014/main" id="{4637B2F4-7245-40C5-8E35-0D37F239A80F}"/>
+              </a:ext>
+            </a:extLst>
+          </p:cNvPr>
+          <p:cNvPicPr>
+            <a:picLocks noChangeAspect="1"/>
+          </p:cNvPicPr>
+          <p:nvPr/>
+        </p:nvPicPr>
+        <p:blipFill>
+          <a:blip r:embed="rId2"/>
+          <a:stretch>
+            <a:fillRect/>
+          </a:stretch>
+        </p:blipFill>
+        <p:spPr>
+          <a:xfrm>
+            <a:off x="8039738" y="2116183"/>
+            <a:ext cx="3429108" cy="3093519"/>
           </a:xfrm>
           <a:prstGeom prst="rect">
             <a:avLst/>
           </a:prstGeom>
         </p:spPr>
-        <p:txBody>
-          <a:bodyPr wrap="square">
+      </p:pic>
+      <p:pic>
+        <p:nvPicPr>
+          <p:cNvPr id="4" name="圖片 3">
+            <a:extLst>
+              <a:ext uri="{FF2B5EF4-FFF2-40B4-BE49-F238E27FC236}">
+                <a16:creationId xmlns:a16="http://schemas.microsoft.com/office/drawing/2014/main" id="{F4D3C212-4E7D-4127-988B-B730B541724B}"/>
+              </a:ext>
+            </a:extLst>
+          </p:cNvPr>
+          <p:cNvPicPr>
+            <a:picLocks noChangeAspect="1"/>
+          </p:cNvPicPr>
+          <p:nvPr/>
+        </p:nvPicPr>
+        <p:blipFill>
+          <a:blip r:embed="rId3"/>
+          <a:stretch>
+            <a:fillRect/>
+          </a:stretch>
+        </p:blipFill>
+        <p:spPr>
+          <a:xfrm>
+            <a:off x="4411830" y="2116183"/>
+            <a:ext cx="3429108" cy="3093520"/>
+          </a:xfrm>
+          <a:prstGeom prst="rect">
+            <a:avLst/>
+          </a:prstGeom>
+        </p:spPr>
+      </p:pic>
+      <p:pic>
+        <p:nvPicPr>
+          <p:cNvPr id="5" name="圖片 4">
+            <a:extLst>
+              <a:ext uri="{FF2B5EF4-FFF2-40B4-BE49-F238E27FC236}">
+                <a16:creationId xmlns:a16="http://schemas.microsoft.com/office/drawing/2014/main" id="{181B44B3-FF31-412E-838A-B9AFBA61FD98}"/>
+              </a:ext>
+            </a:extLst>
+          </p:cNvPr>
+          <p:cNvPicPr>
+            <a:picLocks noChangeAspect="1"/>
+          </p:cNvPicPr>
+          <p:nvPr/>
+        </p:nvPicPr>
+        <p:blipFill>
+          <a:blip r:embed="rId4"/>
+          <a:stretch>
+            <a:fillRect/>
+          </a:stretch>
+        </p:blipFill>
+        <p:spPr>
+          <a:xfrm>
+            <a:off x="783922" y="2116183"/>
+            <a:ext cx="3429108" cy="3093519"/>
+          </a:xfrm>
+          <a:prstGeom prst="rect">
+            <a:avLst/>
+          </a:prstGeom>
+        </p:spPr>
+      </p:pic>
+      <p:sp>
+        <p:nvSpPr>
+          <p:cNvPr id="6" name="文字方塊 5">
+            <a:extLst>
+              <a:ext uri="{FF2B5EF4-FFF2-40B4-BE49-F238E27FC236}">
+                <a16:creationId xmlns:a16="http://schemas.microsoft.com/office/drawing/2014/main" id="{4C836AB4-3FE3-44A0-9B54-CCBAD9D76ACF}"/>
+              </a:ext>
+            </a:extLst>
+          </p:cNvPr>
+          <p:cNvSpPr txBox="1"/>
+          <p:nvPr/>
+        </p:nvSpPr>
+        <p:spPr>
+          <a:xfrm flipH="1">
+            <a:off x="6801394" y="5414027"/>
+            <a:ext cx="4667452" cy="369332"/>
+          </a:xfrm>
+          <a:prstGeom prst="rect">
+            <a:avLst/>
+          </a:prstGeom>
+          <a:gradFill flip="none" rotWithShape="1">
+            <a:gsLst>
+              <a:gs pos="0">
+                <a:srgbClr val="FFFF00">
+                  <a:tint val="66000"/>
+                  <a:satMod val="160000"/>
+                </a:srgbClr>
+              </a:gs>
+              <a:gs pos="50000">
+                <a:srgbClr val="FFFF00">
+                  <a:tint val="44500"/>
+                  <a:satMod val="160000"/>
+                </a:srgbClr>
+              </a:gs>
+              <a:gs pos="100000">
+                <a:srgbClr val="FFFF00">
+                  <a:tint val="23500"/>
+                  <a:satMod val="160000"/>
+                </a:srgbClr>
+              </a:gs>
+            </a:gsLst>
+            <a:lin ang="2700000" scaled="1"/>
+            <a:tileRect/>
+          </a:gradFill>
+        </p:spPr>
+        <p:txBody>
+          <a:bodyPr wrap="square" rtlCol="0">
             <a:spAutoFit/>
           </a:bodyPr>
           <a:lstStyle/>
           <a:p>
-            <a:pPr marL="171453" indent="-171453" defTabSz="914411">
-              <a:buFont typeface="Arial" panose="020B0604020202020204" pitchFamily="34" charset="0"/>
-              <a:buChar char="•"/>
-              <a:defRPr/>
-            </a:pPr>
-            <a:r>
-              <a:rPr lang="zh-TW" altLang="en-US" sz="1200" dirty="0">
+            <a:r>
+              <a:rPr lang="zh-TW" altLang="en-US" dirty="0">
                 <a:solidFill>
                   <a:prstClr val="black"/>
                 </a:solidFill>
-                <a:latin typeface="微軟正黑體" panose="020B0604030504040204" pitchFamily="34" charset="-120"/>
-                <a:ea typeface="微軟正黑體" panose="020B0604030504040204" pitchFamily="34" charset="-120"/>
+                <a:latin typeface="Times New Roman" panose="02020603050405020304" pitchFamily="18" charset="0"/>
+                <a:ea typeface="標楷體" panose="03000509000000000000" pitchFamily="65" charset="-120"/>
+                <a:cs typeface="Times New Roman" panose="02020603050405020304" pitchFamily="18" charset="0"/>
               </a:rPr>
-              <a:t>太陽能板異物</a:t>
-            </a:r>
-            <a:endParaRPr lang="en-US" altLang="zh-TW" sz="1200" dirty="0">
-              <a:solidFill>
-                <a:prstClr val="black"/>
-              </a:solidFill>
-              <a:latin typeface="微軟正黑體" panose="020B0604030504040204" pitchFamily="34" charset="-120"/>
-              <a:ea typeface="微軟正黑體" panose="020B0604030504040204" pitchFamily="34" charset="-120"/>
-            </a:endParaRPr>
-          </a:p>
-          <a:p>
-            <a:pPr marL="171453" indent="-171453" defTabSz="914411">
-              <a:buFont typeface="Arial" panose="020B0604020202020204" pitchFamily="34" charset="0"/>
-              <a:buChar char="•"/>
-              <a:defRPr/>
-            </a:pPr>
-            <a:r>
-              <a:rPr lang="en-US" altLang="zh-TW" sz="1200" dirty="0">
+              <a:t>隨機產生</a:t>
+            </a:r>
+            <a:r>
+              <a:rPr lang="en-US" altLang="zh-TW" dirty="0">
                 <a:solidFill>
                   <a:prstClr val="black"/>
                 </a:solidFill>
-                <a:latin typeface="微軟正黑體" panose="020B0604030504040204" pitchFamily="34" charset="-120"/>
-                <a:ea typeface="微軟正黑體" panose="020B0604030504040204" pitchFamily="34" charset="-120"/>
+                <a:latin typeface="Times New Roman" panose="02020603050405020304" pitchFamily="18" charset="0"/>
+                <a:ea typeface="標楷體" panose="03000509000000000000" pitchFamily="65" charset="-120"/>
+                <a:cs typeface="Times New Roman" panose="02020603050405020304" pitchFamily="18" charset="0"/>
               </a:rPr>
-              <a:t>https://www.finmart.com.tw/wiki/ALL/solar07</a:t>
+              <a:t>3000</a:t>
+            </a:r>
+            <a:r>
+              <a:rPr lang="zh-TW" altLang="en-US" dirty="0">
+                <a:solidFill>
+                  <a:prstClr val="black"/>
+                </a:solidFill>
+                <a:latin typeface="Times New Roman" panose="02020603050405020304" pitchFamily="18" charset="0"/>
+                <a:ea typeface="標楷體" panose="03000509000000000000" pitchFamily="65" charset="-120"/>
+                <a:cs typeface="Times New Roman" panose="02020603050405020304" pitchFamily="18" charset="0"/>
+              </a:rPr>
+              <a:t>筆測試，並且定義</a:t>
+            </a:r>
+            <a:r>
+              <a:rPr lang="en-US" altLang="zh-TW" dirty="0">
+                <a:solidFill>
+                  <a:prstClr val="black"/>
+                </a:solidFill>
+                <a:latin typeface="Times New Roman" panose="02020603050405020304" pitchFamily="18" charset="0"/>
+                <a:ea typeface="標楷體" panose="03000509000000000000" pitchFamily="65" charset="-120"/>
+                <a:cs typeface="Times New Roman" panose="02020603050405020304" pitchFamily="18" charset="0"/>
+              </a:rPr>
+              <a:t>Quantization</a:t>
             </a:r>
           </a:p>
         </p:txBody>
@@ -5029,7 +5328,7 @@
     </p:spTree>
     <p:extLst>
       <p:ext uri="{BB962C8B-B14F-4D97-AF65-F5344CB8AC3E}">
-        <p14:creationId xmlns:p14="http://schemas.microsoft.com/office/powerpoint/2010/main" val="396994804"/>
+        <p14:creationId xmlns:p14="http://schemas.microsoft.com/office/powerpoint/2010/main" val="3674994072"/>
       </p:ext>
     </p:extLst>
   </p:cSld>
@@ -5039,7 +5338,7 @@
 </p:sld>
 </file>
 
-<file path=ppt/slides/slide2.xml><?xml version="1.0" encoding="utf-8"?>
+<file path=ppt/slides/slide11.xml><?xml version="1.0" encoding="utf-8"?>
 <p:sld xmlns:a="http://schemas.openxmlformats.org/drawingml/2006/main" xmlns:r="http://schemas.openxmlformats.org/officeDocument/2006/relationships" xmlns:p="http://schemas.openxmlformats.org/presentationml/2006/main">
   <p:cSld>
     <p:spTree>
@@ -5061,7 +5360,7 @@
           <p:cNvPr id="3" name="標題 2">
             <a:extLst>
               <a:ext uri="{FF2B5EF4-FFF2-40B4-BE49-F238E27FC236}">
-                <a16:creationId xmlns:a16="http://schemas.microsoft.com/office/drawing/2014/main" id="{EF277299-8610-4660-86B9-EE584C561AB1}"/>
+                <a16:creationId xmlns:a16="http://schemas.microsoft.com/office/drawing/2014/main" id="{B0FE567C-34C6-4F98-A84A-4DEAB1E49A7C}"/>
               </a:ext>
             </a:extLst>
           </p:cNvPr>
@@ -5078,134 +5377,320 @@
           <a:lstStyle/>
           <a:p>
             <a:r>
-              <a:rPr lang="en-US" altLang="zh-TW" dirty="0"/>
-              <a:t>TO</a:t>
-            </a:r>
-            <a:r>
               <a:rPr lang="zh-TW" altLang="en-US" dirty="0"/>
-              <a:t> </a:t>
-            </a:r>
-            <a:r>
-              <a:rPr lang="en-US" altLang="zh-TW" dirty="0"/>
-              <a:t>DO</a:t>
-            </a:r>
-            <a:r>
-              <a:rPr lang="zh-TW" altLang="en-US" dirty="0"/>
-              <a:t> </a:t>
-            </a:r>
-            <a:r>
-              <a:rPr lang="en-US" altLang="zh-TW" dirty="0"/>
-              <a:t>LIST</a:t>
-            </a:r>
-            <a:endParaRPr lang="zh-TW" altLang="en-US" dirty="0"/>
-          </a:p>
-        </p:txBody>
-      </p:sp>
-      <p:sp>
-        <p:nvSpPr>
-          <p:cNvPr id="4" name="矩形 3">
+              <a:t>問題紀錄</a:t>
+            </a:r>
+          </a:p>
+        </p:txBody>
+      </p:sp>
+      <p:sp>
+        <p:nvSpPr>
+          <p:cNvPr id="30" name="文字方塊 29">
             <a:extLst>
               <a:ext uri="{FF2B5EF4-FFF2-40B4-BE49-F238E27FC236}">
-                <a16:creationId xmlns:a16="http://schemas.microsoft.com/office/drawing/2014/main" id="{3D52E025-269C-47AF-8999-23E11D4E93F3}"/>
+                <a16:creationId xmlns:a16="http://schemas.microsoft.com/office/drawing/2014/main" id="{93B8EB70-5903-4EB3-92A5-983BD91F2604}"/>
               </a:ext>
             </a:extLst>
           </p:cNvPr>
-          <p:cNvSpPr/>
+          <p:cNvSpPr txBox="1"/>
           <p:nvPr/>
         </p:nvSpPr>
         <p:spPr>
           <a:xfrm>
-            <a:off x="838199" y="1224282"/>
-            <a:ext cx="10515598" cy="461665"/>
+            <a:off x="838200" y="1252385"/>
+            <a:ext cx="10515600" cy="1384995"/>
           </a:xfrm>
           <a:prstGeom prst="rect">
             <a:avLst/>
           </a:prstGeom>
+          <a:noFill/>
         </p:spPr>
         <p:txBody>
-          <a:bodyPr wrap="square">
+          <a:bodyPr wrap="square" lIns="0" tIns="0" rIns="0" bIns="0" rtlCol="0">
             <a:spAutoFit/>
           </a:bodyPr>
           <a:lstStyle/>
           <a:p>
-            <a:pPr marL="171453" indent="-171453" defTabSz="914411">
-              <a:buFont typeface="Arial" panose="020B0604020202020204" pitchFamily="34" charset="0"/>
-              <a:buChar char="•"/>
-              <a:defRPr/>
-            </a:pPr>
-            <a:r>
-              <a:rPr lang="en-US" altLang="zh-TW" sz="1200" dirty="0">
+            <a:r>
+              <a:rPr lang="en-US" altLang="zh-TW" dirty="0">
                 <a:solidFill>
                   <a:prstClr val="black"/>
                 </a:solidFill>
-                <a:latin typeface="微軟正黑體" panose="020B0604030504040204" pitchFamily="34" charset="-120"/>
-                <a:ea typeface="微軟正黑體" panose="020B0604030504040204" pitchFamily="34" charset="-120"/>
+                <a:latin typeface="Times New Roman" panose="02020603050405020304" pitchFamily="18" charset="0"/>
+                <a:ea typeface="標楷體" panose="03000509000000000000" pitchFamily="65" charset="-120"/>
+                <a:cs typeface="Times New Roman" panose="02020603050405020304" pitchFamily="18" charset="0"/>
               </a:rPr>
-              <a:t>2022/05/06</a:t>
-            </a:r>
-            <a:r>
-              <a:rPr lang="zh-TW" altLang="en-US" sz="1200" dirty="0">
+              <a:t>Q</a:t>
+            </a:r>
+            <a:r>
+              <a:rPr lang="zh-TW" altLang="en-US" dirty="0">
                 <a:solidFill>
                   <a:prstClr val="black"/>
                 </a:solidFill>
-                <a:latin typeface="微軟正黑體" panose="020B0604030504040204" pitchFamily="34" charset="-120"/>
-                <a:ea typeface="微軟正黑體" panose="020B0604030504040204" pitchFamily="34" charset="-120"/>
+                <a:latin typeface="Times New Roman" panose="02020603050405020304" pitchFamily="18" charset="0"/>
+                <a:ea typeface="標楷體" panose="03000509000000000000" pitchFamily="65" charset="-120"/>
+                <a:cs typeface="Times New Roman" panose="02020603050405020304" pitchFamily="18" charset="0"/>
               </a:rPr>
               <a:t> </a:t>
             </a:r>
             <a:r>
-              <a:rPr lang="en-US" altLang="zh-TW" sz="1200" dirty="0">
+              <a:rPr lang="en-US" altLang="zh-TW" dirty="0">
                 <a:solidFill>
                   <a:prstClr val="black"/>
                 </a:solidFill>
-                <a:latin typeface="微軟正黑體" panose="020B0604030504040204" pitchFamily="34" charset="-120"/>
-                <a:ea typeface="微軟正黑體" panose="020B0604030504040204" pitchFamily="34" charset="-120"/>
+                <a:latin typeface="Times New Roman" panose="02020603050405020304" pitchFamily="18" charset="0"/>
+                <a:ea typeface="標楷體" panose="03000509000000000000" pitchFamily="65" charset="-120"/>
+                <a:cs typeface="Times New Roman" panose="02020603050405020304" pitchFamily="18" charset="0"/>
               </a:rPr>
-              <a:t>~</a:t>
-            </a:r>
-            <a:r>
-              <a:rPr lang="zh-TW" altLang="en-US" sz="1200" dirty="0">
+              <a:t>:</a:t>
+            </a:r>
+            <a:r>
+              <a:rPr lang="zh-TW" altLang="en-US" dirty="0">
                 <a:solidFill>
                   <a:prstClr val="black"/>
                 </a:solidFill>
-                <a:latin typeface="微軟正黑體" panose="020B0604030504040204" pitchFamily="34" charset="-120"/>
-                <a:ea typeface="微軟正黑體" panose="020B0604030504040204" pitchFamily="34" charset="-120"/>
+                <a:latin typeface="Times New Roman" panose="02020603050405020304" pitchFamily="18" charset="0"/>
+                <a:ea typeface="標楷體" panose="03000509000000000000" pitchFamily="65" charset="-120"/>
+                <a:cs typeface="Times New Roman" panose="02020603050405020304" pitchFamily="18" charset="0"/>
               </a:rPr>
               <a:t> </a:t>
             </a:r>
             <a:r>
-              <a:rPr lang="en-US" altLang="zh-TW" sz="1200" dirty="0">
+              <a:rPr lang="en-US" altLang="zh-TW" dirty="0">
                 <a:solidFill>
                   <a:prstClr val="black"/>
                 </a:solidFill>
-                <a:latin typeface="微軟正黑體" panose="020B0604030504040204" pitchFamily="34" charset="-120"/>
-                <a:ea typeface="微軟正黑體" panose="020B0604030504040204" pitchFamily="34" charset="-120"/>
+                <a:latin typeface="Times New Roman" panose="02020603050405020304" pitchFamily="18" charset="0"/>
+                <a:ea typeface="標楷體" panose="03000509000000000000" pitchFamily="65" charset="-120"/>
+                <a:cs typeface="Times New Roman" panose="02020603050405020304" pitchFamily="18" charset="0"/>
               </a:rPr>
-              <a:t>2022/05/06</a:t>
-            </a:r>
-          </a:p>
-          <a:p>
-            <a:pPr marL="628653" lvl="1" indent="-171453" defTabSz="914411">
-              <a:buFont typeface="Arial" panose="020B0604020202020204" pitchFamily="34" charset="0"/>
-              <a:buChar char="•"/>
-              <a:defRPr/>
-            </a:pPr>
-            <a:r>
-              <a:rPr lang="zh-TW" altLang="en-US" sz="1200" dirty="0">
+              <a:t>Quantization</a:t>
+            </a:r>
+            <a:r>
+              <a:rPr lang="zh-TW" altLang="en-US" dirty="0">
                 <a:solidFill>
                   <a:prstClr val="black"/>
                 </a:solidFill>
-                <a:latin typeface="微軟正黑體" panose="020B0604030504040204" pitchFamily="34" charset="-120"/>
-                <a:ea typeface="微軟正黑體" panose="020B0604030504040204" pitchFamily="34" charset="-120"/>
+                <a:latin typeface="Times New Roman" panose="02020603050405020304" pitchFamily="18" charset="0"/>
+                <a:ea typeface="標楷體" panose="03000509000000000000" pitchFamily="65" charset="-120"/>
+                <a:cs typeface="Times New Roman" panose="02020603050405020304" pitchFamily="18" charset="0"/>
               </a:rPr>
-              <a:t>討論專案架構、需求、、分工</a:t>
-            </a:r>
-            <a:endParaRPr lang="en-US" altLang="zh-TW" sz="1200" dirty="0">
+              <a:t>，輸入會隨著不同影像的</a:t>
+            </a:r>
+            <a:r>
+              <a:rPr lang="en-US" altLang="zh-TW" dirty="0">
+                <a:solidFill>
+                  <a:prstClr val="black"/>
+                </a:solidFill>
+                <a:latin typeface="Times New Roman" panose="02020603050405020304" pitchFamily="18" charset="0"/>
+                <a:ea typeface="標楷體" panose="03000509000000000000" pitchFamily="65" charset="-120"/>
+                <a:cs typeface="Times New Roman" panose="02020603050405020304" pitchFamily="18" charset="0"/>
+              </a:rPr>
+              <a:t>Width Height Size</a:t>
+            </a:r>
+            <a:r>
+              <a:rPr lang="zh-TW" altLang="en-US" dirty="0">
+                <a:solidFill>
+                  <a:prstClr val="black"/>
+                </a:solidFill>
+                <a:latin typeface="Times New Roman" panose="02020603050405020304" pitchFamily="18" charset="0"/>
+                <a:ea typeface="標楷體" panose="03000509000000000000" pitchFamily="65" charset="-120"/>
+                <a:cs typeface="Times New Roman" panose="02020603050405020304" pitchFamily="18" charset="0"/>
+              </a:rPr>
+              <a:t>，而影響到累加的結果，導致</a:t>
+            </a:r>
+            <a:r>
+              <a:rPr lang="en-US" altLang="zh-TW" dirty="0">
+                <a:solidFill>
+                  <a:prstClr val="black"/>
+                </a:solidFill>
+                <a:latin typeface="Times New Roman" panose="02020603050405020304" pitchFamily="18" charset="0"/>
+                <a:ea typeface="標楷體" panose="03000509000000000000" pitchFamily="65" charset="-120"/>
+                <a:cs typeface="Times New Roman" panose="02020603050405020304" pitchFamily="18" charset="0"/>
+              </a:rPr>
+              <a:t>Quantization</a:t>
+            </a:r>
+            <a:r>
+              <a:rPr lang="zh-TW" altLang="en-US" dirty="0">
+                <a:solidFill>
+                  <a:prstClr val="black"/>
+                </a:solidFill>
+                <a:latin typeface="Times New Roman" panose="02020603050405020304" pitchFamily="18" charset="0"/>
+                <a:ea typeface="標楷體" panose="03000509000000000000" pitchFamily="65" charset="-120"/>
+                <a:cs typeface="Times New Roman" panose="02020603050405020304" pitchFamily="18" charset="0"/>
+              </a:rPr>
+              <a:t>不知道要怎麼定義。</a:t>
+            </a:r>
+            <a:endParaRPr lang="en-US" altLang="zh-TW" dirty="0">
               <a:solidFill>
                 <a:prstClr val="black"/>
               </a:solidFill>
-              <a:latin typeface="微軟正黑體" panose="020B0604030504040204" pitchFamily="34" charset="-120"/>
-              <a:ea typeface="微軟正黑體" panose="020B0604030504040204" pitchFamily="34" charset="-120"/>
+              <a:latin typeface="Times New Roman" panose="02020603050405020304" pitchFamily="18" charset="0"/>
+              <a:ea typeface="標楷體" panose="03000509000000000000" pitchFamily="65" charset="-120"/>
+              <a:cs typeface="Times New Roman" panose="02020603050405020304" pitchFamily="18" charset="0"/>
+            </a:endParaRPr>
+          </a:p>
+          <a:p>
+            <a:endParaRPr lang="en-US" altLang="zh-TW" dirty="0">
+              <a:solidFill>
+                <a:prstClr val="black"/>
+              </a:solidFill>
+              <a:latin typeface="Times New Roman" panose="02020603050405020304" pitchFamily="18" charset="0"/>
+              <a:ea typeface="標楷體" panose="03000509000000000000" pitchFamily="65" charset="-120"/>
+              <a:cs typeface="Times New Roman" panose="02020603050405020304" pitchFamily="18" charset="0"/>
+            </a:endParaRPr>
+          </a:p>
+          <a:p>
+            <a:r>
+              <a:rPr lang="en-US" altLang="zh-TW" dirty="0">
+                <a:solidFill>
+                  <a:prstClr val="black"/>
+                </a:solidFill>
+                <a:latin typeface="Times New Roman" panose="02020603050405020304" pitchFamily="18" charset="0"/>
+                <a:ea typeface="標楷體" panose="03000509000000000000" pitchFamily="65" charset="-120"/>
+                <a:cs typeface="Times New Roman" panose="02020603050405020304" pitchFamily="18" charset="0"/>
+              </a:rPr>
+              <a:t>A</a:t>
+            </a:r>
+            <a:r>
+              <a:rPr lang="zh-TW" altLang="en-US" dirty="0">
+                <a:solidFill>
+                  <a:prstClr val="black"/>
+                </a:solidFill>
+                <a:latin typeface="Times New Roman" panose="02020603050405020304" pitchFamily="18" charset="0"/>
+                <a:ea typeface="標楷體" panose="03000509000000000000" pitchFamily="65" charset="-120"/>
+                <a:cs typeface="Times New Roman" panose="02020603050405020304" pitchFamily="18" charset="0"/>
+              </a:rPr>
+              <a:t> </a:t>
+            </a:r>
+            <a:r>
+              <a:rPr lang="en-US" altLang="zh-TW" dirty="0">
+                <a:solidFill>
+                  <a:prstClr val="black"/>
+                </a:solidFill>
+                <a:latin typeface="Times New Roman" panose="02020603050405020304" pitchFamily="18" charset="0"/>
+                <a:ea typeface="標楷體" panose="03000509000000000000" pitchFamily="65" charset="-120"/>
+                <a:cs typeface="Times New Roman" panose="02020603050405020304" pitchFamily="18" charset="0"/>
+              </a:rPr>
+              <a:t>:</a:t>
+            </a:r>
+            <a:r>
+              <a:rPr lang="zh-TW" altLang="en-US" dirty="0">
+                <a:solidFill>
+                  <a:prstClr val="black"/>
+                </a:solidFill>
+                <a:latin typeface="Times New Roman" panose="02020603050405020304" pitchFamily="18" charset="0"/>
+                <a:ea typeface="標楷體" panose="03000509000000000000" pitchFamily="65" charset="-120"/>
+                <a:cs typeface="Times New Roman" panose="02020603050405020304" pitchFamily="18" charset="0"/>
+              </a:rPr>
+              <a:t> 需要根據需求來定義，那以後可以使用</a:t>
+            </a:r>
+            <a:r>
+              <a:rPr lang="en-US" altLang="zh-TW" dirty="0">
+                <a:solidFill>
+                  <a:prstClr val="black"/>
+                </a:solidFill>
+                <a:latin typeface="Times New Roman" panose="02020603050405020304" pitchFamily="18" charset="0"/>
+                <a:ea typeface="標楷體" panose="03000509000000000000" pitchFamily="65" charset="-120"/>
+                <a:cs typeface="Times New Roman" panose="02020603050405020304" pitchFamily="18" charset="0"/>
+              </a:rPr>
+              <a:t>Generic</a:t>
+            </a:r>
+            <a:r>
+              <a:rPr lang="zh-TW" altLang="en-US" dirty="0">
+                <a:solidFill>
+                  <a:prstClr val="black"/>
+                </a:solidFill>
+                <a:latin typeface="Times New Roman" panose="02020603050405020304" pitchFamily="18" charset="0"/>
+                <a:ea typeface="標楷體" panose="03000509000000000000" pitchFamily="65" charset="-120"/>
+                <a:cs typeface="Times New Roman" panose="02020603050405020304" pitchFamily="18" charset="0"/>
+              </a:rPr>
+              <a:t>方式進行參數設定，並快速達到我們要的效果，目前是定在</a:t>
+            </a:r>
+            <a:r>
+              <a:rPr lang="en-US" altLang="zh-TW" dirty="0">
+                <a:solidFill>
+                  <a:srgbClr val="FF0000"/>
+                </a:solidFill>
+                <a:latin typeface="Times New Roman" panose="02020603050405020304" pitchFamily="18" charset="0"/>
+                <a:ea typeface="標楷體" panose="03000509000000000000" pitchFamily="65" charset="-120"/>
+                <a:cs typeface="Times New Roman" panose="02020603050405020304" pitchFamily="18" charset="0"/>
+              </a:rPr>
+              <a:t>400</a:t>
+            </a:r>
+            <a:r>
+              <a:rPr lang="zh-TW" altLang="en-US" dirty="0">
+                <a:solidFill>
+                  <a:srgbClr val="FF0000"/>
+                </a:solidFill>
+                <a:latin typeface="Times New Roman" panose="02020603050405020304" pitchFamily="18" charset="0"/>
+                <a:ea typeface="標楷體" panose="03000509000000000000" pitchFamily="65" charset="-120"/>
+                <a:cs typeface="Times New Roman" panose="02020603050405020304" pitchFamily="18" charset="0"/>
+              </a:rPr>
+              <a:t>*</a:t>
+            </a:r>
+            <a:r>
+              <a:rPr lang="en-US" altLang="zh-TW" dirty="0">
+                <a:solidFill>
+                  <a:srgbClr val="FF0000"/>
+                </a:solidFill>
+                <a:latin typeface="Times New Roman" panose="02020603050405020304" pitchFamily="18" charset="0"/>
+                <a:ea typeface="標楷體" panose="03000509000000000000" pitchFamily="65" charset="-120"/>
+                <a:cs typeface="Times New Roman" panose="02020603050405020304" pitchFamily="18" charset="0"/>
+              </a:rPr>
+              <a:t>400</a:t>
+            </a:r>
+            <a:r>
+              <a:rPr lang="zh-TW" altLang="en-US" dirty="0">
+                <a:solidFill>
+                  <a:srgbClr val="FF0000"/>
+                </a:solidFill>
+                <a:latin typeface="Times New Roman" panose="02020603050405020304" pitchFamily="18" charset="0"/>
+                <a:ea typeface="標楷體" panose="03000509000000000000" pitchFamily="65" charset="-120"/>
+                <a:cs typeface="Times New Roman" panose="02020603050405020304" pitchFamily="18" charset="0"/>
+              </a:rPr>
+              <a:t>大小</a:t>
+            </a:r>
+            <a:r>
+              <a:rPr lang="zh-TW" altLang="en-US" dirty="0">
+                <a:solidFill>
+                  <a:prstClr val="black"/>
+                </a:solidFill>
+                <a:latin typeface="Times New Roman" panose="02020603050405020304" pitchFamily="18" charset="0"/>
+                <a:ea typeface="標楷體" panose="03000509000000000000" pitchFamily="65" charset="-120"/>
+                <a:cs typeface="Times New Roman" panose="02020603050405020304" pitchFamily="18" charset="0"/>
+              </a:rPr>
+              <a:t>內，所定義出的</a:t>
+            </a:r>
+            <a:r>
+              <a:rPr lang="en-US" altLang="zh-TW" dirty="0">
+                <a:solidFill>
+                  <a:prstClr val="black"/>
+                </a:solidFill>
+                <a:latin typeface="Times New Roman" panose="02020603050405020304" pitchFamily="18" charset="0"/>
+                <a:ea typeface="標楷體" panose="03000509000000000000" pitchFamily="65" charset="-120"/>
+                <a:cs typeface="Times New Roman" panose="02020603050405020304" pitchFamily="18" charset="0"/>
+              </a:rPr>
+              <a:t>Quantization</a:t>
+            </a:r>
+            <a:r>
+              <a:rPr lang="zh-TW" altLang="en-US" dirty="0">
+                <a:solidFill>
+                  <a:prstClr val="black"/>
+                </a:solidFill>
+                <a:latin typeface="Times New Roman" panose="02020603050405020304" pitchFamily="18" charset="0"/>
+                <a:ea typeface="標楷體" panose="03000509000000000000" pitchFamily="65" charset="-120"/>
+                <a:cs typeface="Times New Roman" panose="02020603050405020304" pitchFamily="18" charset="0"/>
+              </a:rPr>
+              <a:t>。</a:t>
+            </a:r>
+            <a:endParaRPr lang="en-US" altLang="zh-TW" dirty="0">
+              <a:solidFill>
+                <a:prstClr val="black"/>
+              </a:solidFill>
+              <a:latin typeface="Times New Roman" panose="02020603050405020304" pitchFamily="18" charset="0"/>
+              <a:ea typeface="標楷體" panose="03000509000000000000" pitchFamily="65" charset="-120"/>
+              <a:cs typeface="Times New Roman" panose="02020603050405020304" pitchFamily="18" charset="0"/>
             </a:endParaRPr>
           </a:p>
         </p:txBody>
@@ -5213,7 +5698,7 @@
     </p:spTree>
     <p:extLst>
       <p:ext uri="{BB962C8B-B14F-4D97-AF65-F5344CB8AC3E}">
-        <p14:creationId xmlns:p14="http://schemas.microsoft.com/office/powerpoint/2010/main" val="65587502"/>
+        <p14:creationId xmlns:p14="http://schemas.microsoft.com/office/powerpoint/2010/main" val="2130367859"/>
       </p:ext>
     </p:extLst>
   </p:cSld>
@@ -5223,658 +5708,7 @@
 </p:sld>
 </file>
 
-<file path=ppt/slides/slide3.xml><?xml version="1.0" encoding="utf-8"?>
-<p:sld xmlns:a="http://schemas.openxmlformats.org/drawingml/2006/main" xmlns:r="http://schemas.openxmlformats.org/officeDocument/2006/relationships" xmlns:p="http://schemas.openxmlformats.org/presentationml/2006/main">
-  <p:cSld>
-    <p:spTree>
-      <p:nvGrpSpPr>
-        <p:cNvPr id="1" name=""/>
-        <p:cNvGrpSpPr/>
-        <p:nvPr/>
-      </p:nvGrpSpPr>
-      <p:grpSpPr>
-        <a:xfrm>
-          <a:off x="0" y="0"/>
-          <a:ext cx="0" cy="0"/>
-          <a:chOff x="0" y="0"/>
-          <a:chExt cx="0" cy="0"/>
-        </a:xfrm>
-      </p:grpSpPr>
-      <p:sp>
-        <p:nvSpPr>
-          <p:cNvPr id="3" name="標題 2">
-            <a:extLst>
-              <a:ext uri="{FF2B5EF4-FFF2-40B4-BE49-F238E27FC236}">
-                <a16:creationId xmlns:a16="http://schemas.microsoft.com/office/drawing/2014/main" id="{EF277299-8610-4660-86B9-EE584C561AB1}"/>
-              </a:ext>
-            </a:extLst>
-          </p:cNvPr>
-          <p:cNvSpPr>
-            <a:spLocks noGrp="1"/>
-          </p:cNvSpPr>
-          <p:nvPr>
-            <p:ph type="title"/>
-          </p:nvPr>
-        </p:nvSpPr>
-        <p:spPr/>
-        <p:txBody>
-          <a:bodyPr>
-            <a:normAutofit/>
-          </a:bodyPr>
-          <a:lstStyle/>
-          <a:p>
-            <a:r>
-              <a:rPr lang="zh-TW" altLang="en-US" dirty="0"/>
-              <a:t>情境說明</a:t>
-            </a:r>
-          </a:p>
-        </p:txBody>
-      </p:sp>
-      <p:sp>
-        <p:nvSpPr>
-          <p:cNvPr id="4" name="矩形 3">
-            <a:extLst>
-              <a:ext uri="{FF2B5EF4-FFF2-40B4-BE49-F238E27FC236}">
-                <a16:creationId xmlns:a16="http://schemas.microsoft.com/office/drawing/2014/main" id="{AC2FE677-EC78-63B1-6C3F-0FCD5C2D24C6}"/>
-              </a:ext>
-            </a:extLst>
-          </p:cNvPr>
-          <p:cNvSpPr/>
-          <p:nvPr/>
-        </p:nvSpPr>
-        <p:spPr>
-          <a:xfrm>
-            <a:off x="838199" y="1224282"/>
-            <a:ext cx="10515598" cy="2308324"/>
-          </a:xfrm>
-          <a:prstGeom prst="rect">
-            <a:avLst/>
-          </a:prstGeom>
-        </p:spPr>
-        <p:txBody>
-          <a:bodyPr wrap="square">
-            <a:spAutoFit/>
-          </a:bodyPr>
-          <a:lstStyle/>
-          <a:p>
-            <a:pPr marL="171453" indent="-171453" defTabSz="914411">
-              <a:buFont typeface="Arial" panose="020B0604020202020204" pitchFamily="34" charset="0"/>
-              <a:buChar char="•"/>
-              <a:defRPr/>
-            </a:pPr>
-            <a:r>
-              <a:rPr lang="zh-TW" altLang="en-US" dirty="0">
-                <a:solidFill>
-                  <a:prstClr val="black"/>
-                </a:solidFill>
-                <a:latin typeface="微軟正黑體" panose="020B0604030504040204" pitchFamily="34" charset="-120"/>
-                <a:ea typeface="微軟正黑體" panose="020B0604030504040204" pitchFamily="34" charset="-120"/>
-              </a:rPr>
-              <a:t>近年來台灣太陽能系統建置量以倍數成長，許多地方開始大面積的鋪設太陽能板產生綠電，這同時也代表太陽能板的維修養護需求增加，但如此大面積的人力搜查表面壞損或存在異常的太陽能板實在不符合經濟效益，因此我們提出透過影像檢測表面異物的方式，減少人力一一排查太陽能板的時間與金錢花費，並將此功能實現於</a:t>
-            </a:r>
-            <a:r>
-              <a:rPr lang="en-US" altLang="zh-TW" dirty="0">
-                <a:solidFill>
-                  <a:prstClr val="black"/>
-                </a:solidFill>
-                <a:latin typeface="微軟正黑體" panose="020B0604030504040204" pitchFamily="34" charset="-120"/>
-                <a:ea typeface="微軟正黑體" panose="020B0604030504040204" pitchFamily="34" charset="-120"/>
-              </a:rPr>
-              <a:t>SoC</a:t>
-            </a:r>
-            <a:r>
-              <a:rPr lang="zh-TW" altLang="en-US" dirty="0">
-                <a:solidFill>
-                  <a:prstClr val="black"/>
-                </a:solidFill>
-                <a:latin typeface="微軟正黑體" panose="020B0604030504040204" pitchFamily="34" charset="-120"/>
-                <a:ea typeface="微軟正黑體" panose="020B0604030504040204" pitchFamily="34" charset="-120"/>
-              </a:rPr>
-              <a:t>上，縮小體積的同時增加運算效能。</a:t>
-            </a:r>
-            <a:endParaRPr lang="en-US" altLang="zh-TW" dirty="0">
-              <a:solidFill>
-                <a:prstClr val="black"/>
-              </a:solidFill>
-              <a:latin typeface="微軟正黑體" panose="020B0604030504040204" pitchFamily="34" charset="-120"/>
-              <a:ea typeface="微軟正黑體" panose="020B0604030504040204" pitchFamily="34" charset="-120"/>
-            </a:endParaRPr>
-          </a:p>
-          <a:p>
-            <a:pPr marL="171453" indent="-171453" defTabSz="914411">
-              <a:buFont typeface="Arial" panose="020B0604020202020204" pitchFamily="34" charset="0"/>
-              <a:buChar char="•"/>
-              <a:defRPr/>
-            </a:pPr>
-            <a:endParaRPr lang="en-US" altLang="zh-TW" dirty="0">
-              <a:solidFill>
-                <a:prstClr val="black"/>
-              </a:solidFill>
-              <a:latin typeface="微軟正黑體" panose="020B0604030504040204" pitchFamily="34" charset="-120"/>
-              <a:ea typeface="微軟正黑體" panose="020B0604030504040204" pitchFamily="34" charset="-120"/>
-            </a:endParaRPr>
-          </a:p>
-          <a:p>
-            <a:pPr defTabSz="914411">
-              <a:defRPr/>
-            </a:pPr>
-            <a:endParaRPr lang="en-US" altLang="zh-TW" dirty="0">
-              <a:solidFill>
-                <a:prstClr val="black"/>
-              </a:solidFill>
-              <a:latin typeface="微軟正黑體" panose="020B0604030504040204" pitchFamily="34" charset="-120"/>
-              <a:ea typeface="微軟正黑體" panose="020B0604030504040204" pitchFamily="34" charset="-120"/>
-            </a:endParaRPr>
-          </a:p>
-          <a:p>
-            <a:pPr defTabSz="914411">
-              <a:defRPr/>
-            </a:pPr>
-            <a:endParaRPr lang="en-US" altLang="zh-TW" dirty="0">
-              <a:solidFill>
-                <a:prstClr val="black"/>
-              </a:solidFill>
-              <a:latin typeface="微軟正黑體" panose="020B0604030504040204" pitchFamily="34" charset="-120"/>
-              <a:ea typeface="微軟正黑體" panose="020B0604030504040204" pitchFamily="34" charset="-120"/>
-            </a:endParaRPr>
-          </a:p>
-          <a:p>
-            <a:pPr defTabSz="914411">
-              <a:defRPr/>
-            </a:pPr>
-            <a:endParaRPr lang="en-US" altLang="zh-TW" dirty="0">
-              <a:solidFill>
-                <a:prstClr val="black"/>
-              </a:solidFill>
-              <a:latin typeface="微軟正黑體" panose="020B0604030504040204" pitchFamily="34" charset="-120"/>
-              <a:ea typeface="微軟正黑體" panose="020B0604030504040204" pitchFamily="34" charset="-120"/>
-            </a:endParaRPr>
-          </a:p>
-        </p:txBody>
-      </p:sp>
-      <p:pic>
-        <p:nvPicPr>
-          <p:cNvPr id="5" name="圖片 4">
-            <a:extLst>
-              <a:ext uri="{FF2B5EF4-FFF2-40B4-BE49-F238E27FC236}">
-                <a16:creationId xmlns:a16="http://schemas.microsoft.com/office/drawing/2014/main" id="{DCB88D7A-1E20-CA35-3265-DA5DCCA9017D}"/>
-              </a:ext>
-            </a:extLst>
-          </p:cNvPr>
-          <p:cNvPicPr>
-            <a:picLocks noChangeAspect="1"/>
-          </p:cNvPicPr>
-          <p:nvPr/>
-        </p:nvPicPr>
-        <p:blipFill>
-          <a:blip r:embed="rId3"/>
-          <a:stretch>
-            <a:fillRect/>
-          </a:stretch>
-        </p:blipFill>
-        <p:spPr>
-          <a:xfrm>
-            <a:off x="6412003" y="2922493"/>
-            <a:ext cx="4941794" cy="3294529"/>
-          </a:xfrm>
-          <a:prstGeom prst="rect">
-            <a:avLst/>
-          </a:prstGeom>
-        </p:spPr>
-      </p:pic>
-    </p:spTree>
-    <p:extLst>
-      <p:ext uri="{BB962C8B-B14F-4D97-AF65-F5344CB8AC3E}">
-        <p14:creationId xmlns:p14="http://schemas.microsoft.com/office/powerpoint/2010/main" val="1587692000"/>
-      </p:ext>
-    </p:extLst>
-  </p:cSld>
-  <p:clrMapOvr>
-    <a:masterClrMapping/>
-  </p:clrMapOvr>
-</p:sld>
-</file>
-
-<file path=ppt/slides/slide4.xml><?xml version="1.0" encoding="utf-8"?>
-<p:sld xmlns:a="http://schemas.openxmlformats.org/drawingml/2006/main" xmlns:r="http://schemas.openxmlformats.org/officeDocument/2006/relationships" xmlns:p="http://schemas.openxmlformats.org/presentationml/2006/main">
-  <p:cSld>
-    <p:spTree>
-      <p:nvGrpSpPr>
-        <p:cNvPr id="1" name=""/>
-        <p:cNvGrpSpPr/>
-        <p:nvPr/>
-      </p:nvGrpSpPr>
-      <p:grpSpPr>
-        <a:xfrm>
-          <a:off x="0" y="0"/>
-          <a:ext cx="0" cy="0"/>
-          <a:chOff x="0" y="0"/>
-          <a:chExt cx="0" cy="0"/>
-        </a:xfrm>
-      </p:grpSpPr>
-      <p:sp>
-        <p:nvSpPr>
-          <p:cNvPr id="3" name="標題 2">
-            <a:extLst>
-              <a:ext uri="{FF2B5EF4-FFF2-40B4-BE49-F238E27FC236}">
-                <a16:creationId xmlns:a16="http://schemas.microsoft.com/office/drawing/2014/main" id="{EF277299-8610-4660-86B9-EE584C561AB1}"/>
-              </a:ext>
-            </a:extLst>
-          </p:cNvPr>
-          <p:cNvSpPr>
-            <a:spLocks noGrp="1"/>
-          </p:cNvSpPr>
-          <p:nvPr>
-            <p:ph type="title"/>
-          </p:nvPr>
-        </p:nvSpPr>
-        <p:spPr/>
-        <p:txBody>
-          <a:bodyPr/>
-          <a:lstStyle/>
-          <a:p>
-            <a:r>
-              <a:rPr lang="zh-TW" altLang="en-US" dirty="0"/>
-              <a:t>專案需求</a:t>
-            </a:r>
-          </a:p>
-        </p:txBody>
-      </p:sp>
-      <p:sp>
-        <p:nvSpPr>
-          <p:cNvPr id="4" name="矩形 3">
-            <a:extLst>
-              <a:ext uri="{FF2B5EF4-FFF2-40B4-BE49-F238E27FC236}">
-                <a16:creationId xmlns:a16="http://schemas.microsoft.com/office/drawing/2014/main" id="{AC2FE677-EC78-63B1-6C3F-0FCD5C2D24C6}"/>
-              </a:ext>
-            </a:extLst>
-          </p:cNvPr>
-          <p:cNvSpPr/>
-          <p:nvPr/>
-        </p:nvSpPr>
-        <p:spPr>
-          <a:xfrm>
-            <a:off x="838199" y="1224282"/>
-            <a:ext cx="10515598" cy="2893100"/>
-          </a:xfrm>
-          <a:prstGeom prst="rect">
-            <a:avLst/>
-          </a:prstGeom>
-        </p:spPr>
-        <p:txBody>
-          <a:bodyPr wrap="square">
-            <a:spAutoFit/>
-          </a:bodyPr>
-          <a:lstStyle/>
-          <a:p>
-            <a:pPr marL="171453" indent="-171453" defTabSz="914411">
-              <a:buFont typeface="Arial" panose="020B0604020202020204" pitchFamily="34" charset="0"/>
-              <a:buChar char="•"/>
-              <a:defRPr/>
-            </a:pPr>
-            <a:r>
-              <a:rPr lang="zh-TW" altLang="en-US" b="1" dirty="0">
-                <a:solidFill>
-                  <a:prstClr val="black"/>
-                </a:solidFill>
-                <a:latin typeface="微軟正黑體" panose="020B0604030504040204" pitchFamily="34" charset="-120"/>
-                <a:ea typeface="微軟正黑體" panose="020B0604030504040204" pitchFamily="34" charset="-120"/>
-              </a:rPr>
-              <a:t>功能需求</a:t>
-            </a:r>
-            <a:r>
-              <a:rPr lang="en-US" altLang="zh-TW" b="1" dirty="0">
-                <a:solidFill>
-                  <a:prstClr val="black"/>
-                </a:solidFill>
-                <a:latin typeface="微軟正黑體" panose="020B0604030504040204" pitchFamily="34" charset="-120"/>
-                <a:ea typeface="微軟正黑體" panose="020B0604030504040204" pitchFamily="34" charset="-120"/>
-              </a:rPr>
-              <a:t>:</a:t>
-            </a:r>
-          </a:p>
-          <a:p>
-            <a:pPr defTabSz="914411">
-              <a:defRPr/>
-            </a:pPr>
-            <a:r>
-              <a:rPr lang="zh-TW" altLang="en-US" sz="1600" dirty="0">
-                <a:solidFill>
-                  <a:prstClr val="black"/>
-                </a:solidFill>
-                <a:latin typeface="微軟正黑體" panose="020B0604030504040204" pitchFamily="34" charset="-120"/>
-                <a:ea typeface="微軟正黑體" panose="020B0604030504040204" pitchFamily="34" charset="-120"/>
-              </a:rPr>
-              <a:t>我們希望可以透過系統抓取裂痕、坑洞、凹凸，透過邊緣檢測的方式得知影像中較強的邊緣，</a:t>
-            </a:r>
-          </a:p>
-          <a:p>
-            <a:pPr defTabSz="914411">
-              <a:defRPr/>
-            </a:pPr>
-            <a:r>
-              <a:rPr lang="zh-TW" altLang="en-US" sz="1600" dirty="0">
-                <a:solidFill>
-                  <a:prstClr val="black"/>
-                </a:solidFill>
-                <a:latin typeface="微軟正黑體" panose="020B0604030504040204" pitchFamily="34" charset="-120"/>
-                <a:ea typeface="微軟正黑體" panose="020B0604030504040204" pitchFamily="34" charset="-120"/>
-              </a:rPr>
-              <a:t>並由軟體端告訴硬體端要篩選的強度參數，利用</a:t>
-            </a:r>
-            <a:r>
-              <a:rPr lang="en-US" altLang="zh-TW" sz="1600" dirty="0">
-                <a:solidFill>
-                  <a:prstClr val="black"/>
-                </a:solidFill>
-                <a:latin typeface="微軟正黑體" panose="020B0604030504040204" pitchFamily="34" charset="-120"/>
-                <a:ea typeface="微軟正黑體" panose="020B0604030504040204" pitchFamily="34" charset="-120"/>
-              </a:rPr>
-              <a:t>CCL</a:t>
-            </a:r>
-            <a:r>
-              <a:rPr lang="zh-TW" altLang="en-US" sz="1600" dirty="0">
-                <a:solidFill>
-                  <a:prstClr val="black"/>
-                </a:solidFill>
-                <a:latin typeface="微軟正黑體" panose="020B0604030504040204" pitchFamily="34" charset="-120"/>
-                <a:ea typeface="微軟正黑體" panose="020B0604030504040204" pitchFamily="34" charset="-120"/>
-              </a:rPr>
-              <a:t>將圖片中相互連結的部分各自做上不同標記，</a:t>
-            </a:r>
-          </a:p>
-          <a:p>
-            <a:pPr defTabSz="914411">
-              <a:defRPr/>
-            </a:pPr>
-            <a:r>
-              <a:rPr lang="zh-TW" altLang="en-US" sz="1600" dirty="0">
-                <a:solidFill>
-                  <a:prstClr val="black"/>
-                </a:solidFill>
-                <a:latin typeface="微軟正黑體" panose="020B0604030504040204" pitchFamily="34" charset="-120"/>
-                <a:ea typeface="微軟正黑體" panose="020B0604030504040204" pitchFamily="34" charset="-120"/>
-              </a:rPr>
-              <a:t>再用</a:t>
-            </a:r>
-            <a:r>
-              <a:rPr lang="en-US" altLang="zh-TW" sz="1600" dirty="0">
-                <a:solidFill>
-                  <a:prstClr val="black"/>
-                </a:solidFill>
-                <a:latin typeface="微軟正黑體" panose="020B0604030504040204" pitchFamily="34" charset="-120"/>
-                <a:ea typeface="微軟正黑體" panose="020B0604030504040204" pitchFamily="34" charset="-120"/>
-              </a:rPr>
-              <a:t>Linear Regression</a:t>
-            </a:r>
-            <a:r>
-              <a:rPr lang="zh-TW" altLang="en-US" sz="1600" dirty="0">
-                <a:solidFill>
-                  <a:prstClr val="black"/>
-                </a:solidFill>
-                <a:latin typeface="微軟正黑體" panose="020B0604030504040204" pitchFamily="34" charset="-120"/>
-                <a:ea typeface="微軟正黑體" panose="020B0604030504040204" pitchFamily="34" charset="-120"/>
-              </a:rPr>
-              <a:t>把物體框出，最後將結果用</a:t>
-            </a:r>
-            <a:r>
-              <a:rPr lang="en-US" altLang="zh-TW" sz="1600" dirty="0">
-                <a:solidFill>
-                  <a:prstClr val="black"/>
-                </a:solidFill>
-                <a:latin typeface="微軟正黑體" panose="020B0604030504040204" pitchFamily="34" charset="-120"/>
-                <a:ea typeface="微軟正黑體" panose="020B0604030504040204" pitchFamily="34" charset="-120"/>
-              </a:rPr>
-              <a:t>VGA</a:t>
-            </a:r>
-            <a:r>
-              <a:rPr lang="zh-TW" altLang="en-US" sz="1600" dirty="0">
-                <a:solidFill>
-                  <a:prstClr val="black"/>
-                </a:solidFill>
-                <a:latin typeface="微軟正黑體" panose="020B0604030504040204" pitchFamily="34" charset="-120"/>
-                <a:ea typeface="微軟正黑體" panose="020B0604030504040204" pitchFamily="34" charset="-120"/>
-              </a:rPr>
-              <a:t>顯示。</a:t>
-            </a:r>
-          </a:p>
-          <a:p>
-            <a:pPr defTabSz="914411">
-              <a:defRPr/>
-            </a:pPr>
-            <a:endParaRPr lang="en-US" altLang="zh-TW" sz="1600" dirty="0">
-              <a:solidFill>
-                <a:prstClr val="black"/>
-              </a:solidFill>
-              <a:latin typeface="微軟正黑體" panose="020B0604030504040204" pitchFamily="34" charset="-120"/>
-              <a:ea typeface="微軟正黑體" panose="020B0604030504040204" pitchFamily="34" charset="-120"/>
-            </a:endParaRPr>
-          </a:p>
-          <a:p>
-            <a:pPr marL="171453" indent="-171453" defTabSz="914411">
-              <a:buFont typeface="Arial" panose="020B0604020202020204" pitchFamily="34" charset="0"/>
-              <a:buChar char="•"/>
-              <a:defRPr/>
-            </a:pPr>
-            <a:r>
-              <a:rPr lang="zh-TW" altLang="en-US" b="1" dirty="0">
-                <a:solidFill>
-                  <a:prstClr val="black"/>
-                </a:solidFill>
-                <a:latin typeface="微軟正黑體" panose="020B0604030504040204" pitchFamily="34" charset="-120"/>
-                <a:ea typeface="微軟正黑體" panose="020B0604030504040204" pitchFamily="34" charset="-120"/>
-              </a:rPr>
-              <a:t>環境需求</a:t>
-            </a:r>
-            <a:r>
-              <a:rPr lang="en-US" altLang="zh-TW" b="1" dirty="0">
-                <a:solidFill>
-                  <a:prstClr val="black"/>
-                </a:solidFill>
-                <a:latin typeface="微軟正黑體" panose="020B0604030504040204" pitchFamily="34" charset="-120"/>
-                <a:ea typeface="微軟正黑體" panose="020B0604030504040204" pitchFamily="34" charset="-120"/>
-              </a:rPr>
-              <a:t>:</a:t>
-            </a:r>
-          </a:p>
-          <a:p>
-            <a:pPr marL="171453" indent="-171453" defTabSz="914411">
-              <a:buFont typeface="Arial" panose="020B0604020202020204" pitchFamily="34" charset="0"/>
-              <a:buChar char="•"/>
-              <a:defRPr/>
-            </a:pPr>
-            <a:r>
-              <a:rPr lang="en-US" altLang="zh-TW" sz="1600" dirty="0">
-                <a:solidFill>
-                  <a:prstClr val="black"/>
-                </a:solidFill>
-                <a:latin typeface="微軟正黑體" panose="020B0604030504040204" pitchFamily="34" charset="-120"/>
-                <a:ea typeface="微軟正黑體" panose="020B0604030504040204" pitchFamily="34" charset="-120"/>
-              </a:rPr>
-              <a:t>FPGA:</a:t>
-            </a:r>
-            <a:r>
-              <a:rPr lang="zh-TW" altLang="en-US" sz="1600" dirty="0">
-                <a:solidFill>
-                  <a:prstClr val="black"/>
-                </a:solidFill>
-                <a:latin typeface="微軟正黑體" panose="020B0604030504040204" pitchFamily="34" charset="-120"/>
-                <a:ea typeface="微軟正黑體" panose="020B0604030504040204" pitchFamily="34" charset="-120"/>
-              </a:rPr>
-              <a:t> </a:t>
-            </a:r>
-            <a:r>
-              <a:rPr lang="en-US" altLang="zh-TW" sz="1600" dirty="0">
-                <a:solidFill>
-                  <a:prstClr val="black"/>
-                </a:solidFill>
-                <a:latin typeface="微軟正黑體" panose="020B0604030504040204" pitchFamily="34" charset="-120"/>
-                <a:ea typeface="微軟正黑體" panose="020B0604030504040204" pitchFamily="34" charset="-120"/>
-              </a:rPr>
-              <a:t>Zynq-7000 AP SoC XC7Z020-CLG484</a:t>
-            </a:r>
-          </a:p>
-          <a:p>
-            <a:pPr marL="171453" indent="-171453" defTabSz="914411">
-              <a:buFont typeface="Arial" panose="020B0604020202020204" pitchFamily="34" charset="0"/>
-              <a:buChar char="•"/>
-              <a:defRPr/>
-            </a:pPr>
-            <a:r>
-              <a:rPr lang="zh-TW" altLang="en-US" sz="1600" dirty="0">
-                <a:solidFill>
-                  <a:prstClr val="black"/>
-                </a:solidFill>
-                <a:latin typeface="微軟正黑體" panose="020B0604030504040204" pitchFamily="34" charset="-120"/>
-                <a:ea typeface="微軟正黑體" panose="020B0604030504040204" pitchFamily="34" charset="-120"/>
-              </a:rPr>
-              <a:t>環境</a:t>
-            </a:r>
-            <a:r>
-              <a:rPr lang="en-US" altLang="zh-TW" sz="1600" dirty="0">
-                <a:solidFill>
-                  <a:prstClr val="black"/>
-                </a:solidFill>
-                <a:latin typeface="微軟正黑體" panose="020B0604030504040204" pitchFamily="34" charset="-120"/>
-                <a:ea typeface="微軟正黑體" panose="020B0604030504040204" pitchFamily="34" charset="-120"/>
-              </a:rPr>
-              <a:t>:</a:t>
-            </a:r>
-            <a:r>
-              <a:rPr lang="zh-TW" altLang="en-US" sz="1600" dirty="0">
-                <a:solidFill>
-                  <a:prstClr val="black"/>
-                </a:solidFill>
-                <a:latin typeface="微軟正黑體" panose="020B0604030504040204" pitchFamily="34" charset="-120"/>
-                <a:ea typeface="微軟正黑體" panose="020B0604030504040204" pitchFamily="34" charset="-120"/>
-              </a:rPr>
-              <a:t> </a:t>
-            </a:r>
-            <a:r>
-              <a:rPr lang="en-US" altLang="zh-TW" sz="1600" dirty="0" err="1">
-                <a:solidFill>
-                  <a:prstClr val="black"/>
-                </a:solidFill>
-                <a:latin typeface="微軟正黑體" panose="020B0604030504040204" pitchFamily="34" charset="-120"/>
-                <a:ea typeface="微軟正黑體" panose="020B0604030504040204" pitchFamily="34" charset="-120"/>
-              </a:rPr>
-              <a:t>Vivado</a:t>
-            </a:r>
-            <a:r>
-              <a:rPr lang="en-US" altLang="zh-TW" sz="1600" dirty="0">
-                <a:solidFill>
-                  <a:prstClr val="black"/>
-                </a:solidFill>
-                <a:latin typeface="微軟正黑體" panose="020B0604030504040204" pitchFamily="34" charset="-120"/>
-                <a:ea typeface="微軟正黑體" panose="020B0604030504040204" pitchFamily="34" charset="-120"/>
-              </a:rPr>
-              <a:t> 2018.3 SDK</a:t>
-            </a:r>
-          </a:p>
-          <a:p>
-            <a:pPr marL="171453" indent="-171453" defTabSz="914411">
-              <a:buFont typeface="Arial" panose="020B0604020202020204" pitchFamily="34" charset="0"/>
-              <a:buChar char="•"/>
-              <a:defRPr/>
-            </a:pPr>
-            <a:endParaRPr lang="en-US" altLang="zh-TW" sz="1600" dirty="0">
-              <a:solidFill>
-                <a:prstClr val="black"/>
-              </a:solidFill>
-              <a:latin typeface="微軟正黑體" panose="020B0604030504040204" pitchFamily="34" charset="-120"/>
-              <a:ea typeface="微軟正黑體" panose="020B0604030504040204" pitchFamily="34" charset="-120"/>
-            </a:endParaRPr>
-          </a:p>
-          <a:p>
-            <a:pPr marL="171453" indent="-171453" defTabSz="914411">
-              <a:buFont typeface="Arial" panose="020B0604020202020204" pitchFamily="34" charset="0"/>
-              <a:buChar char="•"/>
-              <a:defRPr/>
-            </a:pPr>
-            <a:r>
-              <a:rPr lang="zh-TW" altLang="en-US" b="1" dirty="0">
-                <a:solidFill>
-                  <a:prstClr val="black"/>
-                </a:solidFill>
-                <a:latin typeface="微軟正黑體" panose="020B0604030504040204" pitchFamily="34" charset="-120"/>
-                <a:ea typeface="微軟正黑體" panose="020B0604030504040204" pitchFamily="34" charset="-120"/>
-              </a:rPr>
-              <a:t>介面需求</a:t>
-            </a:r>
-            <a:r>
-              <a:rPr lang="en-US" altLang="zh-TW" b="1" dirty="0">
-                <a:solidFill>
-                  <a:prstClr val="black"/>
-                </a:solidFill>
-                <a:latin typeface="微軟正黑體" panose="020B0604030504040204" pitchFamily="34" charset="-120"/>
-                <a:ea typeface="微軟正黑體" panose="020B0604030504040204" pitchFamily="34" charset="-120"/>
-              </a:rPr>
-              <a:t>:</a:t>
-            </a:r>
-          </a:p>
-          <a:p>
-            <a:pPr marL="171453" indent="-171453" defTabSz="914411">
-              <a:buFont typeface="Arial" panose="020B0604020202020204" pitchFamily="34" charset="0"/>
-              <a:buChar char="•"/>
-              <a:defRPr/>
-            </a:pPr>
-            <a:r>
-              <a:rPr lang="zh-TW" altLang="en-US" sz="1600" dirty="0">
-                <a:solidFill>
-                  <a:prstClr val="black"/>
-                </a:solidFill>
-                <a:latin typeface="微軟正黑體" panose="020B0604030504040204" pitchFamily="34" charset="-120"/>
-                <a:ea typeface="微軟正黑體" panose="020B0604030504040204" pitchFamily="34" charset="-120"/>
-              </a:rPr>
-              <a:t>顯示器規格</a:t>
-            </a:r>
-            <a:r>
-              <a:rPr lang="en-US" altLang="zh-TW" sz="1600" dirty="0">
-                <a:solidFill>
-                  <a:prstClr val="black"/>
-                </a:solidFill>
-                <a:latin typeface="微軟正黑體" panose="020B0604030504040204" pitchFamily="34" charset="-120"/>
-                <a:ea typeface="微軟正黑體" panose="020B0604030504040204" pitchFamily="34" charset="-120"/>
-              </a:rPr>
-              <a:t>:</a:t>
-            </a:r>
-            <a:r>
-              <a:rPr lang="zh-TW" altLang="en-US" sz="1600" dirty="0">
-                <a:solidFill>
-                  <a:prstClr val="black"/>
-                </a:solidFill>
-                <a:latin typeface="微軟正黑體" panose="020B0604030504040204" pitchFamily="34" charset="-120"/>
-                <a:ea typeface="微軟正黑體" panose="020B0604030504040204" pitchFamily="34" charset="-120"/>
-              </a:rPr>
-              <a:t> </a:t>
-            </a:r>
-            <a:r>
-              <a:rPr lang="en-US" altLang="zh-TW" sz="1600" dirty="0">
-                <a:solidFill>
-                  <a:prstClr val="black"/>
-                </a:solidFill>
-                <a:latin typeface="微軟正黑體" panose="020B0604030504040204" pitchFamily="34" charset="-120"/>
-                <a:ea typeface="微軟正黑體" panose="020B0604030504040204" pitchFamily="34" charset="-120"/>
-              </a:rPr>
-              <a:t>800X600</a:t>
-            </a:r>
-          </a:p>
-        </p:txBody>
-      </p:sp>
-    </p:spTree>
-    <p:extLst>
-      <p:ext uri="{BB962C8B-B14F-4D97-AF65-F5344CB8AC3E}">
-        <p14:creationId xmlns:p14="http://schemas.microsoft.com/office/powerpoint/2010/main" val="1327231114"/>
-      </p:ext>
-    </p:extLst>
-  </p:cSld>
-  <p:clrMapOvr>
-    <a:masterClrMapping/>
-  </p:clrMapOvr>
-</p:sld>
-</file>
-
-<file path=ppt/slides/slide5.xml><?xml version="1.0" encoding="utf-8"?>
+<file path=ppt/slides/slide12.xml><?xml version="1.0" encoding="utf-8"?>
 <p:sld xmlns:a="http://schemas.openxmlformats.org/drawingml/2006/main" xmlns:r="http://schemas.openxmlformats.org/officeDocument/2006/relationships" xmlns:p="http://schemas.openxmlformats.org/presentationml/2006/main">
   <p:cSld>
     <p:spTree>
@@ -7227,7 +7061,7 @@
 </p:sld>
 </file>
 
-<file path=ppt/slides/slide6.xml><?xml version="1.0" encoding="utf-8"?>
+<file path=ppt/slides/slide13.xml><?xml version="1.0" encoding="utf-8"?>
 <p:sld xmlns:a="http://schemas.openxmlformats.org/drawingml/2006/main" xmlns:r="http://schemas.openxmlformats.org/officeDocument/2006/relationships" xmlns:p="http://schemas.openxmlformats.org/presentationml/2006/main">
   <p:cSld>
     <p:spTree>
@@ -8851,7 +8685,7 @@
 </p:sld>
 </file>
 
-<file path=ppt/slides/slide7.xml><?xml version="1.0" encoding="utf-8"?>
+<file path=ppt/slides/slide14.xml><?xml version="1.0" encoding="utf-8"?>
 <p:sld xmlns:a="http://schemas.openxmlformats.org/drawingml/2006/main" xmlns:r="http://schemas.openxmlformats.org/officeDocument/2006/relationships" xmlns:p="http://schemas.openxmlformats.org/presentationml/2006/main">
   <p:cSld>
     <p:spTree>
@@ -8911,7 +8745,7 @@
         </p:nvCxnSpPr>
         <p:spPr>
           <a:xfrm flipV="1">
-            <a:off x="1802296" y="2319131"/>
+            <a:off x="2028719" y="2319131"/>
             <a:ext cx="0" cy="3233530"/>
           </a:xfrm>
           <a:prstGeom prst="straightConnector1">
@@ -8955,7 +8789,7 @@
         </p:nvCxnSpPr>
         <p:spPr>
           <a:xfrm flipV="1">
-            <a:off x="1603514" y="5347254"/>
+            <a:off x="1829937" y="5347254"/>
             <a:ext cx="3703982" cy="1"/>
           </a:xfrm>
           <a:prstGeom prst="straightConnector1">
@@ -8983,8 +8817,8 @@
           </a:fontRef>
         </p:style>
       </p:cxnSp>
-      <mc:AlternateContent xmlns:mc="http://schemas.openxmlformats.org/markup-compatibility/2006">
-        <mc:Choice xmlns:a14="http://schemas.microsoft.com/office/drawing/2010/main" Requires="a14">
+      <mc:AlternateContent xmlns:mc="http://schemas.openxmlformats.org/markup-compatibility/2006" xmlns:a14="http://schemas.microsoft.com/office/drawing/2010/main">
+        <mc:Choice Requires="a14">
           <p:sp>
             <p:nvSpPr>
               <p:cNvPr id="11" name="文字方塊 10">
@@ -8999,7 +8833,7 @@
             </p:nvSpPr>
             <p:spPr>
               <a:xfrm>
-                <a:off x="1037375" y="1929059"/>
+                <a:off x="1263798" y="1929059"/>
                 <a:ext cx="1741439" cy="369332"/>
               </a:xfrm>
               <a:prstGeom prst="rect">
@@ -9013,6 +8847,7 @@
               </a:bodyPr>
               <a:lstStyle/>
               <a:p>
+                <a:pPr/>
                 <a14:m>
                   <m:oMathPara xmlns:m="http://schemas.openxmlformats.org/officeDocument/2006/math">
                     <m:oMathParaPr>
@@ -9075,7 +8910,7 @@
             </p:txBody>
           </p:sp>
         </mc:Choice>
-        <mc:Fallback>
+        <mc:Fallback xmlns="">
           <p:sp>
             <p:nvSpPr>
               <p:cNvPr id="11" name="文字方塊 10">
@@ -9092,7 +8927,7 @@
             </p:nvSpPr>
             <p:spPr>
               <a:xfrm>
-                <a:off x="1037375" y="1929059"/>
+                <a:off x="1263798" y="1929059"/>
                 <a:ext cx="1741439" cy="369332"/>
               </a:xfrm>
               <a:prstGeom prst="rect">
@@ -9120,8 +8955,8 @@
           </p:sp>
         </mc:Fallback>
       </mc:AlternateContent>
-      <mc:AlternateContent xmlns:mc="http://schemas.openxmlformats.org/markup-compatibility/2006">
-        <mc:Choice xmlns:a14="http://schemas.microsoft.com/office/drawing/2010/main" Requires="a14">
+      <mc:AlternateContent xmlns:mc="http://schemas.openxmlformats.org/markup-compatibility/2006" xmlns:a14="http://schemas.microsoft.com/office/drawing/2010/main">
+        <mc:Choice Requires="a14">
           <p:sp>
             <p:nvSpPr>
               <p:cNvPr id="12" name="文字方塊 11">
@@ -9136,7 +8971,7 @@
             </p:nvSpPr>
             <p:spPr>
               <a:xfrm>
-                <a:off x="5035826" y="5493888"/>
+                <a:off x="5262249" y="5493888"/>
                 <a:ext cx="1693412" cy="369332"/>
               </a:xfrm>
               <a:prstGeom prst="rect">
@@ -9150,6 +8985,7 @@
               </a:bodyPr>
               <a:lstStyle/>
               <a:p>
+                <a:pPr/>
                 <a14:m>
                   <m:oMathPara xmlns:m="http://schemas.openxmlformats.org/officeDocument/2006/math">
                     <m:oMathParaPr>
@@ -9212,7 +9048,7 @@
             </p:txBody>
           </p:sp>
         </mc:Choice>
-        <mc:Fallback>
+        <mc:Fallback xmlns="">
           <p:sp>
             <p:nvSpPr>
               <p:cNvPr id="12" name="文字方塊 11">
@@ -9229,7 +9065,7 @@
             </p:nvSpPr>
             <p:spPr>
               <a:xfrm>
-                <a:off x="5035826" y="5493888"/>
+                <a:off x="5262249" y="5493888"/>
                 <a:ext cx="1693412" cy="369332"/>
               </a:xfrm>
               <a:prstGeom prst="rect">
@@ -9271,7 +9107,7 @@
         </p:nvSpPr>
         <p:spPr>
           <a:xfrm>
-            <a:off x="2286000" y="4479235"/>
+            <a:off x="2512423" y="4479235"/>
             <a:ext cx="145771" cy="132513"/>
           </a:xfrm>
           <a:prstGeom prst="ellipse">
@@ -9317,7 +9153,7 @@
         </p:nvSpPr>
         <p:spPr>
           <a:xfrm>
-            <a:off x="2511285" y="4923187"/>
+            <a:off x="2737708" y="4923187"/>
             <a:ext cx="145771" cy="132513"/>
           </a:xfrm>
           <a:prstGeom prst="ellipse">
@@ -9363,7 +9199,7 @@
         </p:nvSpPr>
         <p:spPr>
           <a:xfrm>
-            <a:off x="2705928" y="4412978"/>
+            <a:off x="2932351" y="4412978"/>
             <a:ext cx="145771" cy="132513"/>
           </a:xfrm>
           <a:prstGeom prst="ellipse">
@@ -9409,7 +9245,7 @@
         </p:nvSpPr>
         <p:spPr>
           <a:xfrm>
-            <a:off x="3152358" y="4479235"/>
+            <a:off x="3378781" y="4479235"/>
             <a:ext cx="145771" cy="132513"/>
           </a:xfrm>
           <a:prstGeom prst="ellipse">
@@ -9455,7 +9291,7 @@
         </p:nvSpPr>
         <p:spPr>
           <a:xfrm>
-            <a:off x="2986707" y="4001475"/>
+            <a:off x="3213130" y="4001475"/>
             <a:ext cx="145771" cy="132513"/>
           </a:xfrm>
           <a:prstGeom prst="ellipse">
@@ -9501,7 +9337,7 @@
         </p:nvSpPr>
         <p:spPr>
           <a:xfrm>
-            <a:off x="3849756" y="4234069"/>
+            <a:off x="4076179" y="4234069"/>
             <a:ext cx="145771" cy="132513"/>
           </a:xfrm>
           <a:prstGeom prst="ellipse">
@@ -9547,7 +9383,7 @@
         </p:nvSpPr>
         <p:spPr>
           <a:xfrm>
-            <a:off x="3382619" y="3803383"/>
+            <a:off x="3609042" y="3803383"/>
             <a:ext cx="145771" cy="132513"/>
           </a:xfrm>
           <a:prstGeom prst="ellipse">
@@ -9593,7 +9429,7 @@
         </p:nvSpPr>
         <p:spPr>
           <a:xfrm>
-            <a:off x="3631095" y="3296487"/>
+            <a:off x="3857518" y="3296487"/>
             <a:ext cx="145771" cy="132513"/>
           </a:xfrm>
           <a:prstGeom prst="ellipse">
@@ -9639,7 +9475,7 @@
         </p:nvCxnSpPr>
         <p:spPr>
           <a:xfrm flipV="1">
-            <a:off x="1802296" y="3008243"/>
+            <a:off x="2028719" y="3008243"/>
             <a:ext cx="3173895" cy="2339011"/>
           </a:xfrm>
           <a:prstGeom prst="line">
@@ -9667,8 +9503,8 @@
           </a:fontRef>
         </p:style>
       </p:cxnSp>
-      <mc:AlternateContent xmlns:mc="http://schemas.openxmlformats.org/markup-compatibility/2006">
-        <mc:Choice xmlns:a14="http://schemas.microsoft.com/office/drawing/2010/main" Requires="a14">
+      <mc:AlternateContent xmlns:mc="http://schemas.openxmlformats.org/markup-compatibility/2006" xmlns:a14="http://schemas.microsoft.com/office/drawing/2010/main">
+        <mc:Choice Requires="a14">
           <p:sp>
             <p:nvSpPr>
               <p:cNvPr id="23" name="文字方塊 22">
@@ -9683,7 +9519,7 @@
             </p:nvSpPr>
             <p:spPr>
               <a:xfrm>
-                <a:off x="5035826" y="2688695"/>
+                <a:off x="5262249" y="2688695"/>
                 <a:ext cx="1509516" cy="410305"/>
               </a:xfrm>
               <a:prstGeom prst="rect">
@@ -9697,6 +9533,7 @@
               </a:bodyPr>
               <a:lstStyle/>
               <a:p>
+                <a:pPr/>
                 <a14:m>
                   <m:oMathPara xmlns:m="http://schemas.openxmlformats.org/officeDocument/2006/math">
                     <m:oMathParaPr>
@@ -9795,7 +9632,7 @@
             </p:txBody>
           </p:sp>
         </mc:Choice>
-        <mc:Fallback>
+        <mc:Fallback xmlns="">
           <p:sp>
             <p:nvSpPr>
               <p:cNvPr id="23" name="文字方塊 22">
@@ -9812,7 +9649,7 @@
             </p:nvSpPr>
             <p:spPr>
               <a:xfrm>
-                <a:off x="5035826" y="2688695"/>
+                <a:off x="5262249" y="2688695"/>
                 <a:ext cx="1509516" cy="410305"/>
               </a:xfrm>
               <a:prstGeom prst="rect">
@@ -9853,7 +9690,7 @@
 </p:sld>
 </file>
 
-<file path=ppt/slides/slide8.xml><?xml version="1.0" encoding="utf-8"?>
+<file path=ppt/slides/slide15.xml><?xml version="1.0" encoding="utf-8"?>
 <p:sld xmlns:a="http://schemas.openxmlformats.org/drawingml/2006/main" xmlns:r="http://schemas.openxmlformats.org/officeDocument/2006/relationships" xmlns:p="http://schemas.openxmlformats.org/presentationml/2006/main">
   <p:cSld>
     <p:spTree>
@@ -10967,6 +10804,5118 @@
 </p:sld>
 </file>
 
+<file path=ppt/slides/slide16.xml><?xml version="1.0" encoding="utf-8"?>
+<p:sld xmlns:a="http://schemas.openxmlformats.org/drawingml/2006/main" xmlns:r="http://schemas.openxmlformats.org/officeDocument/2006/relationships" xmlns:p="http://schemas.openxmlformats.org/presentationml/2006/main">
+  <p:cSld>
+    <p:spTree>
+      <p:nvGrpSpPr>
+        <p:cNvPr id="1" name=""/>
+        <p:cNvGrpSpPr/>
+        <p:nvPr/>
+      </p:nvGrpSpPr>
+      <p:grpSpPr>
+        <a:xfrm>
+          <a:off x="0" y="0"/>
+          <a:ext cx="0" cy="0"/>
+          <a:chOff x="0" y="0"/>
+          <a:chExt cx="0" cy="0"/>
+        </a:xfrm>
+      </p:grpSpPr>
+      <p:sp>
+        <p:nvSpPr>
+          <p:cNvPr id="3" name="標題 2">
+            <a:extLst>
+              <a:ext uri="{FF2B5EF4-FFF2-40B4-BE49-F238E27FC236}">
+                <a16:creationId xmlns:a16="http://schemas.microsoft.com/office/drawing/2014/main" id="{EF277299-8610-4660-86B9-EE584C561AB1}"/>
+              </a:ext>
+            </a:extLst>
+          </p:cNvPr>
+          <p:cNvSpPr>
+            <a:spLocks noGrp="1"/>
+          </p:cNvSpPr>
+          <p:nvPr>
+            <p:ph type="title"/>
+          </p:nvPr>
+        </p:nvSpPr>
+        <p:spPr/>
+        <p:txBody>
+          <a:bodyPr/>
+          <a:lstStyle/>
+          <a:p>
+            <a:r>
+              <a:rPr lang="en-US" altLang="zh-TW" dirty="0"/>
+              <a:t>2022_05_06</a:t>
+            </a:r>
+            <a:r>
+              <a:rPr lang="zh-TW" altLang="en-US" dirty="0"/>
+              <a:t> 控管紀錄</a:t>
+            </a:r>
+          </a:p>
+        </p:txBody>
+      </p:sp>
+      <p:pic>
+        <p:nvPicPr>
+          <p:cNvPr id="2" name="圖片 1">
+            <a:extLst>
+              <a:ext uri="{FF2B5EF4-FFF2-40B4-BE49-F238E27FC236}">
+                <a16:creationId xmlns:a16="http://schemas.microsoft.com/office/drawing/2014/main" id="{41B3986B-8627-41AE-BA33-EDC596082AC1}"/>
+              </a:ext>
+            </a:extLst>
+          </p:cNvPr>
+          <p:cNvPicPr>
+            <a:picLocks noChangeAspect="1"/>
+          </p:cNvPicPr>
+          <p:nvPr/>
+        </p:nvPicPr>
+        <p:blipFill>
+          <a:blip r:embed="rId3"/>
+          <a:stretch>
+            <a:fillRect/>
+          </a:stretch>
+        </p:blipFill>
+        <p:spPr>
+          <a:xfrm>
+            <a:off x="0" y="2814210"/>
+            <a:ext cx="12192000" cy="1229580"/>
+          </a:xfrm>
+          <a:prstGeom prst="rect">
+            <a:avLst/>
+          </a:prstGeom>
+        </p:spPr>
+      </p:pic>
+    </p:spTree>
+    <p:extLst>
+      <p:ext uri="{BB962C8B-B14F-4D97-AF65-F5344CB8AC3E}">
+        <p14:creationId xmlns:p14="http://schemas.microsoft.com/office/powerpoint/2010/main" val="3898471853"/>
+      </p:ext>
+    </p:extLst>
+  </p:cSld>
+  <p:clrMapOvr>
+    <a:masterClrMapping/>
+  </p:clrMapOvr>
+</p:sld>
+</file>
+
+<file path=ppt/slides/slide17.xml><?xml version="1.0" encoding="utf-8"?>
+<p:sld xmlns:a="http://schemas.openxmlformats.org/drawingml/2006/main" xmlns:r="http://schemas.openxmlformats.org/officeDocument/2006/relationships" xmlns:p="http://schemas.openxmlformats.org/presentationml/2006/main">
+  <p:cSld>
+    <p:spTree>
+      <p:nvGrpSpPr>
+        <p:cNvPr id="1" name=""/>
+        <p:cNvGrpSpPr/>
+        <p:nvPr/>
+      </p:nvGrpSpPr>
+      <p:grpSpPr>
+        <a:xfrm>
+          <a:off x="0" y="0"/>
+          <a:ext cx="0" cy="0"/>
+          <a:chOff x="0" y="0"/>
+          <a:chExt cx="0" cy="0"/>
+        </a:xfrm>
+      </p:grpSpPr>
+      <p:sp>
+        <p:nvSpPr>
+          <p:cNvPr id="3" name="標題 2">
+            <a:extLst>
+              <a:ext uri="{FF2B5EF4-FFF2-40B4-BE49-F238E27FC236}">
+                <a16:creationId xmlns:a16="http://schemas.microsoft.com/office/drawing/2014/main" id="{EF277299-8610-4660-86B9-EE584C561AB1}"/>
+              </a:ext>
+            </a:extLst>
+          </p:cNvPr>
+          <p:cNvSpPr>
+            <a:spLocks noGrp="1"/>
+          </p:cNvSpPr>
+          <p:nvPr>
+            <p:ph type="title"/>
+          </p:nvPr>
+        </p:nvSpPr>
+        <p:spPr/>
+        <p:txBody>
+          <a:bodyPr/>
+          <a:lstStyle/>
+          <a:p>
+            <a:r>
+              <a:rPr lang="zh-TW" altLang="en-US" dirty="0"/>
+              <a:t>參考來源</a:t>
+            </a:r>
+          </a:p>
+        </p:txBody>
+      </p:sp>
+      <p:sp>
+        <p:nvSpPr>
+          <p:cNvPr id="4" name="矩形 3">
+            <a:extLst>
+              <a:ext uri="{FF2B5EF4-FFF2-40B4-BE49-F238E27FC236}">
+                <a16:creationId xmlns:a16="http://schemas.microsoft.com/office/drawing/2014/main" id="{8081C2F1-CB52-A3AF-F145-88AE1EF38229}"/>
+              </a:ext>
+            </a:extLst>
+          </p:cNvPr>
+          <p:cNvSpPr/>
+          <p:nvPr/>
+        </p:nvSpPr>
+        <p:spPr>
+          <a:xfrm>
+            <a:off x="838199" y="1224282"/>
+            <a:ext cx="10515598" cy="461665"/>
+          </a:xfrm>
+          <a:prstGeom prst="rect">
+            <a:avLst/>
+          </a:prstGeom>
+        </p:spPr>
+        <p:txBody>
+          <a:bodyPr wrap="square">
+            <a:spAutoFit/>
+          </a:bodyPr>
+          <a:lstStyle/>
+          <a:p>
+            <a:pPr marL="171453" indent="-171453" defTabSz="914411">
+              <a:buFont typeface="Arial" panose="020B0604020202020204" pitchFamily="34" charset="0"/>
+              <a:buChar char="•"/>
+              <a:defRPr/>
+            </a:pPr>
+            <a:r>
+              <a:rPr lang="zh-TW" altLang="en-US" sz="1200" dirty="0">
+                <a:solidFill>
+                  <a:prstClr val="black"/>
+                </a:solidFill>
+                <a:latin typeface="微軟正黑體" panose="020B0604030504040204" pitchFamily="34" charset="-120"/>
+                <a:ea typeface="微軟正黑體" panose="020B0604030504040204" pitchFamily="34" charset="-120"/>
+              </a:rPr>
+              <a:t>太陽能板異物</a:t>
+            </a:r>
+            <a:endParaRPr lang="en-US" altLang="zh-TW" sz="1200" dirty="0">
+              <a:solidFill>
+                <a:prstClr val="black"/>
+              </a:solidFill>
+              <a:latin typeface="微軟正黑體" panose="020B0604030504040204" pitchFamily="34" charset="-120"/>
+              <a:ea typeface="微軟正黑體" panose="020B0604030504040204" pitchFamily="34" charset="-120"/>
+            </a:endParaRPr>
+          </a:p>
+          <a:p>
+            <a:pPr marL="171453" indent="-171453" defTabSz="914411">
+              <a:buFont typeface="Arial" panose="020B0604020202020204" pitchFamily="34" charset="0"/>
+              <a:buChar char="•"/>
+              <a:defRPr/>
+            </a:pPr>
+            <a:r>
+              <a:rPr lang="en-US" altLang="zh-TW" sz="1200" dirty="0">
+                <a:solidFill>
+                  <a:prstClr val="black"/>
+                </a:solidFill>
+                <a:latin typeface="微軟正黑體" panose="020B0604030504040204" pitchFamily="34" charset="-120"/>
+                <a:ea typeface="微軟正黑體" panose="020B0604030504040204" pitchFamily="34" charset="-120"/>
+              </a:rPr>
+              <a:t>https://www.finmart.com.tw/wiki/ALL/solar07</a:t>
+            </a:r>
+          </a:p>
+        </p:txBody>
+      </p:sp>
+    </p:spTree>
+    <p:extLst>
+      <p:ext uri="{BB962C8B-B14F-4D97-AF65-F5344CB8AC3E}">
+        <p14:creationId xmlns:p14="http://schemas.microsoft.com/office/powerpoint/2010/main" val="396994804"/>
+      </p:ext>
+    </p:extLst>
+  </p:cSld>
+  <p:clrMapOvr>
+    <a:masterClrMapping/>
+  </p:clrMapOvr>
+</p:sld>
+</file>
+
+<file path=ppt/slides/slide2.xml><?xml version="1.0" encoding="utf-8"?>
+<p:sld xmlns:a="http://schemas.openxmlformats.org/drawingml/2006/main" xmlns:r="http://schemas.openxmlformats.org/officeDocument/2006/relationships" xmlns:p="http://schemas.openxmlformats.org/presentationml/2006/main">
+  <p:cSld>
+    <p:spTree>
+      <p:nvGrpSpPr>
+        <p:cNvPr id="1" name=""/>
+        <p:cNvGrpSpPr/>
+        <p:nvPr/>
+      </p:nvGrpSpPr>
+      <p:grpSpPr>
+        <a:xfrm>
+          <a:off x="0" y="0"/>
+          <a:ext cx="0" cy="0"/>
+          <a:chOff x="0" y="0"/>
+          <a:chExt cx="0" cy="0"/>
+        </a:xfrm>
+      </p:grpSpPr>
+      <p:sp>
+        <p:nvSpPr>
+          <p:cNvPr id="3" name="標題 2">
+            <a:extLst>
+              <a:ext uri="{FF2B5EF4-FFF2-40B4-BE49-F238E27FC236}">
+                <a16:creationId xmlns:a16="http://schemas.microsoft.com/office/drawing/2014/main" id="{EF277299-8610-4660-86B9-EE584C561AB1}"/>
+              </a:ext>
+            </a:extLst>
+          </p:cNvPr>
+          <p:cNvSpPr>
+            <a:spLocks noGrp="1"/>
+          </p:cNvSpPr>
+          <p:nvPr>
+            <p:ph type="title"/>
+          </p:nvPr>
+        </p:nvSpPr>
+        <p:spPr/>
+        <p:txBody>
+          <a:bodyPr/>
+          <a:lstStyle/>
+          <a:p>
+            <a:r>
+              <a:rPr lang="en-US" altLang="zh-TW" dirty="0"/>
+              <a:t>TO</a:t>
+            </a:r>
+            <a:r>
+              <a:rPr lang="zh-TW" altLang="en-US" dirty="0"/>
+              <a:t> </a:t>
+            </a:r>
+            <a:r>
+              <a:rPr lang="en-US" altLang="zh-TW" dirty="0"/>
+              <a:t>DO</a:t>
+            </a:r>
+            <a:r>
+              <a:rPr lang="zh-TW" altLang="en-US" dirty="0"/>
+              <a:t> </a:t>
+            </a:r>
+            <a:r>
+              <a:rPr lang="en-US" altLang="zh-TW" dirty="0"/>
+              <a:t>LIST</a:t>
+            </a:r>
+            <a:endParaRPr lang="zh-TW" altLang="en-US" dirty="0"/>
+          </a:p>
+        </p:txBody>
+      </p:sp>
+      <p:sp>
+        <p:nvSpPr>
+          <p:cNvPr id="4" name="矩形 3">
+            <a:extLst>
+              <a:ext uri="{FF2B5EF4-FFF2-40B4-BE49-F238E27FC236}">
+                <a16:creationId xmlns:a16="http://schemas.microsoft.com/office/drawing/2014/main" id="{3D52E025-269C-47AF-8999-23E11D4E93F3}"/>
+              </a:ext>
+            </a:extLst>
+          </p:cNvPr>
+          <p:cNvSpPr/>
+          <p:nvPr/>
+        </p:nvSpPr>
+        <p:spPr>
+          <a:xfrm>
+            <a:off x="838199" y="1224282"/>
+            <a:ext cx="10515598" cy="1015663"/>
+          </a:xfrm>
+          <a:prstGeom prst="rect">
+            <a:avLst/>
+          </a:prstGeom>
+        </p:spPr>
+        <p:txBody>
+          <a:bodyPr wrap="square">
+            <a:spAutoFit/>
+          </a:bodyPr>
+          <a:lstStyle/>
+          <a:p>
+            <a:pPr marL="171453" indent="-171453" defTabSz="914411">
+              <a:buFont typeface="Arial" panose="020B0604020202020204" pitchFamily="34" charset="0"/>
+              <a:buChar char="•"/>
+              <a:defRPr/>
+            </a:pPr>
+            <a:r>
+              <a:rPr lang="en-US" altLang="zh-TW" sz="1200" dirty="0">
+                <a:solidFill>
+                  <a:prstClr val="black"/>
+                </a:solidFill>
+                <a:latin typeface="微軟正黑體" panose="020B0604030504040204" pitchFamily="34" charset="-120"/>
+                <a:ea typeface="微軟正黑體" panose="020B0604030504040204" pitchFamily="34" charset="-120"/>
+              </a:rPr>
+              <a:t>2022/05/06 ~ 2022/05/13</a:t>
+            </a:r>
+          </a:p>
+          <a:p>
+            <a:pPr marL="628653" lvl="1" indent="-171453" defTabSz="914411">
+              <a:buFont typeface="Arial" panose="020B0604020202020204" pitchFamily="34" charset="0"/>
+              <a:buChar char="•"/>
+              <a:defRPr/>
+            </a:pPr>
+            <a:r>
+              <a:rPr lang="en-US" altLang="zh-TW" sz="1200" dirty="0" err="1">
+                <a:solidFill>
+                  <a:prstClr val="black"/>
+                </a:solidFill>
+                <a:latin typeface="微軟正黑體" panose="020B0604030504040204" pitchFamily="34" charset="-120"/>
+                <a:ea typeface="微軟正黑體" panose="020B0604030504040204" pitchFamily="34" charset="-120"/>
+              </a:rPr>
+              <a:t>LinearRegression</a:t>
+            </a:r>
+            <a:r>
+              <a:rPr lang="zh-TW" altLang="en-US" sz="1200" dirty="0">
+                <a:solidFill>
+                  <a:prstClr val="black"/>
+                </a:solidFill>
+                <a:latin typeface="微軟正黑體" panose="020B0604030504040204" pitchFamily="34" charset="-120"/>
+                <a:ea typeface="微軟正黑體" panose="020B0604030504040204" pitchFamily="34" charset="-120"/>
+              </a:rPr>
+              <a:t>初步規劃</a:t>
+            </a:r>
+            <a:endParaRPr lang="en-US" altLang="zh-TW" sz="1200" dirty="0">
+              <a:solidFill>
+                <a:prstClr val="black"/>
+              </a:solidFill>
+              <a:latin typeface="微軟正黑體" panose="020B0604030504040204" pitchFamily="34" charset="-120"/>
+              <a:ea typeface="微軟正黑體" panose="020B0604030504040204" pitchFamily="34" charset="-120"/>
+            </a:endParaRPr>
+          </a:p>
+          <a:p>
+            <a:pPr marL="171453" indent="-171453" defTabSz="914411">
+              <a:buFont typeface="Arial" panose="020B0604020202020204" pitchFamily="34" charset="0"/>
+              <a:buChar char="•"/>
+              <a:defRPr/>
+            </a:pPr>
+            <a:endParaRPr lang="en-US" altLang="zh-TW" sz="1200" dirty="0">
+              <a:solidFill>
+                <a:prstClr val="black"/>
+              </a:solidFill>
+              <a:latin typeface="微軟正黑體" panose="020B0604030504040204" pitchFamily="34" charset="-120"/>
+              <a:ea typeface="微軟正黑體" panose="020B0604030504040204" pitchFamily="34" charset="-120"/>
+            </a:endParaRPr>
+          </a:p>
+          <a:p>
+            <a:pPr marL="171453" indent="-171453" defTabSz="914411">
+              <a:buFont typeface="Arial" panose="020B0604020202020204" pitchFamily="34" charset="0"/>
+              <a:buChar char="•"/>
+              <a:defRPr/>
+            </a:pPr>
+            <a:r>
+              <a:rPr lang="en-US" altLang="zh-TW" sz="1200" dirty="0">
+                <a:solidFill>
+                  <a:prstClr val="black"/>
+                </a:solidFill>
+                <a:latin typeface="微軟正黑體" panose="020B0604030504040204" pitchFamily="34" charset="-120"/>
+                <a:ea typeface="微軟正黑體" panose="020B0604030504040204" pitchFamily="34" charset="-120"/>
+              </a:rPr>
+              <a:t>2022/05/06</a:t>
+            </a:r>
+            <a:r>
+              <a:rPr lang="zh-TW" altLang="en-US" sz="1200" dirty="0">
+                <a:solidFill>
+                  <a:prstClr val="black"/>
+                </a:solidFill>
+                <a:latin typeface="微軟正黑體" panose="020B0604030504040204" pitchFamily="34" charset="-120"/>
+                <a:ea typeface="微軟正黑體" panose="020B0604030504040204" pitchFamily="34" charset="-120"/>
+              </a:rPr>
+              <a:t> </a:t>
+            </a:r>
+            <a:r>
+              <a:rPr lang="en-US" altLang="zh-TW" sz="1200" dirty="0">
+                <a:solidFill>
+                  <a:prstClr val="black"/>
+                </a:solidFill>
+                <a:latin typeface="微軟正黑體" panose="020B0604030504040204" pitchFamily="34" charset="-120"/>
+                <a:ea typeface="微軟正黑體" panose="020B0604030504040204" pitchFamily="34" charset="-120"/>
+              </a:rPr>
+              <a:t>~</a:t>
+            </a:r>
+            <a:r>
+              <a:rPr lang="zh-TW" altLang="en-US" sz="1200" dirty="0">
+                <a:solidFill>
+                  <a:prstClr val="black"/>
+                </a:solidFill>
+                <a:latin typeface="微軟正黑體" panose="020B0604030504040204" pitchFamily="34" charset="-120"/>
+                <a:ea typeface="微軟正黑體" panose="020B0604030504040204" pitchFamily="34" charset="-120"/>
+              </a:rPr>
+              <a:t> </a:t>
+            </a:r>
+            <a:r>
+              <a:rPr lang="en-US" altLang="zh-TW" sz="1200" dirty="0">
+                <a:solidFill>
+                  <a:prstClr val="black"/>
+                </a:solidFill>
+                <a:latin typeface="微軟正黑體" panose="020B0604030504040204" pitchFamily="34" charset="-120"/>
+                <a:ea typeface="微軟正黑體" panose="020B0604030504040204" pitchFamily="34" charset="-120"/>
+              </a:rPr>
+              <a:t>2022/05/06</a:t>
+            </a:r>
+          </a:p>
+          <a:p>
+            <a:pPr marL="628653" lvl="1" indent="-171453" defTabSz="914411">
+              <a:buFont typeface="Arial" panose="020B0604020202020204" pitchFamily="34" charset="0"/>
+              <a:buChar char="•"/>
+              <a:defRPr/>
+            </a:pPr>
+            <a:r>
+              <a:rPr lang="zh-TW" altLang="en-US" sz="1200" dirty="0">
+                <a:solidFill>
+                  <a:prstClr val="black"/>
+                </a:solidFill>
+                <a:latin typeface="微軟正黑體" panose="020B0604030504040204" pitchFamily="34" charset="-120"/>
+                <a:ea typeface="微軟正黑體" panose="020B0604030504040204" pitchFamily="34" charset="-120"/>
+              </a:rPr>
+              <a:t>討論專案架構、需求、、分工</a:t>
+            </a:r>
+            <a:endParaRPr lang="en-US" altLang="zh-TW" sz="1200" dirty="0">
+              <a:solidFill>
+                <a:prstClr val="black"/>
+              </a:solidFill>
+              <a:latin typeface="微軟正黑體" panose="020B0604030504040204" pitchFamily="34" charset="-120"/>
+              <a:ea typeface="微軟正黑體" panose="020B0604030504040204" pitchFamily="34" charset="-120"/>
+            </a:endParaRPr>
+          </a:p>
+        </p:txBody>
+      </p:sp>
+    </p:spTree>
+    <p:extLst>
+      <p:ext uri="{BB962C8B-B14F-4D97-AF65-F5344CB8AC3E}">
+        <p14:creationId xmlns:p14="http://schemas.microsoft.com/office/powerpoint/2010/main" val="65587502"/>
+      </p:ext>
+    </p:extLst>
+  </p:cSld>
+  <p:clrMapOvr>
+    <a:masterClrMapping/>
+  </p:clrMapOvr>
+</p:sld>
+</file>
+
+<file path=ppt/slides/slide3.xml><?xml version="1.0" encoding="utf-8"?>
+<p:sld xmlns:a="http://schemas.openxmlformats.org/drawingml/2006/main" xmlns:r="http://schemas.openxmlformats.org/officeDocument/2006/relationships" xmlns:p="http://schemas.openxmlformats.org/presentationml/2006/main">
+  <p:cSld>
+    <p:spTree>
+      <p:nvGrpSpPr>
+        <p:cNvPr id="1" name=""/>
+        <p:cNvGrpSpPr/>
+        <p:nvPr/>
+      </p:nvGrpSpPr>
+      <p:grpSpPr>
+        <a:xfrm>
+          <a:off x="0" y="0"/>
+          <a:ext cx="0" cy="0"/>
+          <a:chOff x="0" y="0"/>
+          <a:chExt cx="0" cy="0"/>
+        </a:xfrm>
+      </p:grpSpPr>
+      <p:sp>
+        <p:nvSpPr>
+          <p:cNvPr id="3" name="標題 2">
+            <a:extLst>
+              <a:ext uri="{FF2B5EF4-FFF2-40B4-BE49-F238E27FC236}">
+                <a16:creationId xmlns:a16="http://schemas.microsoft.com/office/drawing/2014/main" id="{EF277299-8610-4660-86B9-EE584C561AB1}"/>
+              </a:ext>
+            </a:extLst>
+          </p:cNvPr>
+          <p:cNvSpPr>
+            <a:spLocks noGrp="1"/>
+          </p:cNvSpPr>
+          <p:nvPr>
+            <p:ph type="title"/>
+          </p:nvPr>
+        </p:nvSpPr>
+        <p:spPr/>
+        <p:txBody>
+          <a:bodyPr>
+            <a:normAutofit/>
+          </a:bodyPr>
+          <a:lstStyle/>
+          <a:p>
+            <a:r>
+              <a:rPr lang="zh-TW" altLang="en-US" dirty="0"/>
+              <a:t>情境說明</a:t>
+            </a:r>
+          </a:p>
+        </p:txBody>
+      </p:sp>
+      <p:sp>
+        <p:nvSpPr>
+          <p:cNvPr id="4" name="矩形 3">
+            <a:extLst>
+              <a:ext uri="{FF2B5EF4-FFF2-40B4-BE49-F238E27FC236}">
+                <a16:creationId xmlns:a16="http://schemas.microsoft.com/office/drawing/2014/main" id="{AC2FE677-EC78-63B1-6C3F-0FCD5C2D24C6}"/>
+              </a:ext>
+            </a:extLst>
+          </p:cNvPr>
+          <p:cNvSpPr/>
+          <p:nvPr/>
+        </p:nvSpPr>
+        <p:spPr>
+          <a:xfrm>
+            <a:off x="838199" y="1224282"/>
+            <a:ext cx="10515598" cy="2308324"/>
+          </a:xfrm>
+          <a:prstGeom prst="rect">
+            <a:avLst/>
+          </a:prstGeom>
+        </p:spPr>
+        <p:txBody>
+          <a:bodyPr wrap="square">
+            <a:spAutoFit/>
+          </a:bodyPr>
+          <a:lstStyle/>
+          <a:p>
+            <a:pPr marL="171453" indent="-171453" defTabSz="914411">
+              <a:buFont typeface="Arial" panose="020B0604020202020204" pitchFamily="34" charset="0"/>
+              <a:buChar char="•"/>
+              <a:defRPr/>
+            </a:pPr>
+            <a:r>
+              <a:rPr lang="zh-TW" altLang="en-US" dirty="0">
+                <a:solidFill>
+                  <a:prstClr val="black"/>
+                </a:solidFill>
+                <a:latin typeface="微軟正黑體" panose="020B0604030504040204" pitchFamily="34" charset="-120"/>
+                <a:ea typeface="微軟正黑體" panose="020B0604030504040204" pitchFamily="34" charset="-120"/>
+              </a:rPr>
+              <a:t>近年來台灣太陽能系統建置量以倍數成長，許多地方開始大面積的鋪設太陽能板產生綠電，這同時也代表太陽能板的維修養護需求增加，但如此大面積的人力搜查表面壞損或存在異常的太陽能板實在不符合經濟效益，因此我們提出透過影像檢測表面異物的方式，減少人力一一排查太陽能板的時間與金錢花費，並將此功能實現於</a:t>
+            </a:r>
+            <a:r>
+              <a:rPr lang="en-US" altLang="zh-TW" dirty="0">
+                <a:solidFill>
+                  <a:prstClr val="black"/>
+                </a:solidFill>
+                <a:latin typeface="微軟正黑體" panose="020B0604030504040204" pitchFamily="34" charset="-120"/>
+                <a:ea typeface="微軟正黑體" panose="020B0604030504040204" pitchFamily="34" charset="-120"/>
+              </a:rPr>
+              <a:t>SoC</a:t>
+            </a:r>
+            <a:r>
+              <a:rPr lang="zh-TW" altLang="en-US" dirty="0">
+                <a:solidFill>
+                  <a:prstClr val="black"/>
+                </a:solidFill>
+                <a:latin typeface="微軟正黑體" panose="020B0604030504040204" pitchFamily="34" charset="-120"/>
+                <a:ea typeface="微軟正黑體" panose="020B0604030504040204" pitchFamily="34" charset="-120"/>
+              </a:rPr>
+              <a:t>上，縮小體積的同時增加運算效能。</a:t>
+            </a:r>
+            <a:endParaRPr lang="en-US" altLang="zh-TW" dirty="0">
+              <a:solidFill>
+                <a:prstClr val="black"/>
+              </a:solidFill>
+              <a:latin typeface="微軟正黑體" panose="020B0604030504040204" pitchFamily="34" charset="-120"/>
+              <a:ea typeface="微軟正黑體" panose="020B0604030504040204" pitchFamily="34" charset="-120"/>
+            </a:endParaRPr>
+          </a:p>
+          <a:p>
+            <a:pPr marL="171453" indent="-171453" defTabSz="914411">
+              <a:buFont typeface="Arial" panose="020B0604020202020204" pitchFamily="34" charset="0"/>
+              <a:buChar char="•"/>
+              <a:defRPr/>
+            </a:pPr>
+            <a:endParaRPr lang="en-US" altLang="zh-TW" dirty="0">
+              <a:solidFill>
+                <a:prstClr val="black"/>
+              </a:solidFill>
+              <a:latin typeface="微軟正黑體" panose="020B0604030504040204" pitchFamily="34" charset="-120"/>
+              <a:ea typeface="微軟正黑體" panose="020B0604030504040204" pitchFamily="34" charset="-120"/>
+            </a:endParaRPr>
+          </a:p>
+          <a:p>
+            <a:pPr defTabSz="914411">
+              <a:defRPr/>
+            </a:pPr>
+            <a:endParaRPr lang="en-US" altLang="zh-TW" dirty="0">
+              <a:solidFill>
+                <a:prstClr val="black"/>
+              </a:solidFill>
+              <a:latin typeface="微軟正黑體" panose="020B0604030504040204" pitchFamily="34" charset="-120"/>
+              <a:ea typeface="微軟正黑體" panose="020B0604030504040204" pitchFamily="34" charset="-120"/>
+            </a:endParaRPr>
+          </a:p>
+          <a:p>
+            <a:pPr defTabSz="914411">
+              <a:defRPr/>
+            </a:pPr>
+            <a:endParaRPr lang="en-US" altLang="zh-TW" dirty="0">
+              <a:solidFill>
+                <a:prstClr val="black"/>
+              </a:solidFill>
+              <a:latin typeface="微軟正黑體" panose="020B0604030504040204" pitchFamily="34" charset="-120"/>
+              <a:ea typeface="微軟正黑體" panose="020B0604030504040204" pitchFamily="34" charset="-120"/>
+            </a:endParaRPr>
+          </a:p>
+          <a:p>
+            <a:pPr defTabSz="914411">
+              <a:defRPr/>
+            </a:pPr>
+            <a:endParaRPr lang="en-US" altLang="zh-TW" dirty="0">
+              <a:solidFill>
+                <a:prstClr val="black"/>
+              </a:solidFill>
+              <a:latin typeface="微軟正黑體" panose="020B0604030504040204" pitchFamily="34" charset="-120"/>
+              <a:ea typeface="微軟正黑體" panose="020B0604030504040204" pitchFamily="34" charset="-120"/>
+            </a:endParaRPr>
+          </a:p>
+        </p:txBody>
+      </p:sp>
+      <p:pic>
+        <p:nvPicPr>
+          <p:cNvPr id="5" name="圖片 4">
+            <a:extLst>
+              <a:ext uri="{FF2B5EF4-FFF2-40B4-BE49-F238E27FC236}">
+                <a16:creationId xmlns:a16="http://schemas.microsoft.com/office/drawing/2014/main" id="{DCB88D7A-1E20-CA35-3265-DA5DCCA9017D}"/>
+              </a:ext>
+            </a:extLst>
+          </p:cNvPr>
+          <p:cNvPicPr>
+            <a:picLocks noChangeAspect="1"/>
+          </p:cNvPicPr>
+          <p:nvPr/>
+        </p:nvPicPr>
+        <p:blipFill>
+          <a:blip r:embed="rId3"/>
+          <a:stretch>
+            <a:fillRect/>
+          </a:stretch>
+        </p:blipFill>
+        <p:spPr>
+          <a:xfrm>
+            <a:off x="6412003" y="2922493"/>
+            <a:ext cx="4941794" cy="3294529"/>
+          </a:xfrm>
+          <a:prstGeom prst="rect">
+            <a:avLst/>
+          </a:prstGeom>
+        </p:spPr>
+      </p:pic>
+    </p:spTree>
+    <p:extLst>
+      <p:ext uri="{BB962C8B-B14F-4D97-AF65-F5344CB8AC3E}">
+        <p14:creationId xmlns:p14="http://schemas.microsoft.com/office/powerpoint/2010/main" val="1587692000"/>
+      </p:ext>
+    </p:extLst>
+  </p:cSld>
+  <p:clrMapOvr>
+    <a:masterClrMapping/>
+  </p:clrMapOvr>
+</p:sld>
+</file>
+
+<file path=ppt/slides/slide4.xml><?xml version="1.0" encoding="utf-8"?>
+<p:sld xmlns:a="http://schemas.openxmlformats.org/drawingml/2006/main" xmlns:r="http://schemas.openxmlformats.org/officeDocument/2006/relationships" xmlns:p="http://schemas.openxmlformats.org/presentationml/2006/main">
+  <p:cSld>
+    <p:spTree>
+      <p:nvGrpSpPr>
+        <p:cNvPr id="1" name=""/>
+        <p:cNvGrpSpPr/>
+        <p:nvPr/>
+      </p:nvGrpSpPr>
+      <p:grpSpPr>
+        <a:xfrm>
+          <a:off x="0" y="0"/>
+          <a:ext cx="0" cy="0"/>
+          <a:chOff x="0" y="0"/>
+          <a:chExt cx="0" cy="0"/>
+        </a:xfrm>
+      </p:grpSpPr>
+      <p:sp>
+        <p:nvSpPr>
+          <p:cNvPr id="3" name="標題 2">
+            <a:extLst>
+              <a:ext uri="{FF2B5EF4-FFF2-40B4-BE49-F238E27FC236}">
+                <a16:creationId xmlns:a16="http://schemas.microsoft.com/office/drawing/2014/main" id="{EF277299-8610-4660-86B9-EE584C561AB1}"/>
+              </a:ext>
+            </a:extLst>
+          </p:cNvPr>
+          <p:cNvSpPr>
+            <a:spLocks noGrp="1"/>
+          </p:cNvSpPr>
+          <p:nvPr>
+            <p:ph type="title"/>
+          </p:nvPr>
+        </p:nvSpPr>
+        <p:spPr/>
+        <p:txBody>
+          <a:bodyPr/>
+          <a:lstStyle/>
+          <a:p>
+            <a:r>
+              <a:rPr lang="zh-TW" altLang="en-US" dirty="0"/>
+              <a:t>專案需求</a:t>
+            </a:r>
+          </a:p>
+        </p:txBody>
+      </p:sp>
+      <p:sp>
+        <p:nvSpPr>
+          <p:cNvPr id="4" name="矩形 3">
+            <a:extLst>
+              <a:ext uri="{FF2B5EF4-FFF2-40B4-BE49-F238E27FC236}">
+                <a16:creationId xmlns:a16="http://schemas.microsoft.com/office/drawing/2014/main" id="{AC2FE677-EC78-63B1-6C3F-0FCD5C2D24C6}"/>
+              </a:ext>
+            </a:extLst>
+          </p:cNvPr>
+          <p:cNvSpPr/>
+          <p:nvPr/>
+        </p:nvSpPr>
+        <p:spPr>
+          <a:xfrm>
+            <a:off x="838199" y="1224282"/>
+            <a:ext cx="10515598" cy="2893100"/>
+          </a:xfrm>
+          <a:prstGeom prst="rect">
+            <a:avLst/>
+          </a:prstGeom>
+        </p:spPr>
+        <p:txBody>
+          <a:bodyPr wrap="square">
+            <a:spAutoFit/>
+          </a:bodyPr>
+          <a:lstStyle/>
+          <a:p>
+            <a:pPr marL="171453" indent="-171453" defTabSz="914411">
+              <a:buFont typeface="Arial" panose="020B0604020202020204" pitchFamily="34" charset="0"/>
+              <a:buChar char="•"/>
+              <a:defRPr/>
+            </a:pPr>
+            <a:r>
+              <a:rPr lang="zh-TW" altLang="en-US" b="1" dirty="0">
+                <a:solidFill>
+                  <a:prstClr val="black"/>
+                </a:solidFill>
+                <a:latin typeface="微軟正黑體" panose="020B0604030504040204" pitchFamily="34" charset="-120"/>
+                <a:ea typeface="微軟正黑體" panose="020B0604030504040204" pitchFamily="34" charset="-120"/>
+              </a:rPr>
+              <a:t>功能需求</a:t>
+            </a:r>
+            <a:r>
+              <a:rPr lang="en-US" altLang="zh-TW" b="1" dirty="0">
+                <a:solidFill>
+                  <a:prstClr val="black"/>
+                </a:solidFill>
+                <a:latin typeface="微軟正黑體" panose="020B0604030504040204" pitchFamily="34" charset="-120"/>
+                <a:ea typeface="微軟正黑體" panose="020B0604030504040204" pitchFamily="34" charset="-120"/>
+              </a:rPr>
+              <a:t>:</a:t>
+            </a:r>
+          </a:p>
+          <a:p>
+            <a:pPr defTabSz="914411">
+              <a:defRPr/>
+            </a:pPr>
+            <a:r>
+              <a:rPr lang="zh-TW" altLang="en-US" sz="1600" dirty="0">
+                <a:solidFill>
+                  <a:prstClr val="black"/>
+                </a:solidFill>
+                <a:latin typeface="微軟正黑體" panose="020B0604030504040204" pitchFamily="34" charset="-120"/>
+                <a:ea typeface="微軟正黑體" panose="020B0604030504040204" pitchFamily="34" charset="-120"/>
+              </a:rPr>
+              <a:t>我們希望可以透過系統抓取裂痕、坑洞、凹凸，透過邊緣檢測的方式得知影像中較強的邊緣，</a:t>
+            </a:r>
+          </a:p>
+          <a:p>
+            <a:pPr defTabSz="914411">
+              <a:defRPr/>
+            </a:pPr>
+            <a:r>
+              <a:rPr lang="zh-TW" altLang="en-US" sz="1600" dirty="0">
+                <a:solidFill>
+                  <a:prstClr val="black"/>
+                </a:solidFill>
+                <a:latin typeface="微軟正黑體" panose="020B0604030504040204" pitchFamily="34" charset="-120"/>
+                <a:ea typeface="微軟正黑體" panose="020B0604030504040204" pitchFamily="34" charset="-120"/>
+              </a:rPr>
+              <a:t>並由軟體端告訴硬體端要篩選的強度參數，利用</a:t>
+            </a:r>
+            <a:r>
+              <a:rPr lang="en-US" altLang="zh-TW" sz="1600" dirty="0">
+                <a:solidFill>
+                  <a:prstClr val="black"/>
+                </a:solidFill>
+                <a:latin typeface="微軟正黑體" panose="020B0604030504040204" pitchFamily="34" charset="-120"/>
+                <a:ea typeface="微軟正黑體" panose="020B0604030504040204" pitchFamily="34" charset="-120"/>
+              </a:rPr>
+              <a:t>CCL</a:t>
+            </a:r>
+            <a:r>
+              <a:rPr lang="zh-TW" altLang="en-US" sz="1600" dirty="0">
+                <a:solidFill>
+                  <a:prstClr val="black"/>
+                </a:solidFill>
+                <a:latin typeface="微軟正黑體" panose="020B0604030504040204" pitchFamily="34" charset="-120"/>
+                <a:ea typeface="微軟正黑體" panose="020B0604030504040204" pitchFamily="34" charset="-120"/>
+              </a:rPr>
+              <a:t>將圖片中相互連結的部分各自做上不同標記，</a:t>
+            </a:r>
+          </a:p>
+          <a:p>
+            <a:pPr defTabSz="914411">
+              <a:defRPr/>
+            </a:pPr>
+            <a:r>
+              <a:rPr lang="zh-TW" altLang="en-US" sz="1600" dirty="0">
+                <a:solidFill>
+                  <a:prstClr val="black"/>
+                </a:solidFill>
+                <a:latin typeface="微軟正黑體" panose="020B0604030504040204" pitchFamily="34" charset="-120"/>
+                <a:ea typeface="微軟正黑體" panose="020B0604030504040204" pitchFamily="34" charset="-120"/>
+              </a:rPr>
+              <a:t>再用</a:t>
+            </a:r>
+            <a:r>
+              <a:rPr lang="en-US" altLang="zh-TW" sz="1600" dirty="0">
+                <a:solidFill>
+                  <a:prstClr val="black"/>
+                </a:solidFill>
+                <a:latin typeface="微軟正黑體" panose="020B0604030504040204" pitchFamily="34" charset="-120"/>
+                <a:ea typeface="微軟正黑體" panose="020B0604030504040204" pitchFamily="34" charset="-120"/>
+              </a:rPr>
+              <a:t>Linear Regression</a:t>
+            </a:r>
+            <a:r>
+              <a:rPr lang="zh-TW" altLang="en-US" sz="1600" dirty="0">
+                <a:solidFill>
+                  <a:prstClr val="black"/>
+                </a:solidFill>
+                <a:latin typeface="微軟正黑體" panose="020B0604030504040204" pitchFamily="34" charset="-120"/>
+                <a:ea typeface="微軟正黑體" panose="020B0604030504040204" pitchFamily="34" charset="-120"/>
+              </a:rPr>
+              <a:t>把物體框出，最後將結果用</a:t>
+            </a:r>
+            <a:r>
+              <a:rPr lang="en-US" altLang="zh-TW" sz="1600" dirty="0">
+                <a:solidFill>
+                  <a:prstClr val="black"/>
+                </a:solidFill>
+                <a:latin typeface="微軟正黑體" panose="020B0604030504040204" pitchFamily="34" charset="-120"/>
+                <a:ea typeface="微軟正黑體" panose="020B0604030504040204" pitchFamily="34" charset="-120"/>
+              </a:rPr>
+              <a:t>VGA</a:t>
+            </a:r>
+            <a:r>
+              <a:rPr lang="zh-TW" altLang="en-US" sz="1600" dirty="0">
+                <a:solidFill>
+                  <a:prstClr val="black"/>
+                </a:solidFill>
+                <a:latin typeface="微軟正黑體" panose="020B0604030504040204" pitchFamily="34" charset="-120"/>
+                <a:ea typeface="微軟正黑體" panose="020B0604030504040204" pitchFamily="34" charset="-120"/>
+              </a:rPr>
+              <a:t>顯示。</a:t>
+            </a:r>
+          </a:p>
+          <a:p>
+            <a:pPr defTabSz="914411">
+              <a:defRPr/>
+            </a:pPr>
+            <a:endParaRPr lang="en-US" altLang="zh-TW" sz="1600" dirty="0">
+              <a:solidFill>
+                <a:prstClr val="black"/>
+              </a:solidFill>
+              <a:latin typeface="微軟正黑體" panose="020B0604030504040204" pitchFamily="34" charset="-120"/>
+              <a:ea typeface="微軟正黑體" panose="020B0604030504040204" pitchFamily="34" charset="-120"/>
+            </a:endParaRPr>
+          </a:p>
+          <a:p>
+            <a:pPr marL="171453" indent="-171453" defTabSz="914411">
+              <a:buFont typeface="Arial" panose="020B0604020202020204" pitchFamily="34" charset="0"/>
+              <a:buChar char="•"/>
+              <a:defRPr/>
+            </a:pPr>
+            <a:r>
+              <a:rPr lang="zh-TW" altLang="en-US" b="1" dirty="0">
+                <a:solidFill>
+                  <a:prstClr val="black"/>
+                </a:solidFill>
+                <a:latin typeface="微軟正黑體" panose="020B0604030504040204" pitchFamily="34" charset="-120"/>
+                <a:ea typeface="微軟正黑體" panose="020B0604030504040204" pitchFamily="34" charset="-120"/>
+              </a:rPr>
+              <a:t>環境需求</a:t>
+            </a:r>
+            <a:r>
+              <a:rPr lang="en-US" altLang="zh-TW" b="1" dirty="0">
+                <a:solidFill>
+                  <a:prstClr val="black"/>
+                </a:solidFill>
+                <a:latin typeface="微軟正黑體" panose="020B0604030504040204" pitchFamily="34" charset="-120"/>
+                <a:ea typeface="微軟正黑體" panose="020B0604030504040204" pitchFamily="34" charset="-120"/>
+              </a:rPr>
+              <a:t>:</a:t>
+            </a:r>
+          </a:p>
+          <a:p>
+            <a:pPr marL="171453" indent="-171453" defTabSz="914411">
+              <a:buFont typeface="Arial" panose="020B0604020202020204" pitchFamily="34" charset="0"/>
+              <a:buChar char="•"/>
+              <a:defRPr/>
+            </a:pPr>
+            <a:r>
+              <a:rPr lang="en-US" altLang="zh-TW" sz="1600" dirty="0">
+                <a:solidFill>
+                  <a:prstClr val="black"/>
+                </a:solidFill>
+                <a:latin typeface="微軟正黑體" panose="020B0604030504040204" pitchFamily="34" charset="-120"/>
+                <a:ea typeface="微軟正黑體" panose="020B0604030504040204" pitchFamily="34" charset="-120"/>
+              </a:rPr>
+              <a:t>FPGA:</a:t>
+            </a:r>
+            <a:r>
+              <a:rPr lang="zh-TW" altLang="en-US" sz="1600" dirty="0">
+                <a:solidFill>
+                  <a:prstClr val="black"/>
+                </a:solidFill>
+                <a:latin typeface="微軟正黑體" panose="020B0604030504040204" pitchFamily="34" charset="-120"/>
+                <a:ea typeface="微軟正黑體" panose="020B0604030504040204" pitchFamily="34" charset="-120"/>
+              </a:rPr>
+              <a:t> </a:t>
+            </a:r>
+            <a:r>
+              <a:rPr lang="en-US" altLang="zh-TW" sz="1600" dirty="0">
+                <a:solidFill>
+                  <a:prstClr val="black"/>
+                </a:solidFill>
+                <a:latin typeface="微軟正黑體" panose="020B0604030504040204" pitchFamily="34" charset="-120"/>
+                <a:ea typeface="微軟正黑體" panose="020B0604030504040204" pitchFamily="34" charset="-120"/>
+              </a:rPr>
+              <a:t>Zynq-7000 AP SoC XC7Z020-CLG484</a:t>
+            </a:r>
+          </a:p>
+          <a:p>
+            <a:pPr marL="171453" indent="-171453" defTabSz="914411">
+              <a:buFont typeface="Arial" panose="020B0604020202020204" pitchFamily="34" charset="0"/>
+              <a:buChar char="•"/>
+              <a:defRPr/>
+            </a:pPr>
+            <a:r>
+              <a:rPr lang="zh-TW" altLang="en-US" sz="1600" dirty="0">
+                <a:solidFill>
+                  <a:prstClr val="black"/>
+                </a:solidFill>
+                <a:latin typeface="微軟正黑體" panose="020B0604030504040204" pitchFamily="34" charset="-120"/>
+                <a:ea typeface="微軟正黑體" panose="020B0604030504040204" pitchFamily="34" charset="-120"/>
+              </a:rPr>
+              <a:t>環境</a:t>
+            </a:r>
+            <a:r>
+              <a:rPr lang="en-US" altLang="zh-TW" sz="1600" dirty="0">
+                <a:solidFill>
+                  <a:prstClr val="black"/>
+                </a:solidFill>
+                <a:latin typeface="微軟正黑體" panose="020B0604030504040204" pitchFamily="34" charset="-120"/>
+                <a:ea typeface="微軟正黑體" panose="020B0604030504040204" pitchFamily="34" charset="-120"/>
+              </a:rPr>
+              <a:t>:</a:t>
+            </a:r>
+            <a:r>
+              <a:rPr lang="zh-TW" altLang="en-US" sz="1600" dirty="0">
+                <a:solidFill>
+                  <a:prstClr val="black"/>
+                </a:solidFill>
+                <a:latin typeface="微軟正黑體" panose="020B0604030504040204" pitchFamily="34" charset="-120"/>
+                <a:ea typeface="微軟正黑體" panose="020B0604030504040204" pitchFamily="34" charset="-120"/>
+              </a:rPr>
+              <a:t> </a:t>
+            </a:r>
+            <a:r>
+              <a:rPr lang="en-US" altLang="zh-TW" sz="1600" dirty="0" err="1">
+                <a:solidFill>
+                  <a:prstClr val="black"/>
+                </a:solidFill>
+                <a:latin typeface="微軟正黑體" panose="020B0604030504040204" pitchFamily="34" charset="-120"/>
+                <a:ea typeface="微軟正黑體" panose="020B0604030504040204" pitchFamily="34" charset="-120"/>
+              </a:rPr>
+              <a:t>Vivado</a:t>
+            </a:r>
+            <a:r>
+              <a:rPr lang="en-US" altLang="zh-TW" sz="1600" dirty="0">
+                <a:solidFill>
+                  <a:prstClr val="black"/>
+                </a:solidFill>
+                <a:latin typeface="微軟正黑體" panose="020B0604030504040204" pitchFamily="34" charset="-120"/>
+                <a:ea typeface="微軟正黑體" panose="020B0604030504040204" pitchFamily="34" charset="-120"/>
+              </a:rPr>
+              <a:t> 2018.3 SDK</a:t>
+            </a:r>
+          </a:p>
+          <a:p>
+            <a:pPr marL="171453" indent="-171453" defTabSz="914411">
+              <a:buFont typeface="Arial" panose="020B0604020202020204" pitchFamily="34" charset="0"/>
+              <a:buChar char="•"/>
+              <a:defRPr/>
+            </a:pPr>
+            <a:endParaRPr lang="en-US" altLang="zh-TW" sz="1600" dirty="0">
+              <a:solidFill>
+                <a:prstClr val="black"/>
+              </a:solidFill>
+              <a:latin typeface="微軟正黑體" panose="020B0604030504040204" pitchFamily="34" charset="-120"/>
+              <a:ea typeface="微軟正黑體" panose="020B0604030504040204" pitchFamily="34" charset="-120"/>
+            </a:endParaRPr>
+          </a:p>
+          <a:p>
+            <a:pPr marL="171453" indent="-171453" defTabSz="914411">
+              <a:buFont typeface="Arial" panose="020B0604020202020204" pitchFamily="34" charset="0"/>
+              <a:buChar char="•"/>
+              <a:defRPr/>
+            </a:pPr>
+            <a:r>
+              <a:rPr lang="zh-TW" altLang="en-US" b="1" dirty="0">
+                <a:solidFill>
+                  <a:prstClr val="black"/>
+                </a:solidFill>
+                <a:latin typeface="微軟正黑體" panose="020B0604030504040204" pitchFamily="34" charset="-120"/>
+                <a:ea typeface="微軟正黑體" panose="020B0604030504040204" pitchFamily="34" charset="-120"/>
+              </a:rPr>
+              <a:t>介面需求</a:t>
+            </a:r>
+            <a:r>
+              <a:rPr lang="en-US" altLang="zh-TW" b="1" dirty="0">
+                <a:solidFill>
+                  <a:prstClr val="black"/>
+                </a:solidFill>
+                <a:latin typeface="微軟正黑體" panose="020B0604030504040204" pitchFamily="34" charset="-120"/>
+                <a:ea typeface="微軟正黑體" panose="020B0604030504040204" pitchFamily="34" charset="-120"/>
+              </a:rPr>
+              <a:t>:</a:t>
+            </a:r>
+          </a:p>
+          <a:p>
+            <a:pPr marL="171453" indent="-171453" defTabSz="914411">
+              <a:buFont typeface="Arial" panose="020B0604020202020204" pitchFamily="34" charset="0"/>
+              <a:buChar char="•"/>
+              <a:defRPr/>
+            </a:pPr>
+            <a:r>
+              <a:rPr lang="zh-TW" altLang="en-US" sz="1600" dirty="0">
+                <a:solidFill>
+                  <a:prstClr val="black"/>
+                </a:solidFill>
+                <a:latin typeface="微軟正黑體" panose="020B0604030504040204" pitchFamily="34" charset="-120"/>
+                <a:ea typeface="微軟正黑體" panose="020B0604030504040204" pitchFamily="34" charset="-120"/>
+              </a:rPr>
+              <a:t>顯示器規格</a:t>
+            </a:r>
+            <a:r>
+              <a:rPr lang="en-US" altLang="zh-TW" sz="1600" dirty="0">
+                <a:solidFill>
+                  <a:prstClr val="black"/>
+                </a:solidFill>
+                <a:latin typeface="微軟正黑體" panose="020B0604030504040204" pitchFamily="34" charset="-120"/>
+                <a:ea typeface="微軟正黑體" panose="020B0604030504040204" pitchFamily="34" charset="-120"/>
+              </a:rPr>
+              <a:t>:</a:t>
+            </a:r>
+            <a:r>
+              <a:rPr lang="zh-TW" altLang="en-US" sz="1600" dirty="0">
+                <a:solidFill>
+                  <a:prstClr val="black"/>
+                </a:solidFill>
+                <a:latin typeface="微軟正黑體" panose="020B0604030504040204" pitchFamily="34" charset="-120"/>
+                <a:ea typeface="微軟正黑體" panose="020B0604030504040204" pitchFamily="34" charset="-120"/>
+              </a:rPr>
+              <a:t> </a:t>
+            </a:r>
+            <a:r>
+              <a:rPr lang="en-US" altLang="zh-TW" sz="1600" dirty="0">
+                <a:solidFill>
+                  <a:prstClr val="black"/>
+                </a:solidFill>
+                <a:latin typeface="微軟正黑體" panose="020B0604030504040204" pitchFamily="34" charset="-120"/>
+                <a:ea typeface="微軟正黑體" panose="020B0604030504040204" pitchFamily="34" charset="-120"/>
+              </a:rPr>
+              <a:t>800X600</a:t>
+            </a:r>
+          </a:p>
+        </p:txBody>
+      </p:sp>
+    </p:spTree>
+    <p:extLst>
+      <p:ext uri="{BB962C8B-B14F-4D97-AF65-F5344CB8AC3E}">
+        <p14:creationId xmlns:p14="http://schemas.microsoft.com/office/powerpoint/2010/main" val="1327231114"/>
+      </p:ext>
+    </p:extLst>
+  </p:cSld>
+  <p:clrMapOvr>
+    <a:masterClrMapping/>
+  </p:clrMapOvr>
+</p:sld>
+</file>
+
+<file path=ppt/slides/slide5.xml><?xml version="1.0" encoding="utf-8"?>
+<p:sld xmlns:a="http://schemas.openxmlformats.org/drawingml/2006/main" xmlns:r="http://schemas.openxmlformats.org/officeDocument/2006/relationships" xmlns:p="http://schemas.openxmlformats.org/presentationml/2006/main">
+  <p:cSld>
+    <p:spTree>
+      <p:nvGrpSpPr>
+        <p:cNvPr id="1" name=""/>
+        <p:cNvGrpSpPr/>
+        <p:nvPr/>
+      </p:nvGrpSpPr>
+      <p:grpSpPr>
+        <a:xfrm>
+          <a:off x="0" y="0"/>
+          <a:ext cx="0" cy="0"/>
+          <a:chOff x="0" y="0"/>
+          <a:chExt cx="0" cy="0"/>
+        </a:xfrm>
+      </p:grpSpPr>
+      <p:sp>
+        <p:nvSpPr>
+          <p:cNvPr id="3" name="標題 2">
+            <a:extLst>
+              <a:ext uri="{FF2B5EF4-FFF2-40B4-BE49-F238E27FC236}">
+                <a16:creationId xmlns:a16="http://schemas.microsoft.com/office/drawing/2014/main" id="{B0FE567C-34C6-4F98-A84A-4DEAB1E49A7C}"/>
+              </a:ext>
+            </a:extLst>
+          </p:cNvPr>
+          <p:cNvSpPr>
+            <a:spLocks noGrp="1"/>
+          </p:cNvSpPr>
+          <p:nvPr>
+            <p:ph type="title"/>
+          </p:nvPr>
+        </p:nvSpPr>
+        <p:spPr/>
+        <p:txBody>
+          <a:bodyPr/>
+          <a:lstStyle/>
+          <a:p>
+            <a:r>
+              <a:rPr lang="zh-TW" altLang="en-US" dirty="0"/>
+              <a:t>架構圖</a:t>
+            </a:r>
+          </a:p>
+        </p:txBody>
+      </p:sp>
+      <p:sp>
+        <p:nvSpPr>
+          <p:cNvPr id="2" name="矩形 1">
+            <a:extLst>
+              <a:ext uri="{FF2B5EF4-FFF2-40B4-BE49-F238E27FC236}">
+                <a16:creationId xmlns:a16="http://schemas.microsoft.com/office/drawing/2014/main" id="{A72842EB-52B0-4C22-A389-0F2EA7532E4C}"/>
+              </a:ext>
+            </a:extLst>
+          </p:cNvPr>
+          <p:cNvSpPr/>
+          <p:nvPr/>
+        </p:nvSpPr>
+        <p:spPr>
+          <a:xfrm>
+            <a:off x="6815349" y="2194561"/>
+            <a:ext cx="1166948" cy="3513908"/>
+          </a:xfrm>
+          <a:prstGeom prst="rect">
+            <a:avLst/>
+          </a:prstGeom>
+          <a:gradFill flip="none" rotWithShape="1">
+            <a:gsLst>
+              <a:gs pos="0">
+                <a:srgbClr val="FFFF00">
+                  <a:tint val="66000"/>
+                  <a:satMod val="160000"/>
+                </a:srgbClr>
+              </a:gs>
+              <a:gs pos="50000">
+                <a:srgbClr val="FFFF00">
+                  <a:tint val="44500"/>
+                  <a:satMod val="160000"/>
+                </a:srgbClr>
+              </a:gs>
+              <a:gs pos="100000">
+                <a:srgbClr val="FFFF00">
+                  <a:tint val="23500"/>
+                  <a:satMod val="160000"/>
+                </a:srgbClr>
+              </a:gs>
+            </a:gsLst>
+            <a:lin ang="2700000" scaled="1"/>
+            <a:tileRect/>
+          </a:gradFill>
+          <a:ln w="19050">
+            <a:solidFill>
+              <a:schemeClr val="tx1"/>
+            </a:solidFill>
+          </a:ln>
+        </p:spPr>
+        <p:style>
+          <a:lnRef idx="2">
+            <a:schemeClr val="accent1">
+              <a:shade val="50000"/>
+            </a:schemeClr>
+          </a:lnRef>
+          <a:fillRef idx="1">
+            <a:schemeClr val="accent1"/>
+          </a:fillRef>
+          <a:effectRef idx="0">
+            <a:schemeClr val="accent1"/>
+          </a:effectRef>
+          <a:fontRef idx="minor">
+            <a:schemeClr val="lt1"/>
+          </a:fontRef>
+        </p:style>
+        <p:txBody>
+          <a:bodyPr rtlCol="0" anchor="ctr"/>
+          <a:lstStyle/>
+          <a:p>
+            <a:pPr algn="ctr"/>
+            <a:r>
+              <a:rPr lang="en-US" altLang="zh-TW" sz="1600" dirty="0">
+                <a:solidFill>
+                  <a:schemeClr val="tx1"/>
+                </a:solidFill>
+              </a:rPr>
+              <a:t>Linear</a:t>
+            </a:r>
+          </a:p>
+          <a:p>
+            <a:pPr algn="ctr"/>
+            <a:r>
+              <a:rPr lang="en-US" altLang="zh-TW" sz="1600" dirty="0">
+                <a:solidFill>
+                  <a:schemeClr val="tx1"/>
+                </a:solidFill>
+              </a:rPr>
+              <a:t>Regression</a:t>
+            </a:r>
+          </a:p>
+          <a:p>
+            <a:pPr algn="ctr"/>
+            <a:r>
+              <a:rPr lang="en-US" altLang="zh-TW" sz="1600" dirty="0">
+                <a:solidFill>
+                  <a:schemeClr val="tx1"/>
+                </a:solidFill>
+              </a:rPr>
+              <a:t>Least</a:t>
+            </a:r>
+          </a:p>
+          <a:p>
+            <a:pPr algn="ctr"/>
+            <a:r>
+              <a:rPr lang="en-US" altLang="zh-TW" sz="1600" dirty="0">
+                <a:solidFill>
+                  <a:schemeClr val="tx1"/>
+                </a:solidFill>
+              </a:rPr>
+              <a:t>Squares</a:t>
+            </a:r>
+          </a:p>
+          <a:p>
+            <a:pPr algn="ctr"/>
+            <a:endParaRPr lang="en-US" altLang="zh-TW" sz="1600" dirty="0">
+              <a:solidFill>
+                <a:schemeClr val="tx1"/>
+              </a:solidFill>
+            </a:endParaRPr>
+          </a:p>
+          <a:p>
+            <a:pPr algn="ctr"/>
+            <a:r>
+              <a:rPr lang="en-US" altLang="zh-TW" sz="1600" dirty="0">
+                <a:solidFill>
+                  <a:schemeClr val="tx1"/>
+                </a:solidFill>
+              </a:rPr>
+              <a:t>n=16</a:t>
+            </a:r>
+          </a:p>
+          <a:p>
+            <a:pPr algn="ctr"/>
+            <a:endParaRPr lang="zh-TW" altLang="en-US" sz="1600" dirty="0">
+              <a:solidFill>
+                <a:schemeClr val="tx1"/>
+              </a:solidFill>
+            </a:endParaRPr>
+          </a:p>
+        </p:txBody>
+      </p:sp>
+      <p:sp>
+        <p:nvSpPr>
+          <p:cNvPr id="6" name="矩形 5">
+            <a:extLst>
+              <a:ext uri="{FF2B5EF4-FFF2-40B4-BE49-F238E27FC236}">
+                <a16:creationId xmlns:a16="http://schemas.microsoft.com/office/drawing/2014/main" id="{398B62C8-D200-4B07-8309-93BBD604635B}"/>
+              </a:ext>
+            </a:extLst>
+          </p:cNvPr>
+          <p:cNvSpPr/>
+          <p:nvPr/>
+        </p:nvSpPr>
+        <p:spPr>
+          <a:xfrm>
+            <a:off x="4002481" y="2194561"/>
+            <a:ext cx="1166948" cy="635725"/>
+          </a:xfrm>
+          <a:prstGeom prst="rect">
+            <a:avLst/>
+          </a:prstGeom>
+          <a:gradFill flip="none" rotWithShape="1">
+            <a:gsLst>
+              <a:gs pos="0">
+                <a:schemeClr val="accent5">
+                  <a:lumMod val="60000"/>
+                  <a:lumOff val="40000"/>
+                  <a:tint val="66000"/>
+                  <a:satMod val="160000"/>
+                </a:schemeClr>
+              </a:gs>
+              <a:gs pos="50000">
+                <a:schemeClr val="accent5">
+                  <a:lumMod val="60000"/>
+                  <a:lumOff val="40000"/>
+                  <a:tint val="44500"/>
+                  <a:satMod val="160000"/>
+                </a:schemeClr>
+              </a:gs>
+              <a:gs pos="100000">
+                <a:schemeClr val="accent5">
+                  <a:lumMod val="60000"/>
+                  <a:lumOff val="40000"/>
+                  <a:tint val="23500"/>
+                  <a:satMod val="160000"/>
+                </a:schemeClr>
+              </a:gs>
+            </a:gsLst>
+            <a:lin ang="2700000" scaled="1"/>
+            <a:tileRect/>
+          </a:gradFill>
+          <a:ln w="19050">
+            <a:solidFill>
+              <a:schemeClr val="tx1"/>
+            </a:solidFill>
+          </a:ln>
+        </p:spPr>
+        <p:style>
+          <a:lnRef idx="2">
+            <a:schemeClr val="accent1">
+              <a:shade val="50000"/>
+            </a:schemeClr>
+          </a:lnRef>
+          <a:fillRef idx="1">
+            <a:schemeClr val="accent1"/>
+          </a:fillRef>
+          <a:effectRef idx="0">
+            <a:schemeClr val="accent1"/>
+          </a:effectRef>
+          <a:fontRef idx="minor">
+            <a:schemeClr val="lt1"/>
+          </a:fontRef>
+        </p:style>
+        <p:txBody>
+          <a:bodyPr rtlCol="0" anchor="ctr"/>
+          <a:lstStyle/>
+          <a:p>
+            <a:pPr algn="ctr"/>
+            <a:r>
+              <a:rPr lang="en-US" altLang="zh-TW" sz="1600" dirty="0">
+                <a:solidFill>
+                  <a:schemeClr val="tx1"/>
+                </a:solidFill>
+              </a:rPr>
+              <a:t>ADDER</a:t>
+            </a:r>
+          </a:p>
+          <a:p>
+            <a:pPr algn="ctr"/>
+            <a:r>
+              <a:rPr lang="en-US" altLang="zh-TW" sz="1600" dirty="0">
+                <a:solidFill>
+                  <a:schemeClr val="tx1"/>
+                </a:solidFill>
+              </a:rPr>
+              <a:t>TREE</a:t>
+            </a:r>
+            <a:endParaRPr lang="zh-TW" altLang="en-US" sz="1600" dirty="0">
+              <a:solidFill>
+                <a:schemeClr val="tx1"/>
+              </a:solidFill>
+            </a:endParaRPr>
+          </a:p>
+        </p:txBody>
+      </p:sp>
+      <p:sp>
+        <p:nvSpPr>
+          <p:cNvPr id="7" name="矩形 6">
+            <a:extLst>
+              <a:ext uri="{FF2B5EF4-FFF2-40B4-BE49-F238E27FC236}">
+                <a16:creationId xmlns:a16="http://schemas.microsoft.com/office/drawing/2014/main" id="{B61662C0-C08D-41AC-B374-2A6617D10A90}"/>
+              </a:ext>
+            </a:extLst>
+          </p:cNvPr>
+          <p:cNvSpPr/>
+          <p:nvPr/>
+        </p:nvSpPr>
+        <p:spPr>
+          <a:xfrm>
+            <a:off x="4002481" y="3154227"/>
+            <a:ext cx="1166948" cy="635725"/>
+          </a:xfrm>
+          <a:prstGeom prst="rect">
+            <a:avLst/>
+          </a:prstGeom>
+          <a:gradFill flip="none" rotWithShape="1">
+            <a:gsLst>
+              <a:gs pos="0">
+                <a:schemeClr val="accent5">
+                  <a:lumMod val="60000"/>
+                  <a:lumOff val="40000"/>
+                  <a:tint val="66000"/>
+                  <a:satMod val="160000"/>
+                </a:schemeClr>
+              </a:gs>
+              <a:gs pos="50000">
+                <a:schemeClr val="accent5">
+                  <a:lumMod val="60000"/>
+                  <a:lumOff val="40000"/>
+                  <a:tint val="44500"/>
+                  <a:satMod val="160000"/>
+                </a:schemeClr>
+              </a:gs>
+              <a:gs pos="100000">
+                <a:schemeClr val="accent5">
+                  <a:lumMod val="60000"/>
+                  <a:lumOff val="40000"/>
+                  <a:tint val="23500"/>
+                  <a:satMod val="160000"/>
+                </a:schemeClr>
+              </a:gs>
+            </a:gsLst>
+            <a:lin ang="2700000" scaled="1"/>
+            <a:tileRect/>
+          </a:gradFill>
+          <a:ln w="19050">
+            <a:solidFill>
+              <a:schemeClr val="tx1"/>
+            </a:solidFill>
+          </a:ln>
+        </p:spPr>
+        <p:style>
+          <a:lnRef idx="2">
+            <a:schemeClr val="accent1">
+              <a:shade val="50000"/>
+            </a:schemeClr>
+          </a:lnRef>
+          <a:fillRef idx="1">
+            <a:schemeClr val="accent1"/>
+          </a:fillRef>
+          <a:effectRef idx="0">
+            <a:schemeClr val="accent1"/>
+          </a:effectRef>
+          <a:fontRef idx="minor">
+            <a:schemeClr val="lt1"/>
+          </a:fontRef>
+        </p:style>
+        <p:txBody>
+          <a:bodyPr rtlCol="0" anchor="ctr"/>
+          <a:lstStyle/>
+          <a:p>
+            <a:pPr algn="ctr"/>
+            <a:r>
+              <a:rPr lang="en-US" altLang="zh-TW" sz="1600" dirty="0">
+                <a:solidFill>
+                  <a:schemeClr val="tx1"/>
+                </a:solidFill>
+              </a:rPr>
+              <a:t>ADDER</a:t>
+            </a:r>
+          </a:p>
+          <a:p>
+            <a:pPr algn="ctr"/>
+            <a:r>
+              <a:rPr lang="en-US" altLang="zh-TW" sz="1600" dirty="0">
+                <a:solidFill>
+                  <a:schemeClr val="tx1"/>
+                </a:solidFill>
+              </a:rPr>
+              <a:t>TREE</a:t>
+            </a:r>
+            <a:endParaRPr lang="zh-TW" altLang="en-US" sz="1600" dirty="0">
+              <a:solidFill>
+                <a:schemeClr val="tx1"/>
+              </a:solidFill>
+            </a:endParaRPr>
+          </a:p>
+        </p:txBody>
+      </p:sp>
+      <p:sp>
+        <p:nvSpPr>
+          <p:cNvPr id="8" name="矩形 7">
+            <a:extLst>
+              <a:ext uri="{FF2B5EF4-FFF2-40B4-BE49-F238E27FC236}">
+                <a16:creationId xmlns:a16="http://schemas.microsoft.com/office/drawing/2014/main" id="{18AE7AB5-0455-4E94-B289-57CC7DEB079C}"/>
+              </a:ext>
+            </a:extLst>
+          </p:cNvPr>
+          <p:cNvSpPr/>
+          <p:nvPr/>
+        </p:nvSpPr>
+        <p:spPr>
+          <a:xfrm>
+            <a:off x="4002481" y="4113893"/>
+            <a:ext cx="1166948" cy="635725"/>
+          </a:xfrm>
+          <a:prstGeom prst="rect">
+            <a:avLst/>
+          </a:prstGeom>
+          <a:gradFill flip="none" rotWithShape="1">
+            <a:gsLst>
+              <a:gs pos="0">
+                <a:schemeClr val="accent5">
+                  <a:lumMod val="60000"/>
+                  <a:lumOff val="40000"/>
+                  <a:tint val="66000"/>
+                  <a:satMod val="160000"/>
+                </a:schemeClr>
+              </a:gs>
+              <a:gs pos="50000">
+                <a:schemeClr val="accent5">
+                  <a:lumMod val="60000"/>
+                  <a:lumOff val="40000"/>
+                  <a:tint val="44500"/>
+                  <a:satMod val="160000"/>
+                </a:schemeClr>
+              </a:gs>
+              <a:gs pos="100000">
+                <a:schemeClr val="accent5">
+                  <a:lumMod val="60000"/>
+                  <a:lumOff val="40000"/>
+                  <a:tint val="23500"/>
+                  <a:satMod val="160000"/>
+                </a:schemeClr>
+              </a:gs>
+            </a:gsLst>
+            <a:lin ang="2700000" scaled="1"/>
+            <a:tileRect/>
+          </a:gradFill>
+          <a:ln w="19050">
+            <a:solidFill>
+              <a:schemeClr val="tx1"/>
+            </a:solidFill>
+          </a:ln>
+        </p:spPr>
+        <p:style>
+          <a:lnRef idx="2">
+            <a:schemeClr val="accent1">
+              <a:shade val="50000"/>
+            </a:schemeClr>
+          </a:lnRef>
+          <a:fillRef idx="1">
+            <a:schemeClr val="accent1"/>
+          </a:fillRef>
+          <a:effectRef idx="0">
+            <a:schemeClr val="accent1"/>
+          </a:effectRef>
+          <a:fontRef idx="minor">
+            <a:schemeClr val="lt1"/>
+          </a:fontRef>
+        </p:style>
+        <p:txBody>
+          <a:bodyPr rtlCol="0" anchor="ctr"/>
+          <a:lstStyle/>
+          <a:p>
+            <a:pPr algn="ctr"/>
+            <a:r>
+              <a:rPr lang="en-US" altLang="zh-TW" sz="1600" dirty="0">
+                <a:solidFill>
+                  <a:schemeClr val="tx1"/>
+                </a:solidFill>
+              </a:rPr>
+              <a:t>ADDER</a:t>
+            </a:r>
+          </a:p>
+          <a:p>
+            <a:pPr algn="ctr"/>
+            <a:r>
+              <a:rPr lang="en-US" altLang="zh-TW" sz="1600" dirty="0">
+                <a:solidFill>
+                  <a:schemeClr val="tx1"/>
+                </a:solidFill>
+              </a:rPr>
+              <a:t>TREE</a:t>
+            </a:r>
+            <a:endParaRPr lang="zh-TW" altLang="en-US" sz="1600" dirty="0">
+              <a:solidFill>
+                <a:schemeClr val="tx1"/>
+              </a:solidFill>
+            </a:endParaRPr>
+          </a:p>
+        </p:txBody>
+      </p:sp>
+      <p:sp>
+        <p:nvSpPr>
+          <p:cNvPr id="9" name="矩形 8">
+            <a:extLst>
+              <a:ext uri="{FF2B5EF4-FFF2-40B4-BE49-F238E27FC236}">
+                <a16:creationId xmlns:a16="http://schemas.microsoft.com/office/drawing/2014/main" id="{2EA5E8BA-415E-45AC-A37A-49C73889F154}"/>
+              </a:ext>
+            </a:extLst>
+          </p:cNvPr>
+          <p:cNvSpPr/>
+          <p:nvPr/>
+        </p:nvSpPr>
+        <p:spPr>
+          <a:xfrm>
+            <a:off x="4002481" y="5072744"/>
+            <a:ext cx="1166948" cy="635725"/>
+          </a:xfrm>
+          <a:prstGeom prst="rect">
+            <a:avLst/>
+          </a:prstGeom>
+          <a:gradFill flip="none" rotWithShape="1">
+            <a:gsLst>
+              <a:gs pos="0">
+                <a:schemeClr val="accent5">
+                  <a:lumMod val="60000"/>
+                  <a:lumOff val="40000"/>
+                  <a:tint val="66000"/>
+                  <a:satMod val="160000"/>
+                </a:schemeClr>
+              </a:gs>
+              <a:gs pos="50000">
+                <a:schemeClr val="accent5">
+                  <a:lumMod val="60000"/>
+                  <a:lumOff val="40000"/>
+                  <a:tint val="44500"/>
+                  <a:satMod val="160000"/>
+                </a:schemeClr>
+              </a:gs>
+              <a:gs pos="100000">
+                <a:schemeClr val="accent5">
+                  <a:lumMod val="60000"/>
+                  <a:lumOff val="40000"/>
+                  <a:tint val="23500"/>
+                  <a:satMod val="160000"/>
+                </a:schemeClr>
+              </a:gs>
+            </a:gsLst>
+            <a:lin ang="2700000" scaled="1"/>
+            <a:tileRect/>
+          </a:gradFill>
+          <a:ln w="19050">
+            <a:solidFill>
+              <a:schemeClr val="tx1"/>
+            </a:solidFill>
+          </a:ln>
+        </p:spPr>
+        <p:style>
+          <a:lnRef idx="2">
+            <a:schemeClr val="accent1">
+              <a:shade val="50000"/>
+            </a:schemeClr>
+          </a:lnRef>
+          <a:fillRef idx="1">
+            <a:schemeClr val="accent1"/>
+          </a:fillRef>
+          <a:effectRef idx="0">
+            <a:schemeClr val="accent1"/>
+          </a:effectRef>
+          <a:fontRef idx="minor">
+            <a:schemeClr val="lt1"/>
+          </a:fontRef>
+        </p:style>
+        <p:txBody>
+          <a:bodyPr rtlCol="0" anchor="ctr"/>
+          <a:lstStyle/>
+          <a:p>
+            <a:pPr algn="ctr"/>
+            <a:r>
+              <a:rPr lang="en-US" altLang="zh-TW" sz="1600" dirty="0">
+                <a:solidFill>
+                  <a:schemeClr val="tx1"/>
+                </a:solidFill>
+              </a:rPr>
+              <a:t>ADDER</a:t>
+            </a:r>
+          </a:p>
+          <a:p>
+            <a:pPr algn="ctr"/>
+            <a:r>
+              <a:rPr lang="en-US" altLang="zh-TW" sz="1600" dirty="0">
+                <a:solidFill>
+                  <a:schemeClr val="tx1"/>
+                </a:solidFill>
+              </a:rPr>
+              <a:t>TREE</a:t>
+            </a:r>
+            <a:endParaRPr lang="zh-TW" altLang="en-US" sz="1600" dirty="0">
+              <a:solidFill>
+                <a:schemeClr val="tx1"/>
+              </a:solidFill>
+            </a:endParaRPr>
+          </a:p>
+        </p:txBody>
+      </p:sp>
+      <p:cxnSp>
+        <p:nvCxnSpPr>
+          <p:cNvPr id="11" name="直線單箭頭接點 10">
+            <a:extLst>
+              <a:ext uri="{FF2B5EF4-FFF2-40B4-BE49-F238E27FC236}">
+                <a16:creationId xmlns:a16="http://schemas.microsoft.com/office/drawing/2014/main" id="{500A10A5-91C9-4EDA-8A07-38270013F0A1}"/>
+              </a:ext>
+            </a:extLst>
+          </p:cNvPr>
+          <p:cNvCxnSpPr>
+            <a:cxnSpLocks/>
+            <a:stCxn id="6" idx="3"/>
+          </p:cNvCxnSpPr>
+          <p:nvPr/>
+        </p:nvCxnSpPr>
+        <p:spPr>
+          <a:xfrm>
+            <a:off x="5169429" y="2512424"/>
+            <a:ext cx="1645920" cy="0"/>
+          </a:xfrm>
+          <a:prstGeom prst="straightConnector1">
+            <a:avLst/>
+          </a:prstGeom>
+          <a:ln w="38100">
+            <a:solidFill>
+              <a:schemeClr val="tx1"/>
+            </a:solidFill>
+            <a:tailEnd type="triangle"/>
+          </a:ln>
+        </p:spPr>
+        <p:style>
+          <a:lnRef idx="1">
+            <a:schemeClr val="accent1"/>
+          </a:lnRef>
+          <a:fillRef idx="0">
+            <a:schemeClr val="accent1"/>
+          </a:fillRef>
+          <a:effectRef idx="0">
+            <a:schemeClr val="accent1"/>
+          </a:effectRef>
+          <a:fontRef idx="minor">
+            <a:schemeClr val="tx1"/>
+          </a:fontRef>
+        </p:style>
+      </p:cxnSp>
+      <p:cxnSp>
+        <p:nvCxnSpPr>
+          <p:cNvPr id="16" name="直線單箭頭接點 15">
+            <a:extLst>
+              <a:ext uri="{FF2B5EF4-FFF2-40B4-BE49-F238E27FC236}">
+                <a16:creationId xmlns:a16="http://schemas.microsoft.com/office/drawing/2014/main" id="{7CED6628-8423-4DE8-8712-68A127C5AC23}"/>
+              </a:ext>
+            </a:extLst>
+          </p:cNvPr>
+          <p:cNvCxnSpPr>
+            <a:cxnSpLocks/>
+          </p:cNvCxnSpPr>
+          <p:nvPr/>
+        </p:nvCxnSpPr>
+        <p:spPr>
+          <a:xfrm>
+            <a:off x="5169429" y="3472544"/>
+            <a:ext cx="1645920" cy="0"/>
+          </a:xfrm>
+          <a:prstGeom prst="straightConnector1">
+            <a:avLst/>
+          </a:prstGeom>
+          <a:ln w="38100">
+            <a:solidFill>
+              <a:schemeClr val="tx1"/>
+            </a:solidFill>
+            <a:tailEnd type="triangle"/>
+          </a:ln>
+        </p:spPr>
+        <p:style>
+          <a:lnRef idx="1">
+            <a:schemeClr val="accent1"/>
+          </a:lnRef>
+          <a:fillRef idx="0">
+            <a:schemeClr val="accent1"/>
+          </a:fillRef>
+          <a:effectRef idx="0">
+            <a:schemeClr val="accent1"/>
+          </a:effectRef>
+          <a:fontRef idx="minor">
+            <a:schemeClr val="tx1"/>
+          </a:fontRef>
+        </p:style>
+      </p:cxnSp>
+      <p:cxnSp>
+        <p:nvCxnSpPr>
+          <p:cNvPr id="17" name="直線單箭頭接點 16">
+            <a:extLst>
+              <a:ext uri="{FF2B5EF4-FFF2-40B4-BE49-F238E27FC236}">
+                <a16:creationId xmlns:a16="http://schemas.microsoft.com/office/drawing/2014/main" id="{B4D02D53-C961-41BB-8F50-A3F0BAAC5823}"/>
+              </a:ext>
+            </a:extLst>
+          </p:cNvPr>
+          <p:cNvCxnSpPr>
+            <a:cxnSpLocks/>
+          </p:cNvCxnSpPr>
+          <p:nvPr/>
+        </p:nvCxnSpPr>
+        <p:spPr>
+          <a:xfrm>
+            <a:off x="5169429" y="4447904"/>
+            <a:ext cx="1645920" cy="0"/>
+          </a:xfrm>
+          <a:prstGeom prst="straightConnector1">
+            <a:avLst/>
+          </a:prstGeom>
+          <a:ln w="38100">
+            <a:solidFill>
+              <a:schemeClr val="tx1"/>
+            </a:solidFill>
+            <a:tailEnd type="triangle"/>
+          </a:ln>
+        </p:spPr>
+        <p:style>
+          <a:lnRef idx="1">
+            <a:schemeClr val="accent1"/>
+          </a:lnRef>
+          <a:fillRef idx="0">
+            <a:schemeClr val="accent1"/>
+          </a:fillRef>
+          <a:effectRef idx="0">
+            <a:schemeClr val="accent1"/>
+          </a:effectRef>
+          <a:fontRef idx="minor">
+            <a:schemeClr val="tx1"/>
+          </a:fontRef>
+        </p:style>
+      </p:cxnSp>
+      <p:cxnSp>
+        <p:nvCxnSpPr>
+          <p:cNvPr id="18" name="直線單箭頭接點 17">
+            <a:extLst>
+              <a:ext uri="{FF2B5EF4-FFF2-40B4-BE49-F238E27FC236}">
+                <a16:creationId xmlns:a16="http://schemas.microsoft.com/office/drawing/2014/main" id="{58182A0F-3229-4BAA-94A5-000053D2D08E}"/>
+              </a:ext>
+            </a:extLst>
+          </p:cNvPr>
+          <p:cNvCxnSpPr>
+            <a:cxnSpLocks/>
+          </p:cNvCxnSpPr>
+          <p:nvPr/>
+        </p:nvCxnSpPr>
+        <p:spPr>
+          <a:xfrm>
+            <a:off x="5169429" y="5400404"/>
+            <a:ext cx="1645920" cy="0"/>
+          </a:xfrm>
+          <a:prstGeom prst="straightConnector1">
+            <a:avLst/>
+          </a:prstGeom>
+          <a:ln w="38100">
+            <a:solidFill>
+              <a:schemeClr val="tx1"/>
+            </a:solidFill>
+            <a:tailEnd type="triangle"/>
+          </a:ln>
+        </p:spPr>
+        <p:style>
+          <a:lnRef idx="1">
+            <a:schemeClr val="accent1"/>
+          </a:lnRef>
+          <a:fillRef idx="0">
+            <a:schemeClr val="accent1"/>
+          </a:fillRef>
+          <a:effectRef idx="0">
+            <a:schemeClr val="accent1"/>
+          </a:effectRef>
+          <a:fontRef idx="minor">
+            <a:schemeClr val="tx1"/>
+          </a:fontRef>
+        </p:style>
+      </p:cxnSp>
+      <p:cxnSp>
+        <p:nvCxnSpPr>
+          <p:cNvPr id="19" name="直線單箭頭接點 18">
+            <a:extLst>
+              <a:ext uri="{FF2B5EF4-FFF2-40B4-BE49-F238E27FC236}">
+                <a16:creationId xmlns:a16="http://schemas.microsoft.com/office/drawing/2014/main" id="{09FB03AC-1DA2-446F-8CC0-038896425543}"/>
+              </a:ext>
+            </a:extLst>
+          </p:cNvPr>
+          <p:cNvCxnSpPr>
+            <a:cxnSpLocks/>
+          </p:cNvCxnSpPr>
+          <p:nvPr/>
+        </p:nvCxnSpPr>
+        <p:spPr>
+          <a:xfrm>
+            <a:off x="7982297" y="3941174"/>
+            <a:ext cx="831124" cy="0"/>
+          </a:xfrm>
+          <a:prstGeom prst="straightConnector1">
+            <a:avLst/>
+          </a:prstGeom>
+          <a:ln w="38100">
+            <a:solidFill>
+              <a:schemeClr val="tx1"/>
+            </a:solidFill>
+            <a:tailEnd type="triangle"/>
+          </a:ln>
+        </p:spPr>
+        <p:style>
+          <a:lnRef idx="1">
+            <a:schemeClr val="accent1"/>
+          </a:lnRef>
+          <a:fillRef idx="0">
+            <a:schemeClr val="accent1"/>
+          </a:fillRef>
+          <a:effectRef idx="0">
+            <a:schemeClr val="accent1"/>
+          </a:effectRef>
+          <a:fontRef idx="minor">
+            <a:schemeClr val="tx1"/>
+          </a:fontRef>
+        </p:style>
+      </p:cxnSp>
+      <mc:AlternateContent xmlns:mc="http://schemas.openxmlformats.org/markup-compatibility/2006" xmlns:a14="http://schemas.microsoft.com/office/drawing/2010/main">
+        <mc:Choice Requires="a14">
+          <p:sp>
+            <p:nvSpPr>
+              <p:cNvPr id="21" name="矩形 20">
+                <a:extLst>
+                  <a:ext uri="{FF2B5EF4-FFF2-40B4-BE49-F238E27FC236}">
+                    <a16:creationId xmlns:a16="http://schemas.microsoft.com/office/drawing/2014/main" id="{2F7F0E7C-3506-445C-AE05-4469525E9D80}"/>
+                  </a:ext>
+                </a:extLst>
+              </p:cNvPr>
+              <p:cNvSpPr/>
+              <p:nvPr/>
+            </p:nvSpPr>
+            <p:spPr>
+              <a:xfrm>
+                <a:off x="5660279" y="3982905"/>
+                <a:ext cx="573940" cy="502253"/>
+              </a:xfrm>
+              <a:prstGeom prst="rect">
+                <a:avLst/>
+              </a:prstGeom>
+            </p:spPr>
+            <p:txBody>
+              <a:bodyPr wrap="none">
+                <a:spAutoFit/>
+              </a:bodyPr>
+              <a:lstStyle/>
+              <a:p>
+                <a:pPr/>
+                <a14:m>
+                  <m:oMathPara xmlns:m="http://schemas.openxmlformats.org/officeDocument/2006/math">
+                    <m:oMathParaPr>
+                      <m:jc m:val="centerGroup"/>
+                    </m:oMathParaPr>
+                    <m:oMath xmlns:m="http://schemas.openxmlformats.org/officeDocument/2006/math">
+                      <m:nary>
+                        <m:naryPr>
+                          <m:chr m:val="∑"/>
+                          <m:subHide m:val="on"/>
+                          <m:supHide m:val="on"/>
+                          <m:ctrlPr>
+                            <a:rPr lang="en-US" altLang="zh-TW" sz="1100" i="1">
+                              <a:latin typeface="Cambria Math" panose="02040503050406030204" pitchFamily="18" charset="0"/>
+                              <a:ea typeface="Cambria Math" panose="02040503050406030204" pitchFamily="18" charset="0"/>
+                            </a:rPr>
+                          </m:ctrlPr>
+                        </m:naryPr>
+                        <m:sub/>
+                        <m:sup/>
+                        <m:e>
+                          <m:sSup>
+                            <m:sSupPr>
+                              <m:ctrlPr>
+                                <a:rPr lang="en-US" altLang="zh-TW" sz="1100" i="1">
+                                  <a:latin typeface="Cambria Math" panose="02040503050406030204" pitchFamily="18" charset="0"/>
+                                  <a:ea typeface="Cambria Math" panose="02040503050406030204" pitchFamily="18" charset="0"/>
+                                </a:rPr>
+                              </m:ctrlPr>
+                            </m:sSupPr>
+                            <m:e>
+                              <m:r>
+                                <a:rPr lang="en-US" altLang="zh-TW" sz="1100" i="1">
+                                  <a:latin typeface="Cambria Math" panose="02040503050406030204" pitchFamily="18" charset="0"/>
+                                  <a:ea typeface="Cambria Math" panose="02040503050406030204" pitchFamily="18" charset="0"/>
+                                </a:rPr>
+                                <m:t>𝑥</m:t>
+                              </m:r>
+                            </m:e>
+                            <m:sup>
+                              <m:r>
+                                <a:rPr lang="en-US" altLang="zh-TW" sz="1100" i="1">
+                                  <a:latin typeface="Cambria Math" panose="02040503050406030204" pitchFamily="18" charset="0"/>
+                                  <a:ea typeface="Cambria Math" panose="02040503050406030204" pitchFamily="18" charset="0"/>
+                                </a:rPr>
+                                <m:t>2</m:t>
+                              </m:r>
+                            </m:sup>
+                          </m:sSup>
+                        </m:e>
+                      </m:nary>
+                    </m:oMath>
+                  </m:oMathPara>
+                </a14:m>
+                <a:endParaRPr lang="zh-TW" altLang="en-US" sz="1100" i="1" dirty="0">
+                  <a:latin typeface="Cambria Math" panose="02040503050406030204" pitchFamily="18" charset="0"/>
+                  <a:ea typeface="Cambria Math" panose="02040503050406030204" pitchFamily="18" charset="0"/>
+                </a:endParaRPr>
+              </a:p>
+            </p:txBody>
+          </p:sp>
+        </mc:Choice>
+        <mc:Fallback xmlns="">
+          <p:sp>
+            <p:nvSpPr>
+              <p:cNvPr id="21" name="矩形 20">
+                <a:extLst>
+                  <a:ext uri="{FF2B5EF4-FFF2-40B4-BE49-F238E27FC236}">
+                    <a16:creationId xmlns:a16="http://schemas.microsoft.com/office/drawing/2014/main" id="{2F7F0E7C-3506-445C-AE05-4469525E9D80}"/>
+                  </a:ext>
+                </a:extLst>
+              </p:cNvPr>
+              <p:cNvSpPr>
+                <a:spLocks noRot="1" noChangeAspect="1" noMove="1" noResize="1" noEditPoints="1" noAdjustHandles="1" noChangeArrowheads="1" noChangeShapeType="1" noTextEdit="1"/>
+              </p:cNvSpPr>
+              <p:nvPr/>
+            </p:nvSpPr>
+            <p:spPr>
+              <a:xfrm>
+                <a:off x="5660279" y="3982905"/>
+                <a:ext cx="573940" cy="502253"/>
+              </a:xfrm>
+              <a:prstGeom prst="rect">
+                <a:avLst/>
+              </a:prstGeom>
+              <a:blipFill>
+                <a:blip r:embed="rId3"/>
+                <a:stretch>
+                  <a:fillRect l="-75532" t="-114458" r="-80851" b="-157831"/>
+                </a:stretch>
+              </a:blipFill>
+            </p:spPr>
+            <p:txBody>
+              <a:bodyPr/>
+              <a:lstStyle/>
+              <a:p>
+                <a:r>
+                  <a:rPr lang="zh-TW" altLang="en-US">
+                    <a:noFill/>
+                  </a:rPr>
+                  <a:t> </a:t>
+                </a:r>
+              </a:p>
+            </p:txBody>
+          </p:sp>
+        </mc:Fallback>
+      </mc:AlternateContent>
+      <mc:AlternateContent xmlns:mc="http://schemas.openxmlformats.org/markup-compatibility/2006" xmlns:a14="http://schemas.microsoft.com/office/drawing/2010/main">
+        <mc:Choice Requires="a14">
+          <p:sp>
+            <p:nvSpPr>
+              <p:cNvPr id="24" name="矩形 23">
+                <a:extLst>
+                  <a:ext uri="{FF2B5EF4-FFF2-40B4-BE49-F238E27FC236}">
+                    <a16:creationId xmlns:a16="http://schemas.microsoft.com/office/drawing/2014/main" id="{B20AF525-FCCB-4E33-A5F7-9E4AD9638083}"/>
+                  </a:ext>
+                </a:extLst>
+              </p:cNvPr>
+              <p:cNvSpPr/>
+              <p:nvPr/>
+            </p:nvSpPr>
+            <p:spPr>
+              <a:xfrm>
+                <a:off x="5648401" y="2055046"/>
+                <a:ext cx="505330" cy="502253"/>
+              </a:xfrm>
+              <a:prstGeom prst="rect">
+                <a:avLst/>
+              </a:prstGeom>
+            </p:spPr>
+            <p:txBody>
+              <a:bodyPr wrap="none">
+                <a:spAutoFit/>
+              </a:bodyPr>
+              <a:lstStyle/>
+              <a:p>
+                <a:pPr/>
+                <a14:m>
+                  <m:oMathPara xmlns:m="http://schemas.openxmlformats.org/officeDocument/2006/math">
+                    <m:oMathParaPr>
+                      <m:jc m:val="centerGroup"/>
+                    </m:oMathParaPr>
+                    <m:oMath xmlns:m="http://schemas.openxmlformats.org/officeDocument/2006/math">
+                      <m:nary>
+                        <m:naryPr>
+                          <m:chr m:val="∑"/>
+                          <m:subHide m:val="on"/>
+                          <m:supHide m:val="on"/>
+                          <m:ctrlPr>
+                            <a:rPr lang="en-US" altLang="zh-TW" sz="1100" i="1">
+                              <a:latin typeface="Cambria Math" panose="02040503050406030204" pitchFamily="18" charset="0"/>
+                              <a:ea typeface="Cambria Math" panose="02040503050406030204" pitchFamily="18" charset="0"/>
+                            </a:rPr>
+                          </m:ctrlPr>
+                        </m:naryPr>
+                        <m:sub/>
+                        <m:sup/>
+                        <m:e>
+                          <m:r>
+                            <a:rPr lang="en-US" altLang="zh-TW" sz="1100" i="1">
+                              <a:latin typeface="Cambria Math" panose="02040503050406030204" pitchFamily="18" charset="0"/>
+                              <a:ea typeface="Cambria Math" panose="02040503050406030204" pitchFamily="18" charset="0"/>
+                            </a:rPr>
+                            <m:t>𝑥</m:t>
+                          </m:r>
+                        </m:e>
+                      </m:nary>
+                    </m:oMath>
+                  </m:oMathPara>
+                </a14:m>
+                <a:endParaRPr lang="zh-TW" altLang="en-US" sz="1100" i="1" dirty="0">
+                  <a:latin typeface="Cambria Math" panose="02040503050406030204" pitchFamily="18" charset="0"/>
+                  <a:ea typeface="Cambria Math" panose="02040503050406030204" pitchFamily="18" charset="0"/>
+                </a:endParaRPr>
+              </a:p>
+            </p:txBody>
+          </p:sp>
+        </mc:Choice>
+        <mc:Fallback xmlns="">
+          <p:sp>
+            <p:nvSpPr>
+              <p:cNvPr id="24" name="矩形 23">
+                <a:extLst>
+                  <a:ext uri="{FF2B5EF4-FFF2-40B4-BE49-F238E27FC236}">
+                    <a16:creationId xmlns:a16="http://schemas.microsoft.com/office/drawing/2014/main" id="{B20AF525-FCCB-4E33-A5F7-9E4AD9638083}"/>
+                  </a:ext>
+                </a:extLst>
+              </p:cNvPr>
+              <p:cNvSpPr>
+                <a:spLocks noRot="1" noChangeAspect="1" noMove="1" noResize="1" noEditPoints="1" noAdjustHandles="1" noChangeArrowheads="1" noChangeShapeType="1" noTextEdit="1"/>
+              </p:cNvSpPr>
+              <p:nvPr/>
+            </p:nvSpPr>
+            <p:spPr>
+              <a:xfrm>
+                <a:off x="5648401" y="2055046"/>
+                <a:ext cx="505330" cy="502253"/>
+              </a:xfrm>
+              <a:prstGeom prst="rect">
+                <a:avLst/>
+              </a:prstGeom>
+              <a:blipFill>
+                <a:blip r:embed="rId4"/>
+                <a:stretch>
+                  <a:fillRect l="-86585" t="-114458" r="-93902" b="-157831"/>
+                </a:stretch>
+              </a:blipFill>
+            </p:spPr>
+            <p:txBody>
+              <a:bodyPr/>
+              <a:lstStyle/>
+              <a:p>
+                <a:r>
+                  <a:rPr lang="zh-TW" altLang="en-US">
+                    <a:noFill/>
+                  </a:rPr>
+                  <a:t> </a:t>
+                </a:r>
+              </a:p>
+            </p:txBody>
+          </p:sp>
+        </mc:Fallback>
+      </mc:AlternateContent>
+      <mc:AlternateContent xmlns:mc="http://schemas.openxmlformats.org/markup-compatibility/2006" xmlns:a14="http://schemas.microsoft.com/office/drawing/2010/main">
+        <mc:Choice Requires="a14">
+          <p:sp>
+            <p:nvSpPr>
+              <p:cNvPr id="25" name="矩形 24">
+                <a:extLst>
+                  <a:ext uri="{FF2B5EF4-FFF2-40B4-BE49-F238E27FC236}">
+                    <a16:creationId xmlns:a16="http://schemas.microsoft.com/office/drawing/2014/main" id="{D4350EC6-25C6-45AB-AF80-59712C22E243}"/>
+                  </a:ext>
+                </a:extLst>
+              </p:cNvPr>
+              <p:cNvSpPr/>
+              <p:nvPr/>
+            </p:nvSpPr>
+            <p:spPr>
+              <a:xfrm>
+                <a:off x="5660279" y="3007545"/>
+                <a:ext cx="506677" cy="502253"/>
+              </a:xfrm>
+              <a:prstGeom prst="rect">
+                <a:avLst/>
+              </a:prstGeom>
+            </p:spPr>
+            <p:txBody>
+              <a:bodyPr wrap="none">
+                <a:spAutoFit/>
+              </a:bodyPr>
+              <a:lstStyle/>
+              <a:p>
+                <a:pPr/>
+                <a14:m>
+                  <m:oMathPara xmlns:m="http://schemas.openxmlformats.org/officeDocument/2006/math">
+                    <m:oMathParaPr>
+                      <m:jc m:val="centerGroup"/>
+                    </m:oMathParaPr>
+                    <m:oMath xmlns:m="http://schemas.openxmlformats.org/officeDocument/2006/math">
+                      <m:nary>
+                        <m:naryPr>
+                          <m:chr m:val="∑"/>
+                          <m:subHide m:val="on"/>
+                          <m:supHide m:val="on"/>
+                          <m:ctrlPr>
+                            <a:rPr lang="en-US" altLang="zh-TW" sz="1100" i="1">
+                              <a:latin typeface="Cambria Math" panose="02040503050406030204" pitchFamily="18" charset="0"/>
+                              <a:ea typeface="Cambria Math" panose="02040503050406030204" pitchFamily="18" charset="0"/>
+                            </a:rPr>
+                          </m:ctrlPr>
+                        </m:naryPr>
+                        <m:sub/>
+                        <m:sup/>
+                        <m:e>
+                          <m:r>
+                            <a:rPr lang="en-US" altLang="zh-TW" sz="1100" i="1">
+                              <a:latin typeface="Cambria Math" panose="02040503050406030204" pitchFamily="18" charset="0"/>
+                              <a:ea typeface="Cambria Math" panose="02040503050406030204" pitchFamily="18" charset="0"/>
+                            </a:rPr>
+                            <m:t>𝑦</m:t>
+                          </m:r>
+                        </m:e>
+                      </m:nary>
+                    </m:oMath>
+                  </m:oMathPara>
+                </a14:m>
+                <a:endParaRPr lang="zh-TW" altLang="en-US" sz="1100" i="1" dirty="0">
+                  <a:latin typeface="Cambria Math" panose="02040503050406030204" pitchFamily="18" charset="0"/>
+                  <a:ea typeface="Cambria Math" panose="02040503050406030204" pitchFamily="18" charset="0"/>
+                </a:endParaRPr>
+              </a:p>
+            </p:txBody>
+          </p:sp>
+        </mc:Choice>
+        <mc:Fallback xmlns="">
+          <p:sp>
+            <p:nvSpPr>
+              <p:cNvPr id="25" name="矩形 24">
+                <a:extLst>
+                  <a:ext uri="{FF2B5EF4-FFF2-40B4-BE49-F238E27FC236}">
+                    <a16:creationId xmlns:a16="http://schemas.microsoft.com/office/drawing/2014/main" id="{D4350EC6-25C6-45AB-AF80-59712C22E243}"/>
+                  </a:ext>
+                </a:extLst>
+              </p:cNvPr>
+              <p:cNvSpPr>
+                <a:spLocks noRot="1" noChangeAspect="1" noMove="1" noResize="1" noEditPoints="1" noAdjustHandles="1" noChangeArrowheads="1" noChangeShapeType="1" noTextEdit="1"/>
+              </p:cNvSpPr>
+              <p:nvPr/>
+            </p:nvSpPr>
+            <p:spPr>
+              <a:xfrm>
+                <a:off x="5660279" y="3007545"/>
+                <a:ext cx="506677" cy="502253"/>
+              </a:xfrm>
+              <a:prstGeom prst="rect">
+                <a:avLst/>
+              </a:prstGeom>
+              <a:blipFill>
+                <a:blip r:embed="rId5"/>
+                <a:stretch>
+                  <a:fillRect l="-85542" t="-114458" r="-91566" b="-157831"/>
+                </a:stretch>
+              </a:blipFill>
+            </p:spPr>
+            <p:txBody>
+              <a:bodyPr/>
+              <a:lstStyle/>
+              <a:p>
+                <a:r>
+                  <a:rPr lang="zh-TW" altLang="en-US">
+                    <a:noFill/>
+                  </a:rPr>
+                  <a:t> </a:t>
+                </a:r>
+              </a:p>
+            </p:txBody>
+          </p:sp>
+        </mc:Fallback>
+      </mc:AlternateContent>
+      <mc:AlternateContent xmlns:mc="http://schemas.openxmlformats.org/markup-compatibility/2006" xmlns:a14="http://schemas.microsoft.com/office/drawing/2010/main">
+        <mc:Choice Requires="a14">
+          <p:sp>
+            <p:nvSpPr>
+              <p:cNvPr id="26" name="矩形 25">
+                <a:extLst>
+                  <a:ext uri="{FF2B5EF4-FFF2-40B4-BE49-F238E27FC236}">
+                    <a16:creationId xmlns:a16="http://schemas.microsoft.com/office/drawing/2014/main" id="{2973312E-C240-4566-A72F-797FACD50B0F}"/>
+                  </a:ext>
+                </a:extLst>
+              </p:cNvPr>
+              <p:cNvSpPr/>
+              <p:nvPr/>
+            </p:nvSpPr>
+            <p:spPr>
+              <a:xfrm>
+                <a:off x="5660279" y="4907554"/>
+                <a:ext cx="582019" cy="502253"/>
+              </a:xfrm>
+              <a:prstGeom prst="rect">
+                <a:avLst/>
+              </a:prstGeom>
+            </p:spPr>
+            <p:txBody>
+              <a:bodyPr wrap="none">
+                <a:spAutoFit/>
+              </a:bodyPr>
+              <a:lstStyle/>
+              <a:p>
+                <a:pPr/>
+                <a14:m>
+                  <m:oMathPara xmlns:m="http://schemas.openxmlformats.org/officeDocument/2006/math">
+                    <m:oMathParaPr>
+                      <m:jc m:val="centerGroup"/>
+                    </m:oMathParaPr>
+                    <m:oMath xmlns:m="http://schemas.openxmlformats.org/officeDocument/2006/math">
+                      <m:nary>
+                        <m:naryPr>
+                          <m:chr m:val="∑"/>
+                          <m:subHide m:val="on"/>
+                          <m:supHide m:val="on"/>
+                          <m:ctrlPr>
+                            <a:rPr lang="en-US" altLang="zh-TW" sz="1100" i="1">
+                              <a:latin typeface="Cambria Math" panose="02040503050406030204" pitchFamily="18" charset="0"/>
+                              <a:ea typeface="Cambria Math" panose="02040503050406030204" pitchFamily="18" charset="0"/>
+                            </a:rPr>
+                          </m:ctrlPr>
+                        </m:naryPr>
+                        <m:sub/>
+                        <m:sup/>
+                        <m:e>
+                          <m:r>
+                            <a:rPr lang="en-US" altLang="zh-TW" sz="1100" i="1">
+                              <a:latin typeface="Cambria Math" panose="02040503050406030204" pitchFamily="18" charset="0"/>
+                              <a:ea typeface="Cambria Math" panose="02040503050406030204" pitchFamily="18" charset="0"/>
+                            </a:rPr>
+                            <m:t>𝑥𝑦</m:t>
+                          </m:r>
+                        </m:e>
+                      </m:nary>
+                    </m:oMath>
+                  </m:oMathPara>
+                </a14:m>
+                <a:endParaRPr lang="zh-TW" altLang="en-US" sz="1100" i="1" dirty="0">
+                  <a:latin typeface="Cambria Math" panose="02040503050406030204" pitchFamily="18" charset="0"/>
+                  <a:ea typeface="Cambria Math" panose="02040503050406030204" pitchFamily="18" charset="0"/>
+                </a:endParaRPr>
+              </a:p>
+            </p:txBody>
+          </p:sp>
+        </mc:Choice>
+        <mc:Fallback xmlns="">
+          <p:sp>
+            <p:nvSpPr>
+              <p:cNvPr id="26" name="矩形 25">
+                <a:extLst>
+                  <a:ext uri="{FF2B5EF4-FFF2-40B4-BE49-F238E27FC236}">
+                    <a16:creationId xmlns:a16="http://schemas.microsoft.com/office/drawing/2014/main" id="{2973312E-C240-4566-A72F-797FACD50B0F}"/>
+                  </a:ext>
+                </a:extLst>
+              </p:cNvPr>
+              <p:cNvSpPr>
+                <a:spLocks noRot="1" noChangeAspect="1" noMove="1" noResize="1" noEditPoints="1" noAdjustHandles="1" noChangeArrowheads="1" noChangeShapeType="1" noTextEdit="1"/>
+              </p:cNvSpPr>
+              <p:nvPr/>
+            </p:nvSpPr>
+            <p:spPr>
+              <a:xfrm>
+                <a:off x="5660279" y="4907554"/>
+                <a:ext cx="582019" cy="502253"/>
+              </a:xfrm>
+              <a:prstGeom prst="rect">
+                <a:avLst/>
+              </a:prstGeom>
+              <a:blipFill>
+                <a:blip r:embed="rId6"/>
+                <a:stretch>
+                  <a:fillRect l="-74737" t="-115854" r="-80000" b="-160976"/>
+                </a:stretch>
+              </a:blipFill>
+            </p:spPr>
+            <p:txBody>
+              <a:bodyPr/>
+              <a:lstStyle/>
+              <a:p>
+                <a:r>
+                  <a:rPr lang="zh-TW" altLang="en-US">
+                    <a:noFill/>
+                  </a:rPr>
+                  <a:t> </a:t>
+                </a:r>
+              </a:p>
+            </p:txBody>
+          </p:sp>
+        </mc:Fallback>
+      </mc:AlternateContent>
+      <mc:AlternateContent xmlns:mc="http://schemas.openxmlformats.org/markup-compatibility/2006" xmlns:a14="http://schemas.microsoft.com/office/drawing/2010/main">
+        <mc:Choice Requires="a14">
+          <p:sp>
+            <p:nvSpPr>
+              <p:cNvPr id="27" name="矩形 26">
+                <a:extLst>
+                  <a:ext uri="{FF2B5EF4-FFF2-40B4-BE49-F238E27FC236}">
+                    <a16:creationId xmlns:a16="http://schemas.microsoft.com/office/drawing/2014/main" id="{C35210BF-7683-4B22-9176-185D1D33F97A}"/>
+                  </a:ext>
+                </a:extLst>
+              </p:cNvPr>
+              <p:cNvSpPr/>
+              <p:nvPr/>
+            </p:nvSpPr>
+            <p:spPr>
+              <a:xfrm>
+                <a:off x="8162858" y="3502113"/>
+                <a:ext cx="650563" cy="369332"/>
+              </a:xfrm>
+              <a:prstGeom prst="rect">
+                <a:avLst/>
+              </a:prstGeom>
+            </p:spPr>
+            <p:txBody>
+              <a:bodyPr wrap="none">
+                <a:spAutoFit/>
+              </a:bodyPr>
+              <a:lstStyle/>
+              <a:p>
+                <a:pPr/>
+                <a14:m>
+                  <m:oMathPara xmlns:m="http://schemas.openxmlformats.org/officeDocument/2006/math">
+                    <m:oMathParaPr>
+                      <m:jc m:val="centerGroup"/>
+                    </m:oMathParaPr>
+                    <m:oMath xmlns:m="http://schemas.openxmlformats.org/officeDocument/2006/math">
+                      <m:r>
+                        <a:rPr lang="en-US" altLang="zh-TW" b="0" i="1" smtClean="0">
+                          <a:latin typeface="Cambria Math" panose="02040503050406030204" pitchFamily="18" charset="0"/>
+                          <a:ea typeface="Cambria Math" panose="02040503050406030204" pitchFamily="18" charset="0"/>
+                        </a:rPr>
+                        <m:t>𝑚</m:t>
+                      </m:r>
+                      <m:r>
+                        <a:rPr lang="en-US" altLang="zh-TW" b="0" i="1" smtClean="0">
+                          <a:latin typeface="Cambria Math" panose="02040503050406030204" pitchFamily="18" charset="0"/>
+                          <a:ea typeface="Cambria Math" panose="02040503050406030204" pitchFamily="18" charset="0"/>
+                        </a:rPr>
+                        <m:t>, </m:t>
+                      </m:r>
+                      <m:r>
+                        <a:rPr lang="en-US" altLang="zh-TW" b="0" i="1" smtClean="0">
+                          <a:latin typeface="Cambria Math" panose="02040503050406030204" pitchFamily="18" charset="0"/>
+                          <a:ea typeface="Cambria Math" panose="02040503050406030204" pitchFamily="18" charset="0"/>
+                        </a:rPr>
+                        <m:t>𝑏</m:t>
+                      </m:r>
+                    </m:oMath>
+                  </m:oMathPara>
+                </a14:m>
+                <a:endParaRPr lang="zh-TW" altLang="en-US" i="1" dirty="0">
+                  <a:latin typeface="Cambria Math" panose="02040503050406030204" pitchFamily="18" charset="0"/>
+                  <a:ea typeface="Cambria Math" panose="02040503050406030204" pitchFamily="18" charset="0"/>
+                </a:endParaRPr>
+              </a:p>
+            </p:txBody>
+          </p:sp>
+        </mc:Choice>
+        <mc:Fallback xmlns="">
+          <p:sp>
+            <p:nvSpPr>
+              <p:cNvPr id="27" name="矩形 26">
+                <a:extLst>
+                  <a:ext uri="{FF2B5EF4-FFF2-40B4-BE49-F238E27FC236}">
+                    <a16:creationId xmlns:a16="http://schemas.microsoft.com/office/drawing/2014/main" id="{C35210BF-7683-4B22-9176-185D1D33F97A}"/>
+                  </a:ext>
+                </a:extLst>
+              </p:cNvPr>
+              <p:cNvSpPr>
+                <a:spLocks noRot="1" noChangeAspect="1" noMove="1" noResize="1" noEditPoints="1" noAdjustHandles="1" noChangeArrowheads="1" noChangeShapeType="1" noTextEdit="1"/>
+              </p:cNvSpPr>
+              <p:nvPr/>
+            </p:nvSpPr>
+            <p:spPr>
+              <a:xfrm>
+                <a:off x="8162858" y="3502113"/>
+                <a:ext cx="650563" cy="369332"/>
+              </a:xfrm>
+              <a:prstGeom prst="rect">
+                <a:avLst/>
+              </a:prstGeom>
+              <a:blipFill>
+                <a:blip r:embed="rId7"/>
+                <a:stretch>
+                  <a:fillRect/>
+                </a:stretch>
+              </a:blipFill>
+            </p:spPr>
+            <p:txBody>
+              <a:bodyPr/>
+              <a:lstStyle/>
+              <a:p>
+                <a:r>
+                  <a:rPr lang="zh-TW" altLang="en-US">
+                    <a:noFill/>
+                  </a:rPr>
+                  <a:t> </a:t>
+                </a:r>
+              </a:p>
+            </p:txBody>
+          </p:sp>
+        </mc:Fallback>
+      </mc:AlternateContent>
+      <p:cxnSp>
+        <p:nvCxnSpPr>
+          <p:cNvPr id="28" name="直線單箭頭接點 27">
+            <a:extLst>
+              <a:ext uri="{FF2B5EF4-FFF2-40B4-BE49-F238E27FC236}">
+                <a16:creationId xmlns:a16="http://schemas.microsoft.com/office/drawing/2014/main" id="{DA9DF5D5-9E99-46E7-B8EA-3F18CEC61A71}"/>
+              </a:ext>
+            </a:extLst>
+          </p:cNvPr>
+          <p:cNvCxnSpPr>
+            <a:cxnSpLocks/>
+            <a:stCxn id="64" idx="6"/>
+            <a:endCxn id="9" idx="1"/>
+          </p:cNvCxnSpPr>
+          <p:nvPr/>
+        </p:nvCxnSpPr>
+        <p:spPr>
+          <a:xfrm>
+            <a:off x="2623866" y="5380761"/>
+            <a:ext cx="1378615" cy="9846"/>
+          </a:xfrm>
+          <a:prstGeom prst="straightConnector1">
+            <a:avLst/>
+          </a:prstGeom>
+          <a:ln w="38100">
+            <a:solidFill>
+              <a:schemeClr val="tx1"/>
+            </a:solidFill>
+            <a:tailEnd type="triangle"/>
+          </a:ln>
+        </p:spPr>
+        <p:style>
+          <a:lnRef idx="1">
+            <a:schemeClr val="accent1"/>
+          </a:lnRef>
+          <a:fillRef idx="0">
+            <a:schemeClr val="accent1"/>
+          </a:fillRef>
+          <a:effectRef idx="0">
+            <a:schemeClr val="accent1"/>
+          </a:effectRef>
+          <a:fontRef idx="minor">
+            <a:schemeClr val="tx1"/>
+          </a:fontRef>
+        </p:style>
+      </p:cxnSp>
+      <p:cxnSp>
+        <p:nvCxnSpPr>
+          <p:cNvPr id="31" name="直線單箭頭接點 30">
+            <a:extLst>
+              <a:ext uri="{FF2B5EF4-FFF2-40B4-BE49-F238E27FC236}">
+                <a16:creationId xmlns:a16="http://schemas.microsoft.com/office/drawing/2014/main" id="{AF3C892F-FB65-489D-8154-A63A37D2DB45}"/>
+              </a:ext>
+            </a:extLst>
+          </p:cNvPr>
+          <p:cNvCxnSpPr>
+            <a:cxnSpLocks/>
+            <a:stCxn id="12" idx="6"/>
+            <a:endCxn id="8" idx="1"/>
+          </p:cNvCxnSpPr>
+          <p:nvPr/>
+        </p:nvCxnSpPr>
+        <p:spPr>
+          <a:xfrm>
+            <a:off x="2623866" y="4429406"/>
+            <a:ext cx="1378615" cy="2350"/>
+          </a:xfrm>
+          <a:prstGeom prst="straightConnector1">
+            <a:avLst/>
+          </a:prstGeom>
+          <a:ln w="38100">
+            <a:solidFill>
+              <a:schemeClr val="tx1"/>
+            </a:solidFill>
+            <a:tailEnd type="triangle"/>
+          </a:ln>
+        </p:spPr>
+        <p:style>
+          <a:lnRef idx="1">
+            <a:schemeClr val="accent1"/>
+          </a:lnRef>
+          <a:fillRef idx="0">
+            <a:schemeClr val="accent1"/>
+          </a:fillRef>
+          <a:effectRef idx="0">
+            <a:schemeClr val="accent1"/>
+          </a:effectRef>
+          <a:fontRef idx="minor">
+            <a:schemeClr val="tx1"/>
+          </a:fontRef>
+        </p:style>
+      </p:cxnSp>
+      <p:cxnSp>
+        <p:nvCxnSpPr>
+          <p:cNvPr id="33" name="直線單箭頭接點 32">
+            <a:extLst>
+              <a:ext uri="{FF2B5EF4-FFF2-40B4-BE49-F238E27FC236}">
+                <a16:creationId xmlns:a16="http://schemas.microsoft.com/office/drawing/2014/main" id="{AB430252-2EFA-4492-B162-8B5E2A750B6A}"/>
+              </a:ext>
+            </a:extLst>
+          </p:cNvPr>
+          <p:cNvCxnSpPr>
+            <a:cxnSpLocks/>
+            <a:endCxn id="7" idx="1"/>
+          </p:cNvCxnSpPr>
+          <p:nvPr/>
+        </p:nvCxnSpPr>
+        <p:spPr>
+          <a:xfrm>
+            <a:off x="2743274" y="3467338"/>
+            <a:ext cx="1259207" cy="4752"/>
+          </a:xfrm>
+          <a:prstGeom prst="straightConnector1">
+            <a:avLst/>
+          </a:prstGeom>
+          <a:ln w="38100">
+            <a:solidFill>
+              <a:schemeClr val="tx1"/>
+            </a:solidFill>
+            <a:tailEnd type="triangle"/>
+          </a:ln>
+        </p:spPr>
+        <p:style>
+          <a:lnRef idx="1">
+            <a:schemeClr val="accent1"/>
+          </a:lnRef>
+          <a:fillRef idx="0">
+            <a:schemeClr val="accent1"/>
+          </a:fillRef>
+          <a:effectRef idx="0">
+            <a:schemeClr val="accent1"/>
+          </a:effectRef>
+          <a:fontRef idx="minor">
+            <a:schemeClr val="tx1"/>
+          </a:fontRef>
+        </p:style>
+      </p:cxnSp>
+      <p:cxnSp>
+        <p:nvCxnSpPr>
+          <p:cNvPr id="36" name="直線單箭頭接點 35">
+            <a:extLst>
+              <a:ext uri="{FF2B5EF4-FFF2-40B4-BE49-F238E27FC236}">
+                <a16:creationId xmlns:a16="http://schemas.microsoft.com/office/drawing/2014/main" id="{5266AD0A-9C3A-4C98-B1F9-83519119997A}"/>
+              </a:ext>
+            </a:extLst>
+          </p:cNvPr>
+          <p:cNvCxnSpPr>
+            <a:cxnSpLocks/>
+            <a:stCxn id="4" idx="3"/>
+            <a:endCxn id="6" idx="1"/>
+          </p:cNvCxnSpPr>
+          <p:nvPr/>
+        </p:nvCxnSpPr>
+        <p:spPr>
+          <a:xfrm flipV="1">
+            <a:off x="2743274" y="2512424"/>
+            <a:ext cx="1259207" cy="12412"/>
+          </a:xfrm>
+          <a:prstGeom prst="straightConnector1">
+            <a:avLst/>
+          </a:prstGeom>
+          <a:ln w="38100">
+            <a:solidFill>
+              <a:schemeClr val="tx1"/>
+            </a:solidFill>
+            <a:tailEnd type="triangle"/>
+          </a:ln>
+        </p:spPr>
+        <p:style>
+          <a:lnRef idx="1">
+            <a:schemeClr val="accent1"/>
+          </a:lnRef>
+          <a:fillRef idx="0">
+            <a:schemeClr val="accent1"/>
+          </a:fillRef>
+          <a:effectRef idx="0">
+            <a:schemeClr val="accent1"/>
+          </a:effectRef>
+          <a:fontRef idx="minor">
+            <a:schemeClr val="tx1"/>
+          </a:fontRef>
+        </p:style>
+      </p:cxnSp>
+      <p:grpSp>
+        <p:nvGrpSpPr>
+          <p:cNvPr id="66" name="群組 65">
+            <a:extLst>
+              <a:ext uri="{FF2B5EF4-FFF2-40B4-BE49-F238E27FC236}">
+                <a16:creationId xmlns:a16="http://schemas.microsoft.com/office/drawing/2014/main" id="{8F39D0CF-FB3D-483C-BE06-58EBDDE43BFF}"/>
+              </a:ext>
+            </a:extLst>
+          </p:cNvPr>
+          <p:cNvGrpSpPr/>
+          <p:nvPr/>
+        </p:nvGrpSpPr>
+        <p:grpSpPr>
+          <a:xfrm>
+            <a:off x="9027689" y="3054813"/>
+            <a:ext cx="1631450" cy="1364818"/>
+            <a:chOff x="1477512" y="2319131"/>
+            <a:chExt cx="3703982" cy="3233530"/>
+          </a:xfrm>
+        </p:grpSpPr>
+        <p:cxnSp>
+          <p:nvCxnSpPr>
+            <p:cNvPr id="52" name="直線單箭頭接點 51">
+              <a:extLst>
+                <a:ext uri="{FF2B5EF4-FFF2-40B4-BE49-F238E27FC236}">
+                  <a16:creationId xmlns:a16="http://schemas.microsoft.com/office/drawing/2014/main" id="{62BAE7FD-B120-4AFA-8952-1D6EA95665E3}"/>
+                </a:ext>
+              </a:extLst>
+            </p:cNvPr>
+            <p:cNvCxnSpPr>
+              <a:cxnSpLocks/>
+            </p:cNvCxnSpPr>
+            <p:nvPr/>
+          </p:nvCxnSpPr>
+          <p:spPr>
+            <a:xfrm flipV="1">
+              <a:off x="1676294" y="2319131"/>
+              <a:ext cx="0" cy="3233530"/>
+            </a:xfrm>
+            <a:prstGeom prst="straightConnector1">
+              <a:avLst/>
+            </a:prstGeom>
+            <a:ln w="57150">
+              <a:solidFill>
+                <a:schemeClr val="tx1"/>
+              </a:solidFill>
+              <a:tailEnd type="triangle"/>
+            </a:ln>
+          </p:spPr>
+          <p:style>
+            <a:lnRef idx="1">
+              <a:schemeClr val="accent1"/>
+            </a:lnRef>
+            <a:fillRef idx="0">
+              <a:schemeClr val="accent1"/>
+            </a:fillRef>
+            <a:effectRef idx="0">
+              <a:schemeClr val="accent1"/>
+            </a:effectRef>
+            <a:fontRef idx="minor">
+              <a:schemeClr val="tx1"/>
+            </a:fontRef>
+          </p:style>
+        </p:cxnSp>
+        <p:cxnSp>
+          <p:nvCxnSpPr>
+            <p:cNvPr id="53" name="直線單箭頭接點 52">
+              <a:extLst>
+                <a:ext uri="{FF2B5EF4-FFF2-40B4-BE49-F238E27FC236}">
+                  <a16:creationId xmlns:a16="http://schemas.microsoft.com/office/drawing/2014/main" id="{423A38BD-7619-4866-BE87-7788569C32FA}"/>
+                </a:ext>
+              </a:extLst>
+            </p:cNvPr>
+            <p:cNvCxnSpPr>
+              <a:cxnSpLocks/>
+            </p:cNvCxnSpPr>
+            <p:nvPr/>
+          </p:nvCxnSpPr>
+          <p:spPr>
+            <a:xfrm flipV="1">
+              <a:off x="1477512" y="5347254"/>
+              <a:ext cx="3703982" cy="1"/>
+            </a:xfrm>
+            <a:prstGeom prst="straightConnector1">
+              <a:avLst/>
+            </a:prstGeom>
+            <a:ln w="57150">
+              <a:solidFill>
+                <a:schemeClr val="tx1"/>
+              </a:solidFill>
+              <a:tailEnd type="triangle"/>
+            </a:ln>
+          </p:spPr>
+          <p:style>
+            <a:lnRef idx="1">
+              <a:schemeClr val="accent1"/>
+            </a:lnRef>
+            <a:fillRef idx="0">
+              <a:schemeClr val="accent1"/>
+            </a:fillRef>
+            <a:effectRef idx="0">
+              <a:schemeClr val="accent1"/>
+            </a:effectRef>
+            <a:fontRef idx="minor">
+              <a:schemeClr val="tx1"/>
+            </a:fontRef>
+          </p:style>
+        </p:cxnSp>
+        <p:sp>
+          <p:nvSpPr>
+            <p:cNvPr id="54" name="橢圓 53">
+              <a:extLst>
+                <a:ext uri="{FF2B5EF4-FFF2-40B4-BE49-F238E27FC236}">
+                  <a16:creationId xmlns:a16="http://schemas.microsoft.com/office/drawing/2014/main" id="{2AEFD22F-7AB2-4824-9D65-B3C4D8EBF4AA}"/>
+                </a:ext>
+              </a:extLst>
+            </p:cNvPr>
+            <p:cNvSpPr/>
+            <p:nvPr/>
+          </p:nvSpPr>
+          <p:spPr>
+            <a:xfrm>
+              <a:off x="2159998" y="4479235"/>
+              <a:ext cx="145771" cy="132513"/>
+            </a:xfrm>
+            <a:prstGeom prst="ellipse">
+              <a:avLst/>
+            </a:prstGeom>
+          </p:spPr>
+          <p:style>
+            <a:lnRef idx="2">
+              <a:schemeClr val="accent1">
+                <a:shade val="50000"/>
+              </a:schemeClr>
+            </a:lnRef>
+            <a:fillRef idx="1">
+              <a:schemeClr val="accent1"/>
+            </a:fillRef>
+            <a:effectRef idx="0">
+              <a:schemeClr val="accent1"/>
+            </a:effectRef>
+            <a:fontRef idx="minor">
+              <a:schemeClr val="lt1"/>
+            </a:fontRef>
+          </p:style>
+          <p:txBody>
+            <a:bodyPr rtlCol="0" anchor="ctr"/>
+            <a:lstStyle/>
+            <a:p>
+              <a:pPr algn="ctr"/>
+              <a:endParaRPr lang="zh-TW" altLang="en-US"/>
+            </a:p>
+          </p:txBody>
+        </p:sp>
+        <p:sp>
+          <p:nvSpPr>
+            <p:cNvPr id="55" name="橢圓 54">
+              <a:extLst>
+                <a:ext uri="{FF2B5EF4-FFF2-40B4-BE49-F238E27FC236}">
+                  <a16:creationId xmlns:a16="http://schemas.microsoft.com/office/drawing/2014/main" id="{F1F1FE26-0EFF-46D6-9E9D-7BC18929F087}"/>
+                </a:ext>
+              </a:extLst>
+            </p:cNvPr>
+            <p:cNvSpPr/>
+            <p:nvPr/>
+          </p:nvSpPr>
+          <p:spPr>
+            <a:xfrm>
+              <a:off x="2385283" y="4923187"/>
+              <a:ext cx="145771" cy="132513"/>
+            </a:xfrm>
+            <a:prstGeom prst="ellipse">
+              <a:avLst/>
+            </a:prstGeom>
+          </p:spPr>
+          <p:style>
+            <a:lnRef idx="2">
+              <a:schemeClr val="accent1">
+                <a:shade val="50000"/>
+              </a:schemeClr>
+            </a:lnRef>
+            <a:fillRef idx="1">
+              <a:schemeClr val="accent1"/>
+            </a:fillRef>
+            <a:effectRef idx="0">
+              <a:schemeClr val="accent1"/>
+            </a:effectRef>
+            <a:fontRef idx="minor">
+              <a:schemeClr val="lt1"/>
+            </a:fontRef>
+          </p:style>
+          <p:txBody>
+            <a:bodyPr rtlCol="0" anchor="ctr"/>
+            <a:lstStyle/>
+            <a:p>
+              <a:pPr algn="ctr"/>
+              <a:endParaRPr lang="zh-TW" altLang="en-US"/>
+            </a:p>
+          </p:txBody>
+        </p:sp>
+        <p:sp>
+          <p:nvSpPr>
+            <p:cNvPr id="56" name="橢圓 55">
+              <a:extLst>
+                <a:ext uri="{FF2B5EF4-FFF2-40B4-BE49-F238E27FC236}">
+                  <a16:creationId xmlns:a16="http://schemas.microsoft.com/office/drawing/2014/main" id="{86503B17-2470-4682-883B-85A4C33C13CB}"/>
+                </a:ext>
+              </a:extLst>
+            </p:cNvPr>
+            <p:cNvSpPr/>
+            <p:nvPr/>
+          </p:nvSpPr>
+          <p:spPr>
+            <a:xfrm>
+              <a:off x="2579926" y="4412978"/>
+              <a:ext cx="145771" cy="132513"/>
+            </a:xfrm>
+            <a:prstGeom prst="ellipse">
+              <a:avLst/>
+            </a:prstGeom>
+          </p:spPr>
+          <p:style>
+            <a:lnRef idx="2">
+              <a:schemeClr val="accent1">
+                <a:shade val="50000"/>
+              </a:schemeClr>
+            </a:lnRef>
+            <a:fillRef idx="1">
+              <a:schemeClr val="accent1"/>
+            </a:fillRef>
+            <a:effectRef idx="0">
+              <a:schemeClr val="accent1"/>
+            </a:effectRef>
+            <a:fontRef idx="minor">
+              <a:schemeClr val="lt1"/>
+            </a:fontRef>
+          </p:style>
+          <p:txBody>
+            <a:bodyPr rtlCol="0" anchor="ctr"/>
+            <a:lstStyle/>
+            <a:p>
+              <a:pPr algn="ctr"/>
+              <a:endParaRPr lang="zh-TW" altLang="en-US"/>
+            </a:p>
+          </p:txBody>
+        </p:sp>
+        <p:sp>
+          <p:nvSpPr>
+            <p:cNvPr id="57" name="橢圓 56">
+              <a:extLst>
+                <a:ext uri="{FF2B5EF4-FFF2-40B4-BE49-F238E27FC236}">
+                  <a16:creationId xmlns:a16="http://schemas.microsoft.com/office/drawing/2014/main" id="{A1D64CD4-86D8-41D2-A92E-8051566F7072}"/>
+                </a:ext>
+              </a:extLst>
+            </p:cNvPr>
+            <p:cNvSpPr/>
+            <p:nvPr/>
+          </p:nvSpPr>
+          <p:spPr>
+            <a:xfrm>
+              <a:off x="3026356" y="4479235"/>
+              <a:ext cx="145771" cy="132513"/>
+            </a:xfrm>
+            <a:prstGeom prst="ellipse">
+              <a:avLst/>
+            </a:prstGeom>
+          </p:spPr>
+          <p:style>
+            <a:lnRef idx="2">
+              <a:schemeClr val="accent1">
+                <a:shade val="50000"/>
+              </a:schemeClr>
+            </a:lnRef>
+            <a:fillRef idx="1">
+              <a:schemeClr val="accent1"/>
+            </a:fillRef>
+            <a:effectRef idx="0">
+              <a:schemeClr val="accent1"/>
+            </a:effectRef>
+            <a:fontRef idx="minor">
+              <a:schemeClr val="lt1"/>
+            </a:fontRef>
+          </p:style>
+          <p:txBody>
+            <a:bodyPr rtlCol="0" anchor="ctr"/>
+            <a:lstStyle/>
+            <a:p>
+              <a:pPr algn="ctr"/>
+              <a:endParaRPr lang="zh-TW" altLang="en-US"/>
+            </a:p>
+          </p:txBody>
+        </p:sp>
+        <p:sp>
+          <p:nvSpPr>
+            <p:cNvPr id="58" name="橢圓 57">
+              <a:extLst>
+                <a:ext uri="{FF2B5EF4-FFF2-40B4-BE49-F238E27FC236}">
+                  <a16:creationId xmlns:a16="http://schemas.microsoft.com/office/drawing/2014/main" id="{27D5E514-6D02-4900-89C7-69A4EEDD4446}"/>
+                </a:ext>
+              </a:extLst>
+            </p:cNvPr>
+            <p:cNvSpPr/>
+            <p:nvPr/>
+          </p:nvSpPr>
+          <p:spPr>
+            <a:xfrm>
+              <a:off x="2860705" y="4001475"/>
+              <a:ext cx="145771" cy="132513"/>
+            </a:xfrm>
+            <a:prstGeom prst="ellipse">
+              <a:avLst/>
+            </a:prstGeom>
+          </p:spPr>
+          <p:style>
+            <a:lnRef idx="2">
+              <a:schemeClr val="accent1">
+                <a:shade val="50000"/>
+              </a:schemeClr>
+            </a:lnRef>
+            <a:fillRef idx="1">
+              <a:schemeClr val="accent1"/>
+            </a:fillRef>
+            <a:effectRef idx="0">
+              <a:schemeClr val="accent1"/>
+            </a:effectRef>
+            <a:fontRef idx="minor">
+              <a:schemeClr val="lt1"/>
+            </a:fontRef>
+          </p:style>
+          <p:txBody>
+            <a:bodyPr rtlCol="0" anchor="ctr"/>
+            <a:lstStyle/>
+            <a:p>
+              <a:pPr algn="ctr"/>
+              <a:endParaRPr lang="zh-TW" altLang="en-US"/>
+            </a:p>
+          </p:txBody>
+        </p:sp>
+        <p:sp>
+          <p:nvSpPr>
+            <p:cNvPr id="59" name="橢圓 58">
+              <a:extLst>
+                <a:ext uri="{FF2B5EF4-FFF2-40B4-BE49-F238E27FC236}">
+                  <a16:creationId xmlns:a16="http://schemas.microsoft.com/office/drawing/2014/main" id="{87569F24-5643-4F57-9FE1-965AC7F787CC}"/>
+                </a:ext>
+              </a:extLst>
+            </p:cNvPr>
+            <p:cNvSpPr/>
+            <p:nvPr/>
+          </p:nvSpPr>
+          <p:spPr>
+            <a:xfrm>
+              <a:off x="3723754" y="4234069"/>
+              <a:ext cx="145771" cy="132513"/>
+            </a:xfrm>
+            <a:prstGeom prst="ellipse">
+              <a:avLst/>
+            </a:prstGeom>
+          </p:spPr>
+          <p:style>
+            <a:lnRef idx="2">
+              <a:schemeClr val="accent1">
+                <a:shade val="50000"/>
+              </a:schemeClr>
+            </a:lnRef>
+            <a:fillRef idx="1">
+              <a:schemeClr val="accent1"/>
+            </a:fillRef>
+            <a:effectRef idx="0">
+              <a:schemeClr val="accent1"/>
+            </a:effectRef>
+            <a:fontRef idx="minor">
+              <a:schemeClr val="lt1"/>
+            </a:fontRef>
+          </p:style>
+          <p:txBody>
+            <a:bodyPr rtlCol="0" anchor="ctr"/>
+            <a:lstStyle/>
+            <a:p>
+              <a:pPr algn="ctr"/>
+              <a:endParaRPr lang="zh-TW" altLang="en-US"/>
+            </a:p>
+          </p:txBody>
+        </p:sp>
+        <p:sp>
+          <p:nvSpPr>
+            <p:cNvPr id="60" name="橢圓 59">
+              <a:extLst>
+                <a:ext uri="{FF2B5EF4-FFF2-40B4-BE49-F238E27FC236}">
+                  <a16:creationId xmlns:a16="http://schemas.microsoft.com/office/drawing/2014/main" id="{E73F8985-7729-4472-B3AF-8513CBB46C7B}"/>
+                </a:ext>
+              </a:extLst>
+            </p:cNvPr>
+            <p:cNvSpPr/>
+            <p:nvPr/>
+          </p:nvSpPr>
+          <p:spPr>
+            <a:xfrm>
+              <a:off x="3256617" y="3803383"/>
+              <a:ext cx="145771" cy="132513"/>
+            </a:xfrm>
+            <a:prstGeom prst="ellipse">
+              <a:avLst/>
+            </a:prstGeom>
+          </p:spPr>
+          <p:style>
+            <a:lnRef idx="2">
+              <a:schemeClr val="accent1">
+                <a:shade val="50000"/>
+              </a:schemeClr>
+            </a:lnRef>
+            <a:fillRef idx="1">
+              <a:schemeClr val="accent1"/>
+            </a:fillRef>
+            <a:effectRef idx="0">
+              <a:schemeClr val="accent1"/>
+            </a:effectRef>
+            <a:fontRef idx="minor">
+              <a:schemeClr val="lt1"/>
+            </a:fontRef>
+          </p:style>
+          <p:txBody>
+            <a:bodyPr rtlCol="0" anchor="ctr"/>
+            <a:lstStyle/>
+            <a:p>
+              <a:pPr algn="ctr"/>
+              <a:endParaRPr lang="zh-TW" altLang="en-US"/>
+            </a:p>
+          </p:txBody>
+        </p:sp>
+        <p:sp>
+          <p:nvSpPr>
+            <p:cNvPr id="61" name="橢圓 60">
+              <a:extLst>
+                <a:ext uri="{FF2B5EF4-FFF2-40B4-BE49-F238E27FC236}">
+                  <a16:creationId xmlns:a16="http://schemas.microsoft.com/office/drawing/2014/main" id="{EF9203A3-A464-4D8D-B276-D457E352923A}"/>
+                </a:ext>
+              </a:extLst>
+            </p:cNvPr>
+            <p:cNvSpPr/>
+            <p:nvPr/>
+          </p:nvSpPr>
+          <p:spPr>
+            <a:xfrm>
+              <a:off x="3505093" y="3296487"/>
+              <a:ext cx="145771" cy="132513"/>
+            </a:xfrm>
+            <a:prstGeom prst="ellipse">
+              <a:avLst/>
+            </a:prstGeom>
+          </p:spPr>
+          <p:style>
+            <a:lnRef idx="2">
+              <a:schemeClr val="accent1">
+                <a:shade val="50000"/>
+              </a:schemeClr>
+            </a:lnRef>
+            <a:fillRef idx="1">
+              <a:schemeClr val="accent1"/>
+            </a:fillRef>
+            <a:effectRef idx="0">
+              <a:schemeClr val="accent1"/>
+            </a:effectRef>
+            <a:fontRef idx="minor">
+              <a:schemeClr val="lt1"/>
+            </a:fontRef>
+          </p:style>
+          <p:txBody>
+            <a:bodyPr rtlCol="0" anchor="ctr"/>
+            <a:lstStyle/>
+            <a:p>
+              <a:pPr algn="ctr"/>
+              <a:endParaRPr lang="zh-TW" altLang="en-US"/>
+            </a:p>
+          </p:txBody>
+        </p:sp>
+        <p:cxnSp>
+          <p:nvCxnSpPr>
+            <p:cNvPr id="62" name="直線接點 61">
+              <a:extLst>
+                <a:ext uri="{FF2B5EF4-FFF2-40B4-BE49-F238E27FC236}">
+                  <a16:creationId xmlns:a16="http://schemas.microsoft.com/office/drawing/2014/main" id="{83D2AF73-2344-42ED-BBB7-27FCD94ED39D}"/>
+                </a:ext>
+              </a:extLst>
+            </p:cNvPr>
+            <p:cNvCxnSpPr>
+              <a:cxnSpLocks/>
+            </p:cNvCxnSpPr>
+            <p:nvPr/>
+          </p:nvCxnSpPr>
+          <p:spPr>
+            <a:xfrm flipV="1">
+              <a:off x="1676294" y="3008243"/>
+              <a:ext cx="3173895" cy="2339011"/>
+            </a:xfrm>
+            <a:prstGeom prst="line">
+              <a:avLst/>
+            </a:prstGeom>
+            <a:ln w="38100">
+              <a:solidFill>
+                <a:srgbClr val="FF0000"/>
+              </a:solidFill>
+              <a:prstDash val="dash"/>
+            </a:ln>
+          </p:spPr>
+          <p:style>
+            <a:lnRef idx="1">
+              <a:schemeClr val="accent1"/>
+            </a:lnRef>
+            <a:fillRef idx="0">
+              <a:schemeClr val="accent1"/>
+            </a:fillRef>
+            <a:effectRef idx="0">
+              <a:schemeClr val="accent1"/>
+            </a:effectRef>
+            <a:fontRef idx="minor">
+              <a:schemeClr val="tx1"/>
+            </a:fontRef>
+          </p:style>
+        </p:cxnSp>
+      </p:grpSp>
+      <mc:AlternateContent xmlns:mc="http://schemas.openxmlformats.org/markup-compatibility/2006" xmlns:a14="http://schemas.microsoft.com/office/drawing/2010/main">
+        <mc:Choice Requires="a14">
+          <p:sp>
+            <p:nvSpPr>
+              <p:cNvPr id="67" name="文字方塊 66">
+                <a:extLst>
+                  <a:ext uri="{FF2B5EF4-FFF2-40B4-BE49-F238E27FC236}">
+                    <a16:creationId xmlns:a16="http://schemas.microsoft.com/office/drawing/2014/main" id="{4527039B-35B4-4BBB-8D17-38D04F96ADBD}"/>
+                  </a:ext>
+                </a:extLst>
+              </p:cNvPr>
+              <p:cNvSpPr txBox="1"/>
+              <p:nvPr/>
+            </p:nvSpPr>
+            <p:spPr>
+              <a:xfrm>
+                <a:off x="9952857" y="2931750"/>
+                <a:ext cx="1509516" cy="410305"/>
+              </a:xfrm>
+              <a:prstGeom prst="rect">
+                <a:avLst/>
+              </a:prstGeom>
+              <a:noFill/>
+            </p:spPr>
+            <p:txBody>
+              <a:bodyPr wrap="none" rtlCol="0">
+                <a:spAutoFit/>
+              </a:bodyPr>
+              <a:lstStyle/>
+              <a:p>
+                <a:pPr/>
+                <a14:m>
+                  <m:oMathPara xmlns:m="http://schemas.openxmlformats.org/officeDocument/2006/math">
+                    <m:oMathParaPr>
+                      <m:jc m:val="centerGroup"/>
+                    </m:oMathParaPr>
+                    <m:oMath xmlns:m="http://schemas.openxmlformats.org/officeDocument/2006/math">
+                      <m:acc>
+                        <m:accPr>
+                          <m:chr m:val="⃑"/>
+                          <m:ctrlPr>
+                            <a:rPr lang="zh-TW" altLang="en-US" i="1" smtClean="0">
+                              <a:latin typeface="Cambria Math" panose="02040503050406030204" pitchFamily="18" charset="0"/>
+                            </a:rPr>
+                          </m:ctrlPr>
+                        </m:accPr>
+                        <m:e>
+                          <m:r>
+                            <a:rPr lang="en-US" altLang="zh-TW" b="0" i="1" smtClean="0">
+                              <a:latin typeface="Cambria Math" panose="02040503050406030204" pitchFamily="18" charset="0"/>
+                            </a:rPr>
+                            <m:t>𝑦</m:t>
+                          </m:r>
+                        </m:e>
+                      </m:acc>
+                      <m:r>
+                        <a:rPr lang="en-US" altLang="zh-TW" b="0" i="1" smtClean="0">
+                          <a:latin typeface="Cambria Math" panose="02040503050406030204" pitchFamily="18" charset="0"/>
+                        </a:rPr>
+                        <m:t>= </m:t>
+                      </m:r>
+                      <m:acc>
+                        <m:accPr>
+                          <m:chr m:val="⃑"/>
+                          <m:ctrlPr>
+                            <a:rPr lang="en-US" altLang="zh-TW" b="0" i="1" smtClean="0">
+                              <a:latin typeface="Cambria Math" panose="02040503050406030204" pitchFamily="18" charset="0"/>
+                            </a:rPr>
+                          </m:ctrlPr>
+                        </m:accPr>
+                        <m:e>
+                          <m:r>
+                            <a:rPr lang="en-US" altLang="zh-TW" b="0" i="1" smtClean="0">
+                              <a:latin typeface="Cambria Math" panose="02040503050406030204" pitchFamily="18" charset="0"/>
+                            </a:rPr>
+                            <m:t>𝑚</m:t>
+                          </m:r>
+                        </m:e>
+                      </m:acc>
+                      <m:acc>
+                        <m:accPr>
+                          <m:chr m:val="⃑"/>
+                          <m:ctrlPr>
+                            <a:rPr lang="zh-TW" altLang="en-US" i="1" smtClean="0">
+                              <a:latin typeface="Cambria Math" panose="02040503050406030204" pitchFamily="18" charset="0"/>
+                            </a:rPr>
+                          </m:ctrlPr>
+                        </m:accPr>
+                        <m:e>
+                          <m:r>
+                            <a:rPr lang="en-US" altLang="zh-TW" b="0" i="1" smtClean="0">
+                              <a:latin typeface="Cambria Math" panose="02040503050406030204" pitchFamily="18" charset="0"/>
+                            </a:rPr>
+                            <m:t>𝑥</m:t>
+                          </m:r>
+                        </m:e>
+                      </m:acc>
+                      <m:r>
+                        <a:rPr lang="en-US" altLang="zh-TW" b="0" i="1" smtClean="0">
+                          <a:latin typeface="Cambria Math" panose="02040503050406030204" pitchFamily="18" charset="0"/>
+                        </a:rPr>
+                        <m:t>+ </m:t>
+                      </m:r>
+                      <m:acc>
+                        <m:accPr>
+                          <m:chr m:val="⃑"/>
+                          <m:ctrlPr>
+                            <a:rPr lang="en-US" altLang="zh-TW" b="0" i="1" smtClean="0">
+                              <a:latin typeface="Cambria Math" panose="02040503050406030204" pitchFamily="18" charset="0"/>
+                            </a:rPr>
+                          </m:ctrlPr>
+                        </m:accPr>
+                        <m:e>
+                          <m:r>
+                            <a:rPr lang="en-US" altLang="zh-TW" b="0" i="1" smtClean="0">
+                              <a:latin typeface="Cambria Math" panose="02040503050406030204" pitchFamily="18" charset="0"/>
+                            </a:rPr>
+                            <m:t>𝑏</m:t>
+                          </m:r>
+                        </m:e>
+                      </m:acc>
+                    </m:oMath>
+                  </m:oMathPara>
+                </a14:m>
+                <a:endParaRPr lang="zh-TW" altLang="en-US" dirty="0"/>
+              </a:p>
+            </p:txBody>
+          </p:sp>
+        </mc:Choice>
+        <mc:Fallback xmlns="">
+          <p:sp>
+            <p:nvSpPr>
+              <p:cNvPr id="67" name="文字方塊 66">
+                <a:extLst>
+                  <a:ext uri="{FF2B5EF4-FFF2-40B4-BE49-F238E27FC236}">
+                    <a16:creationId xmlns:a16="http://schemas.microsoft.com/office/drawing/2014/main" id="{4527039B-35B4-4BBB-8D17-38D04F96ADBD}"/>
+                  </a:ext>
+                </a:extLst>
+              </p:cNvPr>
+              <p:cNvSpPr txBox="1">
+                <a:spLocks noRot="1" noChangeAspect="1" noMove="1" noResize="1" noEditPoints="1" noAdjustHandles="1" noChangeArrowheads="1" noChangeShapeType="1" noTextEdit="1"/>
+              </p:cNvSpPr>
+              <p:nvPr/>
+            </p:nvSpPr>
+            <p:spPr>
+              <a:xfrm>
+                <a:off x="9952857" y="2931750"/>
+                <a:ext cx="1509516" cy="410305"/>
+              </a:xfrm>
+              <a:prstGeom prst="rect">
+                <a:avLst/>
+              </a:prstGeom>
+              <a:blipFill>
+                <a:blip r:embed="rId8"/>
+                <a:stretch>
+                  <a:fillRect b="-5970"/>
+                </a:stretch>
+              </a:blipFill>
+            </p:spPr>
+            <p:txBody>
+              <a:bodyPr/>
+              <a:lstStyle/>
+              <a:p>
+                <a:r>
+                  <a:rPr lang="zh-TW" altLang="en-US">
+                    <a:noFill/>
+                  </a:rPr>
+                  <a:t> </a:t>
+                </a:r>
+              </a:p>
+            </p:txBody>
+          </p:sp>
+        </mc:Fallback>
+      </mc:AlternateContent>
+      <p:cxnSp>
+        <p:nvCxnSpPr>
+          <p:cNvPr id="69" name="直線接點 68">
+            <a:extLst>
+              <a:ext uri="{FF2B5EF4-FFF2-40B4-BE49-F238E27FC236}">
+                <a16:creationId xmlns:a16="http://schemas.microsoft.com/office/drawing/2014/main" id="{9E819F13-7213-4E1E-A4E1-5A899A1DADF9}"/>
+              </a:ext>
+            </a:extLst>
+          </p:cNvPr>
+          <p:cNvCxnSpPr/>
+          <p:nvPr/>
+        </p:nvCxnSpPr>
+        <p:spPr>
+          <a:xfrm>
+            <a:off x="3285381" y="2342894"/>
+            <a:ext cx="161517" cy="339057"/>
+          </a:xfrm>
+          <a:prstGeom prst="line">
+            <a:avLst/>
+          </a:prstGeom>
+          <a:ln w="38100">
+            <a:solidFill>
+              <a:schemeClr val="tx1"/>
+            </a:solidFill>
+          </a:ln>
+        </p:spPr>
+        <p:style>
+          <a:lnRef idx="1">
+            <a:schemeClr val="accent1"/>
+          </a:lnRef>
+          <a:fillRef idx="0">
+            <a:schemeClr val="accent1"/>
+          </a:fillRef>
+          <a:effectRef idx="0">
+            <a:schemeClr val="accent1"/>
+          </a:effectRef>
+          <a:fontRef idx="minor">
+            <a:schemeClr val="tx1"/>
+          </a:fontRef>
+        </p:style>
+      </p:cxnSp>
+      <p:cxnSp>
+        <p:nvCxnSpPr>
+          <p:cNvPr id="70" name="直線接點 69">
+            <a:extLst>
+              <a:ext uri="{FF2B5EF4-FFF2-40B4-BE49-F238E27FC236}">
+                <a16:creationId xmlns:a16="http://schemas.microsoft.com/office/drawing/2014/main" id="{F09B7FB8-6A61-4BDD-82D2-D673309364F6}"/>
+              </a:ext>
+            </a:extLst>
+          </p:cNvPr>
+          <p:cNvCxnSpPr/>
+          <p:nvPr/>
+        </p:nvCxnSpPr>
+        <p:spPr>
+          <a:xfrm>
+            <a:off x="3285381" y="3280408"/>
+            <a:ext cx="161517" cy="339057"/>
+          </a:xfrm>
+          <a:prstGeom prst="line">
+            <a:avLst/>
+          </a:prstGeom>
+          <a:ln w="38100">
+            <a:solidFill>
+              <a:schemeClr val="tx1"/>
+            </a:solidFill>
+          </a:ln>
+        </p:spPr>
+        <p:style>
+          <a:lnRef idx="1">
+            <a:schemeClr val="accent1"/>
+          </a:lnRef>
+          <a:fillRef idx="0">
+            <a:schemeClr val="accent1"/>
+          </a:fillRef>
+          <a:effectRef idx="0">
+            <a:schemeClr val="accent1"/>
+          </a:effectRef>
+          <a:fontRef idx="minor">
+            <a:schemeClr val="tx1"/>
+          </a:fontRef>
+        </p:style>
+      </p:cxnSp>
+      <p:cxnSp>
+        <p:nvCxnSpPr>
+          <p:cNvPr id="71" name="直線接點 70">
+            <a:extLst>
+              <a:ext uri="{FF2B5EF4-FFF2-40B4-BE49-F238E27FC236}">
+                <a16:creationId xmlns:a16="http://schemas.microsoft.com/office/drawing/2014/main" id="{6CBB6F85-F70B-48A7-BBDF-D28E815D0937}"/>
+              </a:ext>
+            </a:extLst>
+          </p:cNvPr>
+          <p:cNvCxnSpPr/>
+          <p:nvPr/>
+        </p:nvCxnSpPr>
+        <p:spPr>
+          <a:xfrm>
+            <a:off x="3285381" y="4234031"/>
+            <a:ext cx="161517" cy="339057"/>
+          </a:xfrm>
+          <a:prstGeom prst="line">
+            <a:avLst/>
+          </a:prstGeom>
+          <a:ln w="38100">
+            <a:solidFill>
+              <a:schemeClr val="tx1"/>
+            </a:solidFill>
+          </a:ln>
+        </p:spPr>
+        <p:style>
+          <a:lnRef idx="1">
+            <a:schemeClr val="accent1"/>
+          </a:lnRef>
+          <a:fillRef idx="0">
+            <a:schemeClr val="accent1"/>
+          </a:fillRef>
+          <a:effectRef idx="0">
+            <a:schemeClr val="accent1"/>
+          </a:effectRef>
+          <a:fontRef idx="minor">
+            <a:schemeClr val="tx1"/>
+          </a:fontRef>
+        </p:style>
+      </p:cxnSp>
+      <p:cxnSp>
+        <p:nvCxnSpPr>
+          <p:cNvPr id="72" name="直線接點 71">
+            <a:extLst>
+              <a:ext uri="{FF2B5EF4-FFF2-40B4-BE49-F238E27FC236}">
+                <a16:creationId xmlns:a16="http://schemas.microsoft.com/office/drawing/2014/main" id="{B2E899A2-B9A9-4869-A3B3-EF0F2133CA7C}"/>
+              </a:ext>
+            </a:extLst>
+          </p:cNvPr>
+          <p:cNvCxnSpPr/>
+          <p:nvPr/>
+        </p:nvCxnSpPr>
+        <p:spPr>
+          <a:xfrm>
+            <a:off x="3285381" y="5205539"/>
+            <a:ext cx="161517" cy="339057"/>
+          </a:xfrm>
+          <a:prstGeom prst="line">
+            <a:avLst/>
+          </a:prstGeom>
+          <a:ln w="38100">
+            <a:solidFill>
+              <a:schemeClr val="tx1"/>
+            </a:solidFill>
+          </a:ln>
+        </p:spPr>
+        <p:style>
+          <a:lnRef idx="1">
+            <a:schemeClr val="accent1"/>
+          </a:lnRef>
+          <a:fillRef idx="0">
+            <a:schemeClr val="accent1"/>
+          </a:fillRef>
+          <a:effectRef idx="0">
+            <a:schemeClr val="accent1"/>
+          </a:effectRef>
+          <a:fontRef idx="minor">
+            <a:schemeClr val="tx1"/>
+          </a:fontRef>
+        </p:style>
+      </p:cxnSp>
+      <p:sp>
+        <p:nvSpPr>
+          <p:cNvPr id="75" name="矩形 74">
+            <a:extLst>
+              <a:ext uri="{FF2B5EF4-FFF2-40B4-BE49-F238E27FC236}">
+                <a16:creationId xmlns:a16="http://schemas.microsoft.com/office/drawing/2014/main" id="{10F7A6D7-4D84-41E6-B009-623ED3B4C80A}"/>
+              </a:ext>
+            </a:extLst>
+          </p:cNvPr>
+          <p:cNvSpPr/>
+          <p:nvPr/>
+        </p:nvSpPr>
+        <p:spPr>
+          <a:xfrm>
+            <a:off x="2895246" y="4590647"/>
+            <a:ext cx="955262" cy="369332"/>
+          </a:xfrm>
+          <a:prstGeom prst="rect">
+            <a:avLst/>
+          </a:prstGeom>
+        </p:spPr>
+        <p:txBody>
+          <a:bodyPr wrap="none">
+            <a:spAutoFit/>
+          </a:bodyPr>
+          <a:lstStyle/>
+          <a:p>
+            <a:r>
+              <a:rPr lang="en-US" altLang="zh-TW" dirty="0"/>
+              <a:t>16 word</a:t>
+            </a:r>
+          </a:p>
+        </p:txBody>
+      </p:sp>
+      <p:sp>
+        <p:nvSpPr>
+          <p:cNvPr id="76" name="矩形 75">
+            <a:extLst>
+              <a:ext uri="{FF2B5EF4-FFF2-40B4-BE49-F238E27FC236}">
+                <a16:creationId xmlns:a16="http://schemas.microsoft.com/office/drawing/2014/main" id="{D85B9409-14AB-4CB4-A39F-CEFB7323B15C}"/>
+              </a:ext>
+            </a:extLst>
+          </p:cNvPr>
+          <p:cNvSpPr/>
+          <p:nvPr/>
+        </p:nvSpPr>
+        <p:spPr>
+          <a:xfrm>
+            <a:off x="2928510" y="5518861"/>
+            <a:ext cx="955262" cy="369332"/>
+          </a:xfrm>
+          <a:prstGeom prst="rect">
+            <a:avLst/>
+          </a:prstGeom>
+        </p:spPr>
+        <p:txBody>
+          <a:bodyPr wrap="none">
+            <a:spAutoFit/>
+          </a:bodyPr>
+          <a:lstStyle/>
+          <a:p>
+            <a:r>
+              <a:rPr lang="en-US" altLang="zh-TW" dirty="0"/>
+              <a:t>16 word</a:t>
+            </a:r>
+          </a:p>
+        </p:txBody>
+      </p:sp>
+      <p:sp>
+        <p:nvSpPr>
+          <p:cNvPr id="77" name="矩形 76">
+            <a:extLst>
+              <a:ext uri="{FF2B5EF4-FFF2-40B4-BE49-F238E27FC236}">
+                <a16:creationId xmlns:a16="http://schemas.microsoft.com/office/drawing/2014/main" id="{6A6C85FE-6000-49B5-B143-CD8623C9560B}"/>
+              </a:ext>
+            </a:extLst>
+          </p:cNvPr>
+          <p:cNvSpPr/>
+          <p:nvPr/>
+        </p:nvSpPr>
+        <p:spPr>
+          <a:xfrm>
+            <a:off x="2902061" y="3619465"/>
+            <a:ext cx="1008161" cy="369332"/>
+          </a:xfrm>
+          <a:prstGeom prst="rect">
+            <a:avLst/>
+          </a:prstGeom>
+        </p:spPr>
+        <p:txBody>
+          <a:bodyPr wrap="none">
+            <a:spAutoFit/>
+          </a:bodyPr>
+          <a:lstStyle/>
+          <a:p>
+            <a:r>
+              <a:rPr lang="en-US" altLang="zh-TW" dirty="0"/>
+              <a:t>16 word </a:t>
+            </a:r>
+          </a:p>
+        </p:txBody>
+      </p:sp>
+      <p:sp>
+        <p:nvSpPr>
+          <p:cNvPr id="78" name="矩形 77">
+            <a:extLst>
+              <a:ext uri="{FF2B5EF4-FFF2-40B4-BE49-F238E27FC236}">
+                <a16:creationId xmlns:a16="http://schemas.microsoft.com/office/drawing/2014/main" id="{87ED5EDC-1710-47A4-80CF-D8F542D2A82B}"/>
+              </a:ext>
+            </a:extLst>
+          </p:cNvPr>
+          <p:cNvSpPr/>
+          <p:nvPr/>
+        </p:nvSpPr>
+        <p:spPr>
+          <a:xfrm>
+            <a:off x="2888508" y="2676878"/>
+            <a:ext cx="955262" cy="369332"/>
+          </a:xfrm>
+          <a:prstGeom prst="rect">
+            <a:avLst/>
+          </a:prstGeom>
+        </p:spPr>
+        <p:txBody>
+          <a:bodyPr wrap="none">
+            <a:spAutoFit/>
+          </a:bodyPr>
+          <a:lstStyle/>
+          <a:p>
+            <a:r>
+              <a:rPr lang="en-US" altLang="zh-TW" dirty="0"/>
+              <a:t>16 word</a:t>
+            </a:r>
+          </a:p>
+        </p:txBody>
+      </p:sp>
+      <p:sp>
+        <p:nvSpPr>
+          <p:cNvPr id="80" name="矩形 79">
+            <a:extLst>
+              <a:ext uri="{FF2B5EF4-FFF2-40B4-BE49-F238E27FC236}">
+                <a16:creationId xmlns:a16="http://schemas.microsoft.com/office/drawing/2014/main" id="{38A87EF3-80F3-49E7-9ABC-66864BE97BDA}"/>
+              </a:ext>
+            </a:extLst>
+          </p:cNvPr>
+          <p:cNvSpPr/>
+          <p:nvPr/>
+        </p:nvSpPr>
+        <p:spPr>
+          <a:xfrm>
+            <a:off x="1075269" y="2830286"/>
+            <a:ext cx="296876" cy="369332"/>
+          </a:xfrm>
+          <a:prstGeom prst="rect">
+            <a:avLst/>
+          </a:prstGeom>
+          <a:ln w="28575">
+            <a:solidFill>
+              <a:schemeClr val="tx1"/>
+            </a:solidFill>
+          </a:ln>
+        </p:spPr>
+        <p:txBody>
+          <a:bodyPr wrap="square">
+            <a:spAutoFit/>
+          </a:bodyPr>
+          <a:lstStyle/>
+          <a:p>
+            <a:r>
+              <a:rPr lang="en-US" altLang="zh-TW" dirty="0">
+                <a:latin typeface="Cambria Math" panose="02040503050406030204" pitchFamily="18" charset="0"/>
+                <a:ea typeface="Cambria Math" panose="02040503050406030204" pitchFamily="18" charset="0"/>
+              </a:rPr>
+              <a:t>x</a:t>
+            </a:r>
+            <a:endParaRPr lang="zh-TW" altLang="en-US" dirty="0">
+              <a:latin typeface="Cambria Math" panose="02040503050406030204" pitchFamily="18" charset="0"/>
+              <a:ea typeface="Cambria Math" panose="02040503050406030204" pitchFamily="18" charset="0"/>
+            </a:endParaRPr>
+          </a:p>
+        </p:txBody>
+      </p:sp>
+      <p:sp>
+        <p:nvSpPr>
+          <p:cNvPr id="81" name="矩形 80">
+            <a:extLst>
+              <a:ext uri="{FF2B5EF4-FFF2-40B4-BE49-F238E27FC236}">
+                <a16:creationId xmlns:a16="http://schemas.microsoft.com/office/drawing/2014/main" id="{1AA50C02-AD25-4942-B67C-9C1B35AE0E0F}"/>
+              </a:ext>
+            </a:extLst>
+          </p:cNvPr>
+          <p:cNvSpPr/>
+          <p:nvPr/>
+        </p:nvSpPr>
+        <p:spPr>
+          <a:xfrm>
+            <a:off x="1075269" y="4568530"/>
+            <a:ext cx="296876" cy="369332"/>
+          </a:xfrm>
+          <a:prstGeom prst="rect">
+            <a:avLst/>
+          </a:prstGeom>
+          <a:ln w="28575">
+            <a:solidFill>
+              <a:schemeClr val="tx1"/>
+            </a:solidFill>
+          </a:ln>
+        </p:spPr>
+        <p:txBody>
+          <a:bodyPr wrap="square">
+            <a:spAutoFit/>
+          </a:bodyPr>
+          <a:lstStyle/>
+          <a:p>
+            <a:r>
+              <a:rPr lang="en-US" altLang="zh-TW" dirty="0">
+                <a:latin typeface="Cambria Math" panose="02040503050406030204" pitchFamily="18" charset="0"/>
+                <a:ea typeface="Cambria Math" panose="02040503050406030204" pitchFamily="18" charset="0"/>
+              </a:rPr>
+              <a:t>y</a:t>
+            </a:r>
+            <a:endParaRPr lang="zh-TW" altLang="en-US" dirty="0">
+              <a:latin typeface="Cambria Math" panose="02040503050406030204" pitchFamily="18" charset="0"/>
+              <a:ea typeface="Cambria Math" panose="02040503050406030204" pitchFamily="18" charset="0"/>
+            </a:endParaRPr>
+          </a:p>
+        </p:txBody>
+      </p:sp>
+      <mc:AlternateContent xmlns:mc="http://schemas.openxmlformats.org/markup-compatibility/2006" xmlns:a14="http://schemas.microsoft.com/office/drawing/2010/main">
+        <mc:Choice Requires="a14">
+          <p:sp>
+            <p:nvSpPr>
+              <p:cNvPr id="4" name="矩形 3">
+                <a:extLst>
+                  <a:ext uri="{FF2B5EF4-FFF2-40B4-BE49-F238E27FC236}">
+                    <a16:creationId xmlns:a16="http://schemas.microsoft.com/office/drawing/2014/main" id="{516B61EA-392A-4C47-AC19-6B6AE33A055A}"/>
+                  </a:ext>
+                </a:extLst>
+              </p:cNvPr>
+              <p:cNvSpPr/>
+              <p:nvPr/>
+            </p:nvSpPr>
+            <p:spPr>
+              <a:xfrm>
+                <a:off x="2203269" y="2298440"/>
+                <a:ext cx="540005" cy="452792"/>
+              </a:xfrm>
+              <a:prstGeom prst="rect">
+                <a:avLst/>
+              </a:prstGeom>
+              <a:gradFill flip="none" rotWithShape="1">
+                <a:gsLst>
+                  <a:gs pos="0">
+                    <a:schemeClr val="accent6">
+                      <a:lumMod val="75000"/>
+                      <a:tint val="66000"/>
+                      <a:satMod val="160000"/>
+                    </a:schemeClr>
+                  </a:gs>
+                  <a:gs pos="50000">
+                    <a:schemeClr val="accent6">
+                      <a:lumMod val="75000"/>
+                      <a:tint val="44500"/>
+                      <a:satMod val="160000"/>
+                    </a:schemeClr>
+                  </a:gs>
+                  <a:gs pos="100000">
+                    <a:schemeClr val="accent6">
+                      <a:lumMod val="75000"/>
+                      <a:tint val="23500"/>
+                      <a:satMod val="160000"/>
+                    </a:schemeClr>
+                  </a:gs>
+                </a:gsLst>
+                <a:lin ang="2700000" scaled="1"/>
+                <a:tileRect/>
+              </a:gradFill>
+              <a:ln w="19050">
+                <a:solidFill>
+                  <a:schemeClr val="tx1"/>
+                </a:solidFill>
+              </a:ln>
+            </p:spPr>
+            <p:style>
+              <a:lnRef idx="2">
+                <a:schemeClr val="accent1">
+                  <a:shade val="50000"/>
+                </a:schemeClr>
+              </a:lnRef>
+              <a:fillRef idx="1">
+                <a:schemeClr val="accent1"/>
+              </a:fillRef>
+              <a:effectRef idx="0">
+                <a:schemeClr val="accent1"/>
+              </a:effectRef>
+              <a:fontRef idx="minor">
+                <a:schemeClr val="lt1"/>
+              </a:fontRef>
+            </p:style>
+            <p:txBody>
+              <a:bodyPr rtlCol="0" anchor="ctr"/>
+              <a:lstStyle/>
+              <a:p>
+                <a:pPr algn="ctr"/>
+                <a14:m>
+                  <m:oMathPara xmlns:m="http://schemas.openxmlformats.org/officeDocument/2006/math">
+                    <m:oMathParaPr>
+                      <m:jc m:val="centerGroup"/>
+                    </m:oMathParaPr>
+                    <m:oMath xmlns:m="http://schemas.openxmlformats.org/officeDocument/2006/math">
+                      <m:sSup>
+                        <m:sSupPr>
+                          <m:ctrlPr>
+                            <a:rPr lang="en-US" altLang="zh-TW" sz="1600" i="1" smtClean="0">
+                              <a:solidFill>
+                                <a:schemeClr val="tx1"/>
+                              </a:solidFill>
+                              <a:latin typeface="Cambria Math" panose="02040503050406030204" pitchFamily="18" charset="0"/>
+                            </a:rPr>
+                          </m:ctrlPr>
+                        </m:sSupPr>
+                        <m:e>
+                          <m:r>
+                            <a:rPr lang="en-US" altLang="zh-TW" sz="1600" b="0" i="1" smtClean="0">
+                              <a:solidFill>
+                                <a:schemeClr val="tx1"/>
+                              </a:solidFill>
+                              <a:latin typeface="Cambria Math" panose="02040503050406030204" pitchFamily="18" charset="0"/>
+                            </a:rPr>
+                            <m:t>𝑍</m:t>
+                          </m:r>
+                        </m:e>
+                        <m:sup>
+                          <m:r>
+                            <a:rPr lang="en-US" altLang="zh-TW" sz="1600" b="0" i="1" smtClean="0">
+                              <a:solidFill>
+                                <a:schemeClr val="tx1"/>
+                              </a:solidFill>
+                              <a:latin typeface="Cambria Math" panose="02040503050406030204" pitchFamily="18" charset="0"/>
+                            </a:rPr>
+                            <m:t>−1</m:t>
+                          </m:r>
+                        </m:sup>
+                      </m:sSup>
+                    </m:oMath>
+                  </m:oMathPara>
+                </a14:m>
+                <a:endParaRPr lang="zh-TW" altLang="en-US" sz="1600" dirty="0">
+                  <a:solidFill>
+                    <a:schemeClr val="tx1"/>
+                  </a:solidFill>
+                </a:endParaRPr>
+              </a:p>
+            </p:txBody>
+          </p:sp>
+        </mc:Choice>
+        <mc:Fallback xmlns="">
+          <p:sp>
+            <p:nvSpPr>
+              <p:cNvPr id="4" name="矩形 3">
+                <a:extLst>
+                  <a:ext uri="{FF2B5EF4-FFF2-40B4-BE49-F238E27FC236}">
+                    <a16:creationId xmlns:a16="http://schemas.microsoft.com/office/drawing/2014/main" id="{516B61EA-392A-4C47-AC19-6B6AE33A055A}"/>
+                  </a:ext>
+                </a:extLst>
+              </p:cNvPr>
+              <p:cNvSpPr>
+                <a:spLocks noRot="1" noChangeAspect="1" noMove="1" noResize="1" noEditPoints="1" noAdjustHandles="1" noChangeArrowheads="1" noChangeShapeType="1" noTextEdit="1"/>
+              </p:cNvSpPr>
+              <p:nvPr/>
+            </p:nvSpPr>
+            <p:spPr>
+              <a:xfrm>
+                <a:off x="2203269" y="2298440"/>
+                <a:ext cx="540005" cy="452792"/>
+              </a:xfrm>
+              <a:prstGeom prst="rect">
+                <a:avLst/>
+              </a:prstGeom>
+              <a:blipFill>
+                <a:blip r:embed="rId9"/>
+                <a:stretch>
+                  <a:fillRect/>
+                </a:stretch>
+              </a:blipFill>
+              <a:ln w="19050">
+                <a:solidFill>
+                  <a:schemeClr val="tx1"/>
+                </a:solidFill>
+              </a:ln>
+            </p:spPr>
+            <p:txBody>
+              <a:bodyPr/>
+              <a:lstStyle/>
+              <a:p>
+                <a:r>
+                  <a:rPr lang="zh-TW" altLang="en-US">
+                    <a:noFill/>
+                  </a:rPr>
+                  <a:t> </a:t>
+                </a:r>
+              </a:p>
+            </p:txBody>
+          </p:sp>
+        </mc:Fallback>
+      </mc:AlternateContent>
+      <mc:AlternateContent xmlns:mc="http://schemas.openxmlformats.org/markup-compatibility/2006" xmlns:a14="http://schemas.microsoft.com/office/drawing/2010/main">
+        <mc:Choice Requires="a14">
+          <p:sp>
+            <p:nvSpPr>
+              <p:cNvPr id="63" name="矩形 62">
+                <a:extLst>
+                  <a:ext uri="{FF2B5EF4-FFF2-40B4-BE49-F238E27FC236}">
+                    <a16:creationId xmlns:a16="http://schemas.microsoft.com/office/drawing/2014/main" id="{26900512-4BB5-438D-B950-70A1179013B2}"/>
+                  </a:ext>
+                </a:extLst>
+              </p:cNvPr>
+              <p:cNvSpPr/>
+              <p:nvPr/>
+            </p:nvSpPr>
+            <p:spPr>
+              <a:xfrm>
+                <a:off x="2203269" y="3250649"/>
+                <a:ext cx="540005" cy="452792"/>
+              </a:xfrm>
+              <a:prstGeom prst="rect">
+                <a:avLst/>
+              </a:prstGeom>
+              <a:gradFill flip="none" rotWithShape="1">
+                <a:gsLst>
+                  <a:gs pos="0">
+                    <a:schemeClr val="accent6">
+                      <a:lumMod val="75000"/>
+                      <a:tint val="66000"/>
+                      <a:satMod val="160000"/>
+                    </a:schemeClr>
+                  </a:gs>
+                  <a:gs pos="50000">
+                    <a:schemeClr val="accent6">
+                      <a:lumMod val="75000"/>
+                      <a:tint val="44500"/>
+                      <a:satMod val="160000"/>
+                    </a:schemeClr>
+                  </a:gs>
+                  <a:gs pos="100000">
+                    <a:schemeClr val="accent6">
+                      <a:lumMod val="75000"/>
+                      <a:tint val="23500"/>
+                      <a:satMod val="160000"/>
+                    </a:schemeClr>
+                  </a:gs>
+                </a:gsLst>
+                <a:lin ang="2700000" scaled="1"/>
+                <a:tileRect/>
+              </a:gradFill>
+              <a:ln w="19050">
+                <a:solidFill>
+                  <a:schemeClr val="tx1"/>
+                </a:solidFill>
+              </a:ln>
+            </p:spPr>
+            <p:style>
+              <a:lnRef idx="2">
+                <a:schemeClr val="accent1">
+                  <a:shade val="50000"/>
+                </a:schemeClr>
+              </a:lnRef>
+              <a:fillRef idx="1">
+                <a:schemeClr val="accent1"/>
+              </a:fillRef>
+              <a:effectRef idx="0">
+                <a:schemeClr val="accent1"/>
+              </a:effectRef>
+              <a:fontRef idx="minor">
+                <a:schemeClr val="lt1"/>
+              </a:fontRef>
+            </p:style>
+            <p:txBody>
+              <a:bodyPr rtlCol="0" anchor="ctr"/>
+              <a:lstStyle/>
+              <a:p>
+                <a:pPr algn="ctr"/>
+                <a14:m>
+                  <m:oMathPara xmlns:m="http://schemas.openxmlformats.org/officeDocument/2006/math">
+                    <m:oMathParaPr>
+                      <m:jc m:val="centerGroup"/>
+                    </m:oMathParaPr>
+                    <m:oMath xmlns:m="http://schemas.openxmlformats.org/officeDocument/2006/math">
+                      <m:sSup>
+                        <m:sSupPr>
+                          <m:ctrlPr>
+                            <a:rPr lang="en-US" altLang="zh-TW" sz="1600" i="1" smtClean="0">
+                              <a:solidFill>
+                                <a:schemeClr val="tx1"/>
+                              </a:solidFill>
+                              <a:latin typeface="Cambria Math" panose="02040503050406030204" pitchFamily="18" charset="0"/>
+                            </a:rPr>
+                          </m:ctrlPr>
+                        </m:sSupPr>
+                        <m:e>
+                          <m:r>
+                            <a:rPr lang="en-US" altLang="zh-TW" sz="1600" b="0" i="1" smtClean="0">
+                              <a:solidFill>
+                                <a:schemeClr val="tx1"/>
+                              </a:solidFill>
+                              <a:latin typeface="Cambria Math" panose="02040503050406030204" pitchFamily="18" charset="0"/>
+                            </a:rPr>
+                            <m:t>𝑍</m:t>
+                          </m:r>
+                        </m:e>
+                        <m:sup>
+                          <m:r>
+                            <a:rPr lang="en-US" altLang="zh-TW" sz="1600" b="0" i="1" smtClean="0">
+                              <a:solidFill>
+                                <a:schemeClr val="tx1"/>
+                              </a:solidFill>
+                              <a:latin typeface="Cambria Math" panose="02040503050406030204" pitchFamily="18" charset="0"/>
+                            </a:rPr>
+                            <m:t>−1</m:t>
+                          </m:r>
+                        </m:sup>
+                      </m:sSup>
+                    </m:oMath>
+                  </m:oMathPara>
+                </a14:m>
+                <a:endParaRPr lang="zh-TW" altLang="en-US" sz="1600" dirty="0">
+                  <a:solidFill>
+                    <a:schemeClr val="tx1"/>
+                  </a:solidFill>
+                </a:endParaRPr>
+              </a:p>
+            </p:txBody>
+          </p:sp>
+        </mc:Choice>
+        <mc:Fallback xmlns="">
+          <p:sp>
+            <p:nvSpPr>
+              <p:cNvPr id="63" name="矩形 62">
+                <a:extLst>
+                  <a:ext uri="{FF2B5EF4-FFF2-40B4-BE49-F238E27FC236}">
+                    <a16:creationId xmlns:a16="http://schemas.microsoft.com/office/drawing/2014/main" id="{26900512-4BB5-438D-B950-70A1179013B2}"/>
+                  </a:ext>
+                </a:extLst>
+              </p:cNvPr>
+              <p:cNvSpPr>
+                <a:spLocks noRot="1" noChangeAspect="1" noMove="1" noResize="1" noEditPoints="1" noAdjustHandles="1" noChangeArrowheads="1" noChangeShapeType="1" noTextEdit="1"/>
+              </p:cNvSpPr>
+              <p:nvPr/>
+            </p:nvSpPr>
+            <p:spPr>
+              <a:xfrm>
+                <a:off x="2203269" y="3250649"/>
+                <a:ext cx="540005" cy="452792"/>
+              </a:xfrm>
+              <a:prstGeom prst="rect">
+                <a:avLst/>
+              </a:prstGeom>
+              <a:blipFill>
+                <a:blip r:embed="rId10"/>
+                <a:stretch>
+                  <a:fillRect/>
+                </a:stretch>
+              </a:blipFill>
+              <a:ln w="19050">
+                <a:solidFill>
+                  <a:schemeClr val="tx1"/>
+                </a:solidFill>
+              </a:ln>
+            </p:spPr>
+            <p:txBody>
+              <a:bodyPr/>
+              <a:lstStyle/>
+              <a:p>
+                <a:r>
+                  <a:rPr lang="zh-TW" altLang="en-US">
+                    <a:noFill/>
+                  </a:rPr>
+                  <a:t> </a:t>
+                </a:r>
+              </a:p>
+            </p:txBody>
+          </p:sp>
+        </mc:Fallback>
+      </mc:AlternateContent>
+      <p:sp>
+        <p:nvSpPr>
+          <p:cNvPr id="12" name="橢圓 11">
+            <a:extLst>
+              <a:ext uri="{FF2B5EF4-FFF2-40B4-BE49-F238E27FC236}">
+                <a16:creationId xmlns:a16="http://schemas.microsoft.com/office/drawing/2014/main" id="{6FF21DD1-035F-48D3-A783-3FFF05F1E921}"/>
+              </a:ext>
+            </a:extLst>
+          </p:cNvPr>
+          <p:cNvSpPr/>
+          <p:nvPr/>
+        </p:nvSpPr>
+        <p:spPr>
+          <a:xfrm>
+            <a:off x="2290521" y="4270188"/>
+            <a:ext cx="333345" cy="318435"/>
+          </a:xfrm>
+          <a:prstGeom prst="ellipse">
+            <a:avLst/>
+          </a:prstGeom>
+        </p:spPr>
+        <p:style>
+          <a:lnRef idx="2">
+            <a:schemeClr val="accent1">
+              <a:shade val="50000"/>
+            </a:schemeClr>
+          </a:lnRef>
+          <a:fillRef idx="1">
+            <a:schemeClr val="accent1"/>
+          </a:fillRef>
+          <a:effectRef idx="0">
+            <a:schemeClr val="accent1"/>
+          </a:effectRef>
+          <a:fontRef idx="minor">
+            <a:schemeClr val="lt1"/>
+          </a:fontRef>
+        </p:style>
+        <p:txBody>
+          <a:bodyPr rtlCol="0" anchor="ctr"/>
+          <a:lstStyle/>
+          <a:p>
+            <a:pPr algn="ctr"/>
+            <a:r>
+              <a:rPr lang="en-US" altLang="zh-TW" dirty="0"/>
+              <a:t>X</a:t>
+            </a:r>
+            <a:endParaRPr lang="zh-TW" altLang="en-US" dirty="0"/>
+          </a:p>
+        </p:txBody>
+      </p:sp>
+      <p:sp>
+        <p:nvSpPr>
+          <p:cNvPr id="64" name="橢圓 63">
+            <a:extLst>
+              <a:ext uri="{FF2B5EF4-FFF2-40B4-BE49-F238E27FC236}">
+                <a16:creationId xmlns:a16="http://schemas.microsoft.com/office/drawing/2014/main" id="{F6A441A4-BE84-4680-8C54-11BDCDDC4080}"/>
+              </a:ext>
+            </a:extLst>
+          </p:cNvPr>
+          <p:cNvSpPr/>
+          <p:nvPr/>
+        </p:nvSpPr>
+        <p:spPr>
+          <a:xfrm>
+            <a:off x="2290521" y="5221543"/>
+            <a:ext cx="333345" cy="318435"/>
+          </a:xfrm>
+          <a:prstGeom prst="ellipse">
+            <a:avLst/>
+          </a:prstGeom>
+        </p:spPr>
+        <p:style>
+          <a:lnRef idx="2">
+            <a:schemeClr val="accent1">
+              <a:shade val="50000"/>
+            </a:schemeClr>
+          </a:lnRef>
+          <a:fillRef idx="1">
+            <a:schemeClr val="accent1"/>
+          </a:fillRef>
+          <a:effectRef idx="0">
+            <a:schemeClr val="accent1"/>
+          </a:effectRef>
+          <a:fontRef idx="minor">
+            <a:schemeClr val="lt1"/>
+          </a:fontRef>
+        </p:style>
+        <p:txBody>
+          <a:bodyPr rtlCol="0" anchor="ctr"/>
+          <a:lstStyle/>
+          <a:p>
+            <a:pPr algn="ctr"/>
+            <a:r>
+              <a:rPr lang="en-US" altLang="zh-TW" dirty="0"/>
+              <a:t>X</a:t>
+            </a:r>
+            <a:endParaRPr lang="zh-TW" altLang="en-US" dirty="0"/>
+          </a:p>
+        </p:txBody>
+      </p:sp>
+      <p:cxnSp>
+        <p:nvCxnSpPr>
+          <p:cNvPr id="30" name="接點: 肘形 29">
+            <a:extLst>
+              <a:ext uri="{FF2B5EF4-FFF2-40B4-BE49-F238E27FC236}">
+                <a16:creationId xmlns:a16="http://schemas.microsoft.com/office/drawing/2014/main" id="{49CD73E1-1008-429B-991F-6EDD95A41219}"/>
+              </a:ext>
+            </a:extLst>
+          </p:cNvPr>
+          <p:cNvCxnSpPr>
+            <a:stCxn id="80" idx="3"/>
+            <a:endCxn id="4" idx="1"/>
+          </p:cNvCxnSpPr>
+          <p:nvPr/>
+        </p:nvCxnSpPr>
+        <p:spPr>
+          <a:xfrm flipV="1">
+            <a:off x="1372145" y="2524836"/>
+            <a:ext cx="831124" cy="490116"/>
+          </a:xfrm>
+          <a:prstGeom prst="bentConnector3">
+            <a:avLst>
+              <a:gd name="adj1" fmla="val 55239"/>
+            </a:avLst>
+          </a:prstGeom>
+          <a:ln w="38100">
+            <a:solidFill>
+              <a:schemeClr val="tx1"/>
+            </a:solidFill>
+            <a:tailEnd type="triangle"/>
+          </a:ln>
+        </p:spPr>
+        <p:style>
+          <a:lnRef idx="1">
+            <a:schemeClr val="accent1"/>
+          </a:lnRef>
+          <a:fillRef idx="0">
+            <a:schemeClr val="accent1"/>
+          </a:fillRef>
+          <a:effectRef idx="0">
+            <a:schemeClr val="accent1"/>
+          </a:effectRef>
+          <a:fontRef idx="minor">
+            <a:schemeClr val="tx1"/>
+          </a:fontRef>
+        </p:style>
+      </p:cxnSp>
+      <p:cxnSp>
+        <p:nvCxnSpPr>
+          <p:cNvPr id="65" name="接點: 肘形 64">
+            <a:extLst>
+              <a:ext uri="{FF2B5EF4-FFF2-40B4-BE49-F238E27FC236}">
+                <a16:creationId xmlns:a16="http://schemas.microsoft.com/office/drawing/2014/main" id="{48A28575-FF64-4E86-B3EA-31907BA46882}"/>
+              </a:ext>
+            </a:extLst>
+          </p:cNvPr>
+          <p:cNvCxnSpPr>
+            <a:cxnSpLocks/>
+            <a:stCxn id="80" idx="3"/>
+            <a:endCxn id="12" idx="2"/>
+          </p:cNvCxnSpPr>
+          <p:nvPr/>
+        </p:nvCxnSpPr>
+        <p:spPr>
+          <a:xfrm>
+            <a:off x="1372145" y="3014952"/>
+            <a:ext cx="918376" cy="1414454"/>
+          </a:xfrm>
+          <a:prstGeom prst="bentConnector3">
+            <a:avLst>
+              <a:gd name="adj1" fmla="val 50000"/>
+            </a:avLst>
+          </a:prstGeom>
+          <a:ln w="38100">
+            <a:solidFill>
+              <a:schemeClr val="tx1"/>
+            </a:solidFill>
+            <a:tailEnd type="triangle"/>
+          </a:ln>
+        </p:spPr>
+        <p:style>
+          <a:lnRef idx="1">
+            <a:schemeClr val="accent1"/>
+          </a:lnRef>
+          <a:fillRef idx="0">
+            <a:schemeClr val="accent1"/>
+          </a:fillRef>
+          <a:effectRef idx="0">
+            <a:schemeClr val="accent1"/>
+          </a:effectRef>
+          <a:fontRef idx="minor">
+            <a:schemeClr val="tx1"/>
+          </a:fontRef>
+        </p:style>
+      </p:cxnSp>
+      <p:cxnSp>
+        <p:nvCxnSpPr>
+          <p:cNvPr id="73" name="接點: 肘形 72">
+            <a:extLst>
+              <a:ext uri="{FF2B5EF4-FFF2-40B4-BE49-F238E27FC236}">
+                <a16:creationId xmlns:a16="http://schemas.microsoft.com/office/drawing/2014/main" id="{89D970B8-3DB8-45C2-B5BF-679229DC83BF}"/>
+              </a:ext>
+            </a:extLst>
+          </p:cNvPr>
+          <p:cNvCxnSpPr>
+            <a:cxnSpLocks/>
+            <a:stCxn id="80" idx="3"/>
+            <a:endCxn id="64" idx="2"/>
+          </p:cNvCxnSpPr>
+          <p:nvPr/>
+        </p:nvCxnSpPr>
+        <p:spPr>
+          <a:xfrm>
+            <a:off x="1372145" y="3014952"/>
+            <a:ext cx="918376" cy="2365809"/>
+          </a:xfrm>
+          <a:prstGeom prst="bentConnector3">
+            <a:avLst>
+              <a:gd name="adj1" fmla="val 50000"/>
+            </a:avLst>
+          </a:prstGeom>
+          <a:ln w="38100">
+            <a:solidFill>
+              <a:schemeClr val="tx1"/>
+            </a:solidFill>
+            <a:tailEnd type="triangle"/>
+          </a:ln>
+        </p:spPr>
+        <p:style>
+          <a:lnRef idx="1">
+            <a:schemeClr val="accent1"/>
+          </a:lnRef>
+          <a:fillRef idx="0">
+            <a:schemeClr val="accent1"/>
+          </a:fillRef>
+          <a:effectRef idx="0">
+            <a:schemeClr val="accent1"/>
+          </a:effectRef>
+          <a:fontRef idx="minor">
+            <a:schemeClr val="tx1"/>
+          </a:fontRef>
+        </p:style>
+      </p:cxnSp>
+      <p:cxnSp>
+        <p:nvCxnSpPr>
+          <p:cNvPr id="74" name="接點: 肘形 73">
+            <a:extLst>
+              <a:ext uri="{FF2B5EF4-FFF2-40B4-BE49-F238E27FC236}">
+                <a16:creationId xmlns:a16="http://schemas.microsoft.com/office/drawing/2014/main" id="{CD20A399-7E2F-496D-A4EE-10023E1F4523}"/>
+              </a:ext>
+            </a:extLst>
+          </p:cNvPr>
+          <p:cNvCxnSpPr>
+            <a:cxnSpLocks/>
+            <a:stCxn id="81" idx="3"/>
+            <a:endCxn id="63" idx="1"/>
+          </p:cNvCxnSpPr>
+          <p:nvPr/>
+        </p:nvCxnSpPr>
+        <p:spPr>
+          <a:xfrm flipV="1">
+            <a:off x="1372145" y="3477045"/>
+            <a:ext cx="831124" cy="1276151"/>
+          </a:xfrm>
+          <a:prstGeom prst="bentConnector3">
+            <a:avLst>
+              <a:gd name="adj1" fmla="val 27996"/>
+            </a:avLst>
+          </a:prstGeom>
+          <a:ln w="38100">
+            <a:solidFill>
+              <a:schemeClr val="tx1"/>
+            </a:solidFill>
+            <a:tailEnd type="triangle"/>
+          </a:ln>
+        </p:spPr>
+        <p:style>
+          <a:lnRef idx="1">
+            <a:schemeClr val="accent1"/>
+          </a:lnRef>
+          <a:fillRef idx="0">
+            <a:schemeClr val="accent1"/>
+          </a:fillRef>
+          <a:effectRef idx="0">
+            <a:schemeClr val="accent1"/>
+          </a:effectRef>
+          <a:fontRef idx="minor">
+            <a:schemeClr val="tx1"/>
+          </a:fontRef>
+        </p:style>
+      </p:cxnSp>
+    </p:spTree>
+    <p:extLst>
+      <p:ext uri="{BB962C8B-B14F-4D97-AF65-F5344CB8AC3E}">
+        <p14:creationId xmlns:p14="http://schemas.microsoft.com/office/powerpoint/2010/main" val="2383064377"/>
+      </p:ext>
+    </p:extLst>
+  </p:cSld>
+  <p:clrMapOvr>
+    <a:masterClrMapping/>
+  </p:clrMapOvr>
+</p:sld>
+</file>
+
+<file path=ppt/slides/slide6.xml><?xml version="1.0" encoding="utf-8"?>
+<p:sld xmlns:a="http://schemas.openxmlformats.org/drawingml/2006/main" xmlns:r="http://schemas.openxmlformats.org/officeDocument/2006/relationships" xmlns:p="http://schemas.openxmlformats.org/presentationml/2006/main">
+  <p:cSld>
+    <p:spTree>
+      <p:nvGrpSpPr>
+        <p:cNvPr id="1" name=""/>
+        <p:cNvGrpSpPr/>
+        <p:nvPr/>
+      </p:nvGrpSpPr>
+      <p:grpSpPr>
+        <a:xfrm>
+          <a:off x="0" y="0"/>
+          <a:ext cx="0" cy="0"/>
+          <a:chOff x="0" y="0"/>
+          <a:chExt cx="0" cy="0"/>
+        </a:xfrm>
+      </p:grpSpPr>
+      <p:sp>
+        <p:nvSpPr>
+          <p:cNvPr id="3" name="標題 2">
+            <a:extLst>
+              <a:ext uri="{FF2B5EF4-FFF2-40B4-BE49-F238E27FC236}">
+                <a16:creationId xmlns:a16="http://schemas.microsoft.com/office/drawing/2014/main" id="{B0FE567C-34C6-4F98-A84A-4DEAB1E49A7C}"/>
+              </a:ext>
+            </a:extLst>
+          </p:cNvPr>
+          <p:cNvSpPr>
+            <a:spLocks noGrp="1"/>
+          </p:cNvSpPr>
+          <p:nvPr>
+            <p:ph type="title"/>
+          </p:nvPr>
+        </p:nvSpPr>
+        <p:spPr/>
+        <p:txBody>
+          <a:bodyPr/>
+          <a:lstStyle/>
+          <a:p>
+            <a:r>
+              <a:rPr lang="en-US" altLang="zh-TW" dirty="0" err="1"/>
+              <a:t>LinearRegression</a:t>
+            </a:r>
+            <a:r>
+              <a:rPr lang="en-US" altLang="zh-TW" dirty="0"/>
+              <a:t> - Pipeline</a:t>
+            </a:r>
+            <a:endParaRPr lang="zh-TW" altLang="en-US" dirty="0"/>
+          </a:p>
+        </p:txBody>
+      </p:sp>
+      <p:pic>
+        <p:nvPicPr>
+          <p:cNvPr id="11" name="圖片 10">
+            <a:extLst>
+              <a:ext uri="{FF2B5EF4-FFF2-40B4-BE49-F238E27FC236}">
+                <a16:creationId xmlns:a16="http://schemas.microsoft.com/office/drawing/2014/main" id="{59BCB44A-0B71-4A1E-81C2-E695F8948E4D}"/>
+              </a:ext>
+            </a:extLst>
+          </p:cNvPr>
+          <p:cNvPicPr>
+            <a:picLocks noChangeAspect="1"/>
+          </p:cNvPicPr>
+          <p:nvPr/>
+        </p:nvPicPr>
+        <p:blipFill>
+          <a:blip r:embed="rId2">
+            <a:extLst>
+              <a:ext uri="{28A0092B-C50C-407E-A947-70E740481C1C}">
+                <a14:useLocalDpi xmlns:a14="http://schemas.microsoft.com/office/drawing/2010/main" val="0"/>
+              </a:ext>
+            </a:extLst>
+          </a:blip>
+          <a:stretch>
+            <a:fillRect/>
+          </a:stretch>
+        </p:blipFill>
+        <p:spPr>
+          <a:xfrm>
+            <a:off x="929528" y="1917518"/>
+            <a:ext cx="10332944" cy="4161337"/>
+          </a:xfrm>
+          <a:prstGeom prst="rect">
+            <a:avLst/>
+          </a:prstGeom>
+        </p:spPr>
+      </p:pic>
+      <p:sp>
+        <p:nvSpPr>
+          <p:cNvPr id="4" name="文字方塊 3">
+            <a:extLst>
+              <a:ext uri="{FF2B5EF4-FFF2-40B4-BE49-F238E27FC236}">
+                <a16:creationId xmlns:a16="http://schemas.microsoft.com/office/drawing/2014/main" id="{FBE1535B-0E45-4999-8D77-730D821FE7B3}"/>
+              </a:ext>
+            </a:extLst>
+          </p:cNvPr>
+          <p:cNvSpPr txBox="1"/>
+          <p:nvPr/>
+        </p:nvSpPr>
+        <p:spPr>
+          <a:xfrm>
+            <a:off x="838200" y="1252385"/>
+            <a:ext cx="10515600" cy="276999"/>
+          </a:xfrm>
+          <a:prstGeom prst="rect">
+            <a:avLst/>
+          </a:prstGeom>
+          <a:noFill/>
+        </p:spPr>
+        <p:txBody>
+          <a:bodyPr wrap="square" lIns="0" tIns="0" rIns="0" bIns="0" rtlCol="0">
+            <a:spAutoFit/>
+          </a:bodyPr>
+          <a:lstStyle/>
+          <a:p>
+            <a:pPr marL="285750" indent="-285750">
+              <a:buFont typeface="Arial" panose="020B0604020202020204" pitchFamily="34" charset="0"/>
+              <a:buChar char="•"/>
+            </a:pPr>
+            <a:r>
+              <a:rPr lang="en-US" altLang="zh-TW" dirty="0">
+                <a:solidFill>
+                  <a:prstClr val="black"/>
+                </a:solidFill>
+                <a:latin typeface="Times New Roman" panose="02020603050405020304" pitchFamily="18" charset="0"/>
+                <a:ea typeface="標楷體" panose="03000509000000000000" pitchFamily="65" charset="-120"/>
+                <a:cs typeface="Times New Roman" panose="02020603050405020304" pitchFamily="18" charset="0"/>
+              </a:rPr>
+              <a:t>Pipeline Stage = 5</a:t>
+            </a:r>
+          </a:p>
+        </p:txBody>
+      </p:sp>
+    </p:spTree>
+    <p:extLst>
+      <p:ext uri="{BB962C8B-B14F-4D97-AF65-F5344CB8AC3E}">
+        <p14:creationId xmlns:p14="http://schemas.microsoft.com/office/powerpoint/2010/main" val="3702094279"/>
+      </p:ext>
+    </p:extLst>
+  </p:cSld>
+  <p:clrMapOvr>
+    <a:masterClrMapping/>
+  </p:clrMapOvr>
+</p:sld>
+</file>
+
+<file path=ppt/slides/slide7.xml><?xml version="1.0" encoding="utf-8"?>
+<p:sld xmlns:a="http://schemas.openxmlformats.org/drawingml/2006/main" xmlns:r="http://schemas.openxmlformats.org/officeDocument/2006/relationships" xmlns:p="http://schemas.openxmlformats.org/presentationml/2006/main">
+  <p:cSld>
+    <p:spTree>
+      <p:nvGrpSpPr>
+        <p:cNvPr id="1" name=""/>
+        <p:cNvGrpSpPr/>
+        <p:nvPr/>
+      </p:nvGrpSpPr>
+      <p:grpSpPr>
+        <a:xfrm>
+          <a:off x="0" y="0"/>
+          <a:ext cx="0" cy="0"/>
+          <a:chOff x="0" y="0"/>
+          <a:chExt cx="0" cy="0"/>
+        </a:xfrm>
+      </p:grpSpPr>
+      <p:sp>
+        <p:nvSpPr>
+          <p:cNvPr id="3" name="標題 2">
+            <a:extLst>
+              <a:ext uri="{FF2B5EF4-FFF2-40B4-BE49-F238E27FC236}">
+                <a16:creationId xmlns:a16="http://schemas.microsoft.com/office/drawing/2014/main" id="{B0FE567C-34C6-4F98-A84A-4DEAB1E49A7C}"/>
+              </a:ext>
+            </a:extLst>
+          </p:cNvPr>
+          <p:cNvSpPr>
+            <a:spLocks noGrp="1"/>
+          </p:cNvSpPr>
+          <p:nvPr>
+            <p:ph type="title"/>
+          </p:nvPr>
+        </p:nvSpPr>
+        <p:spPr/>
+        <p:txBody>
+          <a:bodyPr/>
+          <a:lstStyle/>
+          <a:p>
+            <a:r>
+              <a:rPr lang="en-US" altLang="zh-TW" dirty="0"/>
+              <a:t>Adder Tree - Pipeline</a:t>
+            </a:r>
+            <a:endParaRPr lang="zh-TW" altLang="en-US" dirty="0"/>
+          </a:p>
+        </p:txBody>
+      </p:sp>
+      <p:pic>
+        <p:nvPicPr>
+          <p:cNvPr id="4" name="圖片 3">
+            <a:extLst>
+              <a:ext uri="{FF2B5EF4-FFF2-40B4-BE49-F238E27FC236}">
+                <a16:creationId xmlns:a16="http://schemas.microsoft.com/office/drawing/2014/main" id="{ADDF7638-D09A-4D23-B8CD-260056AFF2C5}"/>
+              </a:ext>
+            </a:extLst>
+          </p:cNvPr>
+          <p:cNvPicPr>
+            <a:picLocks noChangeAspect="1"/>
+          </p:cNvPicPr>
+          <p:nvPr/>
+        </p:nvPicPr>
+        <p:blipFill>
+          <a:blip r:embed="rId2">
+            <a:extLst>
+              <a:ext uri="{28A0092B-C50C-407E-A947-70E740481C1C}">
+                <a14:useLocalDpi xmlns:a14="http://schemas.microsoft.com/office/drawing/2010/main" val="0"/>
+              </a:ext>
+            </a:extLst>
+          </a:blip>
+          <a:stretch>
+            <a:fillRect/>
+          </a:stretch>
+        </p:blipFill>
+        <p:spPr>
+          <a:xfrm>
+            <a:off x="4064487" y="1234235"/>
+            <a:ext cx="4063025" cy="4972958"/>
+          </a:xfrm>
+          <a:prstGeom prst="rect">
+            <a:avLst/>
+          </a:prstGeom>
+        </p:spPr>
+      </p:pic>
+      <p:sp>
+        <p:nvSpPr>
+          <p:cNvPr id="5" name="文字方塊 4">
+            <a:extLst>
+              <a:ext uri="{FF2B5EF4-FFF2-40B4-BE49-F238E27FC236}">
+                <a16:creationId xmlns:a16="http://schemas.microsoft.com/office/drawing/2014/main" id="{44859A0A-3490-4E52-AA88-F75B58B20614}"/>
+              </a:ext>
+            </a:extLst>
+          </p:cNvPr>
+          <p:cNvSpPr txBox="1"/>
+          <p:nvPr/>
+        </p:nvSpPr>
+        <p:spPr>
+          <a:xfrm>
+            <a:off x="838200" y="1252385"/>
+            <a:ext cx="10515600" cy="276999"/>
+          </a:xfrm>
+          <a:prstGeom prst="rect">
+            <a:avLst/>
+          </a:prstGeom>
+          <a:noFill/>
+        </p:spPr>
+        <p:txBody>
+          <a:bodyPr wrap="square" lIns="0" tIns="0" rIns="0" bIns="0" rtlCol="0">
+            <a:spAutoFit/>
+          </a:bodyPr>
+          <a:lstStyle/>
+          <a:p>
+            <a:pPr marL="285750" indent="-285750">
+              <a:buFont typeface="Arial" panose="020B0604020202020204" pitchFamily="34" charset="0"/>
+              <a:buChar char="•"/>
+            </a:pPr>
+            <a:r>
+              <a:rPr lang="en-US" altLang="zh-TW" dirty="0">
+                <a:solidFill>
+                  <a:prstClr val="black"/>
+                </a:solidFill>
+                <a:latin typeface="Times New Roman" panose="02020603050405020304" pitchFamily="18" charset="0"/>
+                <a:ea typeface="標楷體" panose="03000509000000000000" pitchFamily="65" charset="-120"/>
+                <a:cs typeface="Times New Roman" panose="02020603050405020304" pitchFamily="18" charset="0"/>
+              </a:rPr>
+              <a:t>Pipeline Stage = 4</a:t>
+            </a:r>
+          </a:p>
+        </p:txBody>
+      </p:sp>
+    </p:spTree>
+    <p:extLst>
+      <p:ext uri="{BB962C8B-B14F-4D97-AF65-F5344CB8AC3E}">
+        <p14:creationId xmlns:p14="http://schemas.microsoft.com/office/powerpoint/2010/main" val="3598394047"/>
+      </p:ext>
+    </p:extLst>
+  </p:cSld>
+  <p:clrMapOvr>
+    <a:masterClrMapping/>
+  </p:clrMapOvr>
+</p:sld>
+</file>
+
+<file path=ppt/slides/slide8.xml><?xml version="1.0" encoding="utf-8"?>
+<p:sld xmlns:a="http://schemas.openxmlformats.org/drawingml/2006/main" xmlns:r="http://schemas.openxmlformats.org/officeDocument/2006/relationships" xmlns:p="http://schemas.openxmlformats.org/presentationml/2006/main">
+  <p:cSld>
+    <p:spTree>
+      <p:nvGrpSpPr>
+        <p:cNvPr id="1" name=""/>
+        <p:cNvGrpSpPr/>
+        <p:nvPr/>
+      </p:nvGrpSpPr>
+      <p:grpSpPr>
+        <a:xfrm>
+          <a:off x="0" y="0"/>
+          <a:ext cx="0" cy="0"/>
+          <a:chOff x="0" y="0"/>
+          <a:chExt cx="0" cy="0"/>
+        </a:xfrm>
+      </p:grpSpPr>
+      <p:sp>
+        <p:nvSpPr>
+          <p:cNvPr id="3" name="標題 2">
+            <a:extLst>
+              <a:ext uri="{FF2B5EF4-FFF2-40B4-BE49-F238E27FC236}">
+                <a16:creationId xmlns:a16="http://schemas.microsoft.com/office/drawing/2014/main" id="{B0FE567C-34C6-4F98-A84A-4DEAB1E49A7C}"/>
+              </a:ext>
+            </a:extLst>
+          </p:cNvPr>
+          <p:cNvSpPr>
+            <a:spLocks noGrp="1"/>
+          </p:cNvSpPr>
+          <p:nvPr>
+            <p:ph type="title"/>
+          </p:nvPr>
+        </p:nvSpPr>
+        <p:spPr/>
+        <p:txBody>
+          <a:bodyPr/>
+          <a:lstStyle/>
+          <a:p>
+            <a:r>
+              <a:rPr lang="en-US" altLang="zh-TW" dirty="0" err="1"/>
+              <a:t>LinearRegression</a:t>
+            </a:r>
+            <a:r>
+              <a:rPr lang="zh-TW" altLang="en-US" dirty="0"/>
+              <a:t> </a:t>
+            </a:r>
+            <a:r>
+              <a:rPr lang="en-US" altLang="zh-TW" dirty="0"/>
+              <a:t>–</a:t>
+            </a:r>
+            <a:r>
+              <a:rPr lang="zh-TW" altLang="en-US" dirty="0"/>
+              <a:t> </a:t>
+            </a:r>
+            <a:r>
+              <a:rPr lang="en-US" altLang="zh-TW" dirty="0"/>
+              <a:t>HDL</a:t>
+            </a:r>
+            <a:r>
+              <a:rPr lang="zh-TW" altLang="en-US" dirty="0"/>
+              <a:t> </a:t>
+            </a:r>
+            <a:r>
+              <a:rPr lang="en-US" altLang="zh-TW" dirty="0"/>
+              <a:t>Coder</a:t>
+            </a:r>
+            <a:r>
+              <a:rPr lang="zh-TW" altLang="en-US" dirty="0"/>
+              <a:t>設定</a:t>
+            </a:r>
+            <a:r>
+              <a:rPr lang="en-US" altLang="zh-TW" dirty="0"/>
+              <a:t>(v1)</a:t>
+            </a:r>
+            <a:endParaRPr lang="zh-TW" altLang="en-US" dirty="0"/>
+          </a:p>
+        </p:txBody>
+      </p:sp>
+      <p:pic>
+        <p:nvPicPr>
+          <p:cNvPr id="6" name="圖片 5">
+            <a:extLst>
+              <a:ext uri="{FF2B5EF4-FFF2-40B4-BE49-F238E27FC236}">
+                <a16:creationId xmlns:a16="http://schemas.microsoft.com/office/drawing/2014/main" id="{4AAF211A-B8EF-40E4-AD36-3C60FA067CD0}"/>
+              </a:ext>
+            </a:extLst>
+          </p:cNvPr>
+          <p:cNvPicPr>
+            <a:picLocks noChangeAspect="1"/>
+          </p:cNvPicPr>
+          <p:nvPr/>
+        </p:nvPicPr>
+        <p:blipFill>
+          <a:blip r:embed="rId2"/>
+          <a:stretch>
+            <a:fillRect/>
+          </a:stretch>
+        </p:blipFill>
+        <p:spPr>
+          <a:xfrm>
+            <a:off x="2153195" y="1507166"/>
+            <a:ext cx="8212183" cy="4450225"/>
+          </a:xfrm>
+          <a:prstGeom prst="rect">
+            <a:avLst/>
+          </a:prstGeom>
+        </p:spPr>
+      </p:pic>
+      <p:sp>
+        <p:nvSpPr>
+          <p:cNvPr id="2" name="矩形 1">
+            <a:extLst>
+              <a:ext uri="{FF2B5EF4-FFF2-40B4-BE49-F238E27FC236}">
+                <a16:creationId xmlns:a16="http://schemas.microsoft.com/office/drawing/2014/main" id="{4A3D12CC-DC00-4DE1-9C3C-AB330511F035}"/>
+              </a:ext>
+            </a:extLst>
+          </p:cNvPr>
+          <p:cNvSpPr/>
+          <p:nvPr/>
+        </p:nvSpPr>
+        <p:spPr>
+          <a:xfrm>
+            <a:off x="5913122" y="2508069"/>
+            <a:ext cx="1245323" cy="113211"/>
+          </a:xfrm>
+          <a:prstGeom prst="rect">
+            <a:avLst/>
+          </a:prstGeom>
+          <a:noFill/>
+          <a:ln w="28575">
+            <a:solidFill>
+              <a:srgbClr val="FF0000"/>
+            </a:solidFill>
+          </a:ln>
+        </p:spPr>
+        <p:style>
+          <a:lnRef idx="2">
+            <a:schemeClr val="accent1">
+              <a:shade val="50000"/>
+            </a:schemeClr>
+          </a:lnRef>
+          <a:fillRef idx="1">
+            <a:schemeClr val="accent1"/>
+          </a:fillRef>
+          <a:effectRef idx="0">
+            <a:schemeClr val="accent1"/>
+          </a:effectRef>
+          <a:fontRef idx="minor">
+            <a:schemeClr val="lt1"/>
+          </a:fontRef>
+        </p:style>
+        <p:txBody>
+          <a:bodyPr rtlCol="0" anchor="ctr"/>
+          <a:lstStyle/>
+          <a:p>
+            <a:pPr algn="ctr"/>
+            <a:endParaRPr lang="zh-TW" altLang="en-US"/>
+          </a:p>
+        </p:txBody>
+      </p:sp>
+      <p:sp>
+        <p:nvSpPr>
+          <p:cNvPr id="7" name="矩形 6">
+            <a:extLst>
+              <a:ext uri="{FF2B5EF4-FFF2-40B4-BE49-F238E27FC236}">
+                <a16:creationId xmlns:a16="http://schemas.microsoft.com/office/drawing/2014/main" id="{4D764CAF-9E60-4250-A3F9-571C787E6A17}"/>
+              </a:ext>
+            </a:extLst>
+          </p:cNvPr>
+          <p:cNvSpPr/>
+          <p:nvPr/>
+        </p:nvSpPr>
+        <p:spPr>
+          <a:xfrm>
+            <a:off x="4894218" y="1828799"/>
+            <a:ext cx="801188" cy="174171"/>
+          </a:xfrm>
+          <a:prstGeom prst="rect">
+            <a:avLst/>
+          </a:prstGeom>
+          <a:noFill/>
+          <a:ln w="28575">
+            <a:solidFill>
+              <a:srgbClr val="FF0000"/>
+            </a:solidFill>
+          </a:ln>
+        </p:spPr>
+        <p:style>
+          <a:lnRef idx="2">
+            <a:schemeClr val="accent1">
+              <a:shade val="50000"/>
+            </a:schemeClr>
+          </a:lnRef>
+          <a:fillRef idx="1">
+            <a:schemeClr val="accent1"/>
+          </a:fillRef>
+          <a:effectRef idx="0">
+            <a:schemeClr val="accent1"/>
+          </a:effectRef>
+          <a:fontRef idx="minor">
+            <a:schemeClr val="lt1"/>
+          </a:fontRef>
+        </p:style>
+        <p:txBody>
+          <a:bodyPr rtlCol="0" anchor="ctr"/>
+          <a:lstStyle/>
+          <a:p>
+            <a:pPr algn="ctr"/>
+            <a:endParaRPr lang="zh-TW" altLang="en-US"/>
+          </a:p>
+        </p:txBody>
+      </p:sp>
+      <p:sp>
+        <p:nvSpPr>
+          <p:cNvPr id="8" name="文字方塊 7">
+            <a:extLst>
+              <a:ext uri="{FF2B5EF4-FFF2-40B4-BE49-F238E27FC236}">
+                <a16:creationId xmlns:a16="http://schemas.microsoft.com/office/drawing/2014/main" id="{C094317A-381C-41F5-B566-5A083E773D88}"/>
+              </a:ext>
+            </a:extLst>
+          </p:cNvPr>
+          <p:cNvSpPr txBox="1"/>
+          <p:nvPr/>
+        </p:nvSpPr>
+        <p:spPr>
+          <a:xfrm>
+            <a:off x="838200" y="1252385"/>
+            <a:ext cx="10515600" cy="276999"/>
+          </a:xfrm>
+          <a:prstGeom prst="rect">
+            <a:avLst/>
+          </a:prstGeom>
+          <a:noFill/>
+        </p:spPr>
+        <p:txBody>
+          <a:bodyPr wrap="square" lIns="0" tIns="0" rIns="0" bIns="0" rtlCol="0">
+            <a:spAutoFit/>
+          </a:bodyPr>
+          <a:lstStyle/>
+          <a:p>
+            <a:pPr marL="285750" indent="-285750">
+              <a:buFont typeface="Arial" panose="020B0604020202020204" pitchFamily="34" charset="0"/>
+              <a:buChar char="•"/>
+            </a:pPr>
+            <a:r>
+              <a:rPr lang="en-US" altLang="zh-TW" dirty="0">
+                <a:solidFill>
+                  <a:prstClr val="black"/>
+                </a:solidFill>
+                <a:latin typeface="Times New Roman" panose="02020603050405020304" pitchFamily="18" charset="0"/>
+                <a:ea typeface="標楷體" panose="03000509000000000000" pitchFamily="65" charset="-120"/>
+                <a:cs typeface="Times New Roman" panose="02020603050405020304" pitchFamily="18" charset="0"/>
+              </a:rPr>
+              <a:t>Quantization</a:t>
+            </a:r>
+          </a:p>
+        </p:txBody>
+      </p:sp>
+      <p:sp>
+        <p:nvSpPr>
+          <p:cNvPr id="4" name="文字方塊 3">
+            <a:extLst>
+              <a:ext uri="{FF2B5EF4-FFF2-40B4-BE49-F238E27FC236}">
+                <a16:creationId xmlns:a16="http://schemas.microsoft.com/office/drawing/2014/main" id="{0B342DB2-5DC6-4DE0-A16E-3080DDA8A722}"/>
+              </a:ext>
+            </a:extLst>
+          </p:cNvPr>
+          <p:cNvSpPr txBox="1"/>
+          <p:nvPr/>
+        </p:nvSpPr>
+        <p:spPr>
+          <a:xfrm>
+            <a:off x="4223201" y="2073085"/>
+            <a:ext cx="1342034" cy="369332"/>
+          </a:xfrm>
+          <a:prstGeom prst="rect">
+            <a:avLst/>
+          </a:prstGeom>
+          <a:gradFill flip="none" rotWithShape="1">
+            <a:gsLst>
+              <a:gs pos="0">
+                <a:srgbClr val="FFFF00">
+                  <a:tint val="66000"/>
+                  <a:satMod val="160000"/>
+                </a:srgbClr>
+              </a:gs>
+              <a:gs pos="50000">
+                <a:srgbClr val="FFFF00">
+                  <a:tint val="44500"/>
+                  <a:satMod val="160000"/>
+                </a:srgbClr>
+              </a:gs>
+              <a:gs pos="100000">
+                <a:srgbClr val="FFFF00">
+                  <a:tint val="23500"/>
+                  <a:satMod val="160000"/>
+                </a:srgbClr>
+              </a:gs>
+            </a:gsLst>
+            <a:lin ang="2700000" scaled="1"/>
+            <a:tileRect/>
+          </a:gradFill>
+        </p:spPr>
+        <p:txBody>
+          <a:bodyPr wrap="none" rtlCol="0">
+            <a:spAutoFit/>
+          </a:bodyPr>
+          <a:lstStyle/>
+          <a:p>
+            <a:r>
+              <a:rPr lang="zh-TW" altLang="en-US" dirty="0">
+                <a:solidFill>
+                  <a:prstClr val="black"/>
+                </a:solidFill>
+                <a:latin typeface="Times New Roman" panose="02020603050405020304" pitchFamily="18" charset="0"/>
+                <a:ea typeface="標楷體" panose="03000509000000000000" pitchFamily="65" charset="-120"/>
+                <a:cs typeface="Times New Roman" panose="02020603050405020304" pitchFamily="18" charset="0"/>
+              </a:rPr>
+              <a:t>目前設定</a:t>
+            </a:r>
+            <a:r>
+              <a:rPr lang="en-US" altLang="zh-TW" dirty="0">
+                <a:solidFill>
+                  <a:prstClr val="black"/>
+                </a:solidFill>
+                <a:latin typeface="Times New Roman" panose="02020603050405020304" pitchFamily="18" charset="0"/>
+                <a:ea typeface="標楷體" panose="03000509000000000000" pitchFamily="65" charset="-120"/>
+                <a:cs typeface="Times New Roman" panose="02020603050405020304" pitchFamily="18" charset="0"/>
+              </a:rPr>
+              <a:t>24</a:t>
+            </a:r>
+            <a:endParaRPr lang="zh-TW" altLang="en-US" dirty="0">
+              <a:solidFill>
+                <a:prstClr val="black"/>
+              </a:solidFill>
+              <a:latin typeface="Times New Roman" panose="02020603050405020304" pitchFamily="18" charset="0"/>
+              <a:ea typeface="標楷體" panose="03000509000000000000" pitchFamily="65" charset="-120"/>
+              <a:cs typeface="Times New Roman" panose="02020603050405020304" pitchFamily="18" charset="0"/>
+            </a:endParaRPr>
+          </a:p>
+        </p:txBody>
+      </p:sp>
+    </p:spTree>
+    <p:extLst>
+      <p:ext uri="{BB962C8B-B14F-4D97-AF65-F5344CB8AC3E}">
+        <p14:creationId xmlns:p14="http://schemas.microsoft.com/office/powerpoint/2010/main" val="3586577910"/>
+      </p:ext>
+    </p:extLst>
+  </p:cSld>
+  <p:clrMapOvr>
+    <a:masterClrMapping/>
+  </p:clrMapOvr>
+</p:sld>
+</file>
+
 <file path=ppt/slides/slide9.xml><?xml version="1.0" encoding="utf-8"?>
 <p:sld xmlns:a="http://schemas.openxmlformats.org/drawingml/2006/main" xmlns:r="http://schemas.openxmlformats.org/officeDocument/2006/relationships" xmlns:p="http://schemas.openxmlformats.org/presentationml/2006/main">
   <p:cSld>
@@ -10989,7 +15938,7 @@
           <p:cNvPr id="3" name="標題 2">
             <a:extLst>
               <a:ext uri="{FF2B5EF4-FFF2-40B4-BE49-F238E27FC236}">
-                <a16:creationId xmlns:a16="http://schemas.microsoft.com/office/drawing/2014/main" id="{EF277299-8610-4660-86B9-EE584C561AB1}"/>
+                <a16:creationId xmlns:a16="http://schemas.microsoft.com/office/drawing/2014/main" id="{B0FE567C-34C6-4F98-A84A-4DEAB1E49A7C}"/>
               </a:ext>
             </a:extLst>
           </p:cNvPr>
@@ -11006,16 +15955,1479 @@
           <a:lstStyle/>
           <a:p>
             <a:r>
+              <a:rPr lang="en-US" altLang="zh-TW" dirty="0" err="1"/>
+              <a:t>LinearRegression</a:t>
+            </a:r>
+            <a:r>
               <a:rPr lang="zh-TW" altLang="en-US" dirty="0"/>
-              <a:t>控管紀錄</a:t>
-            </a:r>
-          </a:p>
-        </p:txBody>
-      </p:sp>
+              <a:t> </a:t>
+            </a:r>
+            <a:r>
+              <a:rPr lang="en-US" altLang="zh-TW" dirty="0"/>
+              <a:t>–</a:t>
+            </a:r>
+            <a:r>
+              <a:rPr lang="zh-TW" altLang="en-US" dirty="0"/>
+              <a:t> </a:t>
+            </a:r>
+            <a:r>
+              <a:rPr lang="en-US" altLang="zh-TW" dirty="0"/>
+              <a:t>HDL</a:t>
+            </a:r>
+            <a:r>
+              <a:rPr lang="zh-TW" altLang="en-US" dirty="0"/>
+              <a:t> </a:t>
+            </a:r>
+            <a:r>
+              <a:rPr lang="en-US" altLang="zh-TW" dirty="0"/>
+              <a:t>Coder</a:t>
+            </a:r>
+            <a:r>
+              <a:rPr lang="zh-TW" altLang="en-US" dirty="0"/>
+              <a:t>設定</a:t>
+            </a:r>
+            <a:r>
+              <a:rPr lang="en-US" altLang="zh-TW" dirty="0"/>
+              <a:t>(v1)</a:t>
+            </a:r>
+            <a:endParaRPr lang="zh-TW" altLang="en-US" dirty="0"/>
+          </a:p>
+        </p:txBody>
+      </p:sp>
+      <p:pic>
+        <p:nvPicPr>
+          <p:cNvPr id="2" name="圖片 1">
+            <a:extLst>
+              <a:ext uri="{FF2B5EF4-FFF2-40B4-BE49-F238E27FC236}">
+                <a16:creationId xmlns:a16="http://schemas.microsoft.com/office/drawing/2014/main" id="{B3380791-D684-4F72-9082-849162D19210}"/>
+              </a:ext>
+            </a:extLst>
+          </p:cNvPr>
+          <p:cNvPicPr>
+            <a:picLocks noChangeAspect="1"/>
+          </p:cNvPicPr>
+          <p:nvPr/>
+        </p:nvPicPr>
+        <p:blipFill>
+          <a:blip r:embed="rId2"/>
+          <a:stretch>
+            <a:fillRect/>
+          </a:stretch>
+        </p:blipFill>
+        <p:spPr>
+          <a:xfrm>
+            <a:off x="522689" y="1529384"/>
+            <a:ext cx="8272793" cy="4483070"/>
+          </a:xfrm>
+          <a:prstGeom prst="rect">
+            <a:avLst/>
+          </a:prstGeom>
+        </p:spPr>
+      </p:pic>
+      <p:sp>
+        <p:nvSpPr>
+          <p:cNvPr id="5" name="矩形 4">
+            <a:extLst>
+              <a:ext uri="{FF2B5EF4-FFF2-40B4-BE49-F238E27FC236}">
+                <a16:creationId xmlns:a16="http://schemas.microsoft.com/office/drawing/2014/main" id="{230C8CFB-BF56-481C-9BCA-0A6E70BC3B6F}"/>
+              </a:ext>
+            </a:extLst>
+          </p:cNvPr>
+          <p:cNvSpPr/>
+          <p:nvPr/>
+        </p:nvSpPr>
+        <p:spPr>
+          <a:xfrm>
+            <a:off x="1680756" y="3657708"/>
+            <a:ext cx="1576250" cy="121812"/>
+          </a:xfrm>
+          <a:prstGeom prst="rect">
+            <a:avLst/>
+          </a:prstGeom>
+          <a:noFill/>
+          <a:ln w="28575">
+            <a:solidFill>
+              <a:srgbClr val="FF0000"/>
+            </a:solidFill>
+          </a:ln>
+        </p:spPr>
+        <p:style>
+          <a:lnRef idx="2">
+            <a:schemeClr val="accent1">
+              <a:shade val="50000"/>
+            </a:schemeClr>
+          </a:lnRef>
+          <a:fillRef idx="1">
+            <a:schemeClr val="accent1"/>
+          </a:fillRef>
+          <a:effectRef idx="0">
+            <a:schemeClr val="accent1"/>
+          </a:effectRef>
+          <a:fontRef idx="minor">
+            <a:schemeClr val="lt1"/>
+          </a:fontRef>
+        </p:style>
+        <p:txBody>
+          <a:bodyPr rtlCol="0" anchor="ctr"/>
+          <a:lstStyle/>
+          <a:p>
+            <a:pPr algn="ctr"/>
+            <a:endParaRPr lang="zh-TW" altLang="en-US"/>
+          </a:p>
+        </p:txBody>
+      </p:sp>
+      <p:sp>
+        <p:nvSpPr>
+          <p:cNvPr id="6" name="文字方塊 5">
+            <a:extLst>
+              <a:ext uri="{FF2B5EF4-FFF2-40B4-BE49-F238E27FC236}">
+                <a16:creationId xmlns:a16="http://schemas.microsoft.com/office/drawing/2014/main" id="{269AA0CC-C821-407E-BDB8-D76823827EB5}"/>
+              </a:ext>
+            </a:extLst>
+          </p:cNvPr>
+          <p:cNvSpPr txBox="1"/>
+          <p:nvPr/>
+        </p:nvSpPr>
+        <p:spPr>
+          <a:xfrm>
+            <a:off x="3317051" y="3200292"/>
+            <a:ext cx="1518364" cy="369332"/>
+          </a:xfrm>
+          <a:prstGeom prst="rect">
+            <a:avLst/>
+          </a:prstGeom>
+          <a:gradFill flip="none" rotWithShape="1">
+            <a:gsLst>
+              <a:gs pos="0">
+                <a:srgbClr val="FFFF00">
+                  <a:tint val="66000"/>
+                  <a:satMod val="160000"/>
+                </a:srgbClr>
+              </a:gs>
+              <a:gs pos="50000">
+                <a:srgbClr val="FFFF00">
+                  <a:tint val="44500"/>
+                  <a:satMod val="160000"/>
+                </a:srgbClr>
+              </a:gs>
+              <a:gs pos="100000">
+                <a:srgbClr val="FFFF00">
+                  <a:tint val="23500"/>
+                  <a:satMod val="160000"/>
+                </a:srgbClr>
+              </a:gs>
+            </a:gsLst>
+            <a:lin ang="2700000" scaled="1"/>
+            <a:tileRect/>
+          </a:gradFill>
+        </p:spPr>
+        <p:txBody>
+          <a:bodyPr wrap="none" rtlCol="0">
+            <a:spAutoFit/>
+          </a:bodyPr>
+          <a:lstStyle/>
+          <a:p>
+            <a:r>
+              <a:rPr lang="en-US" altLang="zh-TW" dirty="0">
+                <a:solidFill>
+                  <a:prstClr val="black"/>
+                </a:solidFill>
+                <a:latin typeface="Times New Roman" panose="02020603050405020304" pitchFamily="18" charset="0"/>
+                <a:ea typeface="標楷體" panose="03000509000000000000" pitchFamily="65" charset="-120"/>
+                <a:cs typeface="Times New Roman" panose="02020603050405020304" pitchFamily="18" charset="0"/>
+              </a:rPr>
+              <a:t>Pipeline</a:t>
+            </a:r>
+            <a:r>
+              <a:rPr lang="zh-TW" altLang="en-US" dirty="0">
+                <a:solidFill>
+                  <a:prstClr val="black"/>
+                </a:solidFill>
+                <a:latin typeface="Times New Roman" panose="02020603050405020304" pitchFamily="18" charset="0"/>
+                <a:ea typeface="標楷體" panose="03000509000000000000" pitchFamily="65" charset="-120"/>
+                <a:cs typeface="Times New Roman" panose="02020603050405020304" pitchFamily="18" charset="0"/>
+              </a:rPr>
+              <a:t>設定</a:t>
+            </a:r>
+            <a:r>
+              <a:rPr lang="en-US" altLang="zh-TW" dirty="0">
+                <a:solidFill>
+                  <a:prstClr val="black"/>
+                </a:solidFill>
+                <a:latin typeface="Times New Roman" panose="02020603050405020304" pitchFamily="18" charset="0"/>
+                <a:ea typeface="標楷體" panose="03000509000000000000" pitchFamily="65" charset="-120"/>
+                <a:cs typeface="Times New Roman" panose="02020603050405020304" pitchFamily="18" charset="0"/>
+              </a:rPr>
+              <a:t>5</a:t>
+            </a:r>
+            <a:endParaRPr lang="zh-TW" altLang="en-US" dirty="0">
+              <a:solidFill>
+                <a:prstClr val="black"/>
+              </a:solidFill>
+              <a:latin typeface="Times New Roman" panose="02020603050405020304" pitchFamily="18" charset="0"/>
+              <a:ea typeface="標楷體" panose="03000509000000000000" pitchFamily="65" charset="-120"/>
+              <a:cs typeface="Times New Roman" panose="02020603050405020304" pitchFamily="18" charset="0"/>
+            </a:endParaRPr>
+          </a:p>
+        </p:txBody>
+      </p:sp>
+      <p:graphicFrame>
+        <p:nvGraphicFramePr>
+          <p:cNvPr id="7" name="表格 6">
+            <a:extLst>
+              <a:ext uri="{FF2B5EF4-FFF2-40B4-BE49-F238E27FC236}">
+                <a16:creationId xmlns:a16="http://schemas.microsoft.com/office/drawing/2014/main" id="{9BBD99CC-B8F6-4E41-83F2-6227F4DD1BBD}"/>
+              </a:ext>
+            </a:extLst>
+          </p:cNvPr>
+          <p:cNvGraphicFramePr>
+            <a:graphicFrameLocks noGrp="1"/>
+          </p:cNvGraphicFramePr>
+          <p:nvPr>
+            <p:extLst/>
+          </p:nvPr>
+        </p:nvGraphicFramePr>
+        <p:xfrm>
+          <a:off x="9026261" y="1685479"/>
+          <a:ext cx="2643050" cy="4326975"/>
+        </p:xfrm>
+        <a:graphic>
+          <a:graphicData uri="http://schemas.openxmlformats.org/drawingml/2006/table">
+            <a:tbl>
+              <a:tblPr firstRow="1" bandRow="1">
+                <a:tableStyleId>{85BE263C-DBD7-4A20-BB59-AAB30ACAA65A}</a:tableStyleId>
+              </a:tblPr>
+              <a:tblGrid>
+                <a:gridCol w="1212234">
+                  <a:extLst>
+                    <a:ext uri="{9D8B030D-6E8A-4147-A177-3AD203B41FA5}">
+                      <a16:colId xmlns:a16="http://schemas.microsoft.com/office/drawing/2014/main" val="2814540148"/>
+                    </a:ext>
+                  </a:extLst>
+                </a:gridCol>
+                <a:gridCol w="1430816">
+                  <a:extLst>
+                    <a:ext uri="{9D8B030D-6E8A-4147-A177-3AD203B41FA5}">
+                      <a16:colId xmlns:a16="http://schemas.microsoft.com/office/drawing/2014/main" val="1165291028"/>
+                    </a:ext>
+                  </a:extLst>
+                </a:gridCol>
+              </a:tblGrid>
+              <a:tr h="480775">
+                <a:tc>
+                  <a:txBody>
+                    <a:bodyPr/>
+                    <a:lstStyle/>
+                    <a:p>
+                      <a:pPr algn="ctr"/>
+                      <a:r>
+                        <a:rPr lang="en-US" altLang="zh-TW" sz="1200" b="1" dirty="0">
+                          <a:cs typeface="Times New Roman" panose="02020603050405020304" pitchFamily="18" charset="0"/>
+                        </a:rPr>
+                        <a:t>SYSTEM</a:t>
+                      </a:r>
+                    </a:p>
+                    <a:p>
+                      <a:pPr algn="ctr"/>
+                      <a:r>
+                        <a:rPr lang="en-US" altLang="zh-TW" sz="1200" b="1" dirty="0">
+                          <a:cs typeface="Times New Roman" panose="02020603050405020304" pitchFamily="18" charset="0"/>
+                        </a:rPr>
+                        <a:t>CLK</a:t>
+                      </a:r>
+                      <a:endParaRPr lang="zh-TW" altLang="en-US" sz="1200" b="1" dirty="0"/>
+                    </a:p>
+                  </a:txBody>
+                  <a:tcPr anchor="ctr">
+                    <a:lnL w="12700" cap="flat" cmpd="sng" algn="ctr">
+                      <a:solidFill>
+                        <a:schemeClr val="tx1"/>
+                      </a:solidFill>
+                      <a:prstDash val="solid"/>
+                      <a:round/>
+                      <a:headEnd type="none" w="med" len="med"/>
+                      <a:tailEnd type="none" w="med" len="med"/>
+                    </a:lnL>
+                    <a:lnR w="12700" cap="flat" cmpd="sng" algn="ctr">
+                      <a:solidFill>
+                        <a:schemeClr val="tx1"/>
+                      </a:solidFill>
+                      <a:prstDash val="solid"/>
+                      <a:round/>
+                      <a:headEnd type="none" w="med" len="med"/>
+                      <a:tailEnd type="none" w="med" len="med"/>
+                    </a:lnR>
+                    <a:lnT w="12700" cap="flat" cmpd="sng" algn="ctr">
+                      <a:solidFill>
+                        <a:schemeClr val="tx1"/>
+                      </a:solidFill>
+                      <a:prstDash val="solid"/>
+                      <a:round/>
+                      <a:headEnd type="none" w="med" len="med"/>
+                      <a:tailEnd type="none" w="med" len="med"/>
+                    </a:lnT>
+                    <a:lnB w="12700" cap="flat" cmpd="sng" algn="ctr">
+                      <a:solidFill>
+                        <a:schemeClr val="tx1"/>
+                      </a:solidFill>
+                      <a:prstDash val="solid"/>
+                      <a:round/>
+                      <a:headEnd type="none" w="med" len="med"/>
+                      <a:tailEnd type="none" w="med" len="med"/>
+                    </a:lnB>
+                    <a:lnTlToBr w="12700" cmpd="sng">
+                      <a:noFill/>
+                      <a:prstDash val="solid"/>
+                    </a:lnTlToBr>
+                    <a:lnBlToTr w="12700" cmpd="sng">
+                      <a:noFill/>
+                      <a:prstDash val="solid"/>
+                    </a:lnBlToTr>
+                  </a:tcPr>
+                </a:tc>
+                <a:tc>
+                  <a:txBody>
+                    <a:bodyPr/>
+                    <a:lstStyle/>
+                    <a:p>
+                      <a:pPr marL="0" marR="0" lvl="0" indent="0" algn="ctr" defTabSz="914400" rtl="0" eaLnBrk="1" fontAlgn="auto" latinLnBrk="0" hangingPunct="1">
+                        <a:lnSpc>
+                          <a:spcPct val="100000"/>
+                        </a:lnSpc>
+                        <a:spcBef>
+                          <a:spcPts val="0"/>
+                        </a:spcBef>
+                        <a:spcAft>
+                          <a:spcPts val="0"/>
+                        </a:spcAft>
+                        <a:buClrTx/>
+                        <a:buSzTx/>
+                        <a:buFontTx/>
+                        <a:buNone/>
+                        <a:tabLst/>
+                        <a:defRPr/>
+                      </a:pPr>
+                      <a:r>
+                        <a:rPr lang="en-US" altLang="zh-TW" sz="1200" b="1" dirty="0"/>
+                        <a:t>150MHz</a:t>
+                      </a:r>
+                      <a:endParaRPr lang="zh-TW" altLang="en-US" sz="1200" b="1" dirty="0"/>
+                    </a:p>
+                  </a:txBody>
+                  <a:tcPr anchor="ctr">
+                    <a:lnL w="12700" cap="flat" cmpd="sng" algn="ctr">
+                      <a:solidFill>
+                        <a:schemeClr val="tx1"/>
+                      </a:solidFill>
+                      <a:prstDash val="solid"/>
+                      <a:round/>
+                      <a:headEnd type="none" w="med" len="med"/>
+                      <a:tailEnd type="none" w="med" len="med"/>
+                    </a:lnL>
+                    <a:lnR w="12700" cap="flat" cmpd="sng" algn="ctr">
+                      <a:solidFill>
+                        <a:schemeClr val="tx1"/>
+                      </a:solidFill>
+                      <a:prstDash val="solid"/>
+                      <a:round/>
+                      <a:headEnd type="none" w="med" len="med"/>
+                      <a:tailEnd type="none" w="med" len="med"/>
+                    </a:lnR>
+                    <a:lnT w="12700" cap="flat" cmpd="sng" algn="ctr">
+                      <a:solidFill>
+                        <a:schemeClr val="tx1"/>
+                      </a:solidFill>
+                      <a:prstDash val="solid"/>
+                      <a:round/>
+                      <a:headEnd type="none" w="med" len="med"/>
+                      <a:tailEnd type="none" w="med" len="med"/>
+                    </a:lnT>
+                    <a:lnB w="12700" cap="flat" cmpd="sng" algn="ctr">
+                      <a:solidFill>
+                        <a:schemeClr val="tx1"/>
+                      </a:solidFill>
+                      <a:prstDash val="solid"/>
+                      <a:round/>
+                      <a:headEnd type="none" w="med" len="med"/>
+                      <a:tailEnd type="none" w="med" len="med"/>
+                    </a:lnB>
+                    <a:lnTlToBr w="12700" cmpd="sng">
+                      <a:noFill/>
+                      <a:prstDash val="solid"/>
+                    </a:lnTlToBr>
+                    <a:lnBlToTr w="12700" cmpd="sng">
+                      <a:noFill/>
+                      <a:prstDash val="solid"/>
+                    </a:lnBlToTr>
+                  </a:tcPr>
+                </a:tc>
+                <a:extLst>
+                  <a:ext uri="{0D108BD9-81ED-4DB2-BD59-A6C34878D82A}">
+                    <a16:rowId xmlns:a16="http://schemas.microsoft.com/office/drawing/2014/main" val="2038267343"/>
+                  </a:ext>
+                </a:extLst>
+              </a:tr>
+              <a:tr h="480775">
+                <a:tc>
+                  <a:txBody>
+                    <a:bodyPr/>
+                    <a:lstStyle/>
+                    <a:p>
+                      <a:r>
+                        <a:rPr lang="en-US" altLang="zh-TW" sz="1200" b="1" dirty="0"/>
+                        <a:t>LUT</a:t>
+                      </a:r>
+                      <a:endParaRPr lang="zh-TW" altLang="en-US" sz="1200" b="1" dirty="0"/>
+                    </a:p>
+                  </a:txBody>
+                  <a:tcPr anchor="ctr">
+                    <a:lnL w="12700" cap="flat" cmpd="sng" algn="ctr">
+                      <a:solidFill>
+                        <a:schemeClr val="tx1"/>
+                      </a:solidFill>
+                      <a:prstDash val="solid"/>
+                      <a:round/>
+                      <a:headEnd type="none" w="med" len="med"/>
+                      <a:tailEnd type="none" w="med" len="med"/>
+                    </a:lnL>
+                    <a:lnR w="12700" cap="flat" cmpd="sng" algn="ctr">
+                      <a:solidFill>
+                        <a:schemeClr val="tx1"/>
+                      </a:solidFill>
+                      <a:prstDash val="solid"/>
+                      <a:round/>
+                      <a:headEnd type="none" w="med" len="med"/>
+                      <a:tailEnd type="none" w="med" len="med"/>
+                    </a:lnR>
+                    <a:lnT w="12700" cap="flat" cmpd="sng" algn="ctr">
+                      <a:solidFill>
+                        <a:schemeClr val="tx1"/>
+                      </a:solidFill>
+                      <a:prstDash val="solid"/>
+                      <a:round/>
+                      <a:headEnd type="none" w="med" len="med"/>
+                      <a:tailEnd type="none" w="med" len="med"/>
+                    </a:lnT>
+                    <a:lnB w="12700" cap="flat" cmpd="sng" algn="ctr">
+                      <a:solidFill>
+                        <a:schemeClr val="tx1"/>
+                      </a:solidFill>
+                      <a:prstDash val="solid"/>
+                      <a:round/>
+                      <a:headEnd type="none" w="med" len="med"/>
+                      <a:tailEnd type="none" w="med" len="med"/>
+                    </a:lnB>
+                    <a:lnTlToBr w="12700" cmpd="sng">
+                      <a:noFill/>
+                      <a:prstDash val="solid"/>
+                    </a:lnTlToBr>
+                    <a:lnBlToTr w="12700" cmpd="sng">
+                      <a:noFill/>
+                      <a:prstDash val="solid"/>
+                    </a:lnBlToTr>
+                  </a:tcPr>
+                </a:tc>
+                <a:tc>
+                  <a:txBody>
+                    <a:bodyPr/>
+                    <a:lstStyle/>
+                    <a:p>
+                      <a:pPr algn="ctr"/>
+                      <a:r>
+                        <a:rPr lang="en-US" altLang="zh-TW" sz="1200" b="1" dirty="0"/>
+                        <a:t>2526</a:t>
+                      </a:r>
+                      <a:endParaRPr lang="zh-TW" altLang="en-US" sz="1200" b="1" dirty="0"/>
+                    </a:p>
+                  </a:txBody>
+                  <a:tcPr anchor="ctr">
+                    <a:lnL w="12700" cap="flat" cmpd="sng" algn="ctr">
+                      <a:solidFill>
+                        <a:schemeClr val="tx1"/>
+                      </a:solidFill>
+                      <a:prstDash val="solid"/>
+                      <a:round/>
+                      <a:headEnd type="none" w="med" len="med"/>
+                      <a:tailEnd type="none" w="med" len="med"/>
+                    </a:lnL>
+                    <a:lnR w="12700" cap="flat" cmpd="sng" algn="ctr">
+                      <a:solidFill>
+                        <a:schemeClr val="tx1"/>
+                      </a:solidFill>
+                      <a:prstDash val="solid"/>
+                      <a:round/>
+                      <a:headEnd type="none" w="med" len="med"/>
+                      <a:tailEnd type="none" w="med" len="med"/>
+                    </a:lnR>
+                    <a:lnT w="12700" cap="flat" cmpd="sng" algn="ctr">
+                      <a:solidFill>
+                        <a:schemeClr val="tx1"/>
+                      </a:solidFill>
+                      <a:prstDash val="solid"/>
+                      <a:round/>
+                      <a:headEnd type="none" w="med" len="med"/>
+                      <a:tailEnd type="none" w="med" len="med"/>
+                    </a:lnT>
+                    <a:lnB w="12700" cap="flat" cmpd="sng" algn="ctr">
+                      <a:solidFill>
+                        <a:schemeClr val="tx1"/>
+                      </a:solidFill>
+                      <a:prstDash val="solid"/>
+                      <a:round/>
+                      <a:headEnd type="none" w="med" len="med"/>
+                      <a:tailEnd type="none" w="med" len="med"/>
+                    </a:lnB>
+                    <a:lnTlToBr w="12700" cmpd="sng">
+                      <a:noFill/>
+                      <a:prstDash val="solid"/>
+                    </a:lnTlToBr>
+                    <a:lnBlToTr w="12700" cmpd="sng">
+                      <a:noFill/>
+                      <a:prstDash val="solid"/>
+                    </a:lnBlToTr>
+                  </a:tcPr>
+                </a:tc>
+                <a:extLst>
+                  <a:ext uri="{0D108BD9-81ED-4DB2-BD59-A6C34878D82A}">
+                    <a16:rowId xmlns:a16="http://schemas.microsoft.com/office/drawing/2014/main" val="1656689642"/>
+                  </a:ext>
+                </a:extLst>
+              </a:tr>
+              <a:tr h="480775">
+                <a:tc>
+                  <a:txBody>
+                    <a:bodyPr/>
+                    <a:lstStyle/>
+                    <a:p>
+                      <a:r>
+                        <a:rPr lang="en-US" altLang="zh-TW" sz="1200" b="1" dirty="0"/>
+                        <a:t>LUT/RAM</a:t>
+                      </a:r>
+                      <a:endParaRPr lang="zh-TW" altLang="en-US" sz="1200" b="1" dirty="0"/>
+                    </a:p>
+                  </a:txBody>
+                  <a:tcPr anchor="ctr">
+                    <a:lnL w="12700" cap="flat" cmpd="sng" algn="ctr">
+                      <a:solidFill>
+                        <a:schemeClr val="tx1"/>
+                      </a:solidFill>
+                      <a:prstDash val="solid"/>
+                      <a:round/>
+                      <a:headEnd type="none" w="med" len="med"/>
+                      <a:tailEnd type="none" w="med" len="med"/>
+                    </a:lnL>
+                    <a:lnR w="12700" cap="flat" cmpd="sng" algn="ctr">
+                      <a:solidFill>
+                        <a:schemeClr val="tx1"/>
+                      </a:solidFill>
+                      <a:prstDash val="solid"/>
+                      <a:round/>
+                      <a:headEnd type="none" w="med" len="med"/>
+                      <a:tailEnd type="none" w="med" len="med"/>
+                    </a:lnR>
+                    <a:lnT w="12700" cap="flat" cmpd="sng" algn="ctr">
+                      <a:solidFill>
+                        <a:schemeClr val="tx1"/>
+                      </a:solidFill>
+                      <a:prstDash val="solid"/>
+                      <a:round/>
+                      <a:headEnd type="none" w="med" len="med"/>
+                      <a:tailEnd type="none" w="med" len="med"/>
+                    </a:lnT>
+                    <a:lnB w="12700" cap="flat" cmpd="sng" algn="ctr">
+                      <a:solidFill>
+                        <a:schemeClr val="tx1"/>
+                      </a:solidFill>
+                      <a:prstDash val="solid"/>
+                      <a:round/>
+                      <a:headEnd type="none" w="med" len="med"/>
+                      <a:tailEnd type="none" w="med" len="med"/>
+                    </a:lnB>
+                    <a:lnTlToBr w="12700" cmpd="sng">
+                      <a:noFill/>
+                      <a:prstDash val="solid"/>
+                    </a:lnTlToBr>
+                    <a:lnBlToTr w="12700" cmpd="sng">
+                      <a:noFill/>
+                      <a:prstDash val="solid"/>
+                    </a:lnBlToTr>
+                  </a:tcPr>
+                </a:tc>
+                <a:tc>
+                  <a:txBody>
+                    <a:bodyPr/>
+                    <a:lstStyle/>
+                    <a:p>
+                      <a:pPr algn="ctr"/>
+                      <a:r>
+                        <a:rPr lang="en-US" altLang="zh-TW" sz="1200" b="1" dirty="0"/>
+                        <a:t>143</a:t>
+                      </a:r>
+                      <a:endParaRPr lang="zh-TW" altLang="en-US" sz="1200" b="1" dirty="0"/>
+                    </a:p>
+                  </a:txBody>
+                  <a:tcPr anchor="ctr">
+                    <a:lnL w="12700" cap="flat" cmpd="sng" algn="ctr">
+                      <a:solidFill>
+                        <a:schemeClr val="tx1"/>
+                      </a:solidFill>
+                      <a:prstDash val="solid"/>
+                      <a:round/>
+                      <a:headEnd type="none" w="med" len="med"/>
+                      <a:tailEnd type="none" w="med" len="med"/>
+                    </a:lnL>
+                    <a:lnR w="12700" cap="flat" cmpd="sng" algn="ctr">
+                      <a:solidFill>
+                        <a:schemeClr val="tx1"/>
+                      </a:solidFill>
+                      <a:prstDash val="solid"/>
+                      <a:round/>
+                      <a:headEnd type="none" w="med" len="med"/>
+                      <a:tailEnd type="none" w="med" len="med"/>
+                    </a:lnR>
+                    <a:lnT w="12700" cap="flat" cmpd="sng" algn="ctr">
+                      <a:solidFill>
+                        <a:schemeClr val="tx1"/>
+                      </a:solidFill>
+                      <a:prstDash val="solid"/>
+                      <a:round/>
+                      <a:headEnd type="none" w="med" len="med"/>
+                      <a:tailEnd type="none" w="med" len="med"/>
+                    </a:lnT>
+                    <a:lnB w="12700" cap="flat" cmpd="sng" algn="ctr">
+                      <a:solidFill>
+                        <a:schemeClr val="tx1"/>
+                      </a:solidFill>
+                      <a:prstDash val="solid"/>
+                      <a:round/>
+                      <a:headEnd type="none" w="med" len="med"/>
+                      <a:tailEnd type="none" w="med" len="med"/>
+                    </a:lnB>
+                    <a:lnTlToBr w="12700" cmpd="sng">
+                      <a:noFill/>
+                      <a:prstDash val="solid"/>
+                    </a:lnTlToBr>
+                    <a:lnBlToTr w="12700" cmpd="sng">
+                      <a:noFill/>
+                      <a:prstDash val="solid"/>
+                    </a:lnBlToTr>
+                  </a:tcPr>
+                </a:tc>
+                <a:extLst>
+                  <a:ext uri="{0D108BD9-81ED-4DB2-BD59-A6C34878D82A}">
+                    <a16:rowId xmlns:a16="http://schemas.microsoft.com/office/drawing/2014/main" val="3926747283"/>
+                  </a:ext>
+                </a:extLst>
+              </a:tr>
+              <a:tr h="480775">
+                <a:tc>
+                  <a:txBody>
+                    <a:bodyPr/>
+                    <a:lstStyle/>
+                    <a:p>
+                      <a:r>
+                        <a:rPr lang="en-US" altLang="zh-TW" sz="1200" b="1" dirty="0"/>
+                        <a:t>FF</a:t>
+                      </a:r>
+                      <a:endParaRPr lang="zh-TW" altLang="en-US" sz="1200" b="1" dirty="0"/>
+                    </a:p>
+                  </a:txBody>
+                  <a:tcPr anchor="ctr">
+                    <a:lnL w="12700" cap="flat" cmpd="sng" algn="ctr">
+                      <a:solidFill>
+                        <a:schemeClr val="tx1"/>
+                      </a:solidFill>
+                      <a:prstDash val="solid"/>
+                      <a:round/>
+                      <a:headEnd type="none" w="med" len="med"/>
+                      <a:tailEnd type="none" w="med" len="med"/>
+                    </a:lnL>
+                    <a:lnR w="12700" cap="flat" cmpd="sng" algn="ctr">
+                      <a:solidFill>
+                        <a:schemeClr val="tx1"/>
+                      </a:solidFill>
+                      <a:prstDash val="solid"/>
+                      <a:round/>
+                      <a:headEnd type="none" w="med" len="med"/>
+                      <a:tailEnd type="none" w="med" len="med"/>
+                    </a:lnR>
+                    <a:lnT w="12700" cap="flat" cmpd="sng" algn="ctr">
+                      <a:solidFill>
+                        <a:schemeClr val="tx1"/>
+                      </a:solidFill>
+                      <a:prstDash val="solid"/>
+                      <a:round/>
+                      <a:headEnd type="none" w="med" len="med"/>
+                      <a:tailEnd type="none" w="med" len="med"/>
+                    </a:lnT>
+                    <a:lnB w="12700" cap="flat" cmpd="sng" algn="ctr">
+                      <a:solidFill>
+                        <a:schemeClr val="tx1"/>
+                      </a:solidFill>
+                      <a:prstDash val="solid"/>
+                      <a:round/>
+                      <a:headEnd type="none" w="med" len="med"/>
+                      <a:tailEnd type="none" w="med" len="med"/>
+                    </a:lnB>
+                    <a:lnTlToBr w="12700" cmpd="sng">
+                      <a:noFill/>
+                      <a:prstDash val="solid"/>
+                    </a:lnTlToBr>
+                    <a:lnBlToTr w="12700" cmpd="sng">
+                      <a:noFill/>
+                      <a:prstDash val="solid"/>
+                    </a:lnBlToTr>
+                  </a:tcPr>
+                </a:tc>
+                <a:tc>
+                  <a:txBody>
+                    <a:bodyPr/>
+                    <a:lstStyle/>
+                    <a:p>
+                      <a:pPr algn="ctr"/>
+                      <a:r>
+                        <a:rPr lang="en-US" altLang="zh-TW" sz="1200" b="1" dirty="0"/>
+                        <a:t>2229</a:t>
+                      </a:r>
+                      <a:endParaRPr lang="zh-TW" altLang="en-US" sz="1200" b="1" dirty="0"/>
+                    </a:p>
+                  </a:txBody>
+                  <a:tcPr anchor="ctr">
+                    <a:lnL w="12700" cap="flat" cmpd="sng" algn="ctr">
+                      <a:solidFill>
+                        <a:schemeClr val="tx1"/>
+                      </a:solidFill>
+                      <a:prstDash val="solid"/>
+                      <a:round/>
+                      <a:headEnd type="none" w="med" len="med"/>
+                      <a:tailEnd type="none" w="med" len="med"/>
+                    </a:lnL>
+                    <a:lnR w="12700" cap="flat" cmpd="sng" algn="ctr">
+                      <a:solidFill>
+                        <a:schemeClr val="tx1"/>
+                      </a:solidFill>
+                      <a:prstDash val="solid"/>
+                      <a:round/>
+                      <a:headEnd type="none" w="med" len="med"/>
+                      <a:tailEnd type="none" w="med" len="med"/>
+                    </a:lnR>
+                    <a:lnT w="12700" cap="flat" cmpd="sng" algn="ctr">
+                      <a:solidFill>
+                        <a:schemeClr val="tx1"/>
+                      </a:solidFill>
+                      <a:prstDash val="solid"/>
+                      <a:round/>
+                      <a:headEnd type="none" w="med" len="med"/>
+                      <a:tailEnd type="none" w="med" len="med"/>
+                    </a:lnT>
+                    <a:lnB w="12700" cap="flat" cmpd="sng" algn="ctr">
+                      <a:solidFill>
+                        <a:schemeClr val="tx1"/>
+                      </a:solidFill>
+                      <a:prstDash val="solid"/>
+                      <a:round/>
+                      <a:headEnd type="none" w="med" len="med"/>
+                      <a:tailEnd type="none" w="med" len="med"/>
+                    </a:lnB>
+                    <a:lnTlToBr w="12700" cmpd="sng">
+                      <a:noFill/>
+                      <a:prstDash val="solid"/>
+                    </a:lnTlToBr>
+                    <a:lnBlToTr w="12700" cmpd="sng">
+                      <a:noFill/>
+                      <a:prstDash val="solid"/>
+                    </a:lnBlToTr>
+                  </a:tcPr>
+                </a:tc>
+                <a:extLst>
+                  <a:ext uri="{0D108BD9-81ED-4DB2-BD59-A6C34878D82A}">
+                    <a16:rowId xmlns:a16="http://schemas.microsoft.com/office/drawing/2014/main" val="3935625904"/>
+                  </a:ext>
+                </a:extLst>
+              </a:tr>
+              <a:tr h="480775">
+                <a:tc>
+                  <a:txBody>
+                    <a:bodyPr/>
+                    <a:lstStyle/>
+                    <a:p>
+                      <a:r>
+                        <a:rPr lang="en-US" altLang="zh-TW" sz="1200" b="1" dirty="0"/>
+                        <a:t>BRAM</a:t>
+                      </a:r>
+                      <a:endParaRPr lang="zh-TW" altLang="en-US" sz="1200" b="1" dirty="0"/>
+                    </a:p>
+                  </a:txBody>
+                  <a:tcPr anchor="ctr">
+                    <a:lnL w="12700" cap="flat" cmpd="sng" algn="ctr">
+                      <a:solidFill>
+                        <a:schemeClr val="tx1"/>
+                      </a:solidFill>
+                      <a:prstDash val="solid"/>
+                      <a:round/>
+                      <a:headEnd type="none" w="med" len="med"/>
+                      <a:tailEnd type="none" w="med" len="med"/>
+                    </a:lnL>
+                    <a:lnR w="12700" cap="flat" cmpd="sng" algn="ctr">
+                      <a:solidFill>
+                        <a:schemeClr val="tx1"/>
+                      </a:solidFill>
+                      <a:prstDash val="solid"/>
+                      <a:round/>
+                      <a:headEnd type="none" w="med" len="med"/>
+                      <a:tailEnd type="none" w="med" len="med"/>
+                    </a:lnR>
+                    <a:lnT w="12700" cap="flat" cmpd="sng" algn="ctr">
+                      <a:solidFill>
+                        <a:schemeClr val="tx1"/>
+                      </a:solidFill>
+                      <a:prstDash val="solid"/>
+                      <a:round/>
+                      <a:headEnd type="none" w="med" len="med"/>
+                      <a:tailEnd type="none" w="med" len="med"/>
+                    </a:lnT>
+                    <a:lnB w="12700" cap="flat" cmpd="sng" algn="ctr">
+                      <a:solidFill>
+                        <a:schemeClr val="tx1"/>
+                      </a:solidFill>
+                      <a:prstDash val="solid"/>
+                      <a:round/>
+                      <a:headEnd type="none" w="med" len="med"/>
+                      <a:tailEnd type="none" w="med" len="med"/>
+                    </a:lnB>
+                    <a:lnTlToBr w="12700" cmpd="sng">
+                      <a:noFill/>
+                      <a:prstDash val="solid"/>
+                    </a:lnTlToBr>
+                    <a:lnBlToTr w="12700" cmpd="sng">
+                      <a:noFill/>
+                      <a:prstDash val="solid"/>
+                    </a:lnBlToTr>
+                  </a:tcPr>
+                </a:tc>
+                <a:tc>
+                  <a:txBody>
+                    <a:bodyPr/>
+                    <a:lstStyle/>
+                    <a:p>
+                      <a:pPr algn="ctr"/>
+                      <a:r>
+                        <a:rPr lang="en-US" altLang="zh-TW" sz="1200" b="1" dirty="0"/>
+                        <a:t>1.5</a:t>
+                      </a:r>
+                      <a:endParaRPr lang="zh-TW" altLang="en-US" sz="1200" b="1" dirty="0"/>
+                    </a:p>
+                  </a:txBody>
+                  <a:tcPr anchor="ctr">
+                    <a:lnL w="12700" cap="flat" cmpd="sng" algn="ctr">
+                      <a:solidFill>
+                        <a:schemeClr val="tx1"/>
+                      </a:solidFill>
+                      <a:prstDash val="solid"/>
+                      <a:round/>
+                      <a:headEnd type="none" w="med" len="med"/>
+                      <a:tailEnd type="none" w="med" len="med"/>
+                    </a:lnL>
+                    <a:lnR w="12700" cap="flat" cmpd="sng" algn="ctr">
+                      <a:solidFill>
+                        <a:schemeClr val="tx1"/>
+                      </a:solidFill>
+                      <a:prstDash val="solid"/>
+                      <a:round/>
+                      <a:headEnd type="none" w="med" len="med"/>
+                      <a:tailEnd type="none" w="med" len="med"/>
+                    </a:lnR>
+                    <a:lnT w="12700" cap="flat" cmpd="sng" algn="ctr">
+                      <a:solidFill>
+                        <a:schemeClr val="tx1"/>
+                      </a:solidFill>
+                      <a:prstDash val="solid"/>
+                      <a:round/>
+                      <a:headEnd type="none" w="med" len="med"/>
+                      <a:tailEnd type="none" w="med" len="med"/>
+                    </a:lnT>
+                    <a:lnB w="12700" cap="flat" cmpd="sng" algn="ctr">
+                      <a:solidFill>
+                        <a:schemeClr val="tx1"/>
+                      </a:solidFill>
+                      <a:prstDash val="solid"/>
+                      <a:round/>
+                      <a:headEnd type="none" w="med" len="med"/>
+                      <a:tailEnd type="none" w="med" len="med"/>
+                    </a:lnB>
+                    <a:lnTlToBr w="12700" cmpd="sng">
+                      <a:noFill/>
+                      <a:prstDash val="solid"/>
+                    </a:lnTlToBr>
+                    <a:lnBlToTr w="12700" cmpd="sng">
+                      <a:noFill/>
+                      <a:prstDash val="solid"/>
+                    </a:lnBlToTr>
+                  </a:tcPr>
+                </a:tc>
+                <a:extLst>
+                  <a:ext uri="{0D108BD9-81ED-4DB2-BD59-A6C34878D82A}">
+                    <a16:rowId xmlns:a16="http://schemas.microsoft.com/office/drawing/2014/main" val="1727100914"/>
+                  </a:ext>
+                </a:extLst>
+              </a:tr>
+              <a:tr h="480775">
+                <a:tc>
+                  <a:txBody>
+                    <a:bodyPr/>
+                    <a:lstStyle/>
+                    <a:p>
+                      <a:r>
+                        <a:rPr lang="en-US" altLang="zh-TW" sz="1200" b="1" dirty="0"/>
+                        <a:t>DSP</a:t>
+                      </a:r>
+                      <a:endParaRPr lang="zh-TW" altLang="en-US" sz="1200" b="1" dirty="0"/>
+                    </a:p>
+                  </a:txBody>
+                  <a:tcPr anchor="ctr">
+                    <a:lnL w="12700" cap="flat" cmpd="sng" algn="ctr">
+                      <a:solidFill>
+                        <a:schemeClr val="tx1"/>
+                      </a:solidFill>
+                      <a:prstDash val="solid"/>
+                      <a:round/>
+                      <a:headEnd type="none" w="med" len="med"/>
+                      <a:tailEnd type="none" w="med" len="med"/>
+                    </a:lnL>
+                    <a:lnR w="12700" cap="flat" cmpd="sng" algn="ctr">
+                      <a:solidFill>
+                        <a:schemeClr val="tx1"/>
+                      </a:solidFill>
+                      <a:prstDash val="solid"/>
+                      <a:round/>
+                      <a:headEnd type="none" w="med" len="med"/>
+                      <a:tailEnd type="none" w="med" len="med"/>
+                    </a:lnR>
+                    <a:lnT w="12700" cap="flat" cmpd="sng" algn="ctr">
+                      <a:solidFill>
+                        <a:schemeClr val="tx1"/>
+                      </a:solidFill>
+                      <a:prstDash val="solid"/>
+                      <a:round/>
+                      <a:headEnd type="none" w="med" len="med"/>
+                      <a:tailEnd type="none" w="med" len="med"/>
+                    </a:lnT>
+                    <a:lnB w="12700" cap="flat" cmpd="sng" algn="ctr">
+                      <a:solidFill>
+                        <a:schemeClr val="tx1"/>
+                      </a:solidFill>
+                      <a:prstDash val="solid"/>
+                      <a:round/>
+                      <a:headEnd type="none" w="med" len="med"/>
+                      <a:tailEnd type="none" w="med" len="med"/>
+                    </a:lnB>
+                    <a:lnTlToBr w="12700" cmpd="sng">
+                      <a:noFill/>
+                      <a:prstDash val="solid"/>
+                    </a:lnTlToBr>
+                    <a:lnBlToTr w="12700" cmpd="sng">
+                      <a:noFill/>
+                      <a:prstDash val="solid"/>
+                    </a:lnBlToTr>
+                  </a:tcPr>
+                </a:tc>
+                <a:tc>
+                  <a:txBody>
+                    <a:bodyPr/>
+                    <a:lstStyle/>
+                    <a:p>
+                      <a:pPr algn="ctr"/>
+                      <a:r>
+                        <a:rPr lang="en-US" altLang="zh-TW" sz="1200" b="1" dirty="0"/>
+                        <a:t>3</a:t>
+                      </a:r>
+                      <a:endParaRPr lang="zh-TW" altLang="en-US" sz="1200" b="1" dirty="0"/>
+                    </a:p>
+                  </a:txBody>
+                  <a:tcPr anchor="ctr">
+                    <a:lnL w="12700" cap="flat" cmpd="sng" algn="ctr">
+                      <a:solidFill>
+                        <a:schemeClr val="tx1"/>
+                      </a:solidFill>
+                      <a:prstDash val="solid"/>
+                      <a:round/>
+                      <a:headEnd type="none" w="med" len="med"/>
+                      <a:tailEnd type="none" w="med" len="med"/>
+                    </a:lnL>
+                    <a:lnR w="12700" cap="flat" cmpd="sng" algn="ctr">
+                      <a:solidFill>
+                        <a:schemeClr val="tx1"/>
+                      </a:solidFill>
+                      <a:prstDash val="solid"/>
+                      <a:round/>
+                      <a:headEnd type="none" w="med" len="med"/>
+                      <a:tailEnd type="none" w="med" len="med"/>
+                    </a:lnR>
+                    <a:lnT w="12700" cap="flat" cmpd="sng" algn="ctr">
+                      <a:solidFill>
+                        <a:schemeClr val="tx1"/>
+                      </a:solidFill>
+                      <a:prstDash val="solid"/>
+                      <a:round/>
+                      <a:headEnd type="none" w="med" len="med"/>
+                      <a:tailEnd type="none" w="med" len="med"/>
+                    </a:lnT>
+                    <a:lnB w="12700" cap="flat" cmpd="sng" algn="ctr">
+                      <a:solidFill>
+                        <a:schemeClr val="tx1"/>
+                      </a:solidFill>
+                      <a:prstDash val="solid"/>
+                      <a:round/>
+                      <a:headEnd type="none" w="med" len="med"/>
+                      <a:tailEnd type="none" w="med" len="med"/>
+                    </a:lnB>
+                    <a:lnTlToBr w="12700" cmpd="sng">
+                      <a:noFill/>
+                      <a:prstDash val="solid"/>
+                    </a:lnTlToBr>
+                    <a:lnBlToTr w="12700" cmpd="sng">
+                      <a:noFill/>
+                      <a:prstDash val="solid"/>
+                    </a:lnBlToTr>
+                  </a:tcPr>
+                </a:tc>
+                <a:extLst>
+                  <a:ext uri="{0D108BD9-81ED-4DB2-BD59-A6C34878D82A}">
+                    <a16:rowId xmlns:a16="http://schemas.microsoft.com/office/drawing/2014/main" val="3506169593"/>
+                  </a:ext>
+                </a:extLst>
+              </a:tr>
+              <a:tr h="480775">
+                <a:tc>
+                  <a:txBody>
+                    <a:bodyPr/>
+                    <a:lstStyle/>
+                    <a:p>
+                      <a:pPr marL="0" marR="0" lvl="0" indent="0" algn="l" defTabSz="914400" rtl="0" eaLnBrk="1" fontAlgn="auto" latinLnBrk="0" hangingPunct="1">
+                        <a:lnSpc>
+                          <a:spcPct val="100000"/>
+                        </a:lnSpc>
+                        <a:spcBef>
+                          <a:spcPts val="0"/>
+                        </a:spcBef>
+                        <a:spcAft>
+                          <a:spcPts val="0"/>
+                        </a:spcAft>
+                        <a:buClrTx/>
+                        <a:buSzTx/>
+                        <a:buFontTx/>
+                        <a:buNone/>
+                        <a:tabLst/>
+                        <a:defRPr/>
+                      </a:pPr>
+                      <a:r>
+                        <a:rPr lang="en-US" altLang="zh-TW" sz="1200" b="1" dirty="0"/>
+                        <a:t>Worst Negative Slack (ns)</a:t>
+                      </a:r>
+                      <a:endParaRPr lang="zh-TW" altLang="en-US" sz="1200" b="1" dirty="0"/>
+                    </a:p>
+                  </a:txBody>
+                  <a:tcPr anchor="ctr">
+                    <a:lnL w="12700" cap="flat" cmpd="sng" algn="ctr">
+                      <a:solidFill>
+                        <a:schemeClr val="tx1"/>
+                      </a:solidFill>
+                      <a:prstDash val="solid"/>
+                      <a:round/>
+                      <a:headEnd type="none" w="med" len="med"/>
+                      <a:tailEnd type="none" w="med" len="med"/>
+                    </a:lnL>
+                    <a:lnR w="12700" cap="flat" cmpd="sng" algn="ctr">
+                      <a:solidFill>
+                        <a:schemeClr val="tx1"/>
+                      </a:solidFill>
+                      <a:prstDash val="solid"/>
+                      <a:round/>
+                      <a:headEnd type="none" w="med" len="med"/>
+                      <a:tailEnd type="none" w="med" len="med"/>
+                    </a:lnR>
+                    <a:lnT w="12700" cap="flat" cmpd="sng" algn="ctr">
+                      <a:solidFill>
+                        <a:schemeClr val="tx1"/>
+                      </a:solidFill>
+                      <a:prstDash val="solid"/>
+                      <a:round/>
+                      <a:headEnd type="none" w="med" len="med"/>
+                      <a:tailEnd type="none" w="med" len="med"/>
+                    </a:lnT>
+                    <a:lnB w="12700" cap="flat" cmpd="sng" algn="ctr">
+                      <a:solidFill>
+                        <a:schemeClr val="tx1"/>
+                      </a:solidFill>
+                      <a:prstDash val="solid"/>
+                      <a:round/>
+                      <a:headEnd type="none" w="med" len="med"/>
+                      <a:tailEnd type="none" w="med" len="med"/>
+                    </a:lnB>
+                    <a:lnTlToBr w="12700" cmpd="sng">
+                      <a:noFill/>
+                      <a:prstDash val="solid"/>
+                    </a:lnTlToBr>
+                    <a:lnBlToTr w="12700" cmpd="sng">
+                      <a:noFill/>
+                      <a:prstDash val="solid"/>
+                    </a:lnBlToTr>
+                  </a:tcPr>
+                </a:tc>
+                <a:tc>
+                  <a:txBody>
+                    <a:bodyPr/>
+                    <a:lstStyle/>
+                    <a:p>
+                      <a:pPr marL="0" algn="ctr" defTabSz="914411" rtl="0" eaLnBrk="1" latinLnBrk="0" hangingPunct="1"/>
+                      <a:r>
+                        <a:rPr lang="en-US" altLang="zh-TW" sz="1200" b="1" kern="1200" dirty="0">
+                          <a:solidFill>
+                            <a:schemeClr val="dk1"/>
+                          </a:solidFill>
+                          <a:latin typeface="+mn-lt"/>
+                          <a:ea typeface="+mn-ea"/>
+                          <a:cs typeface="+mn-cs"/>
+                        </a:rPr>
+                        <a:t>0.017</a:t>
+                      </a:r>
+                      <a:endParaRPr lang="zh-TW" altLang="en-US" sz="1200" b="1" kern="1200" dirty="0">
+                        <a:solidFill>
+                          <a:schemeClr val="dk1"/>
+                        </a:solidFill>
+                        <a:latin typeface="+mn-lt"/>
+                        <a:ea typeface="+mn-ea"/>
+                        <a:cs typeface="+mn-cs"/>
+                      </a:endParaRPr>
+                    </a:p>
+                  </a:txBody>
+                  <a:tcPr anchor="ctr">
+                    <a:lnL w="12700" cap="flat" cmpd="sng" algn="ctr">
+                      <a:solidFill>
+                        <a:schemeClr val="tx1"/>
+                      </a:solidFill>
+                      <a:prstDash val="solid"/>
+                      <a:round/>
+                      <a:headEnd type="none" w="med" len="med"/>
+                      <a:tailEnd type="none" w="med" len="med"/>
+                    </a:lnL>
+                    <a:lnR w="12700" cap="flat" cmpd="sng" algn="ctr">
+                      <a:solidFill>
+                        <a:schemeClr val="tx1"/>
+                      </a:solidFill>
+                      <a:prstDash val="solid"/>
+                      <a:round/>
+                      <a:headEnd type="none" w="med" len="med"/>
+                      <a:tailEnd type="none" w="med" len="med"/>
+                    </a:lnR>
+                    <a:lnT w="12700" cap="flat" cmpd="sng" algn="ctr">
+                      <a:solidFill>
+                        <a:schemeClr val="tx1"/>
+                      </a:solidFill>
+                      <a:prstDash val="solid"/>
+                      <a:round/>
+                      <a:headEnd type="none" w="med" len="med"/>
+                      <a:tailEnd type="none" w="med" len="med"/>
+                    </a:lnT>
+                    <a:lnB w="12700" cap="flat" cmpd="sng" algn="ctr">
+                      <a:solidFill>
+                        <a:schemeClr val="tx1"/>
+                      </a:solidFill>
+                      <a:prstDash val="solid"/>
+                      <a:round/>
+                      <a:headEnd type="none" w="med" len="med"/>
+                      <a:tailEnd type="none" w="med" len="med"/>
+                    </a:lnB>
+                    <a:lnTlToBr w="12700" cmpd="sng">
+                      <a:noFill/>
+                      <a:prstDash val="solid"/>
+                    </a:lnTlToBr>
+                    <a:lnBlToTr w="12700" cmpd="sng">
+                      <a:noFill/>
+                      <a:prstDash val="solid"/>
+                    </a:lnBlToTr>
+                  </a:tcPr>
+                </a:tc>
+                <a:extLst>
+                  <a:ext uri="{0D108BD9-81ED-4DB2-BD59-A6C34878D82A}">
+                    <a16:rowId xmlns:a16="http://schemas.microsoft.com/office/drawing/2014/main" val="2888799551"/>
+                  </a:ext>
+                </a:extLst>
+              </a:tr>
+              <a:tr h="480775">
+                <a:tc>
+                  <a:txBody>
+                    <a:bodyPr/>
+                    <a:lstStyle/>
+                    <a:p>
+                      <a:r>
+                        <a:rPr lang="en-US" altLang="zh-TW" sz="1200" b="1" dirty="0"/>
+                        <a:t>Total On-Chip Power</a:t>
+                      </a:r>
+                      <a:endParaRPr lang="zh-TW" altLang="en-US" sz="1200" b="1" dirty="0"/>
+                    </a:p>
+                  </a:txBody>
+                  <a:tcPr anchor="ctr">
+                    <a:lnL w="12700" cap="flat" cmpd="sng" algn="ctr">
+                      <a:solidFill>
+                        <a:schemeClr val="tx1"/>
+                      </a:solidFill>
+                      <a:prstDash val="solid"/>
+                      <a:round/>
+                      <a:headEnd type="none" w="med" len="med"/>
+                      <a:tailEnd type="none" w="med" len="med"/>
+                    </a:lnL>
+                    <a:lnR w="12700" cap="flat" cmpd="sng" algn="ctr">
+                      <a:solidFill>
+                        <a:schemeClr val="tx1"/>
+                      </a:solidFill>
+                      <a:prstDash val="solid"/>
+                      <a:round/>
+                      <a:headEnd type="none" w="med" len="med"/>
+                      <a:tailEnd type="none" w="med" len="med"/>
+                    </a:lnR>
+                    <a:lnT w="12700" cap="flat" cmpd="sng" algn="ctr">
+                      <a:solidFill>
+                        <a:schemeClr val="tx1"/>
+                      </a:solidFill>
+                      <a:prstDash val="solid"/>
+                      <a:round/>
+                      <a:headEnd type="none" w="med" len="med"/>
+                      <a:tailEnd type="none" w="med" len="med"/>
+                    </a:lnT>
+                    <a:lnB w="12700" cap="flat" cmpd="sng" algn="ctr">
+                      <a:solidFill>
+                        <a:schemeClr val="tx1"/>
+                      </a:solidFill>
+                      <a:prstDash val="solid"/>
+                      <a:round/>
+                      <a:headEnd type="none" w="med" len="med"/>
+                      <a:tailEnd type="none" w="med" len="med"/>
+                    </a:lnB>
+                    <a:lnTlToBr w="12700" cmpd="sng">
+                      <a:noFill/>
+                      <a:prstDash val="solid"/>
+                    </a:lnTlToBr>
+                    <a:lnBlToTr w="12700" cmpd="sng">
+                      <a:noFill/>
+                      <a:prstDash val="solid"/>
+                    </a:lnBlToTr>
+                  </a:tcPr>
+                </a:tc>
+                <a:tc>
+                  <a:txBody>
+                    <a:bodyPr/>
+                    <a:lstStyle/>
+                    <a:p>
+                      <a:pPr marL="0" algn="ctr" defTabSz="914411" rtl="0" eaLnBrk="1" latinLnBrk="0" hangingPunct="1"/>
+                      <a:r>
+                        <a:rPr lang="en-US" altLang="zh-TW" sz="1200" b="1" kern="1200" dirty="0">
+                          <a:solidFill>
+                            <a:schemeClr val="dk1"/>
+                          </a:solidFill>
+                          <a:latin typeface="+mn-lt"/>
+                          <a:ea typeface="+mn-ea"/>
+                          <a:cs typeface="+mn-cs"/>
+                        </a:rPr>
+                        <a:t>1.313</a:t>
+                      </a:r>
+                      <a:endParaRPr lang="zh-TW" altLang="en-US" sz="1200" b="1" kern="1200" dirty="0">
+                        <a:solidFill>
+                          <a:schemeClr val="dk1"/>
+                        </a:solidFill>
+                        <a:latin typeface="+mn-lt"/>
+                        <a:ea typeface="+mn-ea"/>
+                        <a:cs typeface="+mn-cs"/>
+                      </a:endParaRPr>
+                    </a:p>
+                  </a:txBody>
+                  <a:tcPr anchor="ctr">
+                    <a:lnL w="12700" cap="flat" cmpd="sng" algn="ctr">
+                      <a:solidFill>
+                        <a:schemeClr val="tx1"/>
+                      </a:solidFill>
+                      <a:prstDash val="solid"/>
+                      <a:round/>
+                      <a:headEnd type="none" w="med" len="med"/>
+                      <a:tailEnd type="none" w="med" len="med"/>
+                    </a:lnL>
+                    <a:lnR w="12700" cap="flat" cmpd="sng" algn="ctr">
+                      <a:solidFill>
+                        <a:schemeClr val="tx1"/>
+                      </a:solidFill>
+                      <a:prstDash val="solid"/>
+                      <a:round/>
+                      <a:headEnd type="none" w="med" len="med"/>
+                      <a:tailEnd type="none" w="med" len="med"/>
+                    </a:lnR>
+                    <a:lnT w="12700" cap="flat" cmpd="sng" algn="ctr">
+                      <a:solidFill>
+                        <a:schemeClr val="tx1"/>
+                      </a:solidFill>
+                      <a:prstDash val="solid"/>
+                      <a:round/>
+                      <a:headEnd type="none" w="med" len="med"/>
+                      <a:tailEnd type="none" w="med" len="med"/>
+                    </a:lnT>
+                    <a:lnB w="12700" cap="flat" cmpd="sng" algn="ctr">
+                      <a:solidFill>
+                        <a:schemeClr val="tx1"/>
+                      </a:solidFill>
+                      <a:prstDash val="solid"/>
+                      <a:round/>
+                      <a:headEnd type="none" w="med" len="med"/>
+                      <a:tailEnd type="none" w="med" len="med"/>
+                    </a:lnB>
+                    <a:lnTlToBr w="12700" cmpd="sng">
+                      <a:noFill/>
+                      <a:prstDash val="solid"/>
+                    </a:lnTlToBr>
+                    <a:lnBlToTr w="12700" cmpd="sng">
+                      <a:noFill/>
+                      <a:prstDash val="solid"/>
+                    </a:lnBlToTr>
+                  </a:tcPr>
+                </a:tc>
+                <a:extLst>
+                  <a:ext uri="{0D108BD9-81ED-4DB2-BD59-A6C34878D82A}">
+                    <a16:rowId xmlns:a16="http://schemas.microsoft.com/office/drawing/2014/main" val="3802768643"/>
+                  </a:ext>
+                </a:extLst>
+              </a:tr>
+              <a:tr h="480775">
+                <a:tc>
+                  <a:txBody>
+                    <a:bodyPr/>
+                    <a:lstStyle/>
+                    <a:p>
+                      <a:r>
+                        <a:rPr lang="en-US" altLang="zh-TW" sz="1200" b="1" dirty="0"/>
+                        <a:t>Junction Temperature</a:t>
+                      </a:r>
+                      <a:endParaRPr lang="zh-TW" altLang="en-US" sz="1200" b="1" dirty="0"/>
+                    </a:p>
+                  </a:txBody>
+                  <a:tcPr anchor="ctr">
+                    <a:lnL w="12700" cap="flat" cmpd="sng" algn="ctr">
+                      <a:solidFill>
+                        <a:schemeClr val="tx1"/>
+                      </a:solidFill>
+                      <a:prstDash val="solid"/>
+                      <a:round/>
+                      <a:headEnd type="none" w="med" len="med"/>
+                      <a:tailEnd type="none" w="med" len="med"/>
+                    </a:lnL>
+                    <a:lnR w="12700" cap="flat" cmpd="sng" algn="ctr">
+                      <a:solidFill>
+                        <a:schemeClr val="tx1"/>
+                      </a:solidFill>
+                      <a:prstDash val="solid"/>
+                      <a:round/>
+                      <a:headEnd type="none" w="med" len="med"/>
+                      <a:tailEnd type="none" w="med" len="med"/>
+                    </a:lnR>
+                    <a:lnT w="12700" cap="flat" cmpd="sng" algn="ctr">
+                      <a:solidFill>
+                        <a:schemeClr val="tx1"/>
+                      </a:solidFill>
+                      <a:prstDash val="solid"/>
+                      <a:round/>
+                      <a:headEnd type="none" w="med" len="med"/>
+                      <a:tailEnd type="none" w="med" len="med"/>
+                    </a:lnT>
+                    <a:lnB w="12700" cap="flat" cmpd="sng" algn="ctr">
+                      <a:solidFill>
+                        <a:schemeClr val="tx1"/>
+                      </a:solidFill>
+                      <a:prstDash val="solid"/>
+                      <a:round/>
+                      <a:headEnd type="none" w="med" len="med"/>
+                      <a:tailEnd type="none" w="med" len="med"/>
+                    </a:lnB>
+                    <a:lnTlToBr w="12700" cmpd="sng">
+                      <a:noFill/>
+                      <a:prstDash val="solid"/>
+                    </a:lnTlToBr>
+                    <a:lnBlToTr w="12700" cmpd="sng">
+                      <a:noFill/>
+                      <a:prstDash val="solid"/>
+                    </a:lnBlToTr>
+                  </a:tcPr>
+                </a:tc>
+                <a:tc>
+                  <a:txBody>
+                    <a:bodyPr/>
+                    <a:lstStyle/>
+                    <a:p>
+                      <a:pPr algn="ctr"/>
+                      <a:r>
+                        <a:rPr lang="en-US" altLang="zh-TW" sz="1200" b="1" dirty="0"/>
+                        <a:t>40.1</a:t>
+                      </a:r>
+                      <a:endParaRPr lang="zh-TW" altLang="en-US" sz="1200" b="1" dirty="0"/>
+                    </a:p>
+                  </a:txBody>
+                  <a:tcPr anchor="ctr">
+                    <a:lnL w="12700" cap="flat" cmpd="sng" algn="ctr">
+                      <a:solidFill>
+                        <a:schemeClr val="tx1"/>
+                      </a:solidFill>
+                      <a:prstDash val="solid"/>
+                      <a:round/>
+                      <a:headEnd type="none" w="med" len="med"/>
+                      <a:tailEnd type="none" w="med" len="med"/>
+                    </a:lnL>
+                    <a:lnR w="12700" cap="flat" cmpd="sng" algn="ctr">
+                      <a:solidFill>
+                        <a:schemeClr val="tx1"/>
+                      </a:solidFill>
+                      <a:prstDash val="solid"/>
+                      <a:round/>
+                      <a:headEnd type="none" w="med" len="med"/>
+                      <a:tailEnd type="none" w="med" len="med"/>
+                    </a:lnR>
+                    <a:lnT w="12700" cap="flat" cmpd="sng" algn="ctr">
+                      <a:solidFill>
+                        <a:schemeClr val="tx1"/>
+                      </a:solidFill>
+                      <a:prstDash val="solid"/>
+                      <a:round/>
+                      <a:headEnd type="none" w="med" len="med"/>
+                      <a:tailEnd type="none" w="med" len="med"/>
+                    </a:lnT>
+                    <a:lnB w="12700" cap="flat" cmpd="sng" algn="ctr">
+                      <a:solidFill>
+                        <a:schemeClr val="tx1"/>
+                      </a:solidFill>
+                      <a:prstDash val="solid"/>
+                      <a:round/>
+                      <a:headEnd type="none" w="med" len="med"/>
+                      <a:tailEnd type="none" w="med" len="med"/>
+                    </a:lnB>
+                    <a:lnTlToBr w="12700" cmpd="sng">
+                      <a:noFill/>
+                      <a:prstDash val="solid"/>
+                    </a:lnTlToBr>
+                    <a:lnBlToTr w="12700" cmpd="sng">
+                      <a:noFill/>
+                      <a:prstDash val="solid"/>
+                    </a:lnBlToTr>
+                  </a:tcPr>
+                </a:tc>
+                <a:extLst>
+                  <a:ext uri="{0D108BD9-81ED-4DB2-BD59-A6C34878D82A}">
+                    <a16:rowId xmlns:a16="http://schemas.microsoft.com/office/drawing/2014/main" val="3493964112"/>
+                  </a:ext>
+                </a:extLst>
+              </a:tr>
+            </a:tbl>
+          </a:graphicData>
+        </a:graphic>
+      </p:graphicFrame>
     </p:spTree>
     <p:extLst>
       <p:ext uri="{BB962C8B-B14F-4D97-AF65-F5344CB8AC3E}">
-        <p14:creationId xmlns:p14="http://schemas.microsoft.com/office/powerpoint/2010/main" val="3898471853"/>
+        <p14:creationId xmlns:p14="http://schemas.microsoft.com/office/powerpoint/2010/main" val="2189736553"/>
       </p:ext>
     </p:extLst>
   </p:cSld>

--- a/DevelopmentLog/表面異物檢測實現於SoC.pptx
+++ b/DevelopmentLog/表面異物檢測實現於SoC.pptx
@@ -5,7 +5,7 @@
     <p:sldMasterId id="2147483660" r:id="rId1"/>
   </p:sldMasterIdLst>
   <p:notesMasterIdLst>
-    <p:notesMasterId r:id="rId19"/>
+    <p:notesMasterId r:id="rId20"/>
   </p:notesMasterIdLst>
   <p:sldIdLst>
     <p:sldId id="1269" r:id="rId2"/>
@@ -24,7 +24,8 @@
     <p:sldId id="1962" r:id="rId15"/>
     <p:sldId id="1957" r:id="rId16"/>
     <p:sldId id="1961" r:id="rId17"/>
-    <p:sldId id="1959" r:id="rId18"/>
+    <p:sldId id="2059" r:id="rId18"/>
+    <p:sldId id="1959" r:id="rId19"/>
   </p:sldIdLst>
   <p:sldSz cx="12192000" cy="6858000"/>
   <p:notesSz cx="6858000" cy="9144000"/>
@@ -164,6 +165,7 @@
         <p14:section name="控管紀錄" id="{5F0ACE56-EC48-4A27-9699-A117B5CE528C}">
           <p14:sldIdLst>
             <p14:sldId id="1961"/>
+            <p14:sldId id="2059"/>
           </p14:sldIdLst>
         </p14:section>
         <p14:section name="參考資料" id="{BA9598D0-3A04-4F48-90BF-3803C175D302}">
@@ -795,7 +797,7 @@
                 <a:tabLst/>
                 <a:defRPr/>
               </a:pPr>
-              <a:t>17</a:t>
+              <a:t>18</a:t>
             </a:fld>
             <a:endParaRPr kumimoji="0" lang="zh-TW" altLang="en-US" sz="1200" b="0" i="0" u="none" strike="noStrike" kern="1200" cap="none" spc="0" normalizeH="0" baseline="0" noProof="0">
               <a:ln>
@@ -10897,6 +10899,120 @@
 </file>
 
 <file path=ppt/slides/slide17.xml><?xml version="1.0" encoding="utf-8"?>
+<p:sld xmlns:a="http://schemas.openxmlformats.org/drawingml/2006/main" xmlns:r="http://schemas.openxmlformats.org/officeDocument/2006/relationships" xmlns:p="http://schemas.openxmlformats.org/presentationml/2006/main">
+  <p:cSld>
+    <p:spTree>
+      <p:nvGrpSpPr>
+        <p:cNvPr id="1" name=""/>
+        <p:cNvGrpSpPr/>
+        <p:nvPr/>
+      </p:nvGrpSpPr>
+      <p:grpSpPr>
+        <a:xfrm>
+          <a:off x="0" y="0"/>
+          <a:ext cx="0" cy="0"/>
+          <a:chOff x="0" y="0"/>
+          <a:chExt cx="0" cy="0"/>
+        </a:xfrm>
+      </p:grpSpPr>
+      <p:sp>
+        <p:nvSpPr>
+          <p:cNvPr id="3" name="標題 2">
+            <a:extLst>
+              <a:ext uri="{FF2B5EF4-FFF2-40B4-BE49-F238E27FC236}">
+                <a16:creationId xmlns:a16="http://schemas.microsoft.com/office/drawing/2014/main" id="{28E497ED-1C46-4A74-9B27-D59C97969BB9}"/>
+              </a:ext>
+            </a:extLst>
+          </p:cNvPr>
+          <p:cNvSpPr>
+            <a:spLocks noGrp="1"/>
+          </p:cNvSpPr>
+          <p:nvPr>
+            <p:ph type="title"/>
+          </p:nvPr>
+        </p:nvSpPr>
+        <p:spPr/>
+        <p:txBody>
+          <a:bodyPr>
+            <a:normAutofit/>
+          </a:bodyPr>
+          <a:lstStyle/>
+          <a:p>
+            <a:r>
+              <a:rPr lang="en-US" altLang="zh-TW" dirty="0">
+                <a:solidFill>
+                  <a:prstClr val="black"/>
+                </a:solidFill>
+                <a:latin typeface="微軟正黑體" panose="020B0604030504040204" pitchFamily="34" charset="-120"/>
+                <a:ea typeface="微軟正黑體" panose="020B0604030504040204" pitchFamily="34" charset="-120"/>
+              </a:rPr>
+              <a:t>2022/05/06 ~ 2022/05/13</a:t>
+            </a:r>
+            <a:r>
+              <a:rPr lang="zh-TW" altLang="en-US">
+                <a:solidFill>
+                  <a:prstClr val="black"/>
+                </a:solidFill>
+                <a:latin typeface="微軟正黑體" panose="020B0604030504040204" pitchFamily="34" charset="-120"/>
+                <a:ea typeface="微軟正黑體" panose="020B0604030504040204" pitchFamily="34" charset="-120"/>
+              </a:rPr>
+              <a:t> </a:t>
+            </a:r>
+            <a:r>
+              <a:rPr lang="zh-TW" altLang="en-US"/>
+              <a:t>控</a:t>
+            </a:r>
+            <a:r>
+              <a:rPr lang="zh-TW" altLang="en-US" dirty="0"/>
+              <a:t>管紀錄</a:t>
+            </a:r>
+          </a:p>
+        </p:txBody>
+      </p:sp>
+      <p:pic>
+        <p:nvPicPr>
+          <p:cNvPr id="4" name="圖片 3">
+            <a:extLst>
+              <a:ext uri="{FF2B5EF4-FFF2-40B4-BE49-F238E27FC236}">
+                <a16:creationId xmlns:a16="http://schemas.microsoft.com/office/drawing/2014/main" id="{B4C550B8-405D-4068-8AB2-151269D500A4}"/>
+              </a:ext>
+            </a:extLst>
+          </p:cNvPr>
+          <p:cNvPicPr>
+            <a:picLocks noChangeAspect="1"/>
+          </p:cNvPicPr>
+          <p:nvPr/>
+        </p:nvPicPr>
+        <p:blipFill>
+          <a:blip r:embed="rId2"/>
+          <a:stretch>
+            <a:fillRect/>
+          </a:stretch>
+        </p:blipFill>
+        <p:spPr>
+          <a:xfrm>
+            <a:off x="0" y="2403212"/>
+            <a:ext cx="12192000" cy="2051576"/>
+          </a:xfrm>
+          <a:prstGeom prst="rect">
+            <a:avLst/>
+          </a:prstGeom>
+        </p:spPr>
+      </p:pic>
+    </p:spTree>
+    <p:extLst>
+      <p:ext uri="{BB962C8B-B14F-4D97-AF65-F5344CB8AC3E}">
+        <p14:creationId xmlns:p14="http://schemas.microsoft.com/office/powerpoint/2010/main" val="4173239502"/>
+      </p:ext>
+    </p:extLst>
+  </p:cSld>
+  <p:clrMapOvr>
+    <a:masterClrMapping/>
+  </p:clrMapOvr>
+</p:sld>
+</file>
+
+<file path=ppt/slides/slide18.xml><?xml version="1.0" encoding="utf-8"?>
 <p:sld xmlns:a="http://schemas.openxmlformats.org/drawingml/2006/main" xmlns:r="http://schemas.openxmlformats.org/officeDocument/2006/relationships" xmlns:p="http://schemas.openxmlformats.org/presentationml/2006/main">
   <p:cSld>
     <p:spTree>

--- a/DevelopmentLog/表面異物檢測實現於SoC.pptx
+++ b/DevelopmentLog/表面異物檢測實現於SoC.pptx
@@ -5,27 +5,31 @@
     <p:sldMasterId id="2147483660" r:id="rId1"/>
   </p:sldMasterIdLst>
   <p:notesMasterIdLst>
-    <p:notesMasterId r:id="rId20"/>
+    <p:notesMasterId r:id="rId24"/>
   </p:notesMasterIdLst>
   <p:sldIdLst>
     <p:sldId id="1269" r:id="rId2"/>
     <p:sldId id="1906" r:id="rId3"/>
     <p:sldId id="1956" r:id="rId4"/>
     <p:sldId id="1958" r:id="rId5"/>
-    <p:sldId id="2053" r:id="rId6"/>
-    <p:sldId id="2052" r:id="rId7"/>
-    <p:sldId id="2054" r:id="rId8"/>
-    <p:sldId id="2056" r:id="rId9"/>
-    <p:sldId id="2057" r:id="rId10"/>
-    <p:sldId id="2058" r:id="rId11"/>
-    <p:sldId id="2055" r:id="rId12"/>
-    <p:sldId id="1884" r:id="rId13"/>
-    <p:sldId id="1960" r:id="rId14"/>
-    <p:sldId id="1962" r:id="rId15"/>
-    <p:sldId id="1957" r:id="rId16"/>
-    <p:sldId id="1961" r:id="rId17"/>
-    <p:sldId id="2059" r:id="rId18"/>
-    <p:sldId id="1959" r:id="rId19"/>
+    <p:sldId id="2060" r:id="rId6"/>
+    <p:sldId id="2062" r:id="rId7"/>
+    <p:sldId id="2064" r:id="rId8"/>
+    <p:sldId id="2063" r:id="rId9"/>
+    <p:sldId id="2053" r:id="rId10"/>
+    <p:sldId id="2052" r:id="rId11"/>
+    <p:sldId id="2054" r:id="rId12"/>
+    <p:sldId id="2056" r:id="rId13"/>
+    <p:sldId id="2057" r:id="rId14"/>
+    <p:sldId id="2058" r:id="rId15"/>
+    <p:sldId id="2055" r:id="rId16"/>
+    <p:sldId id="1884" r:id="rId17"/>
+    <p:sldId id="1960" r:id="rId18"/>
+    <p:sldId id="1962" r:id="rId19"/>
+    <p:sldId id="1957" r:id="rId20"/>
+    <p:sldId id="1961" r:id="rId21"/>
+    <p:sldId id="2059" r:id="rId22"/>
+    <p:sldId id="1959" r:id="rId23"/>
   </p:sldIdLst>
   <p:sldSz cx="12192000" cy="6858000"/>
   <p:notesSz cx="6858000" cy="9144000"/>
@@ -143,6 +147,14 @@
             <p14:sldId id="1958"/>
           </p14:sldIdLst>
         </p14:section>
+        <p14:section name="2022/05/19 ~ 2022/05/26" id="{8081CC1D-5FBB-45E0-917A-3F6E86AB8377}">
+          <p14:sldIdLst>
+            <p14:sldId id="2060"/>
+            <p14:sldId id="2062"/>
+            <p14:sldId id="2064"/>
+            <p14:sldId id="2063"/>
+          </p14:sldIdLst>
+        </p14:section>
         <p14:section name="2022/05/06 ~ 2022/05/13" id="{2676BF06-29DE-4C6C-9E79-9B69C672A098}">
           <p14:sldIdLst>
             <p14:sldId id="2053"/>
@@ -264,7 +276,7 @@
           <a:p>
             <a:fld id="{EBF284EE-AF39-4EE8-B03A-3922F0DB584E}" type="datetimeFigureOut">
               <a:rPr lang="zh-TW" altLang="en-US" smtClean="0"/>
-              <a:t>2022/5/13</a:t>
+              <a:t>2022/5/27</a:t>
             </a:fld>
             <a:endParaRPr lang="zh-TW" altLang="en-US"/>
           </a:p>
@@ -797,7 +809,7 @@
                 <a:tabLst/>
                 <a:defRPr/>
               </a:pPr>
-              <a:t>18</a:t>
+              <a:t>22</a:t>
             </a:fld>
             <a:endParaRPr kumimoji="0" lang="zh-TW" altLang="en-US" sz="1200" b="0" i="0" u="none" strike="noStrike" kern="1200" cap="none" spc="0" normalizeH="0" baseline="0" noProof="0">
               <a:ln>
@@ -1222,7 +1234,7 @@
           <a:p>
             <a:fld id="{8AD05B81-5E5F-42A2-8385-12ABB6203A30}" type="slidenum">
               <a:rPr lang="zh-TW" altLang="en-US" smtClean="0"/>
-              <a:t>5</a:t>
+              <a:t>9</a:t>
             </a:fld>
             <a:endParaRPr lang="zh-TW" altLang="en-US"/>
           </a:p>
@@ -1358,7 +1370,7 @@
                 <a:tabLst/>
                 <a:defRPr/>
               </a:pPr>
-              <a:t>12</a:t>
+              <a:t>16</a:t>
             </a:fld>
             <a:endParaRPr kumimoji="0" lang="zh-TW" altLang="en-US" sz="1200" b="0" i="0" u="none" strike="noStrike" kern="1200" cap="none" spc="0" normalizeH="0" baseline="0" noProof="0">
               <a:ln>
@@ -1507,7 +1519,7 @@
                 <a:tabLst/>
                 <a:defRPr/>
               </a:pPr>
-              <a:t>13</a:t>
+              <a:t>17</a:t>
             </a:fld>
             <a:endParaRPr kumimoji="0" lang="zh-TW" altLang="en-US" sz="1200" b="0" i="0" u="none" strike="noStrike" kern="1200" cap="none" spc="0" normalizeH="0" baseline="0" noProof="0">
               <a:ln>
@@ -1656,7 +1668,7 @@
                 <a:tabLst/>
                 <a:defRPr/>
               </a:pPr>
-              <a:t>15</a:t>
+              <a:t>19</a:t>
             </a:fld>
             <a:endParaRPr kumimoji="0" lang="zh-TW" altLang="en-US" sz="1200" b="0" i="0" u="none" strike="noStrike" kern="1200" cap="none" spc="0" normalizeH="0" baseline="0" noProof="0">
               <a:ln>
@@ -1805,7 +1817,7 @@
                 <a:tabLst/>
                 <a:defRPr/>
               </a:pPr>
-              <a:t>16</a:t>
+              <a:t>20</a:t>
             </a:fld>
             <a:endParaRPr kumimoji="0" lang="zh-TW" altLang="en-US" sz="1200" b="0" i="0" u="none" strike="noStrike" kern="1200" cap="none" spc="0" normalizeH="0" baseline="0" noProof="0">
               <a:ln>
@@ -1971,7 +1983,7 @@
           <a:p>
             <a:fld id="{0C0CC965-A63A-473D-BEFB-C8F9714D5269}" type="datetimeFigureOut">
               <a:rPr lang="zh-TW" altLang="en-US" smtClean="0"/>
-              <a:t>2022/5/13</a:t>
+              <a:t>2022/5/27</a:t>
             </a:fld>
             <a:endParaRPr lang="zh-TW" altLang="en-US"/>
           </a:p>
@@ -2139,7 +2151,7 @@
           <a:p>
             <a:fld id="{0C0CC965-A63A-473D-BEFB-C8F9714D5269}" type="datetimeFigureOut">
               <a:rPr lang="zh-TW" altLang="en-US" smtClean="0"/>
-              <a:t>2022/5/13</a:t>
+              <a:t>2022/5/27</a:t>
             </a:fld>
             <a:endParaRPr lang="zh-TW" altLang="en-US"/>
           </a:p>
@@ -2317,7 +2329,7 @@
           <a:p>
             <a:fld id="{0C0CC965-A63A-473D-BEFB-C8F9714D5269}" type="datetimeFigureOut">
               <a:rPr lang="zh-TW" altLang="en-US" smtClean="0"/>
-              <a:t>2022/5/13</a:t>
+              <a:t>2022/5/27</a:t>
             </a:fld>
             <a:endParaRPr lang="zh-TW" altLang="en-US"/>
           </a:p>
@@ -2512,7 +2524,7 @@
           <a:p>
             <a:fld id="{0C0CC965-A63A-473D-BEFB-C8F9714D5269}" type="datetimeFigureOut">
               <a:rPr lang="zh-TW" altLang="en-US" smtClean="0"/>
-              <a:t>2022/5/13</a:t>
+              <a:t>2022/5/27</a:t>
             </a:fld>
             <a:endParaRPr lang="zh-TW" altLang="en-US"/>
           </a:p>
@@ -2757,7 +2769,7 @@
           <a:p>
             <a:fld id="{0C0CC965-A63A-473D-BEFB-C8F9714D5269}" type="datetimeFigureOut">
               <a:rPr lang="zh-TW" altLang="en-US" smtClean="0"/>
-              <a:t>2022/5/13</a:t>
+              <a:t>2022/5/27</a:t>
             </a:fld>
             <a:endParaRPr lang="zh-TW" altLang="en-US"/>
           </a:p>
@@ -2986,7 +2998,7 @@
           <a:p>
             <a:fld id="{0C0CC965-A63A-473D-BEFB-C8F9714D5269}" type="datetimeFigureOut">
               <a:rPr lang="zh-TW" altLang="en-US" smtClean="0"/>
-              <a:t>2022/5/13</a:t>
+              <a:t>2022/5/27</a:t>
             </a:fld>
             <a:endParaRPr lang="zh-TW" altLang="en-US"/>
           </a:p>
@@ -3350,7 +3362,7 @@
           <a:p>
             <a:fld id="{0C0CC965-A63A-473D-BEFB-C8F9714D5269}" type="datetimeFigureOut">
               <a:rPr lang="zh-TW" altLang="en-US" smtClean="0"/>
-              <a:t>2022/5/13</a:t>
+              <a:t>2022/5/27</a:t>
             </a:fld>
             <a:endParaRPr lang="zh-TW" altLang="en-US"/>
           </a:p>
@@ -3467,7 +3479,7 @@
           <a:p>
             <a:fld id="{0C0CC965-A63A-473D-BEFB-C8F9714D5269}" type="datetimeFigureOut">
               <a:rPr lang="zh-TW" altLang="en-US" smtClean="0"/>
-              <a:t>2022/5/13</a:t>
+              <a:t>2022/5/27</a:t>
             </a:fld>
             <a:endParaRPr lang="zh-TW" altLang="en-US"/>
           </a:p>
@@ -3562,7 +3574,7 @@
           <a:p>
             <a:fld id="{0C0CC965-A63A-473D-BEFB-C8F9714D5269}" type="datetimeFigureOut">
               <a:rPr lang="zh-TW" altLang="en-US" smtClean="0"/>
-              <a:t>2022/5/13</a:t>
+              <a:t>2022/5/27</a:t>
             </a:fld>
             <a:endParaRPr lang="zh-TW" altLang="en-US"/>
           </a:p>
@@ -3837,7 +3849,7 @@
           <a:p>
             <a:fld id="{0C0CC965-A63A-473D-BEFB-C8F9714D5269}" type="datetimeFigureOut">
               <a:rPr lang="zh-TW" altLang="en-US" smtClean="0"/>
-              <a:t>2022/5/13</a:t>
+              <a:t>2022/5/27</a:t>
             </a:fld>
             <a:endParaRPr lang="zh-TW" altLang="en-US"/>
           </a:p>
@@ -4089,7 +4101,7 @@
           <a:p>
             <a:fld id="{0C0CC965-A63A-473D-BEFB-C8F9714D5269}" type="datetimeFigureOut">
               <a:rPr lang="zh-TW" altLang="en-US" smtClean="0"/>
-              <a:t>2022/5/13</a:t>
+              <a:t>2022/5/27</a:t>
             </a:fld>
             <a:endParaRPr lang="zh-TW" altLang="en-US"/>
           </a:p>
@@ -4303,7 +4315,7 @@
             <a:fld id="{0C0CC965-A63A-473D-BEFB-C8F9714D5269}" type="datetimeFigureOut">
               <a:rPr lang="zh-TW" altLang="en-US" smtClean="0"/>
               <a:pPr/>
-              <a:t>2022/5/13</a:t>
+              <a:t>2022/5/27</a:t>
             </a:fld>
             <a:endParaRPr lang="zh-TW" altLang="en-US"/>
           </a:p>
@@ -4995,6 +5007,2166 @@
               <a:t>LinearRegression</a:t>
             </a:r>
             <a:r>
+              <a:rPr lang="en-US" altLang="zh-TW" dirty="0"/>
+              <a:t> - Pipeline</a:t>
+            </a:r>
+            <a:endParaRPr lang="zh-TW" altLang="en-US" dirty="0"/>
+          </a:p>
+        </p:txBody>
+      </p:sp>
+      <p:pic>
+        <p:nvPicPr>
+          <p:cNvPr id="11" name="圖片 10">
+            <a:extLst>
+              <a:ext uri="{FF2B5EF4-FFF2-40B4-BE49-F238E27FC236}">
+                <a16:creationId xmlns:a16="http://schemas.microsoft.com/office/drawing/2014/main" id="{59BCB44A-0B71-4A1E-81C2-E695F8948E4D}"/>
+              </a:ext>
+            </a:extLst>
+          </p:cNvPr>
+          <p:cNvPicPr>
+            <a:picLocks noChangeAspect="1"/>
+          </p:cNvPicPr>
+          <p:nvPr/>
+        </p:nvPicPr>
+        <p:blipFill>
+          <a:blip r:embed="rId2">
+            <a:extLst>
+              <a:ext uri="{28A0092B-C50C-407E-A947-70E740481C1C}">
+                <a14:useLocalDpi xmlns:a14="http://schemas.microsoft.com/office/drawing/2010/main" val="0"/>
+              </a:ext>
+            </a:extLst>
+          </a:blip>
+          <a:stretch>
+            <a:fillRect/>
+          </a:stretch>
+        </p:blipFill>
+        <p:spPr>
+          <a:xfrm>
+            <a:off x="929528" y="1917518"/>
+            <a:ext cx="10332944" cy="4161337"/>
+          </a:xfrm>
+          <a:prstGeom prst="rect">
+            <a:avLst/>
+          </a:prstGeom>
+        </p:spPr>
+      </p:pic>
+      <p:sp>
+        <p:nvSpPr>
+          <p:cNvPr id="4" name="文字方塊 3">
+            <a:extLst>
+              <a:ext uri="{FF2B5EF4-FFF2-40B4-BE49-F238E27FC236}">
+                <a16:creationId xmlns:a16="http://schemas.microsoft.com/office/drawing/2014/main" id="{FBE1535B-0E45-4999-8D77-730D821FE7B3}"/>
+              </a:ext>
+            </a:extLst>
+          </p:cNvPr>
+          <p:cNvSpPr txBox="1"/>
+          <p:nvPr/>
+        </p:nvSpPr>
+        <p:spPr>
+          <a:xfrm>
+            <a:off x="838200" y="1252385"/>
+            <a:ext cx="10515600" cy="276999"/>
+          </a:xfrm>
+          <a:prstGeom prst="rect">
+            <a:avLst/>
+          </a:prstGeom>
+          <a:noFill/>
+        </p:spPr>
+        <p:txBody>
+          <a:bodyPr wrap="square" lIns="0" tIns="0" rIns="0" bIns="0" rtlCol="0">
+            <a:spAutoFit/>
+          </a:bodyPr>
+          <a:lstStyle/>
+          <a:p>
+            <a:pPr marL="285750" indent="-285750">
+              <a:buFont typeface="Arial" panose="020B0604020202020204" pitchFamily="34" charset="0"/>
+              <a:buChar char="•"/>
+            </a:pPr>
+            <a:r>
+              <a:rPr lang="en-US" altLang="zh-TW" dirty="0">
+                <a:solidFill>
+                  <a:prstClr val="black"/>
+                </a:solidFill>
+                <a:latin typeface="Times New Roman" panose="02020603050405020304" pitchFamily="18" charset="0"/>
+                <a:ea typeface="標楷體" panose="03000509000000000000" pitchFamily="65" charset="-120"/>
+                <a:cs typeface="Times New Roman" panose="02020603050405020304" pitchFamily="18" charset="0"/>
+              </a:rPr>
+              <a:t>Pipeline Stage = 5</a:t>
+            </a:r>
+          </a:p>
+        </p:txBody>
+      </p:sp>
+    </p:spTree>
+    <p:extLst>
+      <p:ext uri="{BB962C8B-B14F-4D97-AF65-F5344CB8AC3E}">
+        <p14:creationId xmlns:p14="http://schemas.microsoft.com/office/powerpoint/2010/main" val="3702094279"/>
+      </p:ext>
+    </p:extLst>
+  </p:cSld>
+  <p:clrMapOvr>
+    <a:masterClrMapping/>
+  </p:clrMapOvr>
+</p:sld>
+</file>
+
+<file path=ppt/slides/slide11.xml><?xml version="1.0" encoding="utf-8"?>
+<p:sld xmlns:a="http://schemas.openxmlformats.org/drawingml/2006/main" xmlns:r="http://schemas.openxmlformats.org/officeDocument/2006/relationships" xmlns:p="http://schemas.openxmlformats.org/presentationml/2006/main">
+  <p:cSld>
+    <p:spTree>
+      <p:nvGrpSpPr>
+        <p:cNvPr id="1" name=""/>
+        <p:cNvGrpSpPr/>
+        <p:nvPr/>
+      </p:nvGrpSpPr>
+      <p:grpSpPr>
+        <a:xfrm>
+          <a:off x="0" y="0"/>
+          <a:ext cx="0" cy="0"/>
+          <a:chOff x="0" y="0"/>
+          <a:chExt cx="0" cy="0"/>
+        </a:xfrm>
+      </p:grpSpPr>
+      <p:sp>
+        <p:nvSpPr>
+          <p:cNvPr id="3" name="標題 2">
+            <a:extLst>
+              <a:ext uri="{FF2B5EF4-FFF2-40B4-BE49-F238E27FC236}">
+                <a16:creationId xmlns:a16="http://schemas.microsoft.com/office/drawing/2014/main" id="{B0FE567C-34C6-4F98-A84A-4DEAB1E49A7C}"/>
+              </a:ext>
+            </a:extLst>
+          </p:cNvPr>
+          <p:cNvSpPr>
+            <a:spLocks noGrp="1"/>
+          </p:cNvSpPr>
+          <p:nvPr>
+            <p:ph type="title"/>
+          </p:nvPr>
+        </p:nvSpPr>
+        <p:spPr/>
+        <p:txBody>
+          <a:bodyPr/>
+          <a:lstStyle/>
+          <a:p>
+            <a:r>
+              <a:rPr lang="en-US" altLang="zh-TW" dirty="0"/>
+              <a:t>Adder Tree - Pipeline</a:t>
+            </a:r>
+            <a:endParaRPr lang="zh-TW" altLang="en-US" dirty="0"/>
+          </a:p>
+        </p:txBody>
+      </p:sp>
+      <p:pic>
+        <p:nvPicPr>
+          <p:cNvPr id="4" name="圖片 3">
+            <a:extLst>
+              <a:ext uri="{FF2B5EF4-FFF2-40B4-BE49-F238E27FC236}">
+                <a16:creationId xmlns:a16="http://schemas.microsoft.com/office/drawing/2014/main" id="{ADDF7638-D09A-4D23-B8CD-260056AFF2C5}"/>
+              </a:ext>
+            </a:extLst>
+          </p:cNvPr>
+          <p:cNvPicPr>
+            <a:picLocks noChangeAspect="1"/>
+          </p:cNvPicPr>
+          <p:nvPr/>
+        </p:nvPicPr>
+        <p:blipFill>
+          <a:blip r:embed="rId2">
+            <a:extLst>
+              <a:ext uri="{28A0092B-C50C-407E-A947-70E740481C1C}">
+                <a14:useLocalDpi xmlns:a14="http://schemas.microsoft.com/office/drawing/2010/main" val="0"/>
+              </a:ext>
+            </a:extLst>
+          </a:blip>
+          <a:stretch>
+            <a:fillRect/>
+          </a:stretch>
+        </p:blipFill>
+        <p:spPr>
+          <a:xfrm>
+            <a:off x="4064487" y="1234235"/>
+            <a:ext cx="4063025" cy="4972958"/>
+          </a:xfrm>
+          <a:prstGeom prst="rect">
+            <a:avLst/>
+          </a:prstGeom>
+        </p:spPr>
+      </p:pic>
+      <p:sp>
+        <p:nvSpPr>
+          <p:cNvPr id="5" name="文字方塊 4">
+            <a:extLst>
+              <a:ext uri="{FF2B5EF4-FFF2-40B4-BE49-F238E27FC236}">
+                <a16:creationId xmlns:a16="http://schemas.microsoft.com/office/drawing/2014/main" id="{44859A0A-3490-4E52-AA88-F75B58B20614}"/>
+              </a:ext>
+            </a:extLst>
+          </p:cNvPr>
+          <p:cNvSpPr txBox="1"/>
+          <p:nvPr/>
+        </p:nvSpPr>
+        <p:spPr>
+          <a:xfrm>
+            <a:off x="838200" y="1252385"/>
+            <a:ext cx="10515600" cy="276999"/>
+          </a:xfrm>
+          <a:prstGeom prst="rect">
+            <a:avLst/>
+          </a:prstGeom>
+          <a:noFill/>
+        </p:spPr>
+        <p:txBody>
+          <a:bodyPr wrap="square" lIns="0" tIns="0" rIns="0" bIns="0" rtlCol="0">
+            <a:spAutoFit/>
+          </a:bodyPr>
+          <a:lstStyle/>
+          <a:p>
+            <a:pPr marL="285750" indent="-285750">
+              <a:buFont typeface="Arial" panose="020B0604020202020204" pitchFamily="34" charset="0"/>
+              <a:buChar char="•"/>
+            </a:pPr>
+            <a:r>
+              <a:rPr lang="en-US" altLang="zh-TW" dirty="0">
+                <a:solidFill>
+                  <a:prstClr val="black"/>
+                </a:solidFill>
+                <a:latin typeface="Times New Roman" panose="02020603050405020304" pitchFamily="18" charset="0"/>
+                <a:ea typeface="標楷體" panose="03000509000000000000" pitchFamily="65" charset="-120"/>
+                <a:cs typeface="Times New Roman" panose="02020603050405020304" pitchFamily="18" charset="0"/>
+              </a:rPr>
+              <a:t>Pipeline Stage = 4</a:t>
+            </a:r>
+          </a:p>
+        </p:txBody>
+      </p:sp>
+    </p:spTree>
+    <p:extLst>
+      <p:ext uri="{BB962C8B-B14F-4D97-AF65-F5344CB8AC3E}">
+        <p14:creationId xmlns:p14="http://schemas.microsoft.com/office/powerpoint/2010/main" val="3598394047"/>
+      </p:ext>
+    </p:extLst>
+  </p:cSld>
+  <p:clrMapOvr>
+    <a:masterClrMapping/>
+  </p:clrMapOvr>
+</p:sld>
+</file>
+
+<file path=ppt/slides/slide12.xml><?xml version="1.0" encoding="utf-8"?>
+<p:sld xmlns:a="http://schemas.openxmlformats.org/drawingml/2006/main" xmlns:r="http://schemas.openxmlformats.org/officeDocument/2006/relationships" xmlns:p="http://schemas.openxmlformats.org/presentationml/2006/main">
+  <p:cSld>
+    <p:spTree>
+      <p:nvGrpSpPr>
+        <p:cNvPr id="1" name=""/>
+        <p:cNvGrpSpPr/>
+        <p:nvPr/>
+      </p:nvGrpSpPr>
+      <p:grpSpPr>
+        <a:xfrm>
+          <a:off x="0" y="0"/>
+          <a:ext cx="0" cy="0"/>
+          <a:chOff x="0" y="0"/>
+          <a:chExt cx="0" cy="0"/>
+        </a:xfrm>
+      </p:grpSpPr>
+      <p:sp>
+        <p:nvSpPr>
+          <p:cNvPr id="3" name="標題 2">
+            <a:extLst>
+              <a:ext uri="{FF2B5EF4-FFF2-40B4-BE49-F238E27FC236}">
+                <a16:creationId xmlns:a16="http://schemas.microsoft.com/office/drawing/2014/main" id="{B0FE567C-34C6-4F98-A84A-4DEAB1E49A7C}"/>
+              </a:ext>
+            </a:extLst>
+          </p:cNvPr>
+          <p:cNvSpPr>
+            <a:spLocks noGrp="1"/>
+          </p:cNvSpPr>
+          <p:nvPr>
+            <p:ph type="title"/>
+          </p:nvPr>
+        </p:nvSpPr>
+        <p:spPr/>
+        <p:txBody>
+          <a:bodyPr/>
+          <a:lstStyle/>
+          <a:p>
+            <a:r>
+              <a:rPr lang="en-US" altLang="zh-TW" dirty="0" err="1"/>
+              <a:t>LinearRegression</a:t>
+            </a:r>
+            <a:r>
+              <a:rPr lang="zh-TW" altLang="en-US" dirty="0"/>
+              <a:t> </a:t>
+            </a:r>
+            <a:r>
+              <a:rPr lang="en-US" altLang="zh-TW" dirty="0"/>
+              <a:t>–</a:t>
+            </a:r>
+            <a:r>
+              <a:rPr lang="zh-TW" altLang="en-US" dirty="0"/>
+              <a:t> </a:t>
+            </a:r>
+            <a:r>
+              <a:rPr lang="en-US" altLang="zh-TW" dirty="0"/>
+              <a:t>HDL</a:t>
+            </a:r>
+            <a:r>
+              <a:rPr lang="zh-TW" altLang="en-US" dirty="0"/>
+              <a:t> </a:t>
+            </a:r>
+            <a:r>
+              <a:rPr lang="en-US" altLang="zh-TW" dirty="0"/>
+              <a:t>Coder</a:t>
+            </a:r>
+            <a:r>
+              <a:rPr lang="zh-TW" altLang="en-US" dirty="0"/>
+              <a:t>設定</a:t>
+            </a:r>
+            <a:r>
+              <a:rPr lang="en-US" altLang="zh-TW" dirty="0"/>
+              <a:t>(v1)</a:t>
+            </a:r>
+            <a:endParaRPr lang="zh-TW" altLang="en-US" dirty="0"/>
+          </a:p>
+        </p:txBody>
+      </p:sp>
+      <p:pic>
+        <p:nvPicPr>
+          <p:cNvPr id="6" name="圖片 5">
+            <a:extLst>
+              <a:ext uri="{FF2B5EF4-FFF2-40B4-BE49-F238E27FC236}">
+                <a16:creationId xmlns:a16="http://schemas.microsoft.com/office/drawing/2014/main" id="{4AAF211A-B8EF-40E4-AD36-3C60FA067CD0}"/>
+              </a:ext>
+            </a:extLst>
+          </p:cNvPr>
+          <p:cNvPicPr>
+            <a:picLocks noChangeAspect="1"/>
+          </p:cNvPicPr>
+          <p:nvPr/>
+        </p:nvPicPr>
+        <p:blipFill>
+          <a:blip r:embed="rId2"/>
+          <a:stretch>
+            <a:fillRect/>
+          </a:stretch>
+        </p:blipFill>
+        <p:spPr>
+          <a:xfrm>
+            <a:off x="2153195" y="1507166"/>
+            <a:ext cx="8212183" cy="4450225"/>
+          </a:xfrm>
+          <a:prstGeom prst="rect">
+            <a:avLst/>
+          </a:prstGeom>
+        </p:spPr>
+      </p:pic>
+      <p:sp>
+        <p:nvSpPr>
+          <p:cNvPr id="2" name="矩形 1">
+            <a:extLst>
+              <a:ext uri="{FF2B5EF4-FFF2-40B4-BE49-F238E27FC236}">
+                <a16:creationId xmlns:a16="http://schemas.microsoft.com/office/drawing/2014/main" id="{4A3D12CC-DC00-4DE1-9C3C-AB330511F035}"/>
+              </a:ext>
+            </a:extLst>
+          </p:cNvPr>
+          <p:cNvSpPr/>
+          <p:nvPr/>
+        </p:nvSpPr>
+        <p:spPr>
+          <a:xfrm>
+            <a:off x="5913122" y="2508069"/>
+            <a:ext cx="1245323" cy="113211"/>
+          </a:xfrm>
+          <a:prstGeom prst="rect">
+            <a:avLst/>
+          </a:prstGeom>
+          <a:noFill/>
+          <a:ln w="28575">
+            <a:solidFill>
+              <a:srgbClr val="FF0000"/>
+            </a:solidFill>
+          </a:ln>
+        </p:spPr>
+        <p:style>
+          <a:lnRef idx="2">
+            <a:schemeClr val="accent1">
+              <a:shade val="50000"/>
+            </a:schemeClr>
+          </a:lnRef>
+          <a:fillRef idx="1">
+            <a:schemeClr val="accent1"/>
+          </a:fillRef>
+          <a:effectRef idx="0">
+            <a:schemeClr val="accent1"/>
+          </a:effectRef>
+          <a:fontRef idx="minor">
+            <a:schemeClr val="lt1"/>
+          </a:fontRef>
+        </p:style>
+        <p:txBody>
+          <a:bodyPr rtlCol="0" anchor="ctr"/>
+          <a:lstStyle/>
+          <a:p>
+            <a:pPr algn="ctr"/>
+            <a:endParaRPr lang="zh-TW" altLang="en-US"/>
+          </a:p>
+        </p:txBody>
+      </p:sp>
+      <p:sp>
+        <p:nvSpPr>
+          <p:cNvPr id="7" name="矩形 6">
+            <a:extLst>
+              <a:ext uri="{FF2B5EF4-FFF2-40B4-BE49-F238E27FC236}">
+                <a16:creationId xmlns:a16="http://schemas.microsoft.com/office/drawing/2014/main" id="{4D764CAF-9E60-4250-A3F9-571C787E6A17}"/>
+              </a:ext>
+            </a:extLst>
+          </p:cNvPr>
+          <p:cNvSpPr/>
+          <p:nvPr/>
+        </p:nvSpPr>
+        <p:spPr>
+          <a:xfrm>
+            <a:off x="4894218" y="1828799"/>
+            <a:ext cx="801188" cy="174171"/>
+          </a:xfrm>
+          <a:prstGeom prst="rect">
+            <a:avLst/>
+          </a:prstGeom>
+          <a:noFill/>
+          <a:ln w="28575">
+            <a:solidFill>
+              <a:srgbClr val="FF0000"/>
+            </a:solidFill>
+          </a:ln>
+        </p:spPr>
+        <p:style>
+          <a:lnRef idx="2">
+            <a:schemeClr val="accent1">
+              <a:shade val="50000"/>
+            </a:schemeClr>
+          </a:lnRef>
+          <a:fillRef idx="1">
+            <a:schemeClr val="accent1"/>
+          </a:fillRef>
+          <a:effectRef idx="0">
+            <a:schemeClr val="accent1"/>
+          </a:effectRef>
+          <a:fontRef idx="minor">
+            <a:schemeClr val="lt1"/>
+          </a:fontRef>
+        </p:style>
+        <p:txBody>
+          <a:bodyPr rtlCol="0" anchor="ctr"/>
+          <a:lstStyle/>
+          <a:p>
+            <a:pPr algn="ctr"/>
+            <a:endParaRPr lang="zh-TW" altLang="en-US"/>
+          </a:p>
+        </p:txBody>
+      </p:sp>
+      <p:sp>
+        <p:nvSpPr>
+          <p:cNvPr id="8" name="文字方塊 7">
+            <a:extLst>
+              <a:ext uri="{FF2B5EF4-FFF2-40B4-BE49-F238E27FC236}">
+                <a16:creationId xmlns:a16="http://schemas.microsoft.com/office/drawing/2014/main" id="{C094317A-381C-41F5-B566-5A083E773D88}"/>
+              </a:ext>
+            </a:extLst>
+          </p:cNvPr>
+          <p:cNvSpPr txBox="1"/>
+          <p:nvPr/>
+        </p:nvSpPr>
+        <p:spPr>
+          <a:xfrm>
+            <a:off x="838200" y="1252385"/>
+            <a:ext cx="10515600" cy="276999"/>
+          </a:xfrm>
+          <a:prstGeom prst="rect">
+            <a:avLst/>
+          </a:prstGeom>
+          <a:noFill/>
+        </p:spPr>
+        <p:txBody>
+          <a:bodyPr wrap="square" lIns="0" tIns="0" rIns="0" bIns="0" rtlCol="0">
+            <a:spAutoFit/>
+          </a:bodyPr>
+          <a:lstStyle/>
+          <a:p>
+            <a:pPr marL="285750" indent="-285750">
+              <a:buFont typeface="Arial" panose="020B0604020202020204" pitchFamily="34" charset="0"/>
+              <a:buChar char="•"/>
+            </a:pPr>
+            <a:r>
+              <a:rPr lang="en-US" altLang="zh-TW" dirty="0">
+                <a:solidFill>
+                  <a:prstClr val="black"/>
+                </a:solidFill>
+                <a:latin typeface="Times New Roman" panose="02020603050405020304" pitchFamily="18" charset="0"/>
+                <a:ea typeface="標楷體" panose="03000509000000000000" pitchFamily="65" charset="-120"/>
+                <a:cs typeface="Times New Roman" panose="02020603050405020304" pitchFamily="18" charset="0"/>
+              </a:rPr>
+              <a:t>Quantization</a:t>
+            </a:r>
+          </a:p>
+        </p:txBody>
+      </p:sp>
+      <p:sp>
+        <p:nvSpPr>
+          <p:cNvPr id="4" name="文字方塊 3">
+            <a:extLst>
+              <a:ext uri="{FF2B5EF4-FFF2-40B4-BE49-F238E27FC236}">
+                <a16:creationId xmlns:a16="http://schemas.microsoft.com/office/drawing/2014/main" id="{0B342DB2-5DC6-4DE0-A16E-3080DDA8A722}"/>
+              </a:ext>
+            </a:extLst>
+          </p:cNvPr>
+          <p:cNvSpPr txBox="1"/>
+          <p:nvPr/>
+        </p:nvSpPr>
+        <p:spPr>
+          <a:xfrm>
+            <a:off x="4223201" y="2073085"/>
+            <a:ext cx="1342034" cy="369332"/>
+          </a:xfrm>
+          <a:prstGeom prst="rect">
+            <a:avLst/>
+          </a:prstGeom>
+          <a:gradFill flip="none" rotWithShape="1">
+            <a:gsLst>
+              <a:gs pos="0">
+                <a:srgbClr val="FFFF00">
+                  <a:tint val="66000"/>
+                  <a:satMod val="160000"/>
+                </a:srgbClr>
+              </a:gs>
+              <a:gs pos="50000">
+                <a:srgbClr val="FFFF00">
+                  <a:tint val="44500"/>
+                  <a:satMod val="160000"/>
+                </a:srgbClr>
+              </a:gs>
+              <a:gs pos="100000">
+                <a:srgbClr val="FFFF00">
+                  <a:tint val="23500"/>
+                  <a:satMod val="160000"/>
+                </a:srgbClr>
+              </a:gs>
+            </a:gsLst>
+            <a:lin ang="2700000" scaled="1"/>
+            <a:tileRect/>
+          </a:gradFill>
+        </p:spPr>
+        <p:txBody>
+          <a:bodyPr wrap="none" rtlCol="0">
+            <a:spAutoFit/>
+          </a:bodyPr>
+          <a:lstStyle/>
+          <a:p>
+            <a:r>
+              <a:rPr lang="zh-TW" altLang="en-US" dirty="0">
+                <a:solidFill>
+                  <a:prstClr val="black"/>
+                </a:solidFill>
+                <a:latin typeface="Times New Roman" panose="02020603050405020304" pitchFamily="18" charset="0"/>
+                <a:ea typeface="標楷體" panose="03000509000000000000" pitchFamily="65" charset="-120"/>
+                <a:cs typeface="Times New Roman" panose="02020603050405020304" pitchFamily="18" charset="0"/>
+              </a:rPr>
+              <a:t>目前設定</a:t>
+            </a:r>
+            <a:r>
+              <a:rPr lang="en-US" altLang="zh-TW" dirty="0">
+                <a:solidFill>
+                  <a:prstClr val="black"/>
+                </a:solidFill>
+                <a:latin typeface="Times New Roman" panose="02020603050405020304" pitchFamily="18" charset="0"/>
+                <a:ea typeface="標楷體" panose="03000509000000000000" pitchFamily="65" charset="-120"/>
+                <a:cs typeface="Times New Roman" panose="02020603050405020304" pitchFamily="18" charset="0"/>
+              </a:rPr>
+              <a:t>24</a:t>
+            </a:r>
+            <a:endParaRPr lang="zh-TW" altLang="en-US" dirty="0">
+              <a:solidFill>
+                <a:prstClr val="black"/>
+              </a:solidFill>
+              <a:latin typeface="Times New Roman" panose="02020603050405020304" pitchFamily="18" charset="0"/>
+              <a:ea typeface="標楷體" panose="03000509000000000000" pitchFamily="65" charset="-120"/>
+              <a:cs typeface="Times New Roman" panose="02020603050405020304" pitchFamily="18" charset="0"/>
+            </a:endParaRPr>
+          </a:p>
+        </p:txBody>
+      </p:sp>
+    </p:spTree>
+    <p:extLst>
+      <p:ext uri="{BB962C8B-B14F-4D97-AF65-F5344CB8AC3E}">
+        <p14:creationId xmlns:p14="http://schemas.microsoft.com/office/powerpoint/2010/main" val="3586577910"/>
+      </p:ext>
+    </p:extLst>
+  </p:cSld>
+  <p:clrMapOvr>
+    <a:masterClrMapping/>
+  </p:clrMapOvr>
+</p:sld>
+</file>
+
+<file path=ppt/slides/slide13.xml><?xml version="1.0" encoding="utf-8"?>
+<p:sld xmlns:a="http://schemas.openxmlformats.org/drawingml/2006/main" xmlns:r="http://schemas.openxmlformats.org/officeDocument/2006/relationships" xmlns:p="http://schemas.openxmlformats.org/presentationml/2006/main">
+  <p:cSld>
+    <p:spTree>
+      <p:nvGrpSpPr>
+        <p:cNvPr id="1" name=""/>
+        <p:cNvGrpSpPr/>
+        <p:nvPr/>
+      </p:nvGrpSpPr>
+      <p:grpSpPr>
+        <a:xfrm>
+          <a:off x="0" y="0"/>
+          <a:ext cx="0" cy="0"/>
+          <a:chOff x="0" y="0"/>
+          <a:chExt cx="0" cy="0"/>
+        </a:xfrm>
+      </p:grpSpPr>
+      <p:sp>
+        <p:nvSpPr>
+          <p:cNvPr id="3" name="標題 2">
+            <a:extLst>
+              <a:ext uri="{FF2B5EF4-FFF2-40B4-BE49-F238E27FC236}">
+                <a16:creationId xmlns:a16="http://schemas.microsoft.com/office/drawing/2014/main" id="{B0FE567C-34C6-4F98-A84A-4DEAB1E49A7C}"/>
+              </a:ext>
+            </a:extLst>
+          </p:cNvPr>
+          <p:cNvSpPr>
+            <a:spLocks noGrp="1"/>
+          </p:cNvSpPr>
+          <p:nvPr>
+            <p:ph type="title"/>
+          </p:nvPr>
+        </p:nvSpPr>
+        <p:spPr/>
+        <p:txBody>
+          <a:bodyPr/>
+          <a:lstStyle/>
+          <a:p>
+            <a:r>
+              <a:rPr lang="en-US" altLang="zh-TW" dirty="0" err="1"/>
+              <a:t>LinearRegression</a:t>
+            </a:r>
+            <a:r>
+              <a:rPr lang="zh-TW" altLang="en-US" dirty="0"/>
+              <a:t> </a:t>
+            </a:r>
+            <a:r>
+              <a:rPr lang="en-US" altLang="zh-TW" dirty="0"/>
+              <a:t>–</a:t>
+            </a:r>
+            <a:r>
+              <a:rPr lang="zh-TW" altLang="en-US" dirty="0"/>
+              <a:t> </a:t>
+            </a:r>
+            <a:r>
+              <a:rPr lang="en-US" altLang="zh-TW" dirty="0"/>
+              <a:t>HDL</a:t>
+            </a:r>
+            <a:r>
+              <a:rPr lang="zh-TW" altLang="en-US" dirty="0"/>
+              <a:t> </a:t>
+            </a:r>
+            <a:r>
+              <a:rPr lang="en-US" altLang="zh-TW" dirty="0"/>
+              <a:t>Coder</a:t>
+            </a:r>
+            <a:r>
+              <a:rPr lang="zh-TW" altLang="en-US" dirty="0"/>
+              <a:t>設定</a:t>
+            </a:r>
+            <a:r>
+              <a:rPr lang="en-US" altLang="zh-TW" dirty="0"/>
+              <a:t>(v1)</a:t>
+            </a:r>
+            <a:endParaRPr lang="zh-TW" altLang="en-US" dirty="0"/>
+          </a:p>
+        </p:txBody>
+      </p:sp>
+      <p:pic>
+        <p:nvPicPr>
+          <p:cNvPr id="2" name="圖片 1">
+            <a:extLst>
+              <a:ext uri="{FF2B5EF4-FFF2-40B4-BE49-F238E27FC236}">
+                <a16:creationId xmlns:a16="http://schemas.microsoft.com/office/drawing/2014/main" id="{B3380791-D684-4F72-9082-849162D19210}"/>
+              </a:ext>
+            </a:extLst>
+          </p:cNvPr>
+          <p:cNvPicPr>
+            <a:picLocks noChangeAspect="1"/>
+          </p:cNvPicPr>
+          <p:nvPr/>
+        </p:nvPicPr>
+        <p:blipFill>
+          <a:blip r:embed="rId2"/>
+          <a:stretch>
+            <a:fillRect/>
+          </a:stretch>
+        </p:blipFill>
+        <p:spPr>
+          <a:xfrm>
+            <a:off x="522689" y="1529384"/>
+            <a:ext cx="8272793" cy="4483070"/>
+          </a:xfrm>
+          <a:prstGeom prst="rect">
+            <a:avLst/>
+          </a:prstGeom>
+        </p:spPr>
+      </p:pic>
+      <p:sp>
+        <p:nvSpPr>
+          <p:cNvPr id="5" name="矩形 4">
+            <a:extLst>
+              <a:ext uri="{FF2B5EF4-FFF2-40B4-BE49-F238E27FC236}">
+                <a16:creationId xmlns:a16="http://schemas.microsoft.com/office/drawing/2014/main" id="{230C8CFB-BF56-481C-9BCA-0A6E70BC3B6F}"/>
+              </a:ext>
+            </a:extLst>
+          </p:cNvPr>
+          <p:cNvSpPr/>
+          <p:nvPr/>
+        </p:nvSpPr>
+        <p:spPr>
+          <a:xfrm>
+            <a:off x="1680756" y="3657708"/>
+            <a:ext cx="1576250" cy="121812"/>
+          </a:xfrm>
+          <a:prstGeom prst="rect">
+            <a:avLst/>
+          </a:prstGeom>
+          <a:noFill/>
+          <a:ln w="28575">
+            <a:solidFill>
+              <a:srgbClr val="FF0000"/>
+            </a:solidFill>
+          </a:ln>
+        </p:spPr>
+        <p:style>
+          <a:lnRef idx="2">
+            <a:schemeClr val="accent1">
+              <a:shade val="50000"/>
+            </a:schemeClr>
+          </a:lnRef>
+          <a:fillRef idx="1">
+            <a:schemeClr val="accent1"/>
+          </a:fillRef>
+          <a:effectRef idx="0">
+            <a:schemeClr val="accent1"/>
+          </a:effectRef>
+          <a:fontRef idx="minor">
+            <a:schemeClr val="lt1"/>
+          </a:fontRef>
+        </p:style>
+        <p:txBody>
+          <a:bodyPr rtlCol="0" anchor="ctr"/>
+          <a:lstStyle/>
+          <a:p>
+            <a:pPr algn="ctr"/>
+            <a:endParaRPr lang="zh-TW" altLang="en-US"/>
+          </a:p>
+        </p:txBody>
+      </p:sp>
+      <p:sp>
+        <p:nvSpPr>
+          <p:cNvPr id="6" name="文字方塊 5">
+            <a:extLst>
+              <a:ext uri="{FF2B5EF4-FFF2-40B4-BE49-F238E27FC236}">
+                <a16:creationId xmlns:a16="http://schemas.microsoft.com/office/drawing/2014/main" id="{269AA0CC-C821-407E-BDB8-D76823827EB5}"/>
+              </a:ext>
+            </a:extLst>
+          </p:cNvPr>
+          <p:cNvSpPr txBox="1"/>
+          <p:nvPr/>
+        </p:nvSpPr>
+        <p:spPr>
+          <a:xfrm>
+            <a:off x="3317051" y="3200292"/>
+            <a:ext cx="1518364" cy="369332"/>
+          </a:xfrm>
+          <a:prstGeom prst="rect">
+            <a:avLst/>
+          </a:prstGeom>
+          <a:gradFill flip="none" rotWithShape="1">
+            <a:gsLst>
+              <a:gs pos="0">
+                <a:srgbClr val="FFFF00">
+                  <a:tint val="66000"/>
+                  <a:satMod val="160000"/>
+                </a:srgbClr>
+              </a:gs>
+              <a:gs pos="50000">
+                <a:srgbClr val="FFFF00">
+                  <a:tint val="44500"/>
+                  <a:satMod val="160000"/>
+                </a:srgbClr>
+              </a:gs>
+              <a:gs pos="100000">
+                <a:srgbClr val="FFFF00">
+                  <a:tint val="23500"/>
+                  <a:satMod val="160000"/>
+                </a:srgbClr>
+              </a:gs>
+            </a:gsLst>
+            <a:lin ang="2700000" scaled="1"/>
+            <a:tileRect/>
+          </a:gradFill>
+        </p:spPr>
+        <p:txBody>
+          <a:bodyPr wrap="none" rtlCol="0">
+            <a:spAutoFit/>
+          </a:bodyPr>
+          <a:lstStyle/>
+          <a:p>
+            <a:r>
+              <a:rPr lang="en-US" altLang="zh-TW" dirty="0">
+                <a:solidFill>
+                  <a:prstClr val="black"/>
+                </a:solidFill>
+                <a:latin typeface="Times New Roman" panose="02020603050405020304" pitchFamily="18" charset="0"/>
+                <a:ea typeface="標楷體" panose="03000509000000000000" pitchFamily="65" charset="-120"/>
+                <a:cs typeface="Times New Roman" panose="02020603050405020304" pitchFamily="18" charset="0"/>
+              </a:rPr>
+              <a:t>Pipeline</a:t>
+            </a:r>
+            <a:r>
+              <a:rPr lang="zh-TW" altLang="en-US" dirty="0">
+                <a:solidFill>
+                  <a:prstClr val="black"/>
+                </a:solidFill>
+                <a:latin typeface="Times New Roman" panose="02020603050405020304" pitchFamily="18" charset="0"/>
+                <a:ea typeface="標楷體" panose="03000509000000000000" pitchFamily="65" charset="-120"/>
+                <a:cs typeface="Times New Roman" panose="02020603050405020304" pitchFamily="18" charset="0"/>
+              </a:rPr>
+              <a:t>設定</a:t>
+            </a:r>
+            <a:r>
+              <a:rPr lang="en-US" altLang="zh-TW" dirty="0">
+                <a:solidFill>
+                  <a:prstClr val="black"/>
+                </a:solidFill>
+                <a:latin typeface="Times New Roman" panose="02020603050405020304" pitchFamily="18" charset="0"/>
+                <a:ea typeface="標楷體" panose="03000509000000000000" pitchFamily="65" charset="-120"/>
+                <a:cs typeface="Times New Roman" panose="02020603050405020304" pitchFamily="18" charset="0"/>
+              </a:rPr>
+              <a:t>5</a:t>
+            </a:r>
+            <a:endParaRPr lang="zh-TW" altLang="en-US" dirty="0">
+              <a:solidFill>
+                <a:prstClr val="black"/>
+              </a:solidFill>
+              <a:latin typeface="Times New Roman" panose="02020603050405020304" pitchFamily="18" charset="0"/>
+              <a:ea typeface="標楷體" panose="03000509000000000000" pitchFamily="65" charset="-120"/>
+              <a:cs typeface="Times New Roman" panose="02020603050405020304" pitchFamily="18" charset="0"/>
+            </a:endParaRPr>
+          </a:p>
+        </p:txBody>
+      </p:sp>
+      <p:graphicFrame>
+        <p:nvGraphicFramePr>
+          <p:cNvPr id="7" name="表格 6">
+            <a:extLst>
+              <a:ext uri="{FF2B5EF4-FFF2-40B4-BE49-F238E27FC236}">
+                <a16:creationId xmlns:a16="http://schemas.microsoft.com/office/drawing/2014/main" id="{9BBD99CC-B8F6-4E41-83F2-6227F4DD1BBD}"/>
+              </a:ext>
+            </a:extLst>
+          </p:cNvPr>
+          <p:cNvGraphicFramePr>
+            <a:graphicFrameLocks noGrp="1"/>
+          </p:cNvGraphicFramePr>
+          <p:nvPr/>
+        </p:nvGraphicFramePr>
+        <p:xfrm>
+          <a:off x="9026261" y="1685479"/>
+          <a:ext cx="2643050" cy="4326975"/>
+        </p:xfrm>
+        <a:graphic>
+          <a:graphicData uri="http://schemas.openxmlformats.org/drawingml/2006/table">
+            <a:tbl>
+              <a:tblPr firstRow="1" bandRow="1">
+                <a:tableStyleId>{85BE263C-DBD7-4A20-BB59-AAB30ACAA65A}</a:tableStyleId>
+              </a:tblPr>
+              <a:tblGrid>
+                <a:gridCol w="1212234">
+                  <a:extLst>
+                    <a:ext uri="{9D8B030D-6E8A-4147-A177-3AD203B41FA5}">
+                      <a16:colId xmlns:a16="http://schemas.microsoft.com/office/drawing/2014/main" val="2814540148"/>
+                    </a:ext>
+                  </a:extLst>
+                </a:gridCol>
+                <a:gridCol w="1430816">
+                  <a:extLst>
+                    <a:ext uri="{9D8B030D-6E8A-4147-A177-3AD203B41FA5}">
+                      <a16:colId xmlns:a16="http://schemas.microsoft.com/office/drawing/2014/main" val="1165291028"/>
+                    </a:ext>
+                  </a:extLst>
+                </a:gridCol>
+              </a:tblGrid>
+              <a:tr h="480775">
+                <a:tc>
+                  <a:txBody>
+                    <a:bodyPr/>
+                    <a:lstStyle/>
+                    <a:p>
+                      <a:pPr algn="ctr"/>
+                      <a:r>
+                        <a:rPr lang="en-US" altLang="zh-TW" sz="1200" b="1" dirty="0">
+                          <a:cs typeface="Times New Roman" panose="02020603050405020304" pitchFamily="18" charset="0"/>
+                        </a:rPr>
+                        <a:t>SYSTEM</a:t>
+                      </a:r>
+                    </a:p>
+                    <a:p>
+                      <a:pPr algn="ctr"/>
+                      <a:r>
+                        <a:rPr lang="en-US" altLang="zh-TW" sz="1200" b="1" dirty="0">
+                          <a:cs typeface="Times New Roman" panose="02020603050405020304" pitchFamily="18" charset="0"/>
+                        </a:rPr>
+                        <a:t>CLK</a:t>
+                      </a:r>
+                      <a:endParaRPr lang="zh-TW" altLang="en-US" sz="1200" b="1" dirty="0"/>
+                    </a:p>
+                  </a:txBody>
+                  <a:tcPr anchor="ctr">
+                    <a:lnL w="12700" cap="flat" cmpd="sng" algn="ctr">
+                      <a:solidFill>
+                        <a:schemeClr val="tx1"/>
+                      </a:solidFill>
+                      <a:prstDash val="solid"/>
+                      <a:round/>
+                      <a:headEnd type="none" w="med" len="med"/>
+                      <a:tailEnd type="none" w="med" len="med"/>
+                    </a:lnL>
+                    <a:lnR w="12700" cap="flat" cmpd="sng" algn="ctr">
+                      <a:solidFill>
+                        <a:schemeClr val="tx1"/>
+                      </a:solidFill>
+                      <a:prstDash val="solid"/>
+                      <a:round/>
+                      <a:headEnd type="none" w="med" len="med"/>
+                      <a:tailEnd type="none" w="med" len="med"/>
+                    </a:lnR>
+                    <a:lnT w="12700" cap="flat" cmpd="sng" algn="ctr">
+                      <a:solidFill>
+                        <a:schemeClr val="tx1"/>
+                      </a:solidFill>
+                      <a:prstDash val="solid"/>
+                      <a:round/>
+                      <a:headEnd type="none" w="med" len="med"/>
+                      <a:tailEnd type="none" w="med" len="med"/>
+                    </a:lnT>
+                    <a:lnB w="12700" cap="flat" cmpd="sng" algn="ctr">
+                      <a:solidFill>
+                        <a:schemeClr val="tx1"/>
+                      </a:solidFill>
+                      <a:prstDash val="solid"/>
+                      <a:round/>
+                      <a:headEnd type="none" w="med" len="med"/>
+                      <a:tailEnd type="none" w="med" len="med"/>
+                    </a:lnB>
+                    <a:lnTlToBr w="12700" cmpd="sng">
+                      <a:noFill/>
+                      <a:prstDash val="solid"/>
+                    </a:lnTlToBr>
+                    <a:lnBlToTr w="12700" cmpd="sng">
+                      <a:noFill/>
+                      <a:prstDash val="solid"/>
+                    </a:lnBlToTr>
+                  </a:tcPr>
+                </a:tc>
+                <a:tc>
+                  <a:txBody>
+                    <a:bodyPr/>
+                    <a:lstStyle/>
+                    <a:p>
+                      <a:pPr marL="0" marR="0" lvl="0" indent="0" algn="ctr" defTabSz="914400" rtl="0" eaLnBrk="1" fontAlgn="auto" latinLnBrk="0" hangingPunct="1">
+                        <a:lnSpc>
+                          <a:spcPct val="100000"/>
+                        </a:lnSpc>
+                        <a:spcBef>
+                          <a:spcPts val="0"/>
+                        </a:spcBef>
+                        <a:spcAft>
+                          <a:spcPts val="0"/>
+                        </a:spcAft>
+                        <a:buClrTx/>
+                        <a:buSzTx/>
+                        <a:buFontTx/>
+                        <a:buNone/>
+                        <a:tabLst/>
+                        <a:defRPr/>
+                      </a:pPr>
+                      <a:r>
+                        <a:rPr lang="en-US" altLang="zh-TW" sz="1200" b="1" dirty="0"/>
+                        <a:t>150MHz</a:t>
+                      </a:r>
+                      <a:endParaRPr lang="zh-TW" altLang="en-US" sz="1200" b="1" dirty="0"/>
+                    </a:p>
+                  </a:txBody>
+                  <a:tcPr anchor="ctr">
+                    <a:lnL w="12700" cap="flat" cmpd="sng" algn="ctr">
+                      <a:solidFill>
+                        <a:schemeClr val="tx1"/>
+                      </a:solidFill>
+                      <a:prstDash val="solid"/>
+                      <a:round/>
+                      <a:headEnd type="none" w="med" len="med"/>
+                      <a:tailEnd type="none" w="med" len="med"/>
+                    </a:lnL>
+                    <a:lnR w="12700" cap="flat" cmpd="sng" algn="ctr">
+                      <a:solidFill>
+                        <a:schemeClr val="tx1"/>
+                      </a:solidFill>
+                      <a:prstDash val="solid"/>
+                      <a:round/>
+                      <a:headEnd type="none" w="med" len="med"/>
+                      <a:tailEnd type="none" w="med" len="med"/>
+                    </a:lnR>
+                    <a:lnT w="12700" cap="flat" cmpd="sng" algn="ctr">
+                      <a:solidFill>
+                        <a:schemeClr val="tx1"/>
+                      </a:solidFill>
+                      <a:prstDash val="solid"/>
+                      <a:round/>
+                      <a:headEnd type="none" w="med" len="med"/>
+                      <a:tailEnd type="none" w="med" len="med"/>
+                    </a:lnT>
+                    <a:lnB w="12700" cap="flat" cmpd="sng" algn="ctr">
+                      <a:solidFill>
+                        <a:schemeClr val="tx1"/>
+                      </a:solidFill>
+                      <a:prstDash val="solid"/>
+                      <a:round/>
+                      <a:headEnd type="none" w="med" len="med"/>
+                      <a:tailEnd type="none" w="med" len="med"/>
+                    </a:lnB>
+                    <a:lnTlToBr w="12700" cmpd="sng">
+                      <a:noFill/>
+                      <a:prstDash val="solid"/>
+                    </a:lnTlToBr>
+                    <a:lnBlToTr w="12700" cmpd="sng">
+                      <a:noFill/>
+                      <a:prstDash val="solid"/>
+                    </a:lnBlToTr>
+                  </a:tcPr>
+                </a:tc>
+                <a:extLst>
+                  <a:ext uri="{0D108BD9-81ED-4DB2-BD59-A6C34878D82A}">
+                    <a16:rowId xmlns:a16="http://schemas.microsoft.com/office/drawing/2014/main" val="2038267343"/>
+                  </a:ext>
+                </a:extLst>
+              </a:tr>
+              <a:tr h="480775">
+                <a:tc>
+                  <a:txBody>
+                    <a:bodyPr/>
+                    <a:lstStyle/>
+                    <a:p>
+                      <a:r>
+                        <a:rPr lang="en-US" altLang="zh-TW" sz="1200" b="1" dirty="0"/>
+                        <a:t>LUT</a:t>
+                      </a:r>
+                      <a:endParaRPr lang="zh-TW" altLang="en-US" sz="1200" b="1" dirty="0"/>
+                    </a:p>
+                  </a:txBody>
+                  <a:tcPr anchor="ctr">
+                    <a:lnL w="12700" cap="flat" cmpd="sng" algn="ctr">
+                      <a:solidFill>
+                        <a:schemeClr val="tx1"/>
+                      </a:solidFill>
+                      <a:prstDash val="solid"/>
+                      <a:round/>
+                      <a:headEnd type="none" w="med" len="med"/>
+                      <a:tailEnd type="none" w="med" len="med"/>
+                    </a:lnL>
+                    <a:lnR w="12700" cap="flat" cmpd="sng" algn="ctr">
+                      <a:solidFill>
+                        <a:schemeClr val="tx1"/>
+                      </a:solidFill>
+                      <a:prstDash val="solid"/>
+                      <a:round/>
+                      <a:headEnd type="none" w="med" len="med"/>
+                      <a:tailEnd type="none" w="med" len="med"/>
+                    </a:lnR>
+                    <a:lnT w="12700" cap="flat" cmpd="sng" algn="ctr">
+                      <a:solidFill>
+                        <a:schemeClr val="tx1"/>
+                      </a:solidFill>
+                      <a:prstDash val="solid"/>
+                      <a:round/>
+                      <a:headEnd type="none" w="med" len="med"/>
+                      <a:tailEnd type="none" w="med" len="med"/>
+                    </a:lnT>
+                    <a:lnB w="12700" cap="flat" cmpd="sng" algn="ctr">
+                      <a:solidFill>
+                        <a:schemeClr val="tx1"/>
+                      </a:solidFill>
+                      <a:prstDash val="solid"/>
+                      <a:round/>
+                      <a:headEnd type="none" w="med" len="med"/>
+                      <a:tailEnd type="none" w="med" len="med"/>
+                    </a:lnB>
+                    <a:lnTlToBr w="12700" cmpd="sng">
+                      <a:noFill/>
+                      <a:prstDash val="solid"/>
+                    </a:lnTlToBr>
+                    <a:lnBlToTr w="12700" cmpd="sng">
+                      <a:noFill/>
+                      <a:prstDash val="solid"/>
+                    </a:lnBlToTr>
+                  </a:tcPr>
+                </a:tc>
+                <a:tc>
+                  <a:txBody>
+                    <a:bodyPr/>
+                    <a:lstStyle/>
+                    <a:p>
+                      <a:pPr algn="ctr"/>
+                      <a:r>
+                        <a:rPr lang="en-US" altLang="zh-TW" sz="1200" b="1" dirty="0"/>
+                        <a:t>2526</a:t>
+                      </a:r>
+                      <a:endParaRPr lang="zh-TW" altLang="en-US" sz="1200" b="1" dirty="0"/>
+                    </a:p>
+                  </a:txBody>
+                  <a:tcPr anchor="ctr">
+                    <a:lnL w="12700" cap="flat" cmpd="sng" algn="ctr">
+                      <a:solidFill>
+                        <a:schemeClr val="tx1"/>
+                      </a:solidFill>
+                      <a:prstDash val="solid"/>
+                      <a:round/>
+                      <a:headEnd type="none" w="med" len="med"/>
+                      <a:tailEnd type="none" w="med" len="med"/>
+                    </a:lnL>
+                    <a:lnR w="12700" cap="flat" cmpd="sng" algn="ctr">
+                      <a:solidFill>
+                        <a:schemeClr val="tx1"/>
+                      </a:solidFill>
+                      <a:prstDash val="solid"/>
+                      <a:round/>
+                      <a:headEnd type="none" w="med" len="med"/>
+                      <a:tailEnd type="none" w="med" len="med"/>
+                    </a:lnR>
+                    <a:lnT w="12700" cap="flat" cmpd="sng" algn="ctr">
+                      <a:solidFill>
+                        <a:schemeClr val="tx1"/>
+                      </a:solidFill>
+                      <a:prstDash val="solid"/>
+                      <a:round/>
+                      <a:headEnd type="none" w="med" len="med"/>
+                      <a:tailEnd type="none" w="med" len="med"/>
+                    </a:lnT>
+                    <a:lnB w="12700" cap="flat" cmpd="sng" algn="ctr">
+                      <a:solidFill>
+                        <a:schemeClr val="tx1"/>
+                      </a:solidFill>
+                      <a:prstDash val="solid"/>
+                      <a:round/>
+                      <a:headEnd type="none" w="med" len="med"/>
+                      <a:tailEnd type="none" w="med" len="med"/>
+                    </a:lnB>
+                    <a:lnTlToBr w="12700" cmpd="sng">
+                      <a:noFill/>
+                      <a:prstDash val="solid"/>
+                    </a:lnTlToBr>
+                    <a:lnBlToTr w="12700" cmpd="sng">
+                      <a:noFill/>
+                      <a:prstDash val="solid"/>
+                    </a:lnBlToTr>
+                  </a:tcPr>
+                </a:tc>
+                <a:extLst>
+                  <a:ext uri="{0D108BD9-81ED-4DB2-BD59-A6C34878D82A}">
+                    <a16:rowId xmlns:a16="http://schemas.microsoft.com/office/drawing/2014/main" val="1656689642"/>
+                  </a:ext>
+                </a:extLst>
+              </a:tr>
+              <a:tr h="480775">
+                <a:tc>
+                  <a:txBody>
+                    <a:bodyPr/>
+                    <a:lstStyle/>
+                    <a:p>
+                      <a:r>
+                        <a:rPr lang="en-US" altLang="zh-TW" sz="1200" b="1" dirty="0"/>
+                        <a:t>LUT/RAM</a:t>
+                      </a:r>
+                      <a:endParaRPr lang="zh-TW" altLang="en-US" sz="1200" b="1" dirty="0"/>
+                    </a:p>
+                  </a:txBody>
+                  <a:tcPr anchor="ctr">
+                    <a:lnL w="12700" cap="flat" cmpd="sng" algn="ctr">
+                      <a:solidFill>
+                        <a:schemeClr val="tx1"/>
+                      </a:solidFill>
+                      <a:prstDash val="solid"/>
+                      <a:round/>
+                      <a:headEnd type="none" w="med" len="med"/>
+                      <a:tailEnd type="none" w="med" len="med"/>
+                    </a:lnL>
+                    <a:lnR w="12700" cap="flat" cmpd="sng" algn="ctr">
+                      <a:solidFill>
+                        <a:schemeClr val="tx1"/>
+                      </a:solidFill>
+                      <a:prstDash val="solid"/>
+                      <a:round/>
+                      <a:headEnd type="none" w="med" len="med"/>
+                      <a:tailEnd type="none" w="med" len="med"/>
+                    </a:lnR>
+                    <a:lnT w="12700" cap="flat" cmpd="sng" algn="ctr">
+                      <a:solidFill>
+                        <a:schemeClr val="tx1"/>
+                      </a:solidFill>
+                      <a:prstDash val="solid"/>
+                      <a:round/>
+                      <a:headEnd type="none" w="med" len="med"/>
+                      <a:tailEnd type="none" w="med" len="med"/>
+                    </a:lnT>
+                    <a:lnB w="12700" cap="flat" cmpd="sng" algn="ctr">
+                      <a:solidFill>
+                        <a:schemeClr val="tx1"/>
+                      </a:solidFill>
+                      <a:prstDash val="solid"/>
+                      <a:round/>
+                      <a:headEnd type="none" w="med" len="med"/>
+                      <a:tailEnd type="none" w="med" len="med"/>
+                    </a:lnB>
+                    <a:lnTlToBr w="12700" cmpd="sng">
+                      <a:noFill/>
+                      <a:prstDash val="solid"/>
+                    </a:lnTlToBr>
+                    <a:lnBlToTr w="12700" cmpd="sng">
+                      <a:noFill/>
+                      <a:prstDash val="solid"/>
+                    </a:lnBlToTr>
+                  </a:tcPr>
+                </a:tc>
+                <a:tc>
+                  <a:txBody>
+                    <a:bodyPr/>
+                    <a:lstStyle/>
+                    <a:p>
+                      <a:pPr algn="ctr"/>
+                      <a:r>
+                        <a:rPr lang="en-US" altLang="zh-TW" sz="1200" b="1" dirty="0"/>
+                        <a:t>143</a:t>
+                      </a:r>
+                      <a:endParaRPr lang="zh-TW" altLang="en-US" sz="1200" b="1" dirty="0"/>
+                    </a:p>
+                  </a:txBody>
+                  <a:tcPr anchor="ctr">
+                    <a:lnL w="12700" cap="flat" cmpd="sng" algn="ctr">
+                      <a:solidFill>
+                        <a:schemeClr val="tx1"/>
+                      </a:solidFill>
+                      <a:prstDash val="solid"/>
+                      <a:round/>
+                      <a:headEnd type="none" w="med" len="med"/>
+                      <a:tailEnd type="none" w="med" len="med"/>
+                    </a:lnL>
+                    <a:lnR w="12700" cap="flat" cmpd="sng" algn="ctr">
+                      <a:solidFill>
+                        <a:schemeClr val="tx1"/>
+                      </a:solidFill>
+                      <a:prstDash val="solid"/>
+                      <a:round/>
+                      <a:headEnd type="none" w="med" len="med"/>
+                      <a:tailEnd type="none" w="med" len="med"/>
+                    </a:lnR>
+                    <a:lnT w="12700" cap="flat" cmpd="sng" algn="ctr">
+                      <a:solidFill>
+                        <a:schemeClr val="tx1"/>
+                      </a:solidFill>
+                      <a:prstDash val="solid"/>
+                      <a:round/>
+                      <a:headEnd type="none" w="med" len="med"/>
+                      <a:tailEnd type="none" w="med" len="med"/>
+                    </a:lnT>
+                    <a:lnB w="12700" cap="flat" cmpd="sng" algn="ctr">
+                      <a:solidFill>
+                        <a:schemeClr val="tx1"/>
+                      </a:solidFill>
+                      <a:prstDash val="solid"/>
+                      <a:round/>
+                      <a:headEnd type="none" w="med" len="med"/>
+                      <a:tailEnd type="none" w="med" len="med"/>
+                    </a:lnB>
+                    <a:lnTlToBr w="12700" cmpd="sng">
+                      <a:noFill/>
+                      <a:prstDash val="solid"/>
+                    </a:lnTlToBr>
+                    <a:lnBlToTr w="12700" cmpd="sng">
+                      <a:noFill/>
+                      <a:prstDash val="solid"/>
+                    </a:lnBlToTr>
+                  </a:tcPr>
+                </a:tc>
+                <a:extLst>
+                  <a:ext uri="{0D108BD9-81ED-4DB2-BD59-A6C34878D82A}">
+                    <a16:rowId xmlns:a16="http://schemas.microsoft.com/office/drawing/2014/main" val="3926747283"/>
+                  </a:ext>
+                </a:extLst>
+              </a:tr>
+              <a:tr h="480775">
+                <a:tc>
+                  <a:txBody>
+                    <a:bodyPr/>
+                    <a:lstStyle/>
+                    <a:p>
+                      <a:r>
+                        <a:rPr lang="en-US" altLang="zh-TW" sz="1200" b="1" dirty="0"/>
+                        <a:t>FF</a:t>
+                      </a:r>
+                      <a:endParaRPr lang="zh-TW" altLang="en-US" sz="1200" b="1" dirty="0"/>
+                    </a:p>
+                  </a:txBody>
+                  <a:tcPr anchor="ctr">
+                    <a:lnL w="12700" cap="flat" cmpd="sng" algn="ctr">
+                      <a:solidFill>
+                        <a:schemeClr val="tx1"/>
+                      </a:solidFill>
+                      <a:prstDash val="solid"/>
+                      <a:round/>
+                      <a:headEnd type="none" w="med" len="med"/>
+                      <a:tailEnd type="none" w="med" len="med"/>
+                    </a:lnL>
+                    <a:lnR w="12700" cap="flat" cmpd="sng" algn="ctr">
+                      <a:solidFill>
+                        <a:schemeClr val="tx1"/>
+                      </a:solidFill>
+                      <a:prstDash val="solid"/>
+                      <a:round/>
+                      <a:headEnd type="none" w="med" len="med"/>
+                      <a:tailEnd type="none" w="med" len="med"/>
+                    </a:lnR>
+                    <a:lnT w="12700" cap="flat" cmpd="sng" algn="ctr">
+                      <a:solidFill>
+                        <a:schemeClr val="tx1"/>
+                      </a:solidFill>
+                      <a:prstDash val="solid"/>
+                      <a:round/>
+                      <a:headEnd type="none" w="med" len="med"/>
+                      <a:tailEnd type="none" w="med" len="med"/>
+                    </a:lnT>
+                    <a:lnB w="12700" cap="flat" cmpd="sng" algn="ctr">
+                      <a:solidFill>
+                        <a:schemeClr val="tx1"/>
+                      </a:solidFill>
+                      <a:prstDash val="solid"/>
+                      <a:round/>
+                      <a:headEnd type="none" w="med" len="med"/>
+                      <a:tailEnd type="none" w="med" len="med"/>
+                    </a:lnB>
+                    <a:lnTlToBr w="12700" cmpd="sng">
+                      <a:noFill/>
+                      <a:prstDash val="solid"/>
+                    </a:lnTlToBr>
+                    <a:lnBlToTr w="12700" cmpd="sng">
+                      <a:noFill/>
+                      <a:prstDash val="solid"/>
+                    </a:lnBlToTr>
+                  </a:tcPr>
+                </a:tc>
+                <a:tc>
+                  <a:txBody>
+                    <a:bodyPr/>
+                    <a:lstStyle/>
+                    <a:p>
+                      <a:pPr algn="ctr"/>
+                      <a:r>
+                        <a:rPr lang="en-US" altLang="zh-TW" sz="1200" b="1" dirty="0"/>
+                        <a:t>2229</a:t>
+                      </a:r>
+                      <a:endParaRPr lang="zh-TW" altLang="en-US" sz="1200" b="1" dirty="0"/>
+                    </a:p>
+                  </a:txBody>
+                  <a:tcPr anchor="ctr">
+                    <a:lnL w="12700" cap="flat" cmpd="sng" algn="ctr">
+                      <a:solidFill>
+                        <a:schemeClr val="tx1"/>
+                      </a:solidFill>
+                      <a:prstDash val="solid"/>
+                      <a:round/>
+                      <a:headEnd type="none" w="med" len="med"/>
+                      <a:tailEnd type="none" w="med" len="med"/>
+                    </a:lnL>
+                    <a:lnR w="12700" cap="flat" cmpd="sng" algn="ctr">
+                      <a:solidFill>
+                        <a:schemeClr val="tx1"/>
+                      </a:solidFill>
+                      <a:prstDash val="solid"/>
+                      <a:round/>
+                      <a:headEnd type="none" w="med" len="med"/>
+                      <a:tailEnd type="none" w="med" len="med"/>
+                    </a:lnR>
+                    <a:lnT w="12700" cap="flat" cmpd="sng" algn="ctr">
+                      <a:solidFill>
+                        <a:schemeClr val="tx1"/>
+                      </a:solidFill>
+                      <a:prstDash val="solid"/>
+                      <a:round/>
+                      <a:headEnd type="none" w="med" len="med"/>
+                      <a:tailEnd type="none" w="med" len="med"/>
+                    </a:lnT>
+                    <a:lnB w="12700" cap="flat" cmpd="sng" algn="ctr">
+                      <a:solidFill>
+                        <a:schemeClr val="tx1"/>
+                      </a:solidFill>
+                      <a:prstDash val="solid"/>
+                      <a:round/>
+                      <a:headEnd type="none" w="med" len="med"/>
+                      <a:tailEnd type="none" w="med" len="med"/>
+                    </a:lnB>
+                    <a:lnTlToBr w="12700" cmpd="sng">
+                      <a:noFill/>
+                      <a:prstDash val="solid"/>
+                    </a:lnTlToBr>
+                    <a:lnBlToTr w="12700" cmpd="sng">
+                      <a:noFill/>
+                      <a:prstDash val="solid"/>
+                    </a:lnBlToTr>
+                  </a:tcPr>
+                </a:tc>
+                <a:extLst>
+                  <a:ext uri="{0D108BD9-81ED-4DB2-BD59-A6C34878D82A}">
+                    <a16:rowId xmlns:a16="http://schemas.microsoft.com/office/drawing/2014/main" val="3935625904"/>
+                  </a:ext>
+                </a:extLst>
+              </a:tr>
+              <a:tr h="480775">
+                <a:tc>
+                  <a:txBody>
+                    <a:bodyPr/>
+                    <a:lstStyle/>
+                    <a:p>
+                      <a:r>
+                        <a:rPr lang="en-US" altLang="zh-TW" sz="1200" b="1" dirty="0"/>
+                        <a:t>BRAM</a:t>
+                      </a:r>
+                      <a:endParaRPr lang="zh-TW" altLang="en-US" sz="1200" b="1" dirty="0"/>
+                    </a:p>
+                  </a:txBody>
+                  <a:tcPr anchor="ctr">
+                    <a:lnL w="12700" cap="flat" cmpd="sng" algn="ctr">
+                      <a:solidFill>
+                        <a:schemeClr val="tx1"/>
+                      </a:solidFill>
+                      <a:prstDash val="solid"/>
+                      <a:round/>
+                      <a:headEnd type="none" w="med" len="med"/>
+                      <a:tailEnd type="none" w="med" len="med"/>
+                    </a:lnL>
+                    <a:lnR w="12700" cap="flat" cmpd="sng" algn="ctr">
+                      <a:solidFill>
+                        <a:schemeClr val="tx1"/>
+                      </a:solidFill>
+                      <a:prstDash val="solid"/>
+                      <a:round/>
+                      <a:headEnd type="none" w="med" len="med"/>
+                      <a:tailEnd type="none" w="med" len="med"/>
+                    </a:lnR>
+                    <a:lnT w="12700" cap="flat" cmpd="sng" algn="ctr">
+                      <a:solidFill>
+                        <a:schemeClr val="tx1"/>
+                      </a:solidFill>
+                      <a:prstDash val="solid"/>
+                      <a:round/>
+                      <a:headEnd type="none" w="med" len="med"/>
+                      <a:tailEnd type="none" w="med" len="med"/>
+                    </a:lnT>
+                    <a:lnB w="12700" cap="flat" cmpd="sng" algn="ctr">
+                      <a:solidFill>
+                        <a:schemeClr val="tx1"/>
+                      </a:solidFill>
+                      <a:prstDash val="solid"/>
+                      <a:round/>
+                      <a:headEnd type="none" w="med" len="med"/>
+                      <a:tailEnd type="none" w="med" len="med"/>
+                    </a:lnB>
+                    <a:lnTlToBr w="12700" cmpd="sng">
+                      <a:noFill/>
+                      <a:prstDash val="solid"/>
+                    </a:lnTlToBr>
+                    <a:lnBlToTr w="12700" cmpd="sng">
+                      <a:noFill/>
+                      <a:prstDash val="solid"/>
+                    </a:lnBlToTr>
+                  </a:tcPr>
+                </a:tc>
+                <a:tc>
+                  <a:txBody>
+                    <a:bodyPr/>
+                    <a:lstStyle/>
+                    <a:p>
+                      <a:pPr algn="ctr"/>
+                      <a:r>
+                        <a:rPr lang="en-US" altLang="zh-TW" sz="1200" b="1" dirty="0"/>
+                        <a:t>1.5</a:t>
+                      </a:r>
+                      <a:endParaRPr lang="zh-TW" altLang="en-US" sz="1200" b="1" dirty="0"/>
+                    </a:p>
+                  </a:txBody>
+                  <a:tcPr anchor="ctr">
+                    <a:lnL w="12700" cap="flat" cmpd="sng" algn="ctr">
+                      <a:solidFill>
+                        <a:schemeClr val="tx1"/>
+                      </a:solidFill>
+                      <a:prstDash val="solid"/>
+                      <a:round/>
+                      <a:headEnd type="none" w="med" len="med"/>
+                      <a:tailEnd type="none" w="med" len="med"/>
+                    </a:lnL>
+                    <a:lnR w="12700" cap="flat" cmpd="sng" algn="ctr">
+                      <a:solidFill>
+                        <a:schemeClr val="tx1"/>
+                      </a:solidFill>
+                      <a:prstDash val="solid"/>
+                      <a:round/>
+                      <a:headEnd type="none" w="med" len="med"/>
+                      <a:tailEnd type="none" w="med" len="med"/>
+                    </a:lnR>
+                    <a:lnT w="12700" cap="flat" cmpd="sng" algn="ctr">
+                      <a:solidFill>
+                        <a:schemeClr val="tx1"/>
+                      </a:solidFill>
+                      <a:prstDash val="solid"/>
+                      <a:round/>
+                      <a:headEnd type="none" w="med" len="med"/>
+                      <a:tailEnd type="none" w="med" len="med"/>
+                    </a:lnT>
+                    <a:lnB w="12700" cap="flat" cmpd="sng" algn="ctr">
+                      <a:solidFill>
+                        <a:schemeClr val="tx1"/>
+                      </a:solidFill>
+                      <a:prstDash val="solid"/>
+                      <a:round/>
+                      <a:headEnd type="none" w="med" len="med"/>
+                      <a:tailEnd type="none" w="med" len="med"/>
+                    </a:lnB>
+                    <a:lnTlToBr w="12700" cmpd="sng">
+                      <a:noFill/>
+                      <a:prstDash val="solid"/>
+                    </a:lnTlToBr>
+                    <a:lnBlToTr w="12700" cmpd="sng">
+                      <a:noFill/>
+                      <a:prstDash val="solid"/>
+                    </a:lnBlToTr>
+                  </a:tcPr>
+                </a:tc>
+                <a:extLst>
+                  <a:ext uri="{0D108BD9-81ED-4DB2-BD59-A6C34878D82A}">
+                    <a16:rowId xmlns:a16="http://schemas.microsoft.com/office/drawing/2014/main" val="1727100914"/>
+                  </a:ext>
+                </a:extLst>
+              </a:tr>
+              <a:tr h="480775">
+                <a:tc>
+                  <a:txBody>
+                    <a:bodyPr/>
+                    <a:lstStyle/>
+                    <a:p>
+                      <a:r>
+                        <a:rPr lang="en-US" altLang="zh-TW" sz="1200" b="1" dirty="0"/>
+                        <a:t>DSP</a:t>
+                      </a:r>
+                      <a:endParaRPr lang="zh-TW" altLang="en-US" sz="1200" b="1" dirty="0"/>
+                    </a:p>
+                  </a:txBody>
+                  <a:tcPr anchor="ctr">
+                    <a:lnL w="12700" cap="flat" cmpd="sng" algn="ctr">
+                      <a:solidFill>
+                        <a:schemeClr val="tx1"/>
+                      </a:solidFill>
+                      <a:prstDash val="solid"/>
+                      <a:round/>
+                      <a:headEnd type="none" w="med" len="med"/>
+                      <a:tailEnd type="none" w="med" len="med"/>
+                    </a:lnL>
+                    <a:lnR w="12700" cap="flat" cmpd="sng" algn="ctr">
+                      <a:solidFill>
+                        <a:schemeClr val="tx1"/>
+                      </a:solidFill>
+                      <a:prstDash val="solid"/>
+                      <a:round/>
+                      <a:headEnd type="none" w="med" len="med"/>
+                      <a:tailEnd type="none" w="med" len="med"/>
+                    </a:lnR>
+                    <a:lnT w="12700" cap="flat" cmpd="sng" algn="ctr">
+                      <a:solidFill>
+                        <a:schemeClr val="tx1"/>
+                      </a:solidFill>
+                      <a:prstDash val="solid"/>
+                      <a:round/>
+                      <a:headEnd type="none" w="med" len="med"/>
+                      <a:tailEnd type="none" w="med" len="med"/>
+                    </a:lnT>
+                    <a:lnB w="12700" cap="flat" cmpd="sng" algn="ctr">
+                      <a:solidFill>
+                        <a:schemeClr val="tx1"/>
+                      </a:solidFill>
+                      <a:prstDash val="solid"/>
+                      <a:round/>
+                      <a:headEnd type="none" w="med" len="med"/>
+                      <a:tailEnd type="none" w="med" len="med"/>
+                    </a:lnB>
+                    <a:lnTlToBr w="12700" cmpd="sng">
+                      <a:noFill/>
+                      <a:prstDash val="solid"/>
+                    </a:lnTlToBr>
+                    <a:lnBlToTr w="12700" cmpd="sng">
+                      <a:noFill/>
+                      <a:prstDash val="solid"/>
+                    </a:lnBlToTr>
+                  </a:tcPr>
+                </a:tc>
+                <a:tc>
+                  <a:txBody>
+                    <a:bodyPr/>
+                    <a:lstStyle/>
+                    <a:p>
+                      <a:pPr algn="ctr"/>
+                      <a:r>
+                        <a:rPr lang="en-US" altLang="zh-TW" sz="1200" b="1" dirty="0"/>
+                        <a:t>3</a:t>
+                      </a:r>
+                      <a:endParaRPr lang="zh-TW" altLang="en-US" sz="1200" b="1" dirty="0"/>
+                    </a:p>
+                  </a:txBody>
+                  <a:tcPr anchor="ctr">
+                    <a:lnL w="12700" cap="flat" cmpd="sng" algn="ctr">
+                      <a:solidFill>
+                        <a:schemeClr val="tx1"/>
+                      </a:solidFill>
+                      <a:prstDash val="solid"/>
+                      <a:round/>
+                      <a:headEnd type="none" w="med" len="med"/>
+                      <a:tailEnd type="none" w="med" len="med"/>
+                    </a:lnL>
+                    <a:lnR w="12700" cap="flat" cmpd="sng" algn="ctr">
+                      <a:solidFill>
+                        <a:schemeClr val="tx1"/>
+                      </a:solidFill>
+                      <a:prstDash val="solid"/>
+                      <a:round/>
+                      <a:headEnd type="none" w="med" len="med"/>
+                      <a:tailEnd type="none" w="med" len="med"/>
+                    </a:lnR>
+                    <a:lnT w="12700" cap="flat" cmpd="sng" algn="ctr">
+                      <a:solidFill>
+                        <a:schemeClr val="tx1"/>
+                      </a:solidFill>
+                      <a:prstDash val="solid"/>
+                      <a:round/>
+                      <a:headEnd type="none" w="med" len="med"/>
+                      <a:tailEnd type="none" w="med" len="med"/>
+                    </a:lnT>
+                    <a:lnB w="12700" cap="flat" cmpd="sng" algn="ctr">
+                      <a:solidFill>
+                        <a:schemeClr val="tx1"/>
+                      </a:solidFill>
+                      <a:prstDash val="solid"/>
+                      <a:round/>
+                      <a:headEnd type="none" w="med" len="med"/>
+                      <a:tailEnd type="none" w="med" len="med"/>
+                    </a:lnB>
+                    <a:lnTlToBr w="12700" cmpd="sng">
+                      <a:noFill/>
+                      <a:prstDash val="solid"/>
+                    </a:lnTlToBr>
+                    <a:lnBlToTr w="12700" cmpd="sng">
+                      <a:noFill/>
+                      <a:prstDash val="solid"/>
+                    </a:lnBlToTr>
+                  </a:tcPr>
+                </a:tc>
+                <a:extLst>
+                  <a:ext uri="{0D108BD9-81ED-4DB2-BD59-A6C34878D82A}">
+                    <a16:rowId xmlns:a16="http://schemas.microsoft.com/office/drawing/2014/main" val="3506169593"/>
+                  </a:ext>
+                </a:extLst>
+              </a:tr>
+              <a:tr h="480775">
+                <a:tc>
+                  <a:txBody>
+                    <a:bodyPr/>
+                    <a:lstStyle/>
+                    <a:p>
+                      <a:pPr marL="0" marR="0" lvl="0" indent="0" algn="l" defTabSz="914400" rtl="0" eaLnBrk="1" fontAlgn="auto" latinLnBrk="0" hangingPunct="1">
+                        <a:lnSpc>
+                          <a:spcPct val="100000"/>
+                        </a:lnSpc>
+                        <a:spcBef>
+                          <a:spcPts val="0"/>
+                        </a:spcBef>
+                        <a:spcAft>
+                          <a:spcPts val="0"/>
+                        </a:spcAft>
+                        <a:buClrTx/>
+                        <a:buSzTx/>
+                        <a:buFontTx/>
+                        <a:buNone/>
+                        <a:tabLst/>
+                        <a:defRPr/>
+                      </a:pPr>
+                      <a:r>
+                        <a:rPr lang="en-US" altLang="zh-TW" sz="1200" b="1" dirty="0"/>
+                        <a:t>Worst Negative Slack (ns)</a:t>
+                      </a:r>
+                      <a:endParaRPr lang="zh-TW" altLang="en-US" sz="1200" b="1" dirty="0"/>
+                    </a:p>
+                  </a:txBody>
+                  <a:tcPr anchor="ctr">
+                    <a:lnL w="12700" cap="flat" cmpd="sng" algn="ctr">
+                      <a:solidFill>
+                        <a:schemeClr val="tx1"/>
+                      </a:solidFill>
+                      <a:prstDash val="solid"/>
+                      <a:round/>
+                      <a:headEnd type="none" w="med" len="med"/>
+                      <a:tailEnd type="none" w="med" len="med"/>
+                    </a:lnL>
+                    <a:lnR w="12700" cap="flat" cmpd="sng" algn="ctr">
+                      <a:solidFill>
+                        <a:schemeClr val="tx1"/>
+                      </a:solidFill>
+                      <a:prstDash val="solid"/>
+                      <a:round/>
+                      <a:headEnd type="none" w="med" len="med"/>
+                      <a:tailEnd type="none" w="med" len="med"/>
+                    </a:lnR>
+                    <a:lnT w="12700" cap="flat" cmpd="sng" algn="ctr">
+                      <a:solidFill>
+                        <a:schemeClr val="tx1"/>
+                      </a:solidFill>
+                      <a:prstDash val="solid"/>
+                      <a:round/>
+                      <a:headEnd type="none" w="med" len="med"/>
+                      <a:tailEnd type="none" w="med" len="med"/>
+                    </a:lnT>
+                    <a:lnB w="12700" cap="flat" cmpd="sng" algn="ctr">
+                      <a:solidFill>
+                        <a:schemeClr val="tx1"/>
+                      </a:solidFill>
+                      <a:prstDash val="solid"/>
+                      <a:round/>
+                      <a:headEnd type="none" w="med" len="med"/>
+                      <a:tailEnd type="none" w="med" len="med"/>
+                    </a:lnB>
+                    <a:lnTlToBr w="12700" cmpd="sng">
+                      <a:noFill/>
+                      <a:prstDash val="solid"/>
+                    </a:lnTlToBr>
+                    <a:lnBlToTr w="12700" cmpd="sng">
+                      <a:noFill/>
+                      <a:prstDash val="solid"/>
+                    </a:lnBlToTr>
+                  </a:tcPr>
+                </a:tc>
+                <a:tc>
+                  <a:txBody>
+                    <a:bodyPr/>
+                    <a:lstStyle/>
+                    <a:p>
+                      <a:pPr marL="0" algn="ctr" defTabSz="914411" rtl="0" eaLnBrk="1" latinLnBrk="0" hangingPunct="1"/>
+                      <a:r>
+                        <a:rPr lang="en-US" altLang="zh-TW" sz="1200" b="1" kern="1200" dirty="0">
+                          <a:solidFill>
+                            <a:schemeClr val="dk1"/>
+                          </a:solidFill>
+                          <a:latin typeface="+mn-lt"/>
+                          <a:ea typeface="+mn-ea"/>
+                          <a:cs typeface="+mn-cs"/>
+                        </a:rPr>
+                        <a:t>0.017</a:t>
+                      </a:r>
+                      <a:endParaRPr lang="zh-TW" altLang="en-US" sz="1200" b="1" kern="1200" dirty="0">
+                        <a:solidFill>
+                          <a:schemeClr val="dk1"/>
+                        </a:solidFill>
+                        <a:latin typeface="+mn-lt"/>
+                        <a:ea typeface="+mn-ea"/>
+                        <a:cs typeface="+mn-cs"/>
+                      </a:endParaRPr>
+                    </a:p>
+                  </a:txBody>
+                  <a:tcPr anchor="ctr">
+                    <a:lnL w="12700" cap="flat" cmpd="sng" algn="ctr">
+                      <a:solidFill>
+                        <a:schemeClr val="tx1"/>
+                      </a:solidFill>
+                      <a:prstDash val="solid"/>
+                      <a:round/>
+                      <a:headEnd type="none" w="med" len="med"/>
+                      <a:tailEnd type="none" w="med" len="med"/>
+                    </a:lnL>
+                    <a:lnR w="12700" cap="flat" cmpd="sng" algn="ctr">
+                      <a:solidFill>
+                        <a:schemeClr val="tx1"/>
+                      </a:solidFill>
+                      <a:prstDash val="solid"/>
+                      <a:round/>
+                      <a:headEnd type="none" w="med" len="med"/>
+                      <a:tailEnd type="none" w="med" len="med"/>
+                    </a:lnR>
+                    <a:lnT w="12700" cap="flat" cmpd="sng" algn="ctr">
+                      <a:solidFill>
+                        <a:schemeClr val="tx1"/>
+                      </a:solidFill>
+                      <a:prstDash val="solid"/>
+                      <a:round/>
+                      <a:headEnd type="none" w="med" len="med"/>
+                      <a:tailEnd type="none" w="med" len="med"/>
+                    </a:lnT>
+                    <a:lnB w="12700" cap="flat" cmpd="sng" algn="ctr">
+                      <a:solidFill>
+                        <a:schemeClr val="tx1"/>
+                      </a:solidFill>
+                      <a:prstDash val="solid"/>
+                      <a:round/>
+                      <a:headEnd type="none" w="med" len="med"/>
+                      <a:tailEnd type="none" w="med" len="med"/>
+                    </a:lnB>
+                    <a:lnTlToBr w="12700" cmpd="sng">
+                      <a:noFill/>
+                      <a:prstDash val="solid"/>
+                    </a:lnTlToBr>
+                    <a:lnBlToTr w="12700" cmpd="sng">
+                      <a:noFill/>
+                      <a:prstDash val="solid"/>
+                    </a:lnBlToTr>
+                  </a:tcPr>
+                </a:tc>
+                <a:extLst>
+                  <a:ext uri="{0D108BD9-81ED-4DB2-BD59-A6C34878D82A}">
+                    <a16:rowId xmlns:a16="http://schemas.microsoft.com/office/drawing/2014/main" val="2888799551"/>
+                  </a:ext>
+                </a:extLst>
+              </a:tr>
+              <a:tr h="480775">
+                <a:tc>
+                  <a:txBody>
+                    <a:bodyPr/>
+                    <a:lstStyle/>
+                    <a:p>
+                      <a:r>
+                        <a:rPr lang="en-US" altLang="zh-TW" sz="1200" b="1" dirty="0"/>
+                        <a:t>Total On-Chip Power</a:t>
+                      </a:r>
+                      <a:endParaRPr lang="zh-TW" altLang="en-US" sz="1200" b="1" dirty="0"/>
+                    </a:p>
+                  </a:txBody>
+                  <a:tcPr anchor="ctr">
+                    <a:lnL w="12700" cap="flat" cmpd="sng" algn="ctr">
+                      <a:solidFill>
+                        <a:schemeClr val="tx1"/>
+                      </a:solidFill>
+                      <a:prstDash val="solid"/>
+                      <a:round/>
+                      <a:headEnd type="none" w="med" len="med"/>
+                      <a:tailEnd type="none" w="med" len="med"/>
+                    </a:lnL>
+                    <a:lnR w="12700" cap="flat" cmpd="sng" algn="ctr">
+                      <a:solidFill>
+                        <a:schemeClr val="tx1"/>
+                      </a:solidFill>
+                      <a:prstDash val="solid"/>
+                      <a:round/>
+                      <a:headEnd type="none" w="med" len="med"/>
+                      <a:tailEnd type="none" w="med" len="med"/>
+                    </a:lnR>
+                    <a:lnT w="12700" cap="flat" cmpd="sng" algn="ctr">
+                      <a:solidFill>
+                        <a:schemeClr val="tx1"/>
+                      </a:solidFill>
+                      <a:prstDash val="solid"/>
+                      <a:round/>
+                      <a:headEnd type="none" w="med" len="med"/>
+                      <a:tailEnd type="none" w="med" len="med"/>
+                    </a:lnT>
+                    <a:lnB w="12700" cap="flat" cmpd="sng" algn="ctr">
+                      <a:solidFill>
+                        <a:schemeClr val="tx1"/>
+                      </a:solidFill>
+                      <a:prstDash val="solid"/>
+                      <a:round/>
+                      <a:headEnd type="none" w="med" len="med"/>
+                      <a:tailEnd type="none" w="med" len="med"/>
+                    </a:lnB>
+                    <a:lnTlToBr w="12700" cmpd="sng">
+                      <a:noFill/>
+                      <a:prstDash val="solid"/>
+                    </a:lnTlToBr>
+                    <a:lnBlToTr w="12700" cmpd="sng">
+                      <a:noFill/>
+                      <a:prstDash val="solid"/>
+                    </a:lnBlToTr>
+                  </a:tcPr>
+                </a:tc>
+                <a:tc>
+                  <a:txBody>
+                    <a:bodyPr/>
+                    <a:lstStyle/>
+                    <a:p>
+                      <a:pPr marL="0" algn="ctr" defTabSz="914411" rtl="0" eaLnBrk="1" latinLnBrk="0" hangingPunct="1"/>
+                      <a:r>
+                        <a:rPr lang="en-US" altLang="zh-TW" sz="1200" b="1" kern="1200" dirty="0">
+                          <a:solidFill>
+                            <a:schemeClr val="dk1"/>
+                          </a:solidFill>
+                          <a:latin typeface="+mn-lt"/>
+                          <a:ea typeface="+mn-ea"/>
+                          <a:cs typeface="+mn-cs"/>
+                        </a:rPr>
+                        <a:t>1.313</a:t>
+                      </a:r>
+                      <a:endParaRPr lang="zh-TW" altLang="en-US" sz="1200" b="1" kern="1200" dirty="0">
+                        <a:solidFill>
+                          <a:schemeClr val="dk1"/>
+                        </a:solidFill>
+                        <a:latin typeface="+mn-lt"/>
+                        <a:ea typeface="+mn-ea"/>
+                        <a:cs typeface="+mn-cs"/>
+                      </a:endParaRPr>
+                    </a:p>
+                  </a:txBody>
+                  <a:tcPr anchor="ctr">
+                    <a:lnL w="12700" cap="flat" cmpd="sng" algn="ctr">
+                      <a:solidFill>
+                        <a:schemeClr val="tx1"/>
+                      </a:solidFill>
+                      <a:prstDash val="solid"/>
+                      <a:round/>
+                      <a:headEnd type="none" w="med" len="med"/>
+                      <a:tailEnd type="none" w="med" len="med"/>
+                    </a:lnL>
+                    <a:lnR w="12700" cap="flat" cmpd="sng" algn="ctr">
+                      <a:solidFill>
+                        <a:schemeClr val="tx1"/>
+                      </a:solidFill>
+                      <a:prstDash val="solid"/>
+                      <a:round/>
+                      <a:headEnd type="none" w="med" len="med"/>
+                      <a:tailEnd type="none" w="med" len="med"/>
+                    </a:lnR>
+                    <a:lnT w="12700" cap="flat" cmpd="sng" algn="ctr">
+                      <a:solidFill>
+                        <a:schemeClr val="tx1"/>
+                      </a:solidFill>
+                      <a:prstDash val="solid"/>
+                      <a:round/>
+                      <a:headEnd type="none" w="med" len="med"/>
+                      <a:tailEnd type="none" w="med" len="med"/>
+                    </a:lnT>
+                    <a:lnB w="12700" cap="flat" cmpd="sng" algn="ctr">
+                      <a:solidFill>
+                        <a:schemeClr val="tx1"/>
+                      </a:solidFill>
+                      <a:prstDash val="solid"/>
+                      <a:round/>
+                      <a:headEnd type="none" w="med" len="med"/>
+                      <a:tailEnd type="none" w="med" len="med"/>
+                    </a:lnB>
+                    <a:lnTlToBr w="12700" cmpd="sng">
+                      <a:noFill/>
+                      <a:prstDash val="solid"/>
+                    </a:lnTlToBr>
+                    <a:lnBlToTr w="12700" cmpd="sng">
+                      <a:noFill/>
+                      <a:prstDash val="solid"/>
+                    </a:lnBlToTr>
+                  </a:tcPr>
+                </a:tc>
+                <a:extLst>
+                  <a:ext uri="{0D108BD9-81ED-4DB2-BD59-A6C34878D82A}">
+                    <a16:rowId xmlns:a16="http://schemas.microsoft.com/office/drawing/2014/main" val="3802768643"/>
+                  </a:ext>
+                </a:extLst>
+              </a:tr>
+              <a:tr h="480775">
+                <a:tc>
+                  <a:txBody>
+                    <a:bodyPr/>
+                    <a:lstStyle/>
+                    <a:p>
+                      <a:r>
+                        <a:rPr lang="en-US" altLang="zh-TW" sz="1200" b="1" dirty="0"/>
+                        <a:t>Junction Temperature</a:t>
+                      </a:r>
+                      <a:endParaRPr lang="zh-TW" altLang="en-US" sz="1200" b="1" dirty="0"/>
+                    </a:p>
+                  </a:txBody>
+                  <a:tcPr anchor="ctr">
+                    <a:lnL w="12700" cap="flat" cmpd="sng" algn="ctr">
+                      <a:solidFill>
+                        <a:schemeClr val="tx1"/>
+                      </a:solidFill>
+                      <a:prstDash val="solid"/>
+                      <a:round/>
+                      <a:headEnd type="none" w="med" len="med"/>
+                      <a:tailEnd type="none" w="med" len="med"/>
+                    </a:lnL>
+                    <a:lnR w="12700" cap="flat" cmpd="sng" algn="ctr">
+                      <a:solidFill>
+                        <a:schemeClr val="tx1"/>
+                      </a:solidFill>
+                      <a:prstDash val="solid"/>
+                      <a:round/>
+                      <a:headEnd type="none" w="med" len="med"/>
+                      <a:tailEnd type="none" w="med" len="med"/>
+                    </a:lnR>
+                    <a:lnT w="12700" cap="flat" cmpd="sng" algn="ctr">
+                      <a:solidFill>
+                        <a:schemeClr val="tx1"/>
+                      </a:solidFill>
+                      <a:prstDash val="solid"/>
+                      <a:round/>
+                      <a:headEnd type="none" w="med" len="med"/>
+                      <a:tailEnd type="none" w="med" len="med"/>
+                    </a:lnT>
+                    <a:lnB w="12700" cap="flat" cmpd="sng" algn="ctr">
+                      <a:solidFill>
+                        <a:schemeClr val="tx1"/>
+                      </a:solidFill>
+                      <a:prstDash val="solid"/>
+                      <a:round/>
+                      <a:headEnd type="none" w="med" len="med"/>
+                      <a:tailEnd type="none" w="med" len="med"/>
+                    </a:lnB>
+                    <a:lnTlToBr w="12700" cmpd="sng">
+                      <a:noFill/>
+                      <a:prstDash val="solid"/>
+                    </a:lnTlToBr>
+                    <a:lnBlToTr w="12700" cmpd="sng">
+                      <a:noFill/>
+                      <a:prstDash val="solid"/>
+                    </a:lnBlToTr>
+                  </a:tcPr>
+                </a:tc>
+                <a:tc>
+                  <a:txBody>
+                    <a:bodyPr/>
+                    <a:lstStyle/>
+                    <a:p>
+                      <a:pPr algn="ctr"/>
+                      <a:r>
+                        <a:rPr lang="en-US" altLang="zh-TW" sz="1200" b="1" dirty="0"/>
+                        <a:t>40.1</a:t>
+                      </a:r>
+                      <a:endParaRPr lang="zh-TW" altLang="en-US" sz="1200" b="1" dirty="0"/>
+                    </a:p>
+                  </a:txBody>
+                  <a:tcPr anchor="ctr">
+                    <a:lnL w="12700" cap="flat" cmpd="sng" algn="ctr">
+                      <a:solidFill>
+                        <a:schemeClr val="tx1"/>
+                      </a:solidFill>
+                      <a:prstDash val="solid"/>
+                      <a:round/>
+                      <a:headEnd type="none" w="med" len="med"/>
+                      <a:tailEnd type="none" w="med" len="med"/>
+                    </a:lnL>
+                    <a:lnR w="12700" cap="flat" cmpd="sng" algn="ctr">
+                      <a:solidFill>
+                        <a:schemeClr val="tx1"/>
+                      </a:solidFill>
+                      <a:prstDash val="solid"/>
+                      <a:round/>
+                      <a:headEnd type="none" w="med" len="med"/>
+                      <a:tailEnd type="none" w="med" len="med"/>
+                    </a:lnR>
+                    <a:lnT w="12700" cap="flat" cmpd="sng" algn="ctr">
+                      <a:solidFill>
+                        <a:schemeClr val="tx1"/>
+                      </a:solidFill>
+                      <a:prstDash val="solid"/>
+                      <a:round/>
+                      <a:headEnd type="none" w="med" len="med"/>
+                      <a:tailEnd type="none" w="med" len="med"/>
+                    </a:lnT>
+                    <a:lnB w="12700" cap="flat" cmpd="sng" algn="ctr">
+                      <a:solidFill>
+                        <a:schemeClr val="tx1"/>
+                      </a:solidFill>
+                      <a:prstDash val="solid"/>
+                      <a:round/>
+                      <a:headEnd type="none" w="med" len="med"/>
+                      <a:tailEnd type="none" w="med" len="med"/>
+                    </a:lnB>
+                    <a:lnTlToBr w="12700" cmpd="sng">
+                      <a:noFill/>
+                      <a:prstDash val="solid"/>
+                    </a:lnTlToBr>
+                    <a:lnBlToTr w="12700" cmpd="sng">
+                      <a:noFill/>
+                      <a:prstDash val="solid"/>
+                    </a:lnBlToTr>
+                  </a:tcPr>
+                </a:tc>
+                <a:extLst>
+                  <a:ext uri="{0D108BD9-81ED-4DB2-BD59-A6C34878D82A}">
+                    <a16:rowId xmlns:a16="http://schemas.microsoft.com/office/drawing/2014/main" val="3493964112"/>
+                  </a:ext>
+                </a:extLst>
+              </a:tr>
+            </a:tbl>
+          </a:graphicData>
+        </a:graphic>
+      </p:graphicFrame>
+    </p:spTree>
+    <p:extLst>
+      <p:ext uri="{BB962C8B-B14F-4D97-AF65-F5344CB8AC3E}">
+        <p14:creationId xmlns:p14="http://schemas.microsoft.com/office/powerpoint/2010/main" val="2189736553"/>
+      </p:ext>
+    </p:extLst>
+  </p:cSld>
+  <p:clrMapOvr>
+    <a:masterClrMapping/>
+  </p:clrMapOvr>
+</p:sld>
+</file>
+
+<file path=ppt/slides/slide14.xml><?xml version="1.0" encoding="utf-8"?>
+<p:sld xmlns:a="http://schemas.openxmlformats.org/drawingml/2006/main" xmlns:r="http://schemas.openxmlformats.org/officeDocument/2006/relationships" xmlns:p="http://schemas.openxmlformats.org/presentationml/2006/main">
+  <p:cSld>
+    <p:spTree>
+      <p:nvGrpSpPr>
+        <p:cNvPr id="1" name=""/>
+        <p:cNvGrpSpPr/>
+        <p:nvPr/>
+      </p:nvGrpSpPr>
+      <p:grpSpPr>
+        <a:xfrm>
+          <a:off x="0" y="0"/>
+          <a:ext cx="0" cy="0"/>
+          <a:chOff x="0" y="0"/>
+          <a:chExt cx="0" cy="0"/>
+        </a:xfrm>
+      </p:grpSpPr>
+      <p:sp>
+        <p:nvSpPr>
+          <p:cNvPr id="3" name="標題 2">
+            <a:extLst>
+              <a:ext uri="{FF2B5EF4-FFF2-40B4-BE49-F238E27FC236}">
+                <a16:creationId xmlns:a16="http://schemas.microsoft.com/office/drawing/2014/main" id="{B0FE567C-34C6-4F98-A84A-4DEAB1E49A7C}"/>
+              </a:ext>
+            </a:extLst>
+          </p:cNvPr>
+          <p:cNvSpPr>
+            <a:spLocks noGrp="1"/>
+          </p:cNvSpPr>
+          <p:nvPr>
+            <p:ph type="title"/>
+          </p:nvPr>
+        </p:nvSpPr>
+        <p:spPr/>
+        <p:txBody>
+          <a:bodyPr/>
+          <a:lstStyle/>
+          <a:p>
+            <a:r>
+              <a:rPr lang="en-US" altLang="zh-TW" dirty="0" err="1"/>
+              <a:t>LinearRegression</a:t>
+            </a:r>
+            <a:r>
               <a:rPr lang="zh-TW" altLang="en-US" dirty="0"/>
               <a:t> </a:t>
             </a:r>
@@ -5340,7 +7512,7 @@
 </p:sld>
 </file>
 
-<file path=ppt/slides/slide11.xml><?xml version="1.0" encoding="utf-8"?>
+<file path=ppt/slides/slide15.xml><?xml version="1.0" encoding="utf-8"?>
 <p:sld xmlns:a="http://schemas.openxmlformats.org/drawingml/2006/main" xmlns:r="http://schemas.openxmlformats.org/officeDocument/2006/relationships" xmlns:p="http://schemas.openxmlformats.org/presentationml/2006/main">
   <p:cSld>
     <p:spTree>
@@ -5710,7 +7882,7 @@
 </p:sld>
 </file>
 
-<file path=ppt/slides/slide12.xml><?xml version="1.0" encoding="utf-8"?>
+<file path=ppt/slides/slide16.xml><?xml version="1.0" encoding="utf-8"?>
 <p:sld xmlns:a="http://schemas.openxmlformats.org/drawingml/2006/main" xmlns:r="http://schemas.openxmlformats.org/officeDocument/2006/relationships" xmlns:p="http://schemas.openxmlformats.org/presentationml/2006/main">
   <p:cSld>
     <p:spTree>
@@ -7063,7 +9235,7 @@
 </p:sld>
 </file>
 
-<file path=ppt/slides/slide13.xml><?xml version="1.0" encoding="utf-8"?>
+<file path=ppt/slides/slide17.xml><?xml version="1.0" encoding="utf-8"?>
 <p:sld xmlns:a="http://schemas.openxmlformats.org/drawingml/2006/main" xmlns:r="http://schemas.openxmlformats.org/officeDocument/2006/relationships" xmlns:p="http://schemas.openxmlformats.org/presentationml/2006/main">
   <p:cSld>
     <p:spTree>
@@ -8687,7 +10859,7 @@
 </p:sld>
 </file>
 
-<file path=ppt/slides/slide14.xml><?xml version="1.0" encoding="utf-8"?>
+<file path=ppt/slides/slide18.xml><?xml version="1.0" encoding="utf-8"?>
 <p:sld xmlns:a="http://schemas.openxmlformats.org/drawingml/2006/main" xmlns:r="http://schemas.openxmlformats.org/officeDocument/2006/relationships" xmlns:p="http://schemas.openxmlformats.org/presentationml/2006/main">
   <p:cSld>
     <p:spTree>
@@ -9692,7 +11864,7 @@
 </p:sld>
 </file>
 
-<file path=ppt/slides/slide15.xml><?xml version="1.0" encoding="utf-8"?>
+<file path=ppt/slides/slide19.xml><?xml version="1.0" encoding="utf-8"?>
 <p:sld xmlns:a="http://schemas.openxmlformats.org/drawingml/2006/main" xmlns:r="http://schemas.openxmlformats.org/officeDocument/2006/relationships" xmlns:p="http://schemas.openxmlformats.org/presentationml/2006/main">
   <p:cSld>
     <p:spTree>
@@ -9951,8 +12123,25 @@
                 <a:latin typeface="標楷體" panose="03000509000000000000" pitchFamily="65" charset="-120"/>
                 <a:ea typeface="標楷體" panose="03000509000000000000" pitchFamily="65" charset="-120"/>
               </a:rPr>
-              <a:t>業易德</a:t>
-            </a:r>
+              <a:t>葉</a:t>
+            </a:r>
+            <a:r>
+              <a:rPr lang="zh-TW" altLang="en-US" sz="1401">
+                <a:solidFill>
+                  <a:prstClr val="black"/>
+                </a:solidFill>
+                <a:latin typeface="標楷體" panose="03000509000000000000" pitchFamily="65" charset="-120"/>
+                <a:ea typeface="標楷體" panose="03000509000000000000" pitchFamily="65" charset="-120"/>
+              </a:rPr>
+              <a:t>易德</a:t>
+            </a:r>
+            <a:endParaRPr lang="zh-TW" altLang="en-US" sz="1401" dirty="0">
+              <a:solidFill>
+                <a:prstClr val="black"/>
+              </a:solidFill>
+              <a:latin typeface="標楷體" panose="03000509000000000000" pitchFamily="65" charset="-120"/>
+              <a:ea typeface="標楷體" panose="03000509000000000000" pitchFamily="65" charset="-120"/>
+            </a:endParaRPr>
           </a:p>
         </p:txBody>
       </p:sp>
@@ -10806,7 +12995,362 @@
 </p:sld>
 </file>
 
-<file path=ppt/slides/slide16.xml><?xml version="1.0" encoding="utf-8"?>
+<file path=ppt/slides/slide2.xml><?xml version="1.0" encoding="utf-8"?>
+<p:sld xmlns:a="http://schemas.openxmlformats.org/drawingml/2006/main" xmlns:r="http://schemas.openxmlformats.org/officeDocument/2006/relationships" xmlns:p="http://schemas.openxmlformats.org/presentationml/2006/main">
+  <p:cSld>
+    <p:spTree>
+      <p:nvGrpSpPr>
+        <p:cNvPr id="1" name=""/>
+        <p:cNvGrpSpPr/>
+        <p:nvPr/>
+      </p:nvGrpSpPr>
+      <p:grpSpPr>
+        <a:xfrm>
+          <a:off x="0" y="0"/>
+          <a:ext cx="0" cy="0"/>
+          <a:chOff x="0" y="0"/>
+          <a:chExt cx="0" cy="0"/>
+        </a:xfrm>
+      </p:grpSpPr>
+      <p:sp>
+        <p:nvSpPr>
+          <p:cNvPr id="3" name="標題 2">
+            <a:extLst>
+              <a:ext uri="{FF2B5EF4-FFF2-40B4-BE49-F238E27FC236}">
+                <a16:creationId xmlns:a16="http://schemas.microsoft.com/office/drawing/2014/main" id="{EF277299-8610-4660-86B9-EE584C561AB1}"/>
+              </a:ext>
+            </a:extLst>
+          </p:cNvPr>
+          <p:cNvSpPr>
+            <a:spLocks noGrp="1"/>
+          </p:cNvSpPr>
+          <p:nvPr>
+            <p:ph type="title"/>
+          </p:nvPr>
+        </p:nvSpPr>
+        <p:spPr/>
+        <p:txBody>
+          <a:bodyPr/>
+          <a:lstStyle/>
+          <a:p>
+            <a:r>
+              <a:rPr lang="en-US" altLang="zh-TW" dirty="0"/>
+              <a:t>TO</a:t>
+            </a:r>
+            <a:r>
+              <a:rPr lang="zh-TW" altLang="en-US" dirty="0"/>
+              <a:t> </a:t>
+            </a:r>
+            <a:r>
+              <a:rPr lang="en-US" altLang="zh-TW" dirty="0"/>
+              <a:t>DO</a:t>
+            </a:r>
+            <a:r>
+              <a:rPr lang="zh-TW" altLang="en-US" dirty="0"/>
+              <a:t> </a:t>
+            </a:r>
+            <a:r>
+              <a:rPr lang="en-US" altLang="zh-TW" dirty="0"/>
+              <a:t>LIST</a:t>
+            </a:r>
+            <a:endParaRPr lang="zh-TW" altLang="en-US" dirty="0"/>
+          </a:p>
+        </p:txBody>
+      </p:sp>
+      <p:sp>
+        <p:nvSpPr>
+          <p:cNvPr id="4" name="矩形 3">
+            <a:extLst>
+              <a:ext uri="{FF2B5EF4-FFF2-40B4-BE49-F238E27FC236}">
+                <a16:creationId xmlns:a16="http://schemas.microsoft.com/office/drawing/2014/main" id="{3D52E025-269C-47AF-8999-23E11D4E93F3}"/>
+              </a:ext>
+            </a:extLst>
+          </p:cNvPr>
+          <p:cNvSpPr/>
+          <p:nvPr/>
+        </p:nvSpPr>
+        <p:spPr>
+          <a:xfrm>
+            <a:off x="838199" y="1224282"/>
+            <a:ext cx="10515598" cy="1569660"/>
+          </a:xfrm>
+          <a:prstGeom prst="rect">
+            <a:avLst/>
+          </a:prstGeom>
+        </p:spPr>
+        <p:txBody>
+          <a:bodyPr wrap="square">
+            <a:spAutoFit/>
+          </a:bodyPr>
+          <a:lstStyle/>
+          <a:p>
+            <a:pPr marL="171453" indent="-171453" defTabSz="914411">
+              <a:buFont typeface="Arial" panose="020B0604020202020204" pitchFamily="34" charset="0"/>
+              <a:buChar char="•"/>
+              <a:defRPr/>
+            </a:pPr>
+            <a:r>
+              <a:rPr lang="en-US" altLang="zh-TW" sz="1200" dirty="0">
+                <a:solidFill>
+                  <a:prstClr val="black"/>
+                </a:solidFill>
+                <a:latin typeface="微軟正黑體" panose="020B0604030504040204" pitchFamily="34" charset="-120"/>
+                <a:ea typeface="微軟正黑體" panose="020B0604030504040204" pitchFamily="34" charset="-120"/>
+              </a:rPr>
+              <a:t>2022/05/06 ~ 2022/05/13</a:t>
+            </a:r>
+          </a:p>
+          <a:p>
+            <a:pPr marL="628653" lvl="1" indent="-171453" defTabSz="914411">
+              <a:buFont typeface="Arial" panose="020B0604020202020204" pitchFamily="34" charset="0"/>
+              <a:buChar char="•"/>
+              <a:defRPr/>
+            </a:pPr>
+            <a:r>
+              <a:rPr lang="en-US" altLang="zh-TW" sz="1200" dirty="0" err="1">
+                <a:solidFill>
+                  <a:prstClr val="black"/>
+                </a:solidFill>
+                <a:latin typeface="微軟正黑體" panose="020B0604030504040204" pitchFamily="34" charset="-120"/>
+                <a:ea typeface="微軟正黑體" panose="020B0604030504040204" pitchFamily="34" charset="-120"/>
+              </a:rPr>
+              <a:t>LinearRegression</a:t>
+            </a:r>
+            <a:r>
+              <a:rPr lang="zh-TW" altLang="en-US" sz="1200" dirty="0">
+                <a:solidFill>
+                  <a:prstClr val="black"/>
+                </a:solidFill>
+                <a:latin typeface="微軟正黑體" panose="020B0604030504040204" pitchFamily="34" charset="-120"/>
+                <a:ea typeface="微軟正黑體" panose="020B0604030504040204" pitchFamily="34" charset="-120"/>
+              </a:rPr>
+              <a:t>初步規劃</a:t>
+            </a:r>
+            <a:endParaRPr lang="en-US" altLang="zh-TW" sz="1200" dirty="0">
+              <a:solidFill>
+                <a:prstClr val="black"/>
+              </a:solidFill>
+              <a:latin typeface="微軟正黑體" panose="020B0604030504040204" pitchFamily="34" charset="-120"/>
+              <a:ea typeface="微軟正黑體" panose="020B0604030504040204" pitchFamily="34" charset="-120"/>
+            </a:endParaRPr>
+          </a:p>
+          <a:p>
+            <a:pPr marL="171453" indent="-171453" defTabSz="914411">
+              <a:buFont typeface="Arial" panose="020B0604020202020204" pitchFamily="34" charset="0"/>
+              <a:buChar char="•"/>
+              <a:defRPr/>
+            </a:pPr>
+            <a:endParaRPr lang="en-US" altLang="zh-TW" sz="1200" dirty="0">
+              <a:solidFill>
+                <a:prstClr val="black"/>
+              </a:solidFill>
+              <a:latin typeface="微軟正黑體" panose="020B0604030504040204" pitchFamily="34" charset="-120"/>
+              <a:ea typeface="微軟正黑體" panose="020B0604030504040204" pitchFamily="34" charset="-120"/>
+            </a:endParaRPr>
+          </a:p>
+          <a:p>
+            <a:pPr marL="171453" indent="-171453" defTabSz="914411">
+              <a:buFont typeface="Arial" panose="020B0604020202020204" pitchFamily="34" charset="0"/>
+              <a:buChar char="•"/>
+              <a:defRPr/>
+            </a:pPr>
+            <a:r>
+              <a:rPr lang="en-US" altLang="zh-TW" sz="1200" dirty="0">
+                <a:solidFill>
+                  <a:prstClr val="black"/>
+                </a:solidFill>
+                <a:latin typeface="微軟正黑體" panose="020B0604030504040204" pitchFamily="34" charset="-120"/>
+                <a:ea typeface="微軟正黑體" panose="020B0604030504040204" pitchFamily="34" charset="-120"/>
+              </a:rPr>
+              <a:t>2022/05/06</a:t>
+            </a:r>
+            <a:r>
+              <a:rPr lang="zh-TW" altLang="en-US" sz="1200" dirty="0">
+                <a:solidFill>
+                  <a:prstClr val="black"/>
+                </a:solidFill>
+                <a:latin typeface="微軟正黑體" panose="020B0604030504040204" pitchFamily="34" charset="-120"/>
+                <a:ea typeface="微軟正黑體" panose="020B0604030504040204" pitchFamily="34" charset="-120"/>
+              </a:rPr>
+              <a:t> </a:t>
+            </a:r>
+            <a:r>
+              <a:rPr lang="en-US" altLang="zh-TW" sz="1200" dirty="0">
+                <a:solidFill>
+                  <a:prstClr val="black"/>
+                </a:solidFill>
+                <a:latin typeface="微軟正黑體" panose="020B0604030504040204" pitchFamily="34" charset="-120"/>
+                <a:ea typeface="微軟正黑體" panose="020B0604030504040204" pitchFamily="34" charset="-120"/>
+              </a:rPr>
+              <a:t>~</a:t>
+            </a:r>
+            <a:r>
+              <a:rPr lang="zh-TW" altLang="en-US" sz="1200" dirty="0">
+                <a:solidFill>
+                  <a:prstClr val="black"/>
+                </a:solidFill>
+                <a:latin typeface="微軟正黑體" panose="020B0604030504040204" pitchFamily="34" charset="-120"/>
+                <a:ea typeface="微軟正黑體" panose="020B0604030504040204" pitchFamily="34" charset="-120"/>
+              </a:rPr>
+              <a:t> </a:t>
+            </a:r>
+            <a:r>
+              <a:rPr lang="en-US" altLang="zh-TW" sz="1200" dirty="0">
+                <a:solidFill>
+                  <a:prstClr val="black"/>
+                </a:solidFill>
+                <a:latin typeface="微軟正黑體" panose="020B0604030504040204" pitchFamily="34" charset="-120"/>
+                <a:ea typeface="微軟正黑體" panose="020B0604030504040204" pitchFamily="34" charset="-120"/>
+              </a:rPr>
+              <a:t>2022/05/06</a:t>
+            </a:r>
+          </a:p>
+          <a:p>
+            <a:pPr marL="628653" lvl="1" indent="-171453" defTabSz="914411">
+              <a:buFont typeface="Arial" panose="020B0604020202020204" pitchFamily="34" charset="0"/>
+              <a:buChar char="•"/>
+              <a:defRPr/>
+            </a:pPr>
+            <a:r>
+              <a:rPr lang="zh-TW" altLang="en-US" sz="1200" dirty="0">
+                <a:solidFill>
+                  <a:prstClr val="black"/>
+                </a:solidFill>
+                <a:latin typeface="微軟正黑體" panose="020B0604030504040204" pitchFamily="34" charset="-120"/>
+                <a:ea typeface="微軟正黑體" panose="020B0604030504040204" pitchFamily="34" charset="-120"/>
+              </a:rPr>
+              <a:t>討論專案架構、需求、、分工</a:t>
+            </a:r>
+            <a:endParaRPr lang="en-US" altLang="zh-TW" sz="1200" dirty="0">
+              <a:solidFill>
+                <a:prstClr val="black"/>
+              </a:solidFill>
+              <a:latin typeface="微軟正黑體" panose="020B0604030504040204" pitchFamily="34" charset="-120"/>
+              <a:ea typeface="微軟正黑體" panose="020B0604030504040204" pitchFamily="34" charset="-120"/>
+            </a:endParaRPr>
+          </a:p>
+          <a:p>
+            <a:pPr lvl="1" defTabSz="914411">
+              <a:defRPr/>
+            </a:pPr>
+            <a:endParaRPr lang="en-US" altLang="zh-TW" sz="1200" dirty="0">
+              <a:solidFill>
+                <a:prstClr val="black"/>
+              </a:solidFill>
+              <a:latin typeface="微軟正黑體" panose="020B0604030504040204" pitchFamily="34" charset="-120"/>
+              <a:ea typeface="微軟正黑體" panose="020B0604030504040204" pitchFamily="34" charset="-120"/>
+            </a:endParaRPr>
+          </a:p>
+          <a:p>
+            <a:pPr marL="171453" indent="-171453" defTabSz="914411">
+              <a:buFont typeface="Arial" panose="020B0604020202020204" pitchFamily="34" charset="0"/>
+              <a:buChar char="•"/>
+              <a:defRPr/>
+            </a:pPr>
+            <a:r>
+              <a:rPr lang="en-US" altLang="zh-TW" sz="1200" dirty="0">
+                <a:solidFill>
+                  <a:prstClr val="black"/>
+                </a:solidFill>
+                <a:latin typeface="微軟正黑體" panose="020B0604030504040204" pitchFamily="34" charset="-120"/>
+                <a:ea typeface="微軟正黑體" panose="020B0604030504040204" pitchFamily="34" charset="-120"/>
+              </a:rPr>
+              <a:t>2022/05/19</a:t>
+            </a:r>
+            <a:r>
+              <a:rPr lang="zh-TW" altLang="en-US" sz="1200" dirty="0">
+                <a:solidFill>
+                  <a:prstClr val="black"/>
+                </a:solidFill>
+                <a:latin typeface="微軟正黑體" panose="020B0604030504040204" pitchFamily="34" charset="-120"/>
+                <a:ea typeface="微軟正黑體" panose="020B0604030504040204" pitchFamily="34" charset="-120"/>
+              </a:rPr>
+              <a:t> </a:t>
+            </a:r>
+            <a:r>
+              <a:rPr lang="en-US" altLang="zh-TW" sz="1200" dirty="0">
+                <a:solidFill>
+                  <a:prstClr val="black"/>
+                </a:solidFill>
+                <a:latin typeface="微軟正黑體" panose="020B0604030504040204" pitchFamily="34" charset="-120"/>
+                <a:ea typeface="微軟正黑體" panose="020B0604030504040204" pitchFamily="34" charset="-120"/>
+              </a:rPr>
+              <a:t>~</a:t>
+            </a:r>
+            <a:r>
+              <a:rPr lang="zh-TW" altLang="en-US" sz="1200" dirty="0">
+                <a:solidFill>
+                  <a:prstClr val="black"/>
+                </a:solidFill>
+                <a:latin typeface="微軟正黑體" panose="020B0604030504040204" pitchFamily="34" charset="-120"/>
+                <a:ea typeface="微軟正黑體" panose="020B0604030504040204" pitchFamily="34" charset="-120"/>
+              </a:rPr>
+              <a:t> </a:t>
+            </a:r>
+            <a:r>
+              <a:rPr lang="en-US" altLang="zh-TW" sz="1200" dirty="0">
+                <a:solidFill>
+                  <a:prstClr val="black"/>
+                </a:solidFill>
+                <a:latin typeface="微軟正黑體" panose="020B0604030504040204" pitchFamily="34" charset="-120"/>
+                <a:ea typeface="微軟正黑體" panose="020B0604030504040204" pitchFamily="34" charset="-120"/>
+              </a:rPr>
+              <a:t>2022/05/26</a:t>
+            </a:r>
+          </a:p>
+          <a:p>
+            <a:pPr marL="628653" lvl="1" indent="-171453" defTabSz="914411">
+              <a:buFont typeface="Arial" panose="020B0604020202020204" pitchFamily="34" charset="0"/>
+              <a:buChar char="•"/>
+              <a:defRPr/>
+            </a:pPr>
+            <a:r>
+              <a:rPr lang="en-US" altLang="zh-TW" sz="1200" dirty="0">
+                <a:solidFill>
+                  <a:prstClr val="black"/>
+                </a:solidFill>
+                <a:latin typeface="微軟正黑體" panose="020B0604030504040204" pitchFamily="34" charset="-120"/>
+                <a:ea typeface="微軟正黑體" panose="020B0604030504040204" pitchFamily="34" charset="-120"/>
+              </a:rPr>
+              <a:t>AXI_BRAM</a:t>
+            </a:r>
+            <a:r>
+              <a:rPr lang="zh-TW" altLang="en-US" sz="1200" dirty="0">
+                <a:solidFill>
+                  <a:prstClr val="black"/>
+                </a:solidFill>
+                <a:latin typeface="微軟正黑體" panose="020B0604030504040204" pitchFamily="34" charset="-120"/>
+                <a:ea typeface="微軟正黑體" panose="020B0604030504040204" pitchFamily="34" charset="-120"/>
+              </a:rPr>
+              <a:t>、</a:t>
+            </a:r>
+            <a:r>
+              <a:rPr lang="en-US" altLang="zh-TW" sz="1200" dirty="0">
+                <a:solidFill>
+                  <a:prstClr val="black"/>
+                </a:solidFill>
+                <a:latin typeface="微軟正黑體" panose="020B0604030504040204" pitchFamily="34" charset="-120"/>
+                <a:ea typeface="微軟正黑體" panose="020B0604030504040204" pitchFamily="34" charset="-120"/>
+              </a:rPr>
+              <a:t>VGA Display</a:t>
+            </a:r>
+          </a:p>
+        </p:txBody>
+      </p:sp>
+    </p:spTree>
+    <p:extLst>
+      <p:ext uri="{BB962C8B-B14F-4D97-AF65-F5344CB8AC3E}">
+        <p14:creationId xmlns:p14="http://schemas.microsoft.com/office/powerpoint/2010/main" val="65587502"/>
+      </p:ext>
+    </p:extLst>
+  </p:cSld>
+  <p:clrMapOvr>
+    <a:masterClrMapping/>
+  </p:clrMapOvr>
+</p:sld>
+</file>
+
+<file path=ppt/slides/slide20.xml><?xml version="1.0" encoding="utf-8"?>
 <p:sld xmlns:a="http://schemas.openxmlformats.org/drawingml/2006/main" xmlns:r="http://schemas.openxmlformats.org/officeDocument/2006/relationships" xmlns:p="http://schemas.openxmlformats.org/presentationml/2006/main">
   <p:cSld>
     <p:spTree>
@@ -10898,7 +13442,7 @@
 </p:sld>
 </file>
 
-<file path=ppt/slides/slide17.xml><?xml version="1.0" encoding="utf-8"?>
+<file path=ppt/slides/slide21.xml><?xml version="1.0" encoding="utf-8"?>
 <p:sld xmlns:a="http://schemas.openxmlformats.org/drawingml/2006/main" xmlns:r="http://schemas.openxmlformats.org/officeDocument/2006/relationships" xmlns:p="http://schemas.openxmlformats.org/presentationml/2006/main">
   <p:cSld>
     <p:spTree>
@@ -11012,7 +13556,7 @@
 </p:sld>
 </file>
 
-<file path=ppt/slides/slide18.xml><?xml version="1.0" encoding="utf-8"?>
+<file path=ppt/slides/slide22.xml><?xml version="1.0" encoding="utf-8"?>
 <p:sld xmlns:a="http://schemas.openxmlformats.org/drawingml/2006/main" xmlns:r="http://schemas.openxmlformats.org/officeDocument/2006/relationships" xmlns:p="http://schemas.openxmlformats.org/presentationml/2006/main">
   <p:cSld>
     <p:spTree>
@@ -11130,255 +13674,6 @@
     <p:extLst>
       <p:ext uri="{BB962C8B-B14F-4D97-AF65-F5344CB8AC3E}">
         <p14:creationId xmlns:p14="http://schemas.microsoft.com/office/powerpoint/2010/main" val="396994804"/>
-      </p:ext>
-    </p:extLst>
-  </p:cSld>
-  <p:clrMapOvr>
-    <a:masterClrMapping/>
-  </p:clrMapOvr>
-</p:sld>
-</file>
-
-<file path=ppt/slides/slide2.xml><?xml version="1.0" encoding="utf-8"?>
-<p:sld xmlns:a="http://schemas.openxmlformats.org/drawingml/2006/main" xmlns:r="http://schemas.openxmlformats.org/officeDocument/2006/relationships" xmlns:p="http://schemas.openxmlformats.org/presentationml/2006/main">
-  <p:cSld>
-    <p:spTree>
-      <p:nvGrpSpPr>
-        <p:cNvPr id="1" name=""/>
-        <p:cNvGrpSpPr/>
-        <p:nvPr/>
-      </p:nvGrpSpPr>
-      <p:grpSpPr>
-        <a:xfrm>
-          <a:off x="0" y="0"/>
-          <a:ext cx="0" cy="0"/>
-          <a:chOff x="0" y="0"/>
-          <a:chExt cx="0" cy="0"/>
-        </a:xfrm>
-      </p:grpSpPr>
-      <p:sp>
-        <p:nvSpPr>
-          <p:cNvPr id="3" name="標題 2">
-            <a:extLst>
-              <a:ext uri="{FF2B5EF4-FFF2-40B4-BE49-F238E27FC236}">
-                <a16:creationId xmlns:a16="http://schemas.microsoft.com/office/drawing/2014/main" id="{EF277299-8610-4660-86B9-EE584C561AB1}"/>
-              </a:ext>
-            </a:extLst>
-          </p:cNvPr>
-          <p:cNvSpPr>
-            <a:spLocks noGrp="1"/>
-          </p:cNvSpPr>
-          <p:nvPr>
-            <p:ph type="title"/>
-          </p:nvPr>
-        </p:nvSpPr>
-        <p:spPr/>
-        <p:txBody>
-          <a:bodyPr/>
-          <a:lstStyle/>
-          <a:p>
-            <a:r>
-              <a:rPr lang="en-US" altLang="zh-TW" dirty="0"/>
-              <a:t>TO</a:t>
-            </a:r>
-            <a:r>
-              <a:rPr lang="zh-TW" altLang="en-US" dirty="0"/>
-              <a:t> </a:t>
-            </a:r>
-            <a:r>
-              <a:rPr lang="en-US" altLang="zh-TW" dirty="0"/>
-              <a:t>DO</a:t>
-            </a:r>
-            <a:r>
-              <a:rPr lang="zh-TW" altLang="en-US" dirty="0"/>
-              <a:t> </a:t>
-            </a:r>
-            <a:r>
-              <a:rPr lang="en-US" altLang="zh-TW" dirty="0"/>
-              <a:t>LIST</a:t>
-            </a:r>
-            <a:endParaRPr lang="zh-TW" altLang="en-US" dirty="0"/>
-          </a:p>
-        </p:txBody>
-      </p:sp>
-      <p:sp>
-        <p:nvSpPr>
-          <p:cNvPr id="4" name="矩形 3">
-            <a:extLst>
-              <a:ext uri="{FF2B5EF4-FFF2-40B4-BE49-F238E27FC236}">
-                <a16:creationId xmlns:a16="http://schemas.microsoft.com/office/drawing/2014/main" id="{3D52E025-269C-47AF-8999-23E11D4E93F3}"/>
-              </a:ext>
-            </a:extLst>
-          </p:cNvPr>
-          <p:cNvSpPr/>
-          <p:nvPr/>
-        </p:nvSpPr>
-        <p:spPr>
-          <a:xfrm>
-            <a:off x="838199" y="1224282"/>
-            <a:ext cx="10515598" cy="1015663"/>
-          </a:xfrm>
-          <a:prstGeom prst="rect">
-            <a:avLst/>
-          </a:prstGeom>
-        </p:spPr>
-        <p:txBody>
-          <a:bodyPr wrap="square">
-            <a:spAutoFit/>
-          </a:bodyPr>
-          <a:lstStyle/>
-          <a:p>
-            <a:pPr marL="171453" indent="-171453" defTabSz="914411">
-              <a:buFont typeface="Arial" panose="020B0604020202020204" pitchFamily="34" charset="0"/>
-              <a:buChar char="•"/>
-              <a:defRPr/>
-            </a:pPr>
-            <a:r>
-              <a:rPr lang="en-US" altLang="zh-TW" sz="1200" dirty="0">
-                <a:solidFill>
-                  <a:prstClr val="black"/>
-                </a:solidFill>
-                <a:latin typeface="微軟正黑體" panose="020B0604030504040204" pitchFamily="34" charset="-120"/>
-                <a:ea typeface="微軟正黑體" panose="020B0604030504040204" pitchFamily="34" charset="-120"/>
-              </a:rPr>
-              <a:t>2022/05/06 ~ 2022/05/13</a:t>
-            </a:r>
-          </a:p>
-          <a:p>
-            <a:pPr marL="628653" lvl="1" indent="-171453" defTabSz="914411">
-              <a:buFont typeface="Arial" panose="020B0604020202020204" pitchFamily="34" charset="0"/>
-              <a:buChar char="•"/>
-              <a:defRPr/>
-            </a:pPr>
-            <a:r>
-              <a:rPr lang="en-US" altLang="zh-TW" sz="1200" dirty="0" err="1">
-                <a:solidFill>
-                  <a:prstClr val="black"/>
-                </a:solidFill>
-                <a:latin typeface="微軟正黑體" panose="020B0604030504040204" pitchFamily="34" charset="-120"/>
-                <a:ea typeface="微軟正黑體" panose="020B0604030504040204" pitchFamily="34" charset="-120"/>
-              </a:rPr>
-              <a:t>LinearRegression</a:t>
-            </a:r>
-            <a:r>
-              <a:rPr lang="zh-TW" altLang="en-US" sz="1200" dirty="0">
-                <a:solidFill>
-                  <a:prstClr val="black"/>
-                </a:solidFill>
-                <a:latin typeface="微軟正黑體" panose="020B0604030504040204" pitchFamily="34" charset="-120"/>
-                <a:ea typeface="微軟正黑體" panose="020B0604030504040204" pitchFamily="34" charset="-120"/>
-              </a:rPr>
-              <a:t>初步規劃</a:t>
-            </a:r>
-            <a:endParaRPr lang="en-US" altLang="zh-TW" sz="1200" dirty="0">
-              <a:solidFill>
-                <a:prstClr val="black"/>
-              </a:solidFill>
-              <a:latin typeface="微軟正黑體" panose="020B0604030504040204" pitchFamily="34" charset="-120"/>
-              <a:ea typeface="微軟正黑體" panose="020B0604030504040204" pitchFamily="34" charset="-120"/>
-            </a:endParaRPr>
-          </a:p>
-          <a:p>
-            <a:pPr marL="171453" indent="-171453" defTabSz="914411">
-              <a:buFont typeface="Arial" panose="020B0604020202020204" pitchFamily="34" charset="0"/>
-              <a:buChar char="•"/>
-              <a:defRPr/>
-            </a:pPr>
-            <a:endParaRPr lang="en-US" altLang="zh-TW" sz="1200" dirty="0">
-              <a:solidFill>
-                <a:prstClr val="black"/>
-              </a:solidFill>
-              <a:latin typeface="微軟正黑體" panose="020B0604030504040204" pitchFamily="34" charset="-120"/>
-              <a:ea typeface="微軟正黑體" panose="020B0604030504040204" pitchFamily="34" charset="-120"/>
-            </a:endParaRPr>
-          </a:p>
-          <a:p>
-            <a:pPr marL="171453" indent="-171453" defTabSz="914411">
-              <a:buFont typeface="Arial" panose="020B0604020202020204" pitchFamily="34" charset="0"/>
-              <a:buChar char="•"/>
-              <a:defRPr/>
-            </a:pPr>
-            <a:r>
-              <a:rPr lang="en-US" altLang="zh-TW" sz="1200" dirty="0">
-                <a:solidFill>
-                  <a:prstClr val="black"/>
-                </a:solidFill>
-                <a:latin typeface="微軟正黑體" panose="020B0604030504040204" pitchFamily="34" charset="-120"/>
-                <a:ea typeface="微軟正黑體" panose="020B0604030504040204" pitchFamily="34" charset="-120"/>
-              </a:rPr>
-              <a:t>2022/05/06</a:t>
-            </a:r>
-            <a:r>
-              <a:rPr lang="zh-TW" altLang="en-US" sz="1200" dirty="0">
-                <a:solidFill>
-                  <a:prstClr val="black"/>
-                </a:solidFill>
-                <a:latin typeface="微軟正黑體" panose="020B0604030504040204" pitchFamily="34" charset="-120"/>
-                <a:ea typeface="微軟正黑體" panose="020B0604030504040204" pitchFamily="34" charset="-120"/>
-              </a:rPr>
-              <a:t> </a:t>
-            </a:r>
-            <a:r>
-              <a:rPr lang="en-US" altLang="zh-TW" sz="1200" dirty="0">
-                <a:solidFill>
-                  <a:prstClr val="black"/>
-                </a:solidFill>
-                <a:latin typeface="微軟正黑體" panose="020B0604030504040204" pitchFamily="34" charset="-120"/>
-                <a:ea typeface="微軟正黑體" panose="020B0604030504040204" pitchFamily="34" charset="-120"/>
-              </a:rPr>
-              <a:t>~</a:t>
-            </a:r>
-            <a:r>
-              <a:rPr lang="zh-TW" altLang="en-US" sz="1200" dirty="0">
-                <a:solidFill>
-                  <a:prstClr val="black"/>
-                </a:solidFill>
-                <a:latin typeface="微軟正黑體" panose="020B0604030504040204" pitchFamily="34" charset="-120"/>
-                <a:ea typeface="微軟正黑體" panose="020B0604030504040204" pitchFamily="34" charset="-120"/>
-              </a:rPr>
-              <a:t> </a:t>
-            </a:r>
-            <a:r>
-              <a:rPr lang="en-US" altLang="zh-TW" sz="1200" dirty="0">
-                <a:solidFill>
-                  <a:prstClr val="black"/>
-                </a:solidFill>
-                <a:latin typeface="微軟正黑體" panose="020B0604030504040204" pitchFamily="34" charset="-120"/>
-                <a:ea typeface="微軟正黑體" panose="020B0604030504040204" pitchFamily="34" charset="-120"/>
-              </a:rPr>
-              <a:t>2022/05/06</a:t>
-            </a:r>
-          </a:p>
-          <a:p>
-            <a:pPr marL="628653" lvl="1" indent="-171453" defTabSz="914411">
-              <a:buFont typeface="Arial" panose="020B0604020202020204" pitchFamily="34" charset="0"/>
-              <a:buChar char="•"/>
-              <a:defRPr/>
-            </a:pPr>
-            <a:r>
-              <a:rPr lang="zh-TW" altLang="en-US" sz="1200" dirty="0">
-                <a:solidFill>
-                  <a:prstClr val="black"/>
-                </a:solidFill>
-                <a:latin typeface="微軟正黑體" panose="020B0604030504040204" pitchFamily="34" charset="-120"/>
-                <a:ea typeface="微軟正黑體" panose="020B0604030504040204" pitchFamily="34" charset="-120"/>
-              </a:rPr>
-              <a:t>討論專案架構、需求、、分工</a:t>
-            </a:r>
-            <a:endParaRPr lang="en-US" altLang="zh-TW" sz="1200" dirty="0">
-              <a:solidFill>
-                <a:prstClr val="black"/>
-              </a:solidFill>
-              <a:latin typeface="微軟正黑體" panose="020B0604030504040204" pitchFamily="34" charset="-120"/>
-              <a:ea typeface="微軟正黑體" panose="020B0604030504040204" pitchFamily="34" charset="-120"/>
-            </a:endParaRPr>
-          </a:p>
-        </p:txBody>
-      </p:sp>
-    </p:spTree>
-    <p:extLst>
-      <p:ext uri="{BB962C8B-B14F-4D97-AF65-F5344CB8AC3E}">
-        <p14:creationId xmlns:p14="http://schemas.microsoft.com/office/powerpoint/2010/main" val="65587502"/>
       </p:ext>
     </p:extLst>
   </p:cSld>
@@ -12040,6 +14335,2417 @@
 </file>
 
 <file path=ppt/slides/slide5.xml><?xml version="1.0" encoding="utf-8"?>
+<p:sld xmlns:a="http://schemas.openxmlformats.org/drawingml/2006/main" xmlns:r="http://schemas.openxmlformats.org/officeDocument/2006/relationships" xmlns:p="http://schemas.openxmlformats.org/presentationml/2006/main">
+  <p:cSld>
+    <p:spTree>
+      <p:nvGrpSpPr>
+        <p:cNvPr id="1" name=""/>
+        <p:cNvGrpSpPr/>
+        <p:nvPr/>
+      </p:nvGrpSpPr>
+      <p:grpSpPr>
+        <a:xfrm>
+          <a:off x="0" y="0"/>
+          <a:ext cx="0" cy="0"/>
+          <a:chOff x="0" y="0"/>
+          <a:chExt cx="0" cy="0"/>
+        </a:xfrm>
+      </p:grpSpPr>
+      <p:sp>
+        <p:nvSpPr>
+          <p:cNvPr id="3" name="標題 2">
+            <a:extLst>
+              <a:ext uri="{FF2B5EF4-FFF2-40B4-BE49-F238E27FC236}">
+                <a16:creationId xmlns:a16="http://schemas.microsoft.com/office/drawing/2014/main" id="{B0FE567C-34C6-4F98-A84A-4DEAB1E49A7C}"/>
+              </a:ext>
+            </a:extLst>
+          </p:cNvPr>
+          <p:cNvSpPr>
+            <a:spLocks noGrp="1"/>
+          </p:cNvSpPr>
+          <p:nvPr>
+            <p:ph type="title"/>
+          </p:nvPr>
+        </p:nvSpPr>
+        <p:spPr/>
+        <p:txBody>
+          <a:bodyPr/>
+          <a:lstStyle/>
+          <a:p>
+            <a:r>
+              <a:rPr lang="zh-TW" altLang="en-US" dirty="0"/>
+              <a:t>本週進度</a:t>
+            </a:r>
+          </a:p>
+        </p:txBody>
+      </p:sp>
+      <p:sp>
+        <p:nvSpPr>
+          <p:cNvPr id="14" name="矩形 13">
+            <a:extLst>
+              <a:ext uri="{FF2B5EF4-FFF2-40B4-BE49-F238E27FC236}">
+                <a16:creationId xmlns:a16="http://schemas.microsoft.com/office/drawing/2014/main" id="{81D7C12B-A4A4-B67D-C5D6-93A154A640AA}"/>
+              </a:ext>
+            </a:extLst>
+          </p:cNvPr>
+          <p:cNvSpPr/>
+          <p:nvPr/>
+        </p:nvSpPr>
+        <p:spPr>
+          <a:xfrm>
+            <a:off x="838199" y="1224282"/>
+            <a:ext cx="10515598" cy="1107996"/>
+          </a:xfrm>
+          <a:prstGeom prst="rect">
+            <a:avLst/>
+          </a:prstGeom>
+        </p:spPr>
+        <p:txBody>
+          <a:bodyPr wrap="square">
+            <a:spAutoFit/>
+          </a:bodyPr>
+          <a:lstStyle/>
+          <a:p>
+            <a:pPr marL="171453" indent="-171453" defTabSz="914411">
+              <a:buFont typeface="Arial" panose="020B0604020202020204" pitchFamily="34" charset="0"/>
+              <a:buChar char="•"/>
+              <a:defRPr/>
+            </a:pPr>
+            <a:r>
+              <a:rPr lang="en-US" altLang="zh-TW" b="1" dirty="0">
+                <a:solidFill>
+                  <a:prstClr val="black"/>
+                </a:solidFill>
+                <a:latin typeface="微軟正黑體" panose="020B0604030504040204" pitchFamily="34" charset="-120"/>
+                <a:ea typeface="微軟正黑體" panose="020B0604030504040204" pitchFamily="34" charset="-120"/>
+              </a:rPr>
+              <a:t>Unit Test :</a:t>
+            </a:r>
+          </a:p>
+          <a:p>
+            <a:pPr marL="342900" indent="-342900" defTabSz="914411">
+              <a:buAutoNum type="arabicPeriod"/>
+              <a:defRPr/>
+            </a:pPr>
+            <a:r>
+              <a:rPr lang="en-US" altLang="zh-TW" sz="1600" dirty="0">
+                <a:solidFill>
+                  <a:prstClr val="black"/>
+                </a:solidFill>
+                <a:latin typeface="微軟正黑體" panose="020B0604030504040204" pitchFamily="34" charset="-120"/>
+                <a:ea typeface="微軟正黑體" panose="020B0604030504040204" pitchFamily="34" charset="-120"/>
+              </a:rPr>
+              <a:t>VGA</a:t>
+            </a:r>
+            <a:r>
+              <a:rPr lang="zh-TW" altLang="en-US" sz="1600" dirty="0">
+                <a:solidFill>
+                  <a:prstClr val="black"/>
+                </a:solidFill>
+                <a:latin typeface="微軟正黑體" panose="020B0604030504040204" pitchFamily="34" charset="-120"/>
+                <a:ea typeface="微軟正黑體" panose="020B0604030504040204" pitchFamily="34" charset="-120"/>
+              </a:rPr>
+              <a:t>顯示圖形</a:t>
+            </a:r>
+            <a:endParaRPr lang="en-US" altLang="zh-TW" sz="1600" dirty="0">
+              <a:solidFill>
+                <a:prstClr val="black"/>
+              </a:solidFill>
+              <a:latin typeface="微軟正黑體" panose="020B0604030504040204" pitchFamily="34" charset="-120"/>
+              <a:ea typeface="微軟正黑體" panose="020B0604030504040204" pitchFamily="34" charset="-120"/>
+            </a:endParaRPr>
+          </a:p>
+          <a:p>
+            <a:pPr marL="342900" indent="-342900" defTabSz="914411">
+              <a:buAutoNum type="arabicPeriod"/>
+              <a:defRPr/>
+            </a:pPr>
+            <a:r>
+              <a:rPr lang="en-US" altLang="zh-TW" sz="1600" dirty="0">
+                <a:solidFill>
+                  <a:prstClr val="black"/>
+                </a:solidFill>
+                <a:latin typeface="微軟正黑體" panose="020B0604030504040204" pitchFamily="34" charset="-120"/>
+                <a:ea typeface="微軟正黑體" panose="020B0604030504040204" pitchFamily="34" charset="-120"/>
+              </a:rPr>
+              <a:t>AXI</a:t>
+            </a:r>
+            <a:r>
+              <a:rPr lang="zh-TW" altLang="en-US" sz="1600" dirty="0">
+                <a:solidFill>
+                  <a:prstClr val="black"/>
+                </a:solidFill>
+                <a:latin typeface="微軟正黑體" panose="020B0604030504040204" pitchFamily="34" charset="-120"/>
+                <a:ea typeface="微軟正黑體" panose="020B0604030504040204" pitchFamily="34" charset="-120"/>
+              </a:rPr>
+              <a:t> </a:t>
+            </a:r>
+            <a:r>
+              <a:rPr lang="en-US" altLang="zh-TW" sz="1600" dirty="0">
+                <a:solidFill>
+                  <a:prstClr val="black"/>
+                </a:solidFill>
+                <a:latin typeface="微軟正黑體" panose="020B0604030504040204" pitchFamily="34" charset="-120"/>
+                <a:ea typeface="微軟正黑體" panose="020B0604030504040204" pitchFamily="34" charset="-120"/>
+              </a:rPr>
+              <a:t>Bram </a:t>
+            </a:r>
+            <a:r>
+              <a:rPr lang="zh-TW" altLang="en-US" sz="1600" dirty="0">
+                <a:solidFill>
+                  <a:prstClr val="black"/>
+                </a:solidFill>
+                <a:latin typeface="微軟正黑體" panose="020B0604030504040204" pitchFamily="34" charset="-120"/>
+                <a:ea typeface="微軟正黑體" panose="020B0604030504040204" pitchFamily="34" charset="-120"/>
+              </a:rPr>
+              <a:t>寫入讀取</a:t>
+            </a:r>
+            <a:endParaRPr lang="en-US" altLang="zh-TW" sz="1600" dirty="0">
+              <a:solidFill>
+                <a:prstClr val="black"/>
+              </a:solidFill>
+              <a:latin typeface="微軟正黑體" panose="020B0604030504040204" pitchFamily="34" charset="-120"/>
+              <a:ea typeface="微軟正黑體" panose="020B0604030504040204" pitchFamily="34" charset="-120"/>
+            </a:endParaRPr>
+          </a:p>
+          <a:p>
+            <a:pPr defTabSz="914411">
+              <a:defRPr/>
+            </a:pPr>
+            <a:endParaRPr lang="en-US" altLang="zh-TW" sz="1600" dirty="0">
+              <a:solidFill>
+                <a:prstClr val="black"/>
+              </a:solidFill>
+              <a:latin typeface="微軟正黑體" panose="020B0604030504040204" pitchFamily="34" charset="-120"/>
+              <a:ea typeface="微軟正黑體" panose="020B0604030504040204" pitchFamily="34" charset="-120"/>
+            </a:endParaRPr>
+          </a:p>
+        </p:txBody>
+      </p:sp>
+    </p:spTree>
+    <p:extLst>
+      <p:ext uri="{BB962C8B-B14F-4D97-AF65-F5344CB8AC3E}">
+        <p14:creationId xmlns:p14="http://schemas.microsoft.com/office/powerpoint/2010/main" val="3776774635"/>
+      </p:ext>
+    </p:extLst>
+  </p:cSld>
+  <p:clrMapOvr>
+    <a:masterClrMapping/>
+  </p:clrMapOvr>
+</p:sld>
+</file>
+
+<file path=ppt/slides/slide6.xml><?xml version="1.0" encoding="utf-8"?>
+<p:sld xmlns:a="http://schemas.openxmlformats.org/drawingml/2006/main" xmlns:r="http://schemas.openxmlformats.org/officeDocument/2006/relationships" xmlns:p="http://schemas.openxmlformats.org/presentationml/2006/main">
+  <p:cSld>
+    <p:spTree>
+      <p:nvGrpSpPr>
+        <p:cNvPr id="1" name=""/>
+        <p:cNvGrpSpPr/>
+        <p:nvPr/>
+      </p:nvGrpSpPr>
+      <p:grpSpPr>
+        <a:xfrm>
+          <a:off x="0" y="0"/>
+          <a:ext cx="0" cy="0"/>
+          <a:chOff x="0" y="0"/>
+          <a:chExt cx="0" cy="0"/>
+        </a:xfrm>
+      </p:grpSpPr>
+      <p:sp>
+        <p:nvSpPr>
+          <p:cNvPr id="3" name="標題 2">
+            <a:extLst>
+              <a:ext uri="{FF2B5EF4-FFF2-40B4-BE49-F238E27FC236}">
+                <a16:creationId xmlns:a16="http://schemas.microsoft.com/office/drawing/2014/main" id="{B0FE567C-34C6-4F98-A84A-4DEAB1E49A7C}"/>
+              </a:ext>
+            </a:extLst>
+          </p:cNvPr>
+          <p:cNvSpPr>
+            <a:spLocks noGrp="1"/>
+          </p:cNvSpPr>
+          <p:nvPr>
+            <p:ph type="title"/>
+          </p:nvPr>
+        </p:nvSpPr>
+        <p:spPr/>
+        <p:txBody>
+          <a:bodyPr/>
+          <a:lstStyle/>
+          <a:p>
+            <a:r>
+              <a:rPr lang="zh-TW" altLang="en-US" dirty="0"/>
+              <a:t>本週進度</a:t>
+            </a:r>
+          </a:p>
+        </p:txBody>
+      </p:sp>
+      <p:sp>
+        <p:nvSpPr>
+          <p:cNvPr id="14" name="矩形 13">
+            <a:extLst>
+              <a:ext uri="{FF2B5EF4-FFF2-40B4-BE49-F238E27FC236}">
+                <a16:creationId xmlns:a16="http://schemas.microsoft.com/office/drawing/2014/main" id="{DA0589FA-3CC0-9600-2F8D-8C4A4826C677}"/>
+              </a:ext>
+            </a:extLst>
+          </p:cNvPr>
+          <p:cNvSpPr/>
+          <p:nvPr/>
+        </p:nvSpPr>
+        <p:spPr>
+          <a:xfrm>
+            <a:off x="838199" y="1224282"/>
+            <a:ext cx="10515598" cy="861774"/>
+          </a:xfrm>
+          <a:prstGeom prst="rect">
+            <a:avLst/>
+          </a:prstGeom>
+        </p:spPr>
+        <p:txBody>
+          <a:bodyPr wrap="square">
+            <a:spAutoFit/>
+          </a:bodyPr>
+          <a:lstStyle/>
+          <a:p>
+            <a:pPr marL="171453" indent="-171453" defTabSz="914411">
+              <a:buFont typeface="Arial" panose="020B0604020202020204" pitchFamily="34" charset="0"/>
+              <a:buChar char="•"/>
+              <a:defRPr/>
+            </a:pPr>
+            <a:r>
+              <a:rPr lang="en-US" altLang="zh-TW" b="1" dirty="0">
+                <a:solidFill>
+                  <a:prstClr val="black"/>
+                </a:solidFill>
+                <a:latin typeface="微軟正黑體" panose="020B0604030504040204" pitchFamily="34" charset="-120"/>
+                <a:ea typeface="微軟正黑體" panose="020B0604030504040204" pitchFamily="34" charset="-120"/>
+              </a:rPr>
+              <a:t>VGA</a:t>
+            </a:r>
+            <a:r>
+              <a:rPr lang="zh-TW" altLang="en-US" b="1" dirty="0">
+                <a:solidFill>
+                  <a:prstClr val="black"/>
+                </a:solidFill>
+                <a:latin typeface="微軟正黑體" panose="020B0604030504040204" pitchFamily="34" charset="-120"/>
+                <a:ea typeface="微軟正黑體" panose="020B0604030504040204" pitchFamily="34" charset="-120"/>
+              </a:rPr>
+              <a:t>顯示圖形</a:t>
+            </a:r>
+            <a:endParaRPr lang="en-US" altLang="zh-TW" b="1" dirty="0">
+              <a:solidFill>
+                <a:prstClr val="black"/>
+              </a:solidFill>
+              <a:latin typeface="微軟正黑體" panose="020B0604030504040204" pitchFamily="34" charset="-120"/>
+              <a:ea typeface="微軟正黑體" panose="020B0604030504040204" pitchFamily="34" charset="-120"/>
+            </a:endParaRPr>
+          </a:p>
+          <a:p>
+            <a:pPr marL="342900" indent="-342900" defTabSz="914411">
+              <a:buAutoNum type="arabicPeriod"/>
+              <a:defRPr/>
+            </a:pPr>
+            <a:r>
+              <a:rPr lang="zh-TW" altLang="en-US" sz="1600" dirty="0">
+                <a:solidFill>
+                  <a:prstClr val="black"/>
+                </a:solidFill>
+                <a:latin typeface="微軟正黑體" panose="020B0604030504040204" pitchFamily="34" charset="-120"/>
+                <a:ea typeface="微軟正黑體" panose="020B0604030504040204" pitchFamily="34" charset="-120"/>
+              </a:rPr>
+              <a:t>利用 </a:t>
+            </a:r>
+            <a:r>
+              <a:rPr lang="en-US" altLang="zh-TW" sz="1600" dirty="0">
+                <a:solidFill>
+                  <a:prstClr val="black"/>
+                </a:solidFill>
+                <a:latin typeface="微軟正黑體" panose="020B0604030504040204" pitchFamily="34" charset="-120"/>
+                <a:ea typeface="微軟正黑體" panose="020B0604030504040204" pitchFamily="34" charset="-120"/>
+              </a:rPr>
+              <a:t>VGA</a:t>
+            </a:r>
+            <a:r>
+              <a:rPr lang="zh-TW" altLang="en-US" sz="1600" dirty="0">
+                <a:solidFill>
+                  <a:prstClr val="black"/>
+                </a:solidFill>
+                <a:latin typeface="微軟正黑體" panose="020B0604030504040204" pitchFamily="34" charset="-120"/>
+                <a:ea typeface="微軟正黑體" panose="020B0604030504040204" pitchFamily="34" charset="-120"/>
+              </a:rPr>
+              <a:t> 顯示方形 </a:t>
+            </a:r>
+            <a:r>
+              <a:rPr lang="en-US" altLang="zh-TW" sz="1600" dirty="0">
+                <a:solidFill>
+                  <a:prstClr val="black"/>
+                </a:solidFill>
+                <a:latin typeface="微軟正黑體" panose="020B0604030504040204" pitchFamily="34" charset="-120"/>
+                <a:ea typeface="微軟正黑體" panose="020B0604030504040204" pitchFamily="34" charset="-120"/>
+              </a:rPr>
+              <a:t>(</a:t>
+            </a:r>
+            <a:r>
+              <a:rPr lang="zh-TW" altLang="en-US" sz="1600" dirty="0">
+                <a:solidFill>
+                  <a:prstClr val="black"/>
+                </a:solidFill>
+                <a:latin typeface="微軟正黑體" panose="020B0604030504040204" pitchFamily="34" charset="-120"/>
+                <a:ea typeface="微軟正黑體" panose="020B0604030504040204" pitchFamily="34" charset="-120"/>
+              </a:rPr>
+              <a:t>完成</a:t>
+            </a:r>
+            <a:r>
+              <a:rPr lang="en-US" altLang="zh-TW" sz="1600" dirty="0">
+                <a:solidFill>
+                  <a:prstClr val="black"/>
+                </a:solidFill>
+                <a:latin typeface="微軟正黑體" panose="020B0604030504040204" pitchFamily="34" charset="-120"/>
+                <a:ea typeface="微軟正黑體" panose="020B0604030504040204" pitchFamily="34" charset="-120"/>
+              </a:rPr>
+              <a:t>)</a:t>
+            </a:r>
+          </a:p>
+          <a:p>
+            <a:pPr marL="342900" indent="-342900" defTabSz="914411">
+              <a:buAutoNum type="arabicPeriod"/>
+              <a:defRPr/>
+            </a:pPr>
+            <a:r>
+              <a:rPr lang="zh-TW" altLang="en-US" sz="1600" dirty="0">
+                <a:solidFill>
+                  <a:prstClr val="black"/>
+                </a:solidFill>
+                <a:latin typeface="微軟正黑體" panose="020B0604030504040204" pitchFamily="34" charset="-120"/>
+                <a:ea typeface="微軟正黑體" panose="020B0604030504040204" pitchFamily="34" charset="-120"/>
+              </a:rPr>
+              <a:t>利用 </a:t>
+            </a:r>
+            <a:r>
+              <a:rPr lang="en-US" altLang="zh-TW" sz="1600" dirty="0">
+                <a:solidFill>
+                  <a:prstClr val="black"/>
+                </a:solidFill>
+                <a:latin typeface="微軟正黑體" panose="020B0604030504040204" pitchFamily="34" charset="-120"/>
+                <a:ea typeface="微軟正黑體" panose="020B0604030504040204" pitchFamily="34" charset="-120"/>
+              </a:rPr>
+              <a:t>VGA</a:t>
+            </a:r>
+            <a:r>
+              <a:rPr lang="zh-TW" altLang="en-US" sz="1600" dirty="0">
+                <a:solidFill>
+                  <a:prstClr val="black"/>
+                </a:solidFill>
+                <a:latin typeface="微軟正黑體" panose="020B0604030504040204" pitchFamily="34" charset="-120"/>
+                <a:ea typeface="微軟正黑體" panose="020B0604030504040204" pitchFamily="34" charset="-120"/>
+              </a:rPr>
+              <a:t> 顯示圓形 </a:t>
+            </a:r>
+            <a:r>
+              <a:rPr lang="en-US" altLang="zh-TW" sz="1600" dirty="0">
+                <a:solidFill>
+                  <a:prstClr val="black"/>
+                </a:solidFill>
+                <a:latin typeface="微軟正黑體" panose="020B0604030504040204" pitchFamily="34" charset="-120"/>
+                <a:ea typeface="微軟正黑體" panose="020B0604030504040204" pitchFamily="34" charset="-120"/>
+              </a:rPr>
+              <a:t>(</a:t>
+            </a:r>
+            <a:r>
+              <a:rPr lang="zh-TW" altLang="en-US" sz="1600" dirty="0">
+                <a:solidFill>
+                  <a:prstClr val="black"/>
+                </a:solidFill>
+                <a:latin typeface="微軟正黑體" panose="020B0604030504040204" pitchFamily="34" charset="-120"/>
+                <a:ea typeface="微軟正黑體" panose="020B0604030504040204" pitchFamily="34" charset="-120"/>
+              </a:rPr>
+              <a:t>待解決</a:t>
+            </a:r>
+            <a:r>
+              <a:rPr lang="en-US" altLang="zh-TW" sz="1600" dirty="0">
+                <a:solidFill>
+                  <a:prstClr val="black"/>
+                </a:solidFill>
+                <a:latin typeface="微軟正黑體" panose="020B0604030504040204" pitchFamily="34" charset="-120"/>
+                <a:ea typeface="微軟正黑體" panose="020B0604030504040204" pitchFamily="34" charset="-120"/>
+              </a:rPr>
+              <a:t>)</a:t>
+            </a:r>
+          </a:p>
+        </p:txBody>
+      </p:sp>
+      <p:pic>
+        <p:nvPicPr>
+          <p:cNvPr id="15" name="Content Placeholder 5">
+            <a:extLst>
+              <a:ext uri="{FF2B5EF4-FFF2-40B4-BE49-F238E27FC236}">
+                <a16:creationId xmlns:a16="http://schemas.microsoft.com/office/drawing/2014/main" id="{B5777599-EAF2-CE9A-828A-D08ABE5495C5}"/>
+              </a:ext>
+            </a:extLst>
+          </p:cNvPr>
+          <p:cNvPicPr>
+            <a:picLocks noGrp="1" noChangeAspect="1"/>
+          </p:cNvPicPr>
+          <p:nvPr>
+            <p:ph idx="1"/>
+          </p:nvPr>
+        </p:nvPicPr>
+        <p:blipFill>
+          <a:blip r:embed="rId4" cstate="print">
+            <a:extLst>
+              <a:ext uri="{28A0092B-C50C-407E-A947-70E740481C1C}">
+                <a14:useLocalDpi xmlns:a14="http://schemas.microsoft.com/office/drawing/2010/main" val="0"/>
+              </a:ext>
+            </a:extLst>
+          </a:blip>
+          <a:stretch>
+            <a:fillRect/>
+          </a:stretch>
+        </p:blipFill>
+        <p:spPr>
+          <a:xfrm>
+            <a:off x="9235849" y="1224283"/>
+            <a:ext cx="2117947" cy="2825204"/>
+          </a:xfrm>
+        </p:spPr>
+      </p:pic>
+      <p:sp>
+        <p:nvSpPr>
+          <p:cNvPr id="16" name="矩形 15">
+            <a:extLst>
+              <a:ext uri="{FF2B5EF4-FFF2-40B4-BE49-F238E27FC236}">
+                <a16:creationId xmlns:a16="http://schemas.microsoft.com/office/drawing/2014/main" id="{EAF85746-2CEA-A45C-00BF-55ED36C12476}"/>
+              </a:ext>
+            </a:extLst>
+          </p:cNvPr>
+          <p:cNvSpPr/>
+          <p:nvPr/>
+        </p:nvSpPr>
+        <p:spPr>
+          <a:xfrm>
+            <a:off x="838199" y="2883500"/>
+            <a:ext cx="6211882" cy="615553"/>
+          </a:xfrm>
+          <a:prstGeom prst="rect">
+            <a:avLst/>
+          </a:prstGeom>
+        </p:spPr>
+        <p:txBody>
+          <a:bodyPr wrap="square">
+            <a:spAutoFit/>
+          </a:bodyPr>
+          <a:lstStyle/>
+          <a:p>
+            <a:pPr marL="171453" indent="-171453" defTabSz="914411">
+              <a:buFont typeface="Arial" panose="020B0604020202020204" pitchFamily="34" charset="0"/>
+              <a:buChar char="•"/>
+              <a:defRPr/>
+            </a:pPr>
+            <a:r>
+              <a:rPr lang="zh-TW" altLang="en-US" b="1" dirty="0">
+                <a:solidFill>
+                  <a:prstClr val="black"/>
+                </a:solidFill>
+                <a:latin typeface="微軟正黑體" panose="020B0604030504040204" pitchFamily="34" charset="-120"/>
+                <a:ea typeface="微軟正黑體" panose="020B0604030504040204" pitchFamily="34" charset="-120"/>
+              </a:rPr>
+              <a:t>實驗結果</a:t>
+            </a:r>
+            <a:r>
+              <a:rPr lang="en-US" altLang="zh-TW" b="1" dirty="0">
+                <a:solidFill>
+                  <a:prstClr val="black"/>
+                </a:solidFill>
+                <a:latin typeface="微軟正黑體" panose="020B0604030504040204" pitchFamily="34" charset="-120"/>
+                <a:ea typeface="微軟正黑體" panose="020B0604030504040204" pitchFamily="34" charset="-120"/>
+              </a:rPr>
+              <a:t>:</a:t>
+            </a:r>
+          </a:p>
+          <a:p>
+            <a:pPr defTabSz="914411">
+              <a:defRPr/>
+            </a:pPr>
+            <a:r>
+              <a:rPr lang="zh-TW" altLang="en-US" sz="1600" dirty="0">
+                <a:solidFill>
+                  <a:prstClr val="black"/>
+                </a:solidFill>
+                <a:latin typeface="微軟正黑體" panose="020B0604030504040204" pitchFamily="34" charset="-120"/>
+                <a:ea typeface="微軟正黑體" panose="020B0604030504040204" pitchFamily="34" charset="-120"/>
+              </a:rPr>
+              <a:t>    右圖</a:t>
+            </a:r>
+            <a:r>
+              <a:rPr lang="en-US" altLang="zh-TW" sz="1600" dirty="0">
+                <a:solidFill>
+                  <a:prstClr val="black"/>
+                </a:solidFill>
+                <a:latin typeface="微軟正黑體" panose="020B0604030504040204" pitchFamily="34" charset="-120"/>
+                <a:ea typeface="微軟正黑體" panose="020B0604030504040204" pitchFamily="34" charset="-120"/>
+              </a:rPr>
+              <a:t>(1)</a:t>
+            </a:r>
+            <a:r>
+              <a:rPr lang="zh-TW" altLang="en-US" sz="1600" dirty="0">
+                <a:solidFill>
+                  <a:prstClr val="black"/>
+                </a:solidFill>
+                <a:latin typeface="微軟正黑體" panose="020B0604030504040204" pitchFamily="34" charset="-120"/>
+                <a:ea typeface="微軟正黑體" panose="020B0604030504040204" pitchFamily="34" charset="-120"/>
+              </a:rPr>
+              <a:t>、圖</a:t>
+            </a:r>
+            <a:r>
+              <a:rPr lang="en-US" altLang="zh-TW" sz="1600" dirty="0">
+                <a:solidFill>
+                  <a:prstClr val="black"/>
+                </a:solidFill>
+                <a:latin typeface="微軟正黑體" panose="020B0604030504040204" pitchFamily="34" charset="-120"/>
+                <a:ea typeface="微軟正黑體" panose="020B0604030504040204" pitchFamily="34" charset="-120"/>
+              </a:rPr>
+              <a:t>(2)</a:t>
+            </a:r>
+          </a:p>
+        </p:txBody>
+      </p:sp>
+      <p:pic>
+        <p:nvPicPr>
+          <p:cNvPr id="17" name="675089263.887114">
+            <a:hlinkClick r:id="" action="ppaction://media"/>
+            <a:extLst>
+              <a:ext uri="{FF2B5EF4-FFF2-40B4-BE49-F238E27FC236}">
+                <a16:creationId xmlns:a16="http://schemas.microsoft.com/office/drawing/2014/main" id="{12DA1B39-49F4-8AA9-7302-08F49386BECA}"/>
+              </a:ext>
+            </a:extLst>
+          </p:cNvPr>
+          <p:cNvPicPr>
+            <a:picLocks noChangeAspect="1"/>
+          </p:cNvPicPr>
+          <p:nvPr>
+            <a:videoFile r:link="rId2"/>
+            <p:extLst>
+              <p:ext uri="{DAA4B4D4-6D71-4841-9C94-3DE7FCFB9230}">
+                <p14:media xmlns:p14="http://schemas.microsoft.com/office/powerpoint/2010/main" r:embed="rId1"/>
+              </p:ext>
+            </p:extLst>
+          </p:nvPr>
+        </p:nvPicPr>
+        <p:blipFill>
+          <a:blip r:embed="rId5"/>
+          <a:stretch>
+            <a:fillRect/>
+          </a:stretch>
+        </p:blipFill>
+        <p:spPr>
+          <a:xfrm>
+            <a:off x="7051630" y="1244632"/>
+            <a:ext cx="2118904" cy="2825205"/>
+          </a:xfrm>
+          <a:prstGeom prst="rect">
+            <a:avLst/>
+          </a:prstGeom>
+        </p:spPr>
+      </p:pic>
+      <p:pic>
+        <p:nvPicPr>
+          <p:cNvPr id="18" name="Picture 4">
+            <a:extLst>
+              <a:ext uri="{FF2B5EF4-FFF2-40B4-BE49-F238E27FC236}">
+                <a16:creationId xmlns:a16="http://schemas.microsoft.com/office/drawing/2014/main" id="{A9DF2B31-C0C9-E7F7-EF59-9BCAA6A61E2C}"/>
+              </a:ext>
+            </a:extLst>
+          </p:cNvPr>
+          <p:cNvPicPr>
+            <a:picLocks noChangeAspect="1"/>
+          </p:cNvPicPr>
+          <p:nvPr/>
+        </p:nvPicPr>
+        <p:blipFill>
+          <a:blip r:embed="rId6"/>
+          <a:stretch>
+            <a:fillRect/>
+          </a:stretch>
+        </p:blipFill>
+        <p:spPr>
+          <a:xfrm>
+            <a:off x="1219914" y="4579770"/>
+            <a:ext cx="10054452" cy="1819583"/>
+          </a:xfrm>
+          <a:prstGeom prst="rect">
+            <a:avLst/>
+          </a:prstGeom>
+        </p:spPr>
+      </p:pic>
+      <mc:AlternateContent xmlns:mc="http://schemas.openxmlformats.org/markup-compatibility/2006" xmlns:a14="http://schemas.microsoft.com/office/drawing/2010/main">
+        <mc:Choice Requires="a14">
+          <p:sp>
+            <p:nvSpPr>
+              <p:cNvPr id="19" name="TextBox 5">
+                <a:extLst>
+                  <a:ext uri="{FF2B5EF4-FFF2-40B4-BE49-F238E27FC236}">
+                    <a16:creationId xmlns:a16="http://schemas.microsoft.com/office/drawing/2014/main" id="{73700232-736B-E635-3B42-CFD493418F90}"/>
+                  </a:ext>
+                </a:extLst>
+              </p:cNvPr>
+              <p:cNvSpPr txBox="1"/>
+              <p:nvPr/>
+            </p:nvSpPr>
+            <p:spPr>
+              <a:xfrm>
+                <a:off x="7334362" y="5137233"/>
+                <a:ext cx="4019434" cy="276999"/>
+              </a:xfrm>
+              <a:prstGeom prst="rect">
+                <a:avLst/>
+              </a:prstGeom>
+              <a:noFill/>
+            </p:spPr>
+            <p:txBody>
+              <a:bodyPr wrap="none" lIns="0" tIns="0" rIns="0" bIns="0" rtlCol="0">
+                <a:spAutoFit/>
+              </a:bodyPr>
+              <a:lstStyle/>
+              <a:p>
+                <a:pPr/>
+                <a14:m>
+                  <m:oMathPara xmlns:m="http://schemas.openxmlformats.org/officeDocument/2006/math">
+                    <m:oMathParaPr>
+                      <m:jc m:val="centerGroup"/>
+                    </m:oMathParaPr>
+                    <m:oMath xmlns:m="http://schemas.openxmlformats.org/officeDocument/2006/math">
+                      <m:sSup>
+                        <m:sSupPr>
+                          <m:ctrlPr>
+                            <a:rPr lang="en-US" b="0" i="1" smtClean="0">
+                              <a:latin typeface="Cambria Math" panose="02040503050406030204" pitchFamily="18" charset="0"/>
+                            </a:rPr>
+                          </m:ctrlPr>
+                        </m:sSupPr>
+                        <m:e>
+                          <m:r>
+                            <a:rPr lang="en-US" i="1">
+                              <a:latin typeface="Cambria Math" panose="02040503050406030204" pitchFamily="18" charset="0"/>
+                            </a:rPr>
+                            <m:t>(</m:t>
+                          </m:r>
+                          <m:r>
+                            <a:rPr lang="en-US" i="1">
+                              <a:latin typeface="Cambria Math" panose="02040503050406030204" pitchFamily="18" charset="0"/>
+                            </a:rPr>
+                            <m:t>𝑥</m:t>
+                          </m:r>
+                          <m:r>
+                            <a:rPr lang="en-US" i="1">
+                              <a:latin typeface="Cambria Math" panose="02040503050406030204" pitchFamily="18" charset="0"/>
+                            </a:rPr>
+                            <m:t>−</m:t>
+                          </m:r>
+                          <m:r>
+                            <a:rPr lang="en-US" i="1">
+                              <a:latin typeface="Cambria Math" panose="02040503050406030204" pitchFamily="18" charset="0"/>
+                            </a:rPr>
+                            <m:t>h</m:t>
+                          </m:r>
+                          <m:r>
+                            <a:rPr lang="en-US" i="1">
+                              <a:latin typeface="Cambria Math" panose="02040503050406030204" pitchFamily="18" charset="0"/>
+                            </a:rPr>
+                            <m:t>)</m:t>
+                          </m:r>
+                        </m:e>
+                        <m:sup>
+                          <m:r>
+                            <a:rPr lang="en-US" b="0" i="1" smtClean="0">
+                              <a:latin typeface="Cambria Math" panose="02040503050406030204" pitchFamily="18" charset="0"/>
+                            </a:rPr>
+                            <m:t>2</m:t>
+                          </m:r>
+                        </m:sup>
+                      </m:sSup>
+                      <m:r>
+                        <a:rPr lang="en-US" b="0" i="1" smtClean="0">
+                          <a:latin typeface="Cambria Math" panose="02040503050406030204" pitchFamily="18" charset="0"/>
+                        </a:rPr>
+                        <m:t>+</m:t>
+                      </m:r>
+                      <m:sSup>
+                        <m:sSupPr>
+                          <m:ctrlPr>
+                            <a:rPr lang="en-US" i="1">
+                              <a:latin typeface="Cambria Math" panose="02040503050406030204" pitchFamily="18" charset="0"/>
+                            </a:rPr>
+                          </m:ctrlPr>
+                        </m:sSupPr>
+                        <m:e>
+                          <m:r>
+                            <a:rPr lang="en-US" i="1">
+                              <a:latin typeface="Cambria Math" panose="02040503050406030204" pitchFamily="18" charset="0"/>
+                            </a:rPr>
+                            <m:t>(</m:t>
+                          </m:r>
+                          <m:r>
+                            <a:rPr lang="en-US" b="0" i="1" smtClean="0">
+                              <a:latin typeface="Cambria Math" panose="02040503050406030204" pitchFamily="18" charset="0"/>
+                            </a:rPr>
+                            <m:t>𝑦</m:t>
+                          </m:r>
+                          <m:r>
+                            <a:rPr lang="en-US" i="1">
+                              <a:latin typeface="Cambria Math" panose="02040503050406030204" pitchFamily="18" charset="0"/>
+                            </a:rPr>
+                            <m:t>−</m:t>
+                          </m:r>
+                          <m:r>
+                            <a:rPr lang="en-US" b="0" i="1" smtClean="0">
+                              <a:latin typeface="Cambria Math" panose="02040503050406030204" pitchFamily="18" charset="0"/>
+                            </a:rPr>
+                            <m:t>𝑘</m:t>
+                          </m:r>
+                          <m:r>
+                            <a:rPr lang="en-US" i="1">
+                              <a:latin typeface="Cambria Math" panose="02040503050406030204" pitchFamily="18" charset="0"/>
+                            </a:rPr>
+                            <m:t>)</m:t>
+                          </m:r>
+                        </m:e>
+                        <m:sup>
+                          <m:r>
+                            <a:rPr lang="en-US" i="1">
+                              <a:latin typeface="Cambria Math" panose="02040503050406030204" pitchFamily="18" charset="0"/>
+                            </a:rPr>
+                            <m:t>2</m:t>
+                          </m:r>
+                        </m:sup>
+                      </m:sSup>
+                      <m:r>
+                        <a:rPr lang="en-US" b="0" i="1" smtClean="0">
+                          <a:latin typeface="Cambria Math" panose="02040503050406030204" pitchFamily="18" charset="0"/>
+                        </a:rPr>
+                        <m:t>=</m:t>
+                      </m:r>
+                      <m:r>
+                        <m:rPr>
+                          <m:sty m:val="p"/>
+                        </m:rPr>
+                        <a:rPr lang="en-US" b="0" i="0" smtClean="0">
+                          <a:latin typeface="Cambria Math" panose="02040503050406030204" pitchFamily="18" charset="0"/>
+                        </a:rPr>
+                        <m:t>Radius</m:t>
+                      </m:r>
+                      <m:r>
+                        <a:rPr lang="en-US" b="0" i="0" smtClean="0">
+                          <a:latin typeface="Cambria Math" panose="02040503050406030204" pitchFamily="18" charset="0"/>
+                        </a:rPr>
+                        <m:t> </m:t>
+                      </m:r>
+                      <m:r>
+                        <m:rPr>
+                          <m:sty m:val="p"/>
+                        </m:rPr>
+                        <a:rPr lang="en-US" b="0" i="0" smtClean="0">
+                          <a:latin typeface="Cambria Math" panose="02040503050406030204" pitchFamily="18" charset="0"/>
+                        </a:rPr>
+                        <m:t>of</m:t>
+                      </m:r>
+                      <m:r>
+                        <a:rPr lang="en-US" b="0" i="0" smtClean="0">
+                          <a:latin typeface="Cambria Math" panose="02040503050406030204" pitchFamily="18" charset="0"/>
+                        </a:rPr>
+                        <m:t> </m:t>
+                      </m:r>
+                      <m:r>
+                        <m:rPr>
+                          <m:sty m:val="p"/>
+                        </m:rPr>
+                        <a:rPr lang="en-US" b="0" i="0" smtClean="0">
+                          <a:latin typeface="Cambria Math" panose="02040503050406030204" pitchFamily="18" charset="0"/>
+                        </a:rPr>
+                        <m:t>the</m:t>
+                      </m:r>
+                      <m:r>
+                        <a:rPr lang="en-US" b="0" i="0" smtClean="0">
+                          <a:latin typeface="Cambria Math" panose="02040503050406030204" pitchFamily="18" charset="0"/>
+                        </a:rPr>
+                        <m:t> </m:t>
+                      </m:r>
+                      <m:r>
+                        <m:rPr>
+                          <m:sty m:val="p"/>
+                        </m:rPr>
+                        <a:rPr lang="en-US" b="0" i="0" smtClean="0">
+                          <a:latin typeface="Cambria Math" panose="02040503050406030204" pitchFamily="18" charset="0"/>
+                        </a:rPr>
+                        <m:t>circle</m:t>
+                      </m:r>
+                    </m:oMath>
+                  </m:oMathPara>
+                </a14:m>
+                <a:endParaRPr lang="en-US" dirty="0"/>
+              </a:p>
+            </p:txBody>
+          </p:sp>
+        </mc:Choice>
+        <mc:Fallback xmlns="">
+          <p:sp>
+            <p:nvSpPr>
+              <p:cNvPr id="19" name="TextBox 5">
+                <a:extLst>
+                  <a:ext uri="{FF2B5EF4-FFF2-40B4-BE49-F238E27FC236}">
+                    <a16:creationId xmlns:a16="http://schemas.microsoft.com/office/drawing/2014/main" id="{73700232-736B-E635-3B42-CFD493418F90}"/>
+                  </a:ext>
+                </a:extLst>
+              </p:cNvPr>
+              <p:cNvSpPr txBox="1">
+                <a:spLocks noRot="1" noChangeAspect="1" noMove="1" noResize="1" noEditPoints="1" noAdjustHandles="1" noChangeArrowheads="1" noChangeShapeType="1" noTextEdit="1"/>
+              </p:cNvSpPr>
+              <p:nvPr/>
+            </p:nvSpPr>
+            <p:spPr>
+              <a:xfrm>
+                <a:off x="7334362" y="5137233"/>
+                <a:ext cx="4019434" cy="276999"/>
+              </a:xfrm>
+              <a:prstGeom prst="rect">
+                <a:avLst/>
+              </a:prstGeom>
+              <a:blipFill>
+                <a:blip r:embed="rId7"/>
+                <a:stretch>
+                  <a:fillRect l="-1669" t="-4444" r="-1214" b="-35556"/>
+                </a:stretch>
+              </a:blipFill>
+            </p:spPr>
+            <p:txBody>
+              <a:bodyPr/>
+              <a:lstStyle/>
+              <a:p>
+                <a:r>
+                  <a:rPr lang="zh-TW" altLang="en-US">
+                    <a:noFill/>
+                  </a:rPr>
+                  <a:t> </a:t>
+                </a:r>
+              </a:p>
+            </p:txBody>
+          </p:sp>
+        </mc:Fallback>
+      </mc:AlternateContent>
+      <p:sp>
+        <p:nvSpPr>
+          <p:cNvPr id="20" name="TextBox 6">
+            <a:extLst>
+              <a:ext uri="{FF2B5EF4-FFF2-40B4-BE49-F238E27FC236}">
+                <a16:creationId xmlns:a16="http://schemas.microsoft.com/office/drawing/2014/main" id="{66607EED-910B-7D90-62C6-83E55D97FEEE}"/>
+              </a:ext>
+            </a:extLst>
+          </p:cNvPr>
+          <p:cNvSpPr txBox="1"/>
+          <p:nvPr/>
+        </p:nvSpPr>
+        <p:spPr>
+          <a:xfrm>
+            <a:off x="3442547" y="5433202"/>
+            <a:ext cx="5938787" cy="369332"/>
+          </a:xfrm>
+          <a:prstGeom prst="rect">
+            <a:avLst/>
+          </a:prstGeom>
+          <a:noFill/>
+          <a:ln w="38100">
+            <a:solidFill>
+              <a:srgbClr val="FF0000"/>
+            </a:solidFill>
+          </a:ln>
+        </p:spPr>
+        <p:txBody>
+          <a:bodyPr wrap="square" rtlCol="0">
+            <a:spAutoFit/>
+          </a:bodyPr>
+          <a:lstStyle/>
+          <a:p>
+            <a:endParaRPr lang="en-US" dirty="0"/>
+          </a:p>
+        </p:txBody>
+      </p:sp>
+      <p:sp>
+        <p:nvSpPr>
+          <p:cNvPr id="21" name="Oval 7">
+            <a:extLst>
+              <a:ext uri="{FF2B5EF4-FFF2-40B4-BE49-F238E27FC236}">
+                <a16:creationId xmlns:a16="http://schemas.microsoft.com/office/drawing/2014/main" id="{40121F29-8B58-C74A-34AF-9D27F44F5A0B}"/>
+              </a:ext>
+            </a:extLst>
+          </p:cNvPr>
+          <p:cNvSpPr/>
+          <p:nvPr/>
+        </p:nvSpPr>
+        <p:spPr>
+          <a:xfrm>
+            <a:off x="917634" y="5032566"/>
+            <a:ext cx="1501541" cy="1366787"/>
+          </a:xfrm>
+          <a:prstGeom prst="ellipse">
+            <a:avLst/>
+          </a:prstGeom>
+          <a:ln w="28575"/>
+        </p:spPr>
+        <p:style>
+          <a:lnRef idx="2">
+            <a:schemeClr val="dk1"/>
+          </a:lnRef>
+          <a:fillRef idx="1">
+            <a:schemeClr val="lt1"/>
+          </a:fillRef>
+          <a:effectRef idx="0">
+            <a:schemeClr val="dk1"/>
+          </a:effectRef>
+          <a:fontRef idx="minor">
+            <a:schemeClr val="dk1"/>
+          </a:fontRef>
+        </p:style>
+        <p:txBody>
+          <a:bodyPr rtlCol="0" anchor="ctr"/>
+          <a:lstStyle/>
+          <a:p>
+            <a:pPr algn="ctr"/>
+            <a:endParaRPr lang="en-US" dirty="0"/>
+          </a:p>
+        </p:txBody>
+      </p:sp>
+      <p:sp>
+        <p:nvSpPr>
+          <p:cNvPr id="22" name="Oval 8">
+            <a:extLst>
+              <a:ext uri="{FF2B5EF4-FFF2-40B4-BE49-F238E27FC236}">
+                <a16:creationId xmlns:a16="http://schemas.microsoft.com/office/drawing/2014/main" id="{7CF3FA91-2AE5-0CF6-E827-B4CC7FAA0EBC}"/>
+              </a:ext>
+            </a:extLst>
+          </p:cNvPr>
+          <p:cNvSpPr/>
+          <p:nvPr/>
+        </p:nvSpPr>
+        <p:spPr>
+          <a:xfrm>
+            <a:off x="1639528" y="5677459"/>
+            <a:ext cx="77002" cy="96367"/>
+          </a:xfrm>
+          <a:prstGeom prst="ellipse">
+            <a:avLst/>
+          </a:prstGeom>
+        </p:spPr>
+        <p:style>
+          <a:lnRef idx="2">
+            <a:schemeClr val="dk1">
+              <a:shade val="50000"/>
+            </a:schemeClr>
+          </a:lnRef>
+          <a:fillRef idx="1">
+            <a:schemeClr val="dk1"/>
+          </a:fillRef>
+          <a:effectRef idx="0">
+            <a:schemeClr val="dk1"/>
+          </a:effectRef>
+          <a:fontRef idx="minor">
+            <a:schemeClr val="lt1"/>
+          </a:fontRef>
+        </p:style>
+        <p:txBody>
+          <a:bodyPr rtlCol="0" anchor="ctr"/>
+          <a:lstStyle/>
+          <a:p>
+            <a:pPr algn="ctr"/>
+            <a:endParaRPr lang="en-US"/>
+          </a:p>
+        </p:txBody>
+      </p:sp>
+      <p:sp>
+        <p:nvSpPr>
+          <p:cNvPr id="23" name="TextBox 9">
+            <a:extLst>
+              <a:ext uri="{FF2B5EF4-FFF2-40B4-BE49-F238E27FC236}">
+                <a16:creationId xmlns:a16="http://schemas.microsoft.com/office/drawing/2014/main" id="{8BA11CAB-9D2E-20DB-A3C3-E847E9DC42BB}"/>
+              </a:ext>
+            </a:extLst>
+          </p:cNvPr>
+          <p:cNvSpPr txBox="1"/>
+          <p:nvPr/>
+        </p:nvSpPr>
+        <p:spPr>
+          <a:xfrm>
+            <a:off x="1533650" y="5773826"/>
+            <a:ext cx="707245" cy="369332"/>
+          </a:xfrm>
+          <a:prstGeom prst="rect">
+            <a:avLst/>
+          </a:prstGeom>
+          <a:noFill/>
+        </p:spPr>
+        <p:txBody>
+          <a:bodyPr wrap="none" rtlCol="0">
+            <a:spAutoFit/>
+          </a:bodyPr>
+          <a:lstStyle/>
+          <a:p>
+            <a:r>
+              <a:rPr lang="en-US" dirty="0"/>
+              <a:t>c(</a:t>
+            </a:r>
+            <a:r>
+              <a:rPr lang="en-US" dirty="0" err="1"/>
+              <a:t>h,k</a:t>
+            </a:r>
+            <a:r>
+              <a:rPr lang="en-US" dirty="0"/>
+              <a:t>)</a:t>
+            </a:r>
+          </a:p>
+        </p:txBody>
+      </p:sp>
+      <p:sp>
+        <p:nvSpPr>
+          <p:cNvPr id="24" name="TextBox 10">
+            <a:extLst>
+              <a:ext uri="{FF2B5EF4-FFF2-40B4-BE49-F238E27FC236}">
+                <a16:creationId xmlns:a16="http://schemas.microsoft.com/office/drawing/2014/main" id="{731B017F-5CB0-9B9A-B6C1-9EB500BA7EBB}"/>
+              </a:ext>
+            </a:extLst>
+          </p:cNvPr>
+          <p:cNvSpPr txBox="1"/>
+          <p:nvPr/>
+        </p:nvSpPr>
+        <p:spPr>
+          <a:xfrm>
+            <a:off x="2052728" y="4914030"/>
+            <a:ext cx="708848" cy="369332"/>
+          </a:xfrm>
+          <a:prstGeom prst="rect">
+            <a:avLst/>
+          </a:prstGeom>
+          <a:noFill/>
+        </p:spPr>
+        <p:txBody>
+          <a:bodyPr wrap="none" rtlCol="0">
+            <a:spAutoFit/>
+          </a:bodyPr>
+          <a:lstStyle/>
+          <a:p>
+            <a:r>
+              <a:rPr lang="en-US" dirty="0"/>
+              <a:t>p(</a:t>
+            </a:r>
+            <a:r>
+              <a:rPr lang="en-US" dirty="0" err="1"/>
+              <a:t>x,y</a:t>
+            </a:r>
+            <a:r>
+              <a:rPr lang="en-US" dirty="0"/>
+              <a:t>)</a:t>
+            </a:r>
+          </a:p>
+        </p:txBody>
+      </p:sp>
+      <p:cxnSp>
+        <p:nvCxnSpPr>
+          <p:cNvPr id="25" name="Straight Arrow Connector 12">
+            <a:extLst>
+              <a:ext uri="{FF2B5EF4-FFF2-40B4-BE49-F238E27FC236}">
+                <a16:creationId xmlns:a16="http://schemas.microsoft.com/office/drawing/2014/main" id="{878AFBC6-B077-30F7-27A7-426C5F0A88B3}"/>
+              </a:ext>
+            </a:extLst>
+          </p:cNvPr>
+          <p:cNvCxnSpPr>
+            <a:cxnSpLocks/>
+          </p:cNvCxnSpPr>
+          <p:nvPr/>
+        </p:nvCxnSpPr>
+        <p:spPr>
+          <a:xfrm flipV="1">
+            <a:off x="1679680" y="5228624"/>
+            <a:ext cx="561215" cy="482198"/>
+          </a:xfrm>
+          <a:prstGeom prst="straightConnector1">
+            <a:avLst/>
+          </a:prstGeom>
+          <a:ln>
+            <a:solidFill>
+              <a:srgbClr val="FF0000"/>
+            </a:solidFill>
+            <a:tailEnd type="triangle"/>
+          </a:ln>
+        </p:spPr>
+        <p:style>
+          <a:lnRef idx="3">
+            <a:schemeClr val="accent2"/>
+          </a:lnRef>
+          <a:fillRef idx="0">
+            <a:schemeClr val="accent2"/>
+          </a:fillRef>
+          <a:effectRef idx="2">
+            <a:schemeClr val="accent2"/>
+          </a:effectRef>
+          <a:fontRef idx="minor">
+            <a:schemeClr val="tx1"/>
+          </a:fontRef>
+        </p:style>
+      </p:cxnSp>
+      <p:sp>
+        <p:nvSpPr>
+          <p:cNvPr id="26" name="矩形 25">
+            <a:extLst>
+              <a:ext uri="{FF2B5EF4-FFF2-40B4-BE49-F238E27FC236}">
+                <a16:creationId xmlns:a16="http://schemas.microsoft.com/office/drawing/2014/main" id="{07ABCFF3-ADF2-5563-909F-1C4E7D26431C}"/>
+              </a:ext>
+            </a:extLst>
+          </p:cNvPr>
+          <p:cNvSpPr/>
+          <p:nvPr/>
+        </p:nvSpPr>
+        <p:spPr>
+          <a:xfrm>
+            <a:off x="7051630" y="4152112"/>
+            <a:ext cx="2118904" cy="338554"/>
+          </a:xfrm>
+          <a:prstGeom prst="rect">
+            <a:avLst/>
+          </a:prstGeom>
+        </p:spPr>
+        <p:txBody>
+          <a:bodyPr wrap="square">
+            <a:spAutoFit/>
+          </a:bodyPr>
+          <a:lstStyle/>
+          <a:p>
+            <a:pPr defTabSz="914411">
+              <a:defRPr/>
+            </a:pPr>
+            <a:r>
+              <a:rPr lang="zh-TW" altLang="en-US" sz="1600" dirty="0">
+                <a:solidFill>
+                  <a:prstClr val="black"/>
+                </a:solidFill>
+                <a:latin typeface="微軟正黑體" panose="020B0604030504040204" pitchFamily="34" charset="-120"/>
+                <a:ea typeface="微軟正黑體" panose="020B0604030504040204" pitchFamily="34" charset="-120"/>
+              </a:rPr>
+              <a:t>圖</a:t>
+            </a:r>
+            <a:r>
+              <a:rPr lang="en-US" altLang="zh-TW" sz="1600" dirty="0">
+                <a:solidFill>
+                  <a:prstClr val="black"/>
+                </a:solidFill>
+                <a:latin typeface="微軟正黑體" panose="020B0604030504040204" pitchFamily="34" charset="-120"/>
+                <a:ea typeface="微軟正黑體" panose="020B0604030504040204" pitchFamily="34" charset="-120"/>
+              </a:rPr>
+              <a:t>(1) </a:t>
+            </a:r>
+            <a:r>
+              <a:rPr lang="zh-TW" altLang="en-US" sz="1600" dirty="0">
+                <a:solidFill>
+                  <a:prstClr val="black"/>
+                </a:solidFill>
+                <a:latin typeface="微軟正黑體" panose="020B0604030504040204" pitchFamily="34" charset="-120"/>
+                <a:ea typeface="微軟正黑體" panose="020B0604030504040204" pitchFamily="34" charset="-120"/>
+              </a:rPr>
+              <a:t>圓形無信號輸入</a:t>
+            </a:r>
+            <a:endParaRPr lang="en-US" altLang="zh-TW" sz="1600" dirty="0">
+              <a:solidFill>
+                <a:prstClr val="black"/>
+              </a:solidFill>
+              <a:latin typeface="微軟正黑體" panose="020B0604030504040204" pitchFamily="34" charset="-120"/>
+              <a:ea typeface="微軟正黑體" panose="020B0604030504040204" pitchFamily="34" charset="-120"/>
+            </a:endParaRPr>
+          </a:p>
+        </p:txBody>
+      </p:sp>
+      <p:sp>
+        <p:nvSpPr>
+          <p:cNvPr id="27" name="矩形 26">
+            <a:extLst>
+              <a:ext uri="{FF2B5EF4-FFF2-40B4-BE49-F238E27FC236}">
+                <a16:creationId xmlns:a16="http://schemas.microsoft.com/office/drawing/2014/main" id="{B10AFA00-A83D-73B7-3F0B-0BE94D16388F}"/>
+              </a:ext>
+            </a:extLst>
+          </p:cNvPr>
+          <p:cNvSpPr/>
+          <p:nvPr/>
+        </p:nvSpPr>
+        <p:spPr>
+          <a:xfrm>
+            <a:off x="9381334" y="4145351"/>
+            <a:ext cx="2118904" cy="338554"/>
+          </a:xfrm>
+          <a:prstGeom prst="rect">
+            <a:avLst/>
+          </a:prstGeom>
+        </p:spPr>
+        <p:txBody>
+          <a:bodyPr wrap="square">
+            <a:spAutoFit/>
+          </a:bodyPr>
+          <a:lstStyle/>
+          <a:p>
+            <a:pPr defTabSz="914411">
+              <a:defRPr/>
+            </a:pPr>
+            <a:r>
+              <a:rPr lang="zh-TW" altLang="en-US" sz="1600" dirty="0">
+                <a:solidFill>
+                  <a:prstClr val="black"/>
+                </a:solidFill>
+                <a:latin typeface="微軟正黑體" panose="020B0604030504040204" pitchFamily="34" charset="-120"/>
+                <a:ea typeface="微軟正黑體" panose="020B0604030504040204" pitchFamily="34" charset="-120"/>
+              </a:rPr>
+              <a:t>圖</a:t>
+            </a:r>
+            <a:r>
+              <a:rPr lang="en-US" altLang="zh-TW" sz="1600" dirty="0">
+                <a:solidFill>
+                  <a:prstClr val="black"/>
+                </a:solidFill>
+                <a:latin typeface="微軟正黑體" panose="020B0604030504040204" pitchFamily="34" charset="-120"/>
+                <a:ea typeface="微軟正黑體" panose="020B0604030504040204" pitchFamily="34" charset="-120"/>
+              </a:rPr>
+              <a:t>(2) </a:t>
+            </a:r>
+            <a:r>
+              <a:rPr lang="zh-TW" altLang="en-US" sz="1600" dirty="0">
+                <a:solidFill>
+                  <a:prstClr val="black"/>
+                </a:solidFill>
+                <a:latin typeface="微軟正黑體" panose="020B0604030504040204" pitchFamily="34" charset="-120"/>
+                <a:ea typeface="微軟正黑體" panose="020B0604030504040204" pitchFamily="34" charset="-120"/>
+              </a:rPr>
+              <a:t>方形</a:t>
+            </a:r>
+            <a:r>
+              <a:rPr lang="en-US" altLang="zh-TW" sz="1600" dirty="0">
+                <a:solidFill>
+                  <a:prstClr val="black"/>
+                </a:solidFill>
+                <a:latin typeface="微軟正黑體" panose="020B0604030504040204" pitchFamily="34" charset="-120"/>
+                <a:ea typeface="微軟正黑體" panose="020B0604030504040204" pitchFamily="34" charset="-120"/>
+              </a:rPr>
+              <a:t>VGA</a:t>
+            </a:r>
+            <a:r>
+              <a:rPr lang="zh-TW" altLang="en-US" sz="1600" dirty="0">
+                <a:solidFill>
+                  <a:prstClr val="black"/>
+                </a:solidFill>
+                <a:latin typeface="微軟正黑體" panose="020B0604030504040204" pitchFamily="34" charset="-120"/>
+                <a:ea typeface="微軟正黑體" panose="020B0604030504040204" pitchFamily="34" charset="-120"/>
+              </a:rPr>
+              <a:t>顯示</a:t>
+            </a:r>
+            <a:endParaRPr lang="en-US" altLang="zh-TW" sz="1600" dirty="0">
+              <a:solidFill>
+                <a:prstClr val="black"/>
+              </a:solidFill>
+              <a:latin typeface="微軟正黑體" panose="020B0604030504040204" pitchFamily="34" charset="-120"/>
+              <a:ea typeface="微軟正黑體" panose="020B0604030504040204" pitchFamily="34" charset="-120"/>
+            </a:endParaRPr>
+          </a:p>
+        </p:txBody>
+      </p:sp>
+      <p:sp>
+        <p:nvSpPr>
+          <p:cNvPr id="28" name="矩形 27">
+            <a:extLst>
+              <a:ext uri="{FF2B5EF4-FFF2-40B4-BE49-F238E27FC236}">
+                <a16:creationId xmlns:a16="http://schemas.microsoft.com/office/drawing/2014/main" id="{53516F4C-1404-AC08-DAB4-6F36AE2EA04E}"/>
+              </a:ext>
+            </a:extLst>
+          </p:cNvPr>
+          <p:cNvSpPr/>
+          <p:nvPr/>
+        </p:nvSpPr>
+        <p:spPr>
+          <a:xfrm>
+            <a:off x="5215458" y="6359208"/>
+            <a:ext cx="2118904" cy="338554"/>
+          </a:xfrm>
+          <a:prstGeom prst="rect">
+            <a:avLst/>
+          </a:prstGeom>
+        </p:spPr>
+        <p:txBody>
+          <a:bodyPr wrap="square">
+            <a:spAutoFit/>
+          </a:bodyPr>
+          <a:lstStyle/>
+          <a:p>
+            <a:pPr defTabSz="914411">
+              <a:defRPr/>
+            </a:pPr>
+            <a:r>
+              <a:rPr lang="zh-TW" altLang="en-US" sz="1600" dirty="0">
+                <a:solidFill>
+                  <a:prstClr val="black"/>
+                </a:solidFill>
+                <a:latin typeface="微軟正黑體" panose="020B0604030504040204" pitchFamily="34" charset="-120"/>
+                <a:ea typeface="微軟正黑體" panose="020B0604030504040204" pitchFamily="34" charset="-120"/>
+              </a:rPr>
+              <a:t>圖</a:t>
+            </a:r>
+            <a:r>
+              <a:rPr lang="en-US" altLang="zh-TW" sz="1600" dirty="0">
+                <a:solidFill>
+                  <a:prstClr val="black"/>
+                </a:solidFill>
+                <a:latin typeface="微軟正黑體" panose="020B0604030504040204" pitchFamily="34" charset="-120"/>
+                <a:ea typeface="微軟正黑體" panose="020B0604030504040204" pitchFamily="34" charset="-120"/>
+              </a:rPr>
+              <a:t>(3) </a:t>
+            </a:r>
+            <a:r>
+              <a:rPr lang="zh-TW" altLang="en-US" sz="1600" dirty="0">
+                <a:solidFill>
+                  <a:prstClr val="black"/>
+                </a:solidFill>
+                <a:latin typeface="微軟正黑體" panose="020B0604030504040204" pitchFamily="34" charset="-120"/>
+                <a:ea typeface="微軟正黑體" panose="020B0604030504040204" pitchFamily="34" charset="-120"/>
+              </a:rPr>
+              <a:t>輸出圓形</a:t>
+            </a:r>
+            <a:endParaRPr lang="en-US" altLang="zh-TW" sz="1600" dirty="0">
+              <a:solidFill>
+                <a:prstClr val="black"/>
+              </a:solidFill>
+              <a:latin typeface="微軟正黑體" panose="020B0604030504040204" pitchFamily="34" charset="-120"/>
+              <a:ea typeface="微軟正黑體" panose="020B0604030504040204" pitchFamily="34" charset="-120"/>
+            </a:endParaRPr>
+          </a:p>
+        </p:txBody>
+      </p:sp>
+      <p:sp>
+        <p:nvSpPr>
+          <p:cNvPr id="29" name="矩形 28">
+            <a:extLst>
+              <a:ext uri="{FF2B5EF4-FFF2-40B4-BE49-F238E27FC236}">
+                <a16:creationId xmlns:a16="http://schemas.microsoft.com/office/drawing/2014/main" id="{A650553B-6A7B-B455-5362-EE7C8D7B7D15}"/>
+              </a:ext>
+            </a:extLst>
+          </p:cNvPr>
+          <p:cNvSpPr/>
+          <p:nvPr/>
+        </p:nvSpPr>
+        <p:spPr>
+          <a:xfrm>
+            <a:off x="839747" y="2175160"/>
+            <a:ext cx="10515598" cy="615553"/>
+          </a:xfrm>
+          <a:prstGeom prst="rect">
+            <a:avLst/>
+          </a:prstGeom>
+        </p:spPr>
+        <p:txBody>
+          <a:bodyPr wrap="square">
+            <a:spAutoFit/>
+          </a:bodyPr>
+          <a:lstStyle/>
+          <a:p>
+            <a:pPr marL="171453" indent="-171453" defTabSz="914411">
+              <a:buFont typeface="Arial" panose="020B0604020202020204" pitchFamily="34" charset="0"/>
+              <a:buChar char="•"/>
+              <a:defRPr/>
+            </a:pPr>
+            <a:r>
+              <a:rPr lang="zh-TW" altLang="en-US" b="1" dirty="0">
+                <a:solidFill>
+                  <a:prstClr val="black"/>
+                </a:solidFill>
+                <a:latin typeface="微軟正黑體" panose="020B0604030504040204" pitchFamily="34" charset="-120"/>
+                <a:ea typeface="微軟正黑體" panose="020B0604030504040204" pitchFamily="34" charset="-120"/>
+              </a:rPr>
+              <a:t>測試方法</a:t>
+            </a:r>
+            <a:r>
+              <a:rPr lang="en-US" altLang="zh-TW" b="1" dirty="0">
+                <a:solidFill>
+                  <a:prstClr val="black"/>
+                </a:solidFill>
+                <a:latin typeface="微軟正黑體" panose="020B0604030504040204" pitchFamily="34" charset="-120"/>
+                <a:ea typeface="微軟正黑體" panose="020B0604030504040204" pitchFamily="34" charset="-120"/>
+              </a:rPr>
+              <a:t>:</a:t>
+            </a:r>
+          </a:p>
+          <a:p>
+            <a:pPr defTabSz="914411">
+              <a:defRPr/>
+            </a:pPr>
+            <a:r>
+              <a:rPr lang="zh-TW" altLang="en-US" sz="1600" dirty="0">
+                <a:solidFill>
+                  <a:prstClr val="black"/>
+                </a:solidFill>
+                <a:latin typeface="微軟正黑體" panose="020B0604030504040204" pitchFamily="34" charset="-120"/>
+                <a:ea typeface="微軟正黑體" panose="020B0604030504040204" pitchFamily="34" charset="-120"/>
+              </a:rPr>
+              <a:t>    在程式設定的條件範圍內，輸出顏色在螢幕上</a:t>
+            </a:r>
+            <a:endParaRPr lang="en-US" altLang="zh-TW" sz="1600" dirty="0">
+              <a:solidFill>
+                <a:prstClr val="black"/>
+              </a:solidFill>
+              <a:latin typeface="微軟正黑體" panose="020B0604030504040204" pitchFamily="34" charset="-120"/>
+              <a:ea typeface="微軟正黑體" panose="020B0604030504040204" pitchFamily="34" charset="-120"/>
+            </a:endParaRPr>
+          </a:p>
+        </p:txBody>
+      </p:sp>
+      <p:sp>
+        <p:nvSpPr>
+          <p:cNvPr id="30" name="矩形 29">
+            <a:extLst>
+              <a:ext uri="{FF2B5EF4-FFF2-40B4-BE49-F238E27FC236}">
+                <a16:creationId xmlns:a16="http://schemas.microsoft.com/office/drawing/2014/main" id="{81F9D1D8-229B-F963-6B2C-F1A7FCC37D94}"/>
+              </a:ext>
+            </a:extLst>
+          </p:cNvPr>
+          <p:cNvSpPr/>
+          <p:nvPr/>
+        </p:nvSpPr>
+        <p:spPr>
+          <a:xfrm>
+            <a:off x="838199" y="3564788"/>
+            <a:ext cx="6211882" cy="615553"/>
+          </a:xfrm>
+          <a:prstGeom prst="rect">
+            <a:avLst/>
+          </a:prstGeom>
+        </p:spPr>
+        <p:txBody>
+          <a:bodyPr wrap="square">
+            <a:spAutoFit/>
+          </a:bodyPr>
+          <a:lstStyle/>
+          <a:p>
+            <a:pPr marL="171453" indent="-171453" defTabSz="914411">
+              <a:buFont typeface="Arial" panose="020B0604020202020204" pitchFamily="34" charset="0"/>
+              <a:buChar char="•"/>
+              <a:defRPr/>
+            </a:pPr>
+            <a:r>
+              <a:rPr lang="zh-TW" altLang="en-US" b="1" dirty="0">
+                <a:solidFill>
+                  <a:prstClr val="black"/>
+                </a:solidFill>
+                <a:latin typeface="微軟正黑體" panose="020B0604030504040204" pitchFamily="34" charset="-120"/>
+                <a:ea typeface="微軟正黑體" panose="020B0604030504040204" pitchFamily="34" charset="-120"/>
+              </a:rPr>
+              <a:t>問題紀錄</a:t>
+            </a:r>
+            <a:r>
+              <a:rPr lang="en-US" altLang="zh-TW" b="1" dirty="0">
+                <a:solidFill>
+                  <a:prstClr val="black"/>
+                </a:solidFill>
+                <a:latin typeface="微軟正黑體" panose="020B0604030504040204" pitchFamily="34" charset="-120"/>
+                <a:ea typeface="微軟正黑體" panose="020B0604030504040204" pitchFamily="34" charset="-120"/>
+              </a:rPr>
+              <a:t>:</a:t>
+            </a:r>
+          </a:p>
+          <a:p>
+            <a:pPr defTabSz="914411">
+              <a:defRPr/>
+            </a:pPr>
+            <a:r>
+              <a:rPr lang="zh-TW" altLang="en-US" sz="1600" dirty="0">
+                <a:solidFill>
+                  <a:prstClr val="black"/>
+                </a:solidFill>
+                <a:latin typeface="微軟正黑體" panose="020B0604030504040204" pitchFamily="34" charset="-120"/>
+                <a:ea typeface="微軟正黑體" panose="020B0604030504040204" pitchFamily="34" charset="-120"/>
+              </a:rPr>
+              <a:t>    方形圖案可以正常顯示，但圓形無法正常輸出到螢幕上顯示</a:t>
+            </a:r>
+            <a:endParaRPr lang="en-US" altLang="zh-TW" sz="1600" dirty="0">
+              <a:solidFill>
+                <a:prstClr val="black"/>
+              </a:solidFill>
+              <a:latin typeface="微軟正黑體" panose="020B0604030504040204" pitchFamily="34" charset="-120"/>
+              <a:ea typeface="微軟正黑體" panose="020B0604030504040204" pitchFamily="34" charset="-120"/>
+            </a:endParaRPr>
+          </a:p>
+        </p:txBody>
+      </p:sp>
+    </p:spTree>
+    <p:extLst>
+      <p:ext uri="{BB962C8B-B14F-4D97-AF65-F5344CB8AC3E}">
+        <p14:creationId xmlns:p14="http://schemas.microsoft.com/office/powerpoint/2010/main" val="1647731539"/>
+      </p:ext>
+    </p:extLst>
+  </p:cSld>
+  <p:clrMapOvr>
+    <a:masterClrMapping/>
+  </p:clrMapOvr>
+  <p:timing>
+    <p:tnLst>
+      <p:par>
+        <p:cTn id="1" dur="indefinite" restart="never" nodeType="tmRoot">
+          <p:childTnLst>
+            <p:seq concurrent="1" nextAc="seek">
+              <p:cTn id="2" dur="indefinite" nodeType="mainSeq">
+                <p:childTnLst>
+                  <p:par>
+                    <p:cTn id="3" fill="hold">
+                      <p:stCondLst>
+                        <p:cond delay="indefinite"/>
+                      </p:stCondLst>
+                      <p:childTnLst>
+                        <p:par>
+                          <p:cTn id="4" fill="hold">
+                            <p:stCondLst>
+                              <p:cond delay="0"/>
+                            </p:stCondLst>
+                            <p:childTnLst>
+                              <p:par>
+                                <p:cTn id="5" presetID="1" presetClass="mediacall" presetSubtype="0" fill="hold" nodeType="clickEffect">
+                                  <p:stCondLst>
+                                    <p:cond delay="0"/>
+                                  </p:stCondLst>
+                                  <p:childTnLst>
+                                    <p:cmd type="call" cmd="playFrom(0.0)">
+                                      <p:cBhvr>
+                                        <p:cTn id="6" dur="10875" fill="hold"/>
+                                        <p:tgtEl>
+                                          <p:spTgt spid="17"/>
+                                        </p:tgtEl>
+                                      </p:cBhvr>
+                                    </p:cmd>
+                                  </p:childTnLst>
+                                </p:cTn>
+                              </p:par>
+                            </p:childTnLst>
+                          </p:cTn>
+                        </p:par>
+                      </p:childTnLst>
+                    </p:cTn>
+                  </p:par>
+                </p:childTnLst>
+              </p:cTn>
+              <p:prevCondLst>
+                <p:cond evt="onPrev" delay="0">
+                  <p:tgtEl>
+                    <p:sldTgt/>
+                  </p:tgtEl>
+                </p:cond>
+              </p:prevCondLst>
+              <p:nextCondLst>
+                <p:cond evt="onNext" delay="0">
+                  <p:tgtEl>
+                    <p:sldTgt/>
+                  </p:tgtEl>
+                </p:cond>
+              </p:nextCondLst>
+            </p:seq>
+            <p:seq concurrent="1" nextAc="seek">
+              <p:cTn id="7" restart="whenNotActive" fill="hold" evtFilter="cancelBubble" nodeType="interactiveSeq">
+                <p:stCondLst>
+                  <p:cond evt="onClick" delay="0">
+                    <p:tgtEl>
+                      <p:spTgt spid="17"/>
+                    </p:tgtEl>
+                  </p:cond>
+                </p:stCondLst>
+                <p:endSync evt="end" delay="0">
+                  <p:rtn val="all"/>
+                </p:endSync>
+                <p:childTnLst>
+                  <p:par>
+                    <p:cTn id="8" fill="hold">
+                      <p:stCondLst>
+                        <p:cond delay="0"/>
+                      </p:stCondLst>
+                      <p:childTnLst>
+                        <p:par>
+                          <p:cTn id="9" fill="hold">
+                            <p:stCondLst>
+                              <p:cond delay="0"/>
+                            </p:stCondLst>
+                            <p:childTnLst>
+                              <p:par>
+                                <p:cTn id="10" presetID="2" presetClass="mediacall" presetSubtype="0" fill="hold" nodeType="clickEffect">
+                                  <p:stCondLst>
+                                    <p:cond delay="0"/>
+                                  </p:stCondLst>
+                                  <p:childTnLst>
+                                    <p:cmd type="call" cmd="togglePause">
+                                      <p:cBhvr>
+                                        <p:cTn id="11" dur="1" fill="hold"/>
+                                        <p:tgtEl>
+                                          <p:spTgt spid="17"/>
+                                        </p:tgtEl>
+                                      </p:cBhvr>
+                                    </p:cmd>
+                                  </p:childTnLst>
+                                </p:cTn>
+                              </p:par>
+                            </p:childTnLst>
+                          </p:cTn>
+                        </p:par>
+                      </p:childTnLst>
+                    </p:cTn>
+                  </p:par>
+                </p:childTnLst>
+              </p:cTn>
+              <p:nextCondLst>
+                <p:cond evt="onClick" delay="0">
+                  <p:tgtEl>
+                    <p:spTgt spid="17"/>
+                  </p:tgtEl>
+                </p:cond>
+              </p:nextCondLst>
+            </p:seq>
+            <p:video>
+              <p:cMediaNode vol="80000">
+                <p:cTn id="12" fill="hold" display="0">
+                  <p:stCondLst>
+                    <p:cond delay="indefinite"/>
+                  </p:stCondLst>
+                </p:cTn>
+                <p:tgtEl>
+                  <p:spTgt spid="17"/>
+                </p:tgtEl>
+              </p:cMediaNode>
+            </p:video>
+          </p:childTnLst>
+        </p:cTn>
+      </p:par>
+    </p:tnLst>
+  </p:timing>
+</p:sld>
+</file>
+
+<file path=ppt/slides/slide7.xml><?xml version="1.0" encoding="utf-8"?>
+<p:sld xmlns:a="http://schemas.openxmlformats.org/drawingml/2006/main" xmlns:r="http://schemas.openxmlformats.org/officeDocument/2006/relationships" xmlns:p="http://schemas.openxmlformats.org/presentationml/2006/main">
+  <p:cSld>
+    <p:spTree>
+      <p:nvGrpSpPr>
+        <p:cNvPr id="1" name=""/>
+        <p:cNvGrpSpPr/>
+        <p:nvPr/>
+      </p:nvGrpSpPr>
+      <p:grpSpPr>
+        <a:xfrm>
+          <a:off x="0" y="0"/>
+          <a:ext cx="0" cy="0"/>
+          <a:chOff x="0" y="0"/>
+          <a:chExt cx="0" cy="0"/>
+        </a:xfrm>
+      </p:grpSpPr>
+      <p:sp>
+        <p:nvSpPr>
+          <p:cNvPr id="3" name="標題 2">
+            <a:extLst>
+              <a:ext uri="{FF2B5EF4-FFF2-40B4-BE49-F238E27FC236}">
+                <a16:creationId xmlns:a16="http://schemas.microsoft.com/office/drawing/2014/main" id="{B0FE567C-34C6-4F98-A84A-4DEAB1E49A7C}"/>
+              </a:ext>
+            </a:extLst>
+          </p:cNvPr>
+          <p:cNvSpPr>
+            <a:spLocks noGrp="1"/>
+          </p:cNvSpPr>
+          <p:nvPr>
+            <p:ph type="title"/>
+          </p:nvPr>
+        </p:nvSpPr>
+        <p:spPr/>
+        <p:txBody>
+          <a:bodyPr/>
+          <a:lstStyle/>
+          <a:p>
+            <a:r>
+              <a:rPr lang="zh-TW" altLang="en-US" dirty="0"/>
+              <a:t>本週進度</a:t>
+            </a:r>
+          </a:p>
+        </p:txBody>
+      </p:sp>
+      <p:sp>
+        <p:nvSpPr>
+          <p:cNvPr id="29" name="矩形 28">
+            <a:extLst>
+              <a:ext uri="{FF2B5EF4-FFF2-40B4-BE49-F238E27FC236}">
+                <a16:creationId xmlns:a16="http://schemas.microsoft.com/office/drawing/2014/main" id="{A650553B-6A7B-B455-5362-EE7C8D7B7D15}"/>
+              </a:ext>
+            </a:extLst>
+          </p:cNvPr>
+          <p:cNvSpPr/>
+          <p:nvPr/>
+        </p:nvSpPr>
+        <p:spPr>
+          <a:xfrm>
+            <a:off x="839747" y="1525577"/>
+            <a:ext cx="10515598" cy="615553"/>
+          </a:xfrm>
+          <a:prstGeom prst="rect">
+            <a:avLst/>
+          </a:prstGeom>
+        </p:spPr>
+        <p:txBody>
+          <a:bodyPr wrap="square">
+            <a:spAutoFit/>
+          </a:bodyPr>
+          <a:lstStyle/>
+          <a:p>
+            <a:pPr marL="171453" indent="-171453" defTabSz="914411">
+              <a:buFont typeface="Arial" panose="020B0604020202020204" pitchFamily="34" charset="0"/>
+              <a:buChar char="•"/>
+              <a:defRPr/>
+            </a:pPr>
+            <a:r>
+              <a:rPr lang="zh-TW" altLang="en-US" b="1" dirty="0">
+                <a:solidFill>
+                  <a:prstClr val="black"/>
+                </a:solidFill>
+                <a:latin typeface="微軟正黑體" panose="020B0604030504040204" pitchFamily="34" charset="-120"/>
+                <a:ea typeface="微軟正黑體" panose="020B0604030504040204" pitchFamily="34" charset="-120"/>
+              </a:rPr>
+              <a:t>測試方法</a:t>
+            </a:r>
+            <a:r>
+              <a:rPr lang="en-US" altLang="zh-TW" b="1" dirty="0">
+                <a:solidFill>
+                  <a:prstClr val="black"/>
+                </a:solidFill>
+                <a:latin typeface="微軟正黑體" panose="020B0604030504040204" pitchFamily="34" charset="-120"/>
+                <a:ea typeface="微軟正黑體" panose="020B0604030504040204" pitchFamily="34" charset="-120"/>
+              </a:rPr>
+              <a:t>:</a:t>
+            </a:r>
+          </a:p>
+          <a:p>
+            <a:pPr defTabSz="914411">
+              <a:defRPr/>
+            </a:pPr>
+            <a:r>
+              <a:rPr lang="zh-TW" altLang="en-US" sz="1600" dirty="0">
+                <a:solidFill>
+                  <a:prstClr val="black"/>
+                </a:solidFill>
+                <a:latin typeface="微軟正黑體" panose="020B0604030504040204" pitchFamily="34" charset="-120"/>
+                <a:ea typeface="微軟正黑體" panose="020B0604030504040204" pitchFamily="34" charset="-120"/>
+              </a:rPr>
+              <a:t>    </a:t>
+            </a:r>
+            <a:r>
+              <a:rPr lang="en-US" altLang="zh-TW" sz="1600" dirty="0">
+                <a:solidFill>
+                  <a:prstClr val="black"/>
+                </a:solidFill>
+                <a:latin typeface="微軟正黑體" panose="020B0604030504040204" pitchFamily="34" charset="-120"/>
+                <a:ea typeface="微軟正黑體" panose="020B0604030504040204" pitchFamily="34" charset="-120"/>
+              </a:rPr>
+              <a:t>PS</a:t>
+            </a:r>
+            <a:r>
+              <a:rPr lang="zh-TW" altLang="en-US" sz="1600" dirty="0">
+                <a:solidFill>
+                  <a:prstClr val="black"/>
+                </a:solidFill>
+                <a:latin typeface="微軟正黑體" panose="020B0604030504040204" pitchFamily="34" charset="-120"/>
+                <a:ea typeface="微軟正黑體" panose="020B0604030504040204" pitchFamily="34" charset="-120"/>
+              </a:rPr>
+              <a:t>端透過</a:t>
+            </a:r>
+            <a:r>
+              <a:rPr lang="en-US" altLang="zh-TW" sz="1600" dirty="0">
+                <a:solidFill>
+                  <a:prstClr val="black"/>
+                </a:solidFill>
+                <a:latin typeface="微軟正黑體" panose="020B0604030504040204" pitchFamily="34" charset="-120"/>
+                <a:ea typeface="微軟正黑體" panose="020B0604030504040204" pitchFamily="34" charset="-120"/>
+              </a:rPr>
+              <a:t>AXI</a:t>
+            </a:r>
+            <a:r>
+              <a:rPr lang="zh-TW" altLang="en-US" sz="1600" dirty="0">
+                <a:solidFill>
+                  <a:prstClr val="black"/>
+                </a:solidFill>
+                <a:latin typeface="微軟正黑體" panose="020B0604030504040204" pitchFamily="34" charset="-120"/>
+                <a:ea typeface="微軟正黑體" panose="020B0604030504040204" pitchFamily="34" charset="-120"/>
+              </a:rPr>
+              <a:t>寫入及讀取</a:t>
+            </a:r>
+            <a:r>
+              <a:rPr lang="en-US" altLang="zh-TW" sz="1600" dirty="0">
+                <a:solidFill>
+                  <a:prstClr val="black"/>
+                </a:solidFill>
+                <a:latin typeface="微軟正黑體" panose="020B0604030504040204" pitchFamily="34" charset="-120"/>
+                <a:ea typeface="微軟正黑體" panose="020B0604030504040204" pitchFamily="34" charset="-120"/>
+              </a:rPr>
+              <a:t>PL</a:t>
+            </a:r>
+            <a:r>
+              <a:rPr lang="zh-TW" altLang="en-US" sz="1600" dirty="0">
+                <a:solidFill>
+                  <a:prstClr val="black"/>
+                </a:solidFill>
+                <a:latin typeface="微軟正黑體" panose="020B0604030504040204" pitchFamily="34" charset="-120"/>
+                <a:ea typeface="微軟正黑體" panose="020B0604030504040204" pitchFamily="34" charset="-120"/>
+              </a:rPr>
+              <a:t>端</a:t>
+            </a:r>
+            <a:r>
+              <a:rPr lang="en-US" altLang="zh-TW" sz="1600" dirty="0">
+                <a:solidFill>
+                  <a:prstClr val="black"/>
+                </a:solidFill>
+                <a:latin typeface="微軟正黑體" panose="020B0604030504040204" pitchFamily="34" charset="-120"/>
+                <a:ea typeface="微軟正黑體" panose="020B0604030504040204" pitchFamily="34" charset="-120"/>
+              </a:rPr>
+              <a:t>Bram</a:t>
+            </a:r>
+            <a:r>
+              <a:rPr lang="zh-TW" altLang="en-US" sz="1600" dirty="0">
+                <a:solidFill>
+                  <a:prstClr val="black"/>
+                </a:solidFill>
+                <a:latin typeface="微軟正黑體" panose="020B0604030504040204" pitchFamily="34" charset="-120"/>
+                <a:ea typeface="微軟正黑體" panose="020B0604030504040204" pitchFamily="34" charset="-120"/>
+              </a:rPr>
+              <a:t>的資料，並列印出讀取到的資料</a:t>
+            </a:r>
+            <a:endParaRPr lang="en-US" altLang="zh-TW" sz="1600" dirty="0">
+              <a:solidFill>
+                <a:prstClr val="black"/>
+              </a:solidFill>
+              <a:latin typeface="微軟正黑體" panose="020B0604030504040204" pitchFamily="34" charset="-120"/>
+              <a:ea typeface="微軟正黑體" panose="020B0604030504040204" pitchFamily="34" charset="-120"/>
+            </a:endParaRPr>
+          </a:p>
+        </p:txBody>
+      </p:sp>
+      <p:sp>
+        <p:nvSpPr>
+          <p:cNvPr id="30" name="矩形 29">
+            <a:extLst>
+              <a:ext uri="{FF2B5EF4-FFF2-40B4-BE49-F238E27FC236}">
+                <a16:creationId xmlns:a16="http://schemas.microsoft.com/office/drawing/2014/main" id="{419D7614-1672-166B-3EA7-A8ED1E6CE9B5}"/>
+              </a:ext>
+            </a:extLst>
+          </p:cNvPr>
+          <p:cNvSpPr/>
+          <p:nvPr/>
+        </p:nvSpPr>
+        <p:spPr>
+          <a:xfrm>
+            <a:off x="838199" y="1224282"/>
+            <a:ext cx="10515598" cy="369332"/>
+          </a:xfrm>
+          <a:prstGeom prst="rect">
+            <a:avLst/>
+          </a:prstGeom>
+        </p:spPr>
+        <p:txBody>
+          <a:bodyPr wrap="square">
+            <a:spAutoFit/>
+          </a:bodyPr>
+          <a:lstStyle/>
+          <a:p>
+            <a:pPr marL="171453" indent="-171453" defTabSz="914411">
+              <a:buFont typeface="Arial" panose="020B0604020202020204" pitchFamily="34" charset="0"/>
+              <a:buChar char="•"/>
+              <a:defRPr/>
+            </a:pPr>
+            <a:r>
+              <a:rPr lang="en-US" altLang="zh-TW" b="1" dirty="0">
+                <a:solidFill>
+                  <a:prstClr val="black"/>
+                </a:solidFill>
+                <a:latin typeface="微軟正黑體" panose="020B0604030504040204" pitchFamily="34" charset="-120"/>
+                <a:ea typeface="微軟正黑體" panose="020B0604030504040204" pitchFamily="34" charset="-120"/>
+              </a:rPr>
+              <a:t>AXI</a:t>
+            </a:r>
+            <a:r>
+              <a:rPr lang="zh-TW" altLang="en-US" b="1" dirty="0">
+                <a:solidFill>
+                  <a:prstClr val="black"/>
+                </a:solidFill>
+                <a:latin typeface="微軟正黑體" panose="020B0604030504040204" pitchFamily="34" charset="-120"/>
+                <a:ea typeface="微軟正黑體" panose="020B0604030504040204" pitchFamily="34" charset="-120"/>
+              </a:rPr>
+              <a:t> </a:t>
+            </a:r>
+            <a:r>
+              <a:rPr lang="en-US" altLang="zh-TW" b="1" dirty="0">
+                <a:solidFill>
+                  <a:prstClr val="black"/>
+                </a:solidFill>
+                <a:latin typeface="微軟正黑體" panose="020B0604030504040204" pitchFamily="34" charset="-120"/>
+                <a:ea typeface="微軟正黑體" panose="020B0604030504040204" pitchFamily="34" charset="-120"/>
+              </a:rPr>
+              <a:t>Bram</a:t>
+            </a:r>
+            <a:r>
+              <a:rPr lang="zh-TW" altLang="en-US" b="1" dirty="0">
+                <a:solidFill>
+                  <a:prstClr val="black"/>
+                </a:solidFill>
+                <a:latin typeface="微軟正黑體" panose="020B0604030504040204" pitchFamily="34" charset="-120"/>
+                <a:ea typeface="微軟正黑體" panose="020B0604030504040204" pitchFamily="34" charset="-120"/>
+              </a:rPr>
+              <a:t>寫入讀取</a:t>
+            </a:r>
+            <a:endParaRPr lang="en-US" altLang="zh-TW" b="1" dirty="0">
+              <a:solidFill>
+                <a:prstClr val="black"/>
+              </a:solidFill>
+              <a:latin typeface="微軟正黑體" panose="020B0604030504040204" pitchFamily="34" charset="-120"/>
+              <a:ea typeface="微軟正黑體" panose="020B0604030504040204" pitchFamily="34" charset="-120"/>
+            </a:endParaRPr>
+          </a:p>
+        </p:txBody>
+      </p:sp>
+      <p:sp>
+        <p:nvSpPr>
+          <p:cNvPr id="6" name="矩形 5">
+            <a:extLst>
+              <a:ext uri="{FF2B5EF4-FFF2-40B4-BE49-F238E27FC236}">
+                <a16:creationId xmlns:a16="http://schemas.microsoft.com/office/drawing/2014/main" id="{48CA808F-FB84-5961-69AF-554305EFD962}"/>
+              </a:ext>
+            </a:extLst>
+          </p:cNvPr>
+          <p:cNvSpPr/>
+          <p:nvPr/>
+        </p:nvSpPr>
+        <p:spPr>
+          <a:xfrm>
+            <a:off x="838199" y="2141130"/>
+            <a:ext cx="10515598" cy="369332"/>
+          </a:xfrm>
+          <a:prstGeom prst="rect">
+            <a:avLst/>
+          </a:prstGeom>
+        </p:spPr>
+        <p:txBody>
+          <a:bodyPr wrap="square">
+            <a:spAutoFit/>
+          </a:bodyPr>
+          <a:lstStyle/>
+          <a:p>
+            <a:pPr marL="171453" indent="-171453" defTabSz="914411">
+              <a:buFont typeface="Arial" panose="020B0604020202020204" pitchFamily="34" charset="0"/>
+              <a:buChar char="•"/>
+              <a:defRPr/>
+            </a:pPr>
+            <a:r>
+              <a:rPr lang="zh-TW" altLang="en-US" b="1" dirty="0">
+                <a:solidFill>
+                  <a:prstClr val="black"/>
+                </a:solidFill>
+                <a:latin typeface="微軟正黑體" panose="020B0604030504040204" pitchFamily="34" charset="-120"/>
+                <a:ea typeface="微軟正黑體" panose="020B0604030504040204" pitchFamily="34" charset="-120"/>
+              </a:rPr>
+              <a:t>系統設計 </a:t>
+            </a:r>
+            <a:r>
+              <a:rPr lang="en-US" altLang="zh-TW" b="1" dirty="0">
+                <a:solidFill>
+                  <a:prstClr val="black"/>
+                </a:solidFill>
+                <a:latin typeface="微軟正黑體" panose="020B0604030504040204" pitchFamily="34" charset="-120"/>
+                <a:ea typeface="微軟正黑體" panose="020B0604030504040204" pitchFamily="34" charset="-120"/>
+              </a:rPr>
+              <a:t>(Diagram)</a:t>
+            </a:r>
+            <a:r>
+              <a:rPr lang="zh-TW" altLang="en-US" b="1" dirty="0">
+                <a:solidFill>
+                  <a:prstClr val="black"/>
+                </a:solidFill>
+                <a:latin typeface="微軟正黑體" panose="020B0604030504040204" pitchFamily="34" charset="-120"/>
+                <a:ea typeface="微軟正黑體" panose="020B0604030504040204" pitchFamily="34" charset="-120"/>
+              </a:rPr>
+              <a:t> </a:t>
+            </a:r>
+            <a:r>
+              <a:rPr lang="en-US" altLang="zh-TW" b="1" dirty="0">
+                <a:solidFill>
+                  <a:prstClr val="black"/>
+                </a:solidFill>
+                <a:latin typeface="微軟正黑體" panose="020B0604030504040204" pitchFamily="34" charset="-120"/>
+                <a:ea typeface="微軟正黑體" panose="020B0604030504040204" pitchFamily="34" charset="-120"/>
+              </a:rPr>
+              <a:t>:</a:t>
+            </a:r>
+          </a:p>
+        </p:txBody>
+      </p:sp>
+      <p:pic>
+        <p:nvPicPr>
+          <p:cNvPr id="7" name="圖片 6">
+            <a:extLst>
+              <a:ext uri="{FF2B5EF4-FFF2-40B4-BE49-F238E27FC236}">
+                <a16:creationId xmlns:a16="http://schemas.microsoft.com/office/drawing/2014/main" id="{0114AF19-AF7E-063C-ED84-F8D25EDFB3E2}"/>
+              </a:ext>
+            </a:extLst>
+          </p:cNvPr>
+          <p:cNvPicPr>
+            <a:picLocks noChangeAspect="1"/>
+          </p:cNvPicPr>
+          <p:nvPr/>
+        </p:nvPicPr>
+        <p:blipFill rotWithShape="1">
+          <a:blip r:embed="rId2"/>
+          <a:srcRect t="6128"/>
+          <a:stretch/>
+        </p:blipFill>
+        <p:spPr>
+          <a:xfrm>
+            <a:off x="838199" y="2510462"/>
+            <a:ext cx="10515598" cy="3851379"/>
+          </a:xfrm>
+          <a:prstGeom prst="rect">
+            <a:avLst/>
+          </a:prstGeom>
+        </p:spPr>
+      </p:pic>
+    </p:spTree>
+    <p:extLst>
+      <p:ext uri="{BB962C8B-B14F-4D97-AF65-F5344CB8AC3E}">
+        <p14:creationId xmlns:p14="http://schemas.microsoft.com/office/powerpoint/2010/main" val="1563531183"/>
+      </p:ext>
+    </p:extLst>
+  </p:cSld>
+  <p:clrMapOvr>
+    <a:masterClrMapping/>
+  </p:clrMapOvr>
+</p:sld>
+</file>
+
+<file path=ppt/slides/slide8.xml><?xml version="1.0" encoding="utf-8"?>
+<p:sld xmlns:a="http://schemas.openxmlformats.org/drawingml/2006/main" xmlns:r="http://schemas.openxmlformats.org/officeDocument/2006/relationships" xmlns:p="http://schemas.openxmlformats.org/presentationml/2006/main">
+  <p:cSld>
+    <p:spTree>
+      <p:nvGrpSpPr>
+        <p:cNvPr id="1" name=""/>
+        <p:cNvGrpSpPr/>
+        <p:nvPr/>
+      </p:nvGrpSpPr>
+      <p:grpSpPr>
+        <a:xfrm>
+          <a:off x="0" y="0"/>
+          <a:ext cx="0" cy="0"/>
+          <a:chOff x="0" y="0"/>
+          <a:chExt cx="0" cy="0"/>
+        </a:xfrm>
+      </p:grpSpPr>
+      <p:sp>
+        <p:nvSpPr>
+          <p:cNvPr id="3" name="標題 2">
+            <a:extLst>
+              <a:ext uri="{FF2B5EF4-FFF2-40B4-BE49-F238E27FC236}">
+                <a16:creationId xmlns:a16="http://schemas.microsoft.com/office/drawing/2014/main" id="{B0FE567C-34C6-4F98-A84A-4DEAB1E49A7C}"/>
+              </a:ext>
+            </a:extLst>
+          </p:cNvPr>
+          <p:cNvSpPr>
+            <a:spLocks noGrp="1"/>
+          </p:cNvSpPr>
+          <p:nvPr>
+            <p:ph type="title"/>
+          </p:nvPr>
+        </p:nvSpPr>
+        <p:spPr/>
+        <p:txBody>
+          <a:bodyPr/>
+          <a:lstStyle/>
+          <a:p>
+            <a:r>
+              <a:rPr lang="zh-TW" altLang="en-US" dirty="0"/>
+              <a:t>本週進度</a:t>
+            </a:r>
+          </a:p>
+        </p:txBody>
+      </p:sp>
+      <p:sp>
+        <p:nvSpPr>
+          <p:cNvPr id="14" name="矩形 13">
+            <a:extLst>
+              <a:ext uri="{FF2B5EF4-FFF2-40B4-BE49-F238E27FC236}">
+                <a16:creationId xmlns:a16="http://schemas.microsoft.com/office/drawing/2014/main" id="{DA0589FA-3CC0-9600-2F8D-8C4A4826C677}"/>
+              </a:ext>
+            </a:extLst>
+          </p:cNvPr>
+          <p:cNvSpPr/>
+          <p:nvPr/>
+        </p:nvSpPr>
+        <p:spPr>
+          <a:xfrm>
+            <a:off x="838199" y="1224282"/>
+            <a:ext cx="10515598" cy="923330"/>
+          </a:xfrm>
+          <a:prstGeom prst="rect">
+            <a:avLst/>
+          </a:prstGeom>
+        </p:spPr>
+        <p:txBody>
+          <a:bodyPr wrap="square">
+            <a:spAutoFit/>
+          </a:bodyPr>
+          <a:lstStyle/>
+          <a:p>
+            <a:pPr marL="171453" indent="-171453" defTabSz="914411">
+              <a:buFont typeface="Arial" panose="020B0604020202020204" pitchFamily="34" charset="0"/>
+              <a:buChar char="•"/>
+              <a:defRPr/>
+            </a:pPr>
+            <a:r>
+              <a:rPr lang="zh-TW" altLang="en-US" b="1" dirty="0">
+                <a:solidFill>
+                  <a:prstClr val="black"/>
+                </a:solidFill>
+                <a:latin typeface="微軟正黑體" panose="020B0604030504040204" pitchFamily="34" charset="-120"/>
+                <a:ea typeface="微軟正黑體" panose="020B0604030504040204" pitchFamily="34" charset="-120"/>
+              </a:rPr>
+              <a:t>實驗結果 </a:t>
+            </a:r>
+            <a:r>
+              <a:rPr lang="en-US" altLang="zh-TW" b="1" dirty="0">
+                <a:solidFill>
+                  <a:prstClr val="black"/>
+                </a:solidFill>
+                <a:latin typeface="微軟正黑體" panose="020B0604030504040204" pitchFamily="34" charset="-120"/>
+                <a:ea typeface="微軟正黑體" panose="020B0604030504040204" pitchFamily="34" charset="-120"/>
+              </a:rPr>
+              <a:t>:</a:t>
+            </a:r>
+          </a:p>
+          <a:p>
+            <a:pPr defTabSz="914411">
+              <a:defRPr/>
+            </a:pPr>
+            <a:r>
+              <a:rPr lang="zh-TW" altLang="en-US" dirty="0">
+                <a:solidFill>
+                  <a:prstClr val="black"/>
+                </a:solidFill>
+                <a:latin typeface="微軟正黑體" panose="020B0604030504040204" pitchFamily="34" charset="-120"/>
+                <a:ea typeface="微軟正黑體" panose="020B0604030504040204" pitchFamily="34" charset="-120"/>
+              </a:rPr>
+              <a:t>   寫入字串</a:t>
+            </a:r>
+            <a:r>
+              <a:rPr lang="en-US" altLang="zh-TW" dirty="0">
+                <a:solidFill>
+                  <a:prstClr val="black"/>
+                </a:solidFill>
+                <a:latin typeface="微軟正黑體" panose="020B0604030504040204" pitchFamily="34" charset="-120"/>
+                <a:ea typeface="微軟正黑體" panose="020B0604030504040204" pitchFamily="34" charset="-120"/>
+              </a:rPr>
+              <a:t>: test </a:t>
+            </a:r>
+            <a:r>
+              <a:rPr lang="en-US" altLang="zh-TW" dirty="0" err="1">
+                <a:solidFill>
+                  <a:prstClr val="black"/>
+                </a:solidFill>
+                <a:latin typeface="微軟正黑體" panose="020B0604030504040204" pitchFamily="34" charset="-120"/>
+                <a:ea typeface="微軟正黑體" panose="020B0604030504040204" pitchFamily="34" charset="-120"/>
+              </a:rPr>
+              <a:t>ps</a:t>
+            </a:r>
+            <a:r>
+              <a:rPr lang="en-US" altLang="zh-TW" dirty="0">
+                <a:solidFill>
+                  <a:prstClr val="black"/>
+                </a:solidFill>
+                <a:latin typeface="微軟正黑體" panose="020B0604030504040204" pitchFamily="34" charset="-120"/>
+                <a:ea typeface="微軟正黑體" panose="020B0604030504040204" pitchFamily="34" charset="-120"/>
+              </a:rPr>
+              <a:t> pl </a:t>
+            </a:r>
+            <a:r>
+              <a:rPr lang="en-US" altLang="zh-TW" dirty="0" err="1">
+                <a:solidFill>
+                  <a:prstClr val="black"/>
+                </a:solidFill>
+                <a:latin typeface="微軟正黑體" panose="020B0604030504040204" pitchFamily="34" charset="-120"/>
+                <a:ea typeface="微軟正黑體" panose="020B0604030504040204" pitchFamily="34" charset="-120"/>
+              </a:rPr>
+              <a:t>bram</a:t>
+            </a:r>
+            <a:r>
+              <a:rPr lang="en-US" altLang="zh-TW" dirty="0">
+                <a:solidFill>
+                  <a:prstClr val="black"/>
+                </a:solidFill>
+                <a:latin typeface="微軟正黑體" panose="020B0604030504040204" pitchFamily="34" charset="-120"/>
+                <a:ea typeface="微軟正黑體" panose="020B0604030504040204" pitchFamily="34" charset="-120"/>
+              </a:rPr>
+              <a:t> string</a:t>
+            </a:r>
+          </a:p>
+          <a:p>
+            <a:pPr defTabSz="914411">
+              <a:defRPr/>
+            </a:pPr>
+            <a:r>
+              <a:rPr lang="zh-TW" altLang="en-US" dirty="0">
+                <a:solidFill>
+                  <a:prstClr val="black"/>
+                </a:solidFill>
+                <a:latin typeface="微軟正黑體" panose="020B0604030504040204" pitchFamily="34" charset="-120"/>
+                <a:ea typeface="微軟正黑體" panose="020B0604030504040204" pitchFamily="34" charset="-120"/>
+              </a:rPr>
+              <a:t>   讀取結果</a:t>
+            </a:r>
+            <a:r>
+              <a:rPr lang="en-US" altLang="zh-TW" dirty="0">
+                <a:solidFill>
+                  <a:prstClr val="black"/>
+                </a:solidFill>
+                <a:latin typeface="微軟正黑體" panose="020B0604030504040204" pitchFamily="34" charset="-120"/>
+                <a:ea typeface="微軟正黑體" panose="020B0604030504040204" pitchFamily="34" charset="-120"/>
+              </a:rPr>
+              <a:t>:</a:t>
+            </a:r>
+            <a:r>
+              <a:rPr lang="zh-TW" altLang="en-US" dirty="0">
+                <a:solidFill>
+                  <a:prstClr val="black"/>
+                </a:solidFill>
+                <a:latin typeface="微軟正黑體" panose="020B0604030504040204" pitchFamily="34" charset="-120"/>
+                <a:ea typeface="微軟正黑體" panose="020B0604030504040204" pitchFamily="34" charset="-120"/>
+              </a:rPr>
+              <a:t> 右圖</a:t>
+            </a:r>
+            <a:r>
+              <a:rPr lang="en-US" altLang="zh-TW" dirty="0">
+                <a:solidFill>
+                  <a:prstClr val="black"/>
+                </a:solidFill>
+                <a:latin typeface="微軟正黑體" panose="020B0604030504040204" pitchFamily="34" charset="-120"/>
+                <a:ea typeface="微軟正黑體" panose="020B0604030504040204" pitchFamily="34" charset="-120"/>
+              </a:rPr>
+              <a:t>(3)</a:t>
+            </a:r>
+          </a:p>
+        </p:txBody>
+      </p:sp>
+      <p:pic>
+        <p:nvPicPr>
+          <p:cNvPr id="5" name="圖片 4">
+            <a:extLst>
+              <a:ext uri="{FF2B5EF4-FFF2-40B4-BE49-F238E27FC236}">
+                <a16:creationId xmlns:a16="http://schemas.microsoft.com/office/drawing/2014/main" id="{66457F37-CBAB-FDEF-7A72-E0728E7544F0}"/>
+              </a:ext>
+            </a:extLst>
+          </p:cNvPr>
+          <p:cNvPicPr>
+            <a:picLocks noChangeAspect="1"/>
+          </p:cNvPicPr>
+          <p:nvPr/>
+        </p:nvPicPr>
+        <p:blipFill>
+          <a:blip r:embed="rId2"/>
+          <a:stretch>
+            <a:fillRect/>
+          </a:stretch>
+        </p:blipFill>
+        <p:spPr>
+          <a:xfrm>
+            <a:off x="6282483" y="1378328"/>
+            <a:ext cx="5071314" cy="4760104"/>
+          </a:xfrm>
+          <a:prstGeom prst="rect">
+            <a:avLst/>
+          </a:prstGeom>
+        </p:spPr>
+      </p:pic>
+      <p:sp>
+        <p:nvSpPr>
+          <p:cNvPr id="7" name="矩形 6">
+            <a:extLst>
+              <a:ext uri="{FF2B5EF4-FFF2-40B4-BE49-F238E27FC236}">
+                <a16:creationId xmlns:a16="http://schemas.microsoft.com/office/drawing/2014/main" id="{A7973A0E-C113-A28B-8FB9-F23BEC953E52}"/>
+              </a:ext>
+            </a:extLst>
+          </p:cNvPr>
+          <p:cNvSpPr/>
+          <p:nvPr/>
+        </p:nvSpPr>
+        <p:spPr>
+          <a:xfrm>
+            <a:off x="7758688" y="6154321"/>
+            <a:ext cx="2118904" cy="338554"/>
+          </a:xfrm>
+          <a:prstGeom prst="rect">
+            <a:avLst/>
+          </a:prstGeom>
+        </p:spPr>
+        <p:txBody>
+          <a:bodyPr wrap="square">
+            <a:spAutoFit/>
+          </a:bodyPr>
+          <a:lstStyle/>
+          <a:p>
+            <a:pPr defTabSz="914411">
+              <a:defRPr/>
+            </a:pPr>
+            <a:r>
+              <a:rPr lang="zh-TW" altLang="en-US" sz="1600" dirty="0">
+                <a:solidFill>
+                  <a:prstClr val="black"/>
+                </a:solidFill>
+                <a:latin typeface="微軟正黑體" panose="020B0604030504040204" pitchFamily="34" charset="-120"/>
+                <a:ea typeface="微軟正黑體" panose="020B0604030504040204" pitchFamily="34" charset="-120"/>
+              </a:rPr>
+              <a:t>圖</a:t>
+            </a:r>
+            <a:r>
+              <a:rPr lang="en-US" altLang="zh-TW" sz="1600" dirty="0">
+                <a:solidFill>
+                  <a:prstClr val="black"/>
+                </a:solidFill>
+                <a:latin typeface="微軟正黑體" panose="020B0604030504040204" pitchFamily="34" charset="-120"/>
+                <a:ea typeface="微軟正黑體" panose="020B0604030504040204" pitchFamily="34" charset="-120"/>
+              </a:rPr>
+              <a:t>(3) Bram</a:t>
+            </a:r>
+            <a:r>
+              <a:rPr lang="zh-TW" altLang="en-US" sz="1600" dirty="0">
+                <a:solidFill>
+                  <a:prstClr val="black"/>
+                </a:solidFill>
+                <a:latin typeface="微軟正黑體" panose="020B0604030504040204" pitchFamily="34" charset="-120"/>
+                <a:ea typeface="微軟正黑體" panose="020B0604030504040204" pitchFamily="34" charset="-120"/>
+              </a:rPr>
+              <a:t>讀取結果</a:t>
+            </a:r>
+            <a:endParaRPr lang="en-US" altLang="zh-TW" sz="1600" dirty="0">
+              <a:solidFill>
+                <a:prstClr val="black"/>
+              </a:solidFill>
+              <a:latin typeface="微軟正黑體" panose="020B0604030504040204" pitchFamily="34" charset="-120"/>
+              <a:ea typeface="微軟正黑體" panose="020B0604030504040204" pitchFamily="34" charset="-120"/>
+            </a:endParaRPr>
+          </a:p>
+        </p:txBody>
+      </p:sp>
+    </p:spTree>
+    <p:extLst>
+      <p:ext uri="{BB962C8B-B14F-4D97-AF65-F5344CB8AC3E}">
+        <p14:creationId xmlns:p14="http://schemas.microsoft.com/office/powerpoint/2010/main" val="3970086961"/>
+      </p:ext>
+    </p:extLst>
+  </p:cSld>
+  <p:clrMapOvr>
+    <a:masterClrMapping/>
+  </p:clrMapOvr>
+</p:sld>
+</file>
+
+<file path=ppt/slides/slide9.xml><?xml version="1.0" encoding="utf-8"?>
 <p:sld xmlns:a="http://schemas.openxmlformats.org/drawingml/2006/main" xmlns:r="http://schemas.openxmlformats.org/officeDocument/2006/relationships" xmlns:p="http://schemas.openxmlformats.org/presentationml/2006/main">
   <p:cSld>
     <p:spTree>
@@ -15391,2168 +20097,6 @@
 </p:sld>
 </file>
 
-<file path=ppt/slides/slide6.xml><?xml version="1.0" encoding="utf-8"?>
-<p:sld xmlns:a="http://schemas.openxmlformats.org/drawingml/2006/main" xmlns:r="http://schemas.openxmlformats.org/officeDocument/2006/relationships" xmlns:p="http://schemas.openxmlformats.org/presentationml/2006/main">
-  <p:cSld>
-    <p:spTree>
-      <p:nvGrpSpPr>
-        <p:cNvPr id="1" name=""/>
-        <p:cNvGrpSpPr/>
-        <p:nvPr/>
-      </p:nvGrpSpPr>
-      <p:grpSpPr>
-        <a:xfrm>
-          <a:off x="0" y="0"/>
-          <a:ext cx="0" cy="0"/>
-          <a:chOff x="0" y="0"/>
-          <a:chExt cx="0" cy="0"/>
-        </a:xfrm>
-      </p:grpSpPr>
-      <p:sp>
-        <p:nvSpPr>
-          <p:cNvPr id="3" name="標題 2">
-            <a:extLst>
-              <a:ext uri="{FF2B5EF4-FFF2-40B4-BE49-F238E27FC236}">
-                <a16:creationId xmlns:a16="http://schemas.microsoft.com/office/drawing/2014/main" id="{B0FE567C-34C6-4F98-A84A-4DEAB1E49A7C}"/>
-              </a:ext>
-            </a:extLst>
-          </p:cNvPr>
-          <p:cNvSpPr>
-            <a:spLocks noGrp="1"/>
-          </p:cNvSpPr>
-          <p:nvPr>
-            <p:ph type="title"/>
-          </p:nvPr>
-        </p:nvSpPr>
-        <p:spPr/>
-        <p:txBody>
-          <a:bodyPr/>
-          <a:lstStyle/>
-          <a:p>
-            <a:r>
-              <a:rPr lang="en-US" altLang="zh-TW" dirty="0" err="1"/>
-              <a:t>LinearRegression</a:t>
-            </a:r>
-            <a:r>
-              <a:rPr lang="en-US" altLang="zh-TW" dirty="0"/>
-              <a:t> - Pipeline</a:t>
-            </a:r>
-            <a:endParaRPr lang="zh-TW" altLang="en-US" dirty="0"/>
-          </a:p>
-        </p:txBody>
-      </p:sp>
-      <p:pic>
-        <p:nvPicPr>
-          <p:cNvPr id="11" name="圖片 10">
-            <a:extLst>
-              <a:ext uri="{FF2B5EF4-FFF2-40B4-BE49-F238E27FC236}">
-                <a16:creationId xmlns:a16="http://schemas.microsoft.com/office/drawing/2014/main" id="{59BCB44A-0B71-4A1E-81C2-E695F8948E4D}"/>
-              </a:ext>
-            </a:extLst>
-          </p:cNvPr>
-          <p:cNvPicPr>
-            <a:picLocks noChangeAspect="1"/>
-          </p:cNvPicPr>
-          <p:nvPr/>
-        </p:nvPicPr>
-        <p:blipFill>
-          <a:blip r:embed="rId2">
-            <a:extLst>
-              <a:ext uri="{28A0092B-C50C-407E-A947-70E740481C1C}">
-                <a14:useLocalDpi xmlns:a14="http://schemas.microsoft.com/office/drawing/2010/main" val="0"/>
-              </a:ext>
-            </a:extLst>
-          </a:blip>
-          <a:stretch>
-            <a:fillRect/>
-          </a:stretch>
-        </p:blipFill>
-        <p:spPr>
-          <a:xfrm>
-            <a:off x="929528" y="1917518"/>
-            <a:ext cx="10332944" cy="4161337"/>
-          </a:xfrm>
-          <a:prstGeom prst="rect">
-            <a:avLst/>
-          </a:prstGeom>
-        </p:spPr>
-      </p:pic>
-      <p:sp>
-        <p:nvSpPr>
-          <p:cNvPr id="4" name="文字方塊 3">
-            <a:extLst>
-              <a:ext uri="{FF2B5EF4-FFF2-40B4-BE49-F238E27FC236}">
-                <a16:creationId xmlns:a16="http://schemas.microsoft.com/office/drawing/2014/main" id="{FBE1535B-0E45-4999-8D77-730D821FE7B3}"/>
-              </a:ext>
-            </a:extLst>
-          </p:cNvPr>
-          <p:cNvSpPr txBox="1"/>
-          <p:nvPr/>
-        </p:nvSpPr>
-        <p:spPr>
-          <a:xfrm>
-            <a:off x="838200" y="1252385"/>
-            <a:ext cx="10515600" cy="276999"/>
-          </a:xfrm>
-          <a:prstGeom prst="rect">
-            <a:avLst/>
-          </a:prstGeom>
-          <a:noFill/>
-        </p:spPr>
-        <p:txBody>
-          <a:bodyPr wrap="square" lIns="0" tIns="0" rIns="0" bIns="0" rtlCol="0">
-            <a:spAutoFit/>
-          </a:bodyPr>
-          <a:lstStyle/>
-          <a:p>
-            <a:pPr marL="285750" indent="-285750">
-              <a:buFont typeface="Arial" panose="020B0604020202020204" pitchFamily="34" charset="0"/>
-              <a:buChar char="•"/>
-            </a:pPr>
-            <a:r>
-              <a:rPr lang="en-US" altLang="zh-TW" dirty="0">
-                <a:solidFill>
-                  <a:prstClr val="black"/>
-                </a:solidFill>
-                <a:latin typeface="Times New Roman" panose="02020603050405020304" pitchFamily="18" charset="0"/>
-                <a:ea typeface="標楷體" panose="03000509000000000000" pitchFamily="65" charset="-120"/>
-                <a:cs typeface="Times New Roman" panose="02020603050405020304" pitchFamily="18" charset="0"/>
-              </a:rPr>
-              <a:t>Pipeline Stage = 5</a:t>
-            </a:r>
-          </a:p>
-        </p:txBody>
-      </p:sp>
-    </p:spTree>
-    <p:extLst>
-      <p:ext uri="{BB962C8B-B14F-4D97-AF65-F5344CB8AC3E}">
-        <p14:creationId xmlns:p14="http://schemas.microsoft.com/office/powerpoint/2010/main" val="3702094279"/>
-      </p:ext>
-    </p:extLst>
-  </p:cSld>
-  <p:clrMapOvr>
-    <a:masterClrMapping/>
-  </p:clrMapOvr>
-</p:sld>
-</file>
-
-<file path=ppt/slides/slide7.xml><?xml version="1.0" encoding="utf-8"?>
-<p:sld xmlns:a="http://schemas.openxmlformats.org/drawingml/2006/main" xmlns:r="http://schemas.openxmlformats.org/officeDocument/2006/relationships" xmlns:p="http://schemas.openxmlformats.org/presentationml/2006/main">
-  <p:cSld>
-    <p:spTree>
-      <p:nvGrpSpPr>
-        <p:cNvPr id="1" name=""/>
-        <p:cNvGrpSpPr/>
-        <p:nvPr/>
-      </p:nvGrpSpPr>
-      <p:grpSpPr>
-        <a:xfrm>
-          <a:off x="0" y="0"/>
-          <a:ext cx="0" cy="0"/>
-          <a:chOff x="0" y="0"/>
-          <a:chExt cx="0" cy="0"/>
-        </a:xfrm>
-      </p:grpSpPr>
-      <p:sp>
-        <p:nvSpPr>
-          <p:cNvPr id="3" name="標題 2">
-            <a:extLst>
-              <a:ext uri="{FF2B5EF4-FFF2-40B4-BE49-F238E27FC236}">
-                <a16:creationId xmlns:a16="http://schemas.microsoft.com/office/drawing/2014/main" id="{B0FE567C-34C6-4F98-A84A-4DEAB1E49A7C}"/>
-              </a:ext>
-            </a:extLst>
-          </p:cNvPr>
-          <p:cNvSpPr>
-            <a:spLocks noGrp="1"/>
-          </p:cNvSpPr>
-          <p:nvPr>
-            <p:ph type="title"/>
-          </p:nvPr>
-        </p:nvSpPr>
-        <p:spPr/>
-        <p:txBody>
-          <a:bodyPr/>
-          <a:lstStyle/>
-          <a:p>
-            <a:r>
-              <a:rPr lang="en-US" altLang="zh-TW" dirty="0"/>
-              <a:t>Adder Tree - Pipeline</a:t>
-            </a:r>
-            <a:endParaRPr lang="zh-TW" altLang="en-US" dirty="0"/>
-          </a:p>
-        </p:txBody>
-      </p:sp>
-      <p:pic>
-        <p:nvPicPr>
-          <p:cNvPr id="4" name="圖片 3">
-            <a:extLst>
-              <a:ext uri="{FF2B5EF4-FFF2-40B4-BE49-F238E27FC236}">
-                <a16:creationId xmlns:a16="http://schemas.microsoft.com/office/drawing/2014/main" id="{ADDF7638-D09A-4D23-B8CD-260056AFF2C5}"/>
-              </a:ext>
-            </a:extLst>
-          </p:cNvPr>
-          <p:cNvPicPr>
-            <a:picLocks noChangeAspect="1"/>
-          </p:cNvPicPr>
-          <p:nvPr/>
-        </p:nvPicPr>
-        <p:blipFill>
-          <a:blip r:embed="rId2">
-            <a:extLst>
-              <a:ext uri="{28A0092B-C50C-407E-A947-70E740481C1C}">
-                <a14:useLocalDpi xmlns:a14="http://schemas.microsoft.com/office/drawing/2010/main" val="0"/>
-              </a:ext>
-            </a:extLst>
-          </a:blip>
-          <a:stretch>
-            <a:fillRect/>
-          </a:stretch>
-        </p:blipFill>
-        <p:spPr>
-          <a:xfrm>
-            <a:off x="4064487" y="1234235"/>
-            <a:ext cx="4063025" cy="4972958"/>
-          </a:xfrm>
-          <a:prstGeom prst="rect">
-            <a:avLst/>
-          </a:prstGeom>
-        </p:spPr>
-      </p:pic>
-      <p:sp>
-        <p:nvSpPr>
-          <p:cNvPr id="5" name="文字方塊 4">
-            <a:extLst>
-              <a:ext uri="{FF2B5EF4-FFF2-40B4-BE49-F238E27FC236}">
-                <a16:creationId xmlns:a16="http://schemas.microsoft.com/office/drawing/2014/main" id="{44859A0A-3490-4E52-AA88-F75B58B20614}"/>
-              </a:ext>
-            </a:extLst>
-          </p:cNvPr>
-          <p:cNvSpPr txBox="1"/>
-          <p:nvPr/>
-        </p:nvSpPr>
-        <p:spPr>
-          <a:xfrm>
-            <a:off x="838200" y="1252385"/>
-            <a:ext cx="10515600" cy="276999"/>
-          </a:xfrm>
-          <a:prstGeom prst="rect">
-            <a:avLst/>
-          </a:prstGeom>
-          <a:noFill/>
-        </p:spPr>
-        <p:txBody>
-          <a:bodyPr wrap="square" lIns="0" tIns="0" rIns="0" bIns="0" rtlCol="0">
-            <a:spAutoFit/>
-          </a:bodyPr>
-          <a:lstStyle/>
-          <a:p>
-            <a:pPr marL="285750" indent="-285750">
-              <a:buFont typeface="Arial" panose="020B0604020202020204" pitchFamily="34" charset="0"/>
-              <a:buChar char="•"/>
-            </a:pPr>
-            <a:r>
-              <a:rPr lang="en-US" altLang="zh-TW" dirty="0">
-                <a:solidFill>
-                  <a:prstClr val="black"/>
-                </a:solidFill>
-                <a:latin typeface="Times New Roman" panose="02020603050405020304" pitchFamily="18" charset="0"/>
-                <a:ea typeface="標楷體" panose="03000509000000000000" pitchFamily="65" charset="-120"/>
-                <a:cs typeface="Times New Roman" panose="02020603050405020304" pitchFamily="18" charset="0"/>
-              </a:rPr>
-              <a:t>Pipeline Stage = 4</a:t>
-            </a:r>
-          </a:p>
-        </p:txBody>
-      </p:sp>
-    </p:spTree>
-    <p:extLst>
-      <p:ext uri="{BB962C8B-B14F-4D97-AF65-F5344CB8AC3E}">
-        <p14:creationId xmlns:p14="http://schemas.microsoft.com/office/powerpoint/2010/main" val="3598394047"/>
-      </p:ext>
-    </p:extLst>
-  </p:cSld>
-  <p:clrMapOvr>
-    <a:masterClrMapping/>
-  </p:clrMapOvr>
-</p:sld>
-</file>
-
-<file path=ppt/slides/slide8.xml><?xml version="1.0" encoding="utf-8"?>
-<p:sld xmlns:a="http://schemas.openxmlformats.org/drawingml/2006/main" xmlns:r="http://schemas.openxmlformats.org/officeDocument/2006/relationships" xmlns:p="http://schemas.openxmlformats.org/presentationml/2006/main">
-  <p:cSld>
-    <p:spTree>
-      <p:nvGrpSpPr>
-        <p:cNvPr id="1" name=""/>
-        <p:cNvGrpSpPr/>
-        <p:nvPr/>
-      </p:nvGrpSpPr>
-      <p:grpSpPr>
-        <a:xfrm>
-          <a:off x="0" y="0"/>
-          <a:ext cx="0" cy="0"/>
-          <a:chOff x="0" y="0"/>
-          <a:chExt cx="0" cy="0"/>
-        </a:xfrm>
-      </p:grpSpPr>
-      <p:sp>
-        <p:nvSpPr>
-          <p:cNvPr id="3" name="標題 2">
-            <a:extLst>
-              <a:ext uri="{FF2B5EF4-FFF2-40B4-BE49-F238E27FC236}">
-                <a16:creationId xmlns:a16="http://schemas.microsoft.com/office/drawing/2014/main" id="{B0FE567C-34C6-4F98-A84A-4DEAB1E49A7C}"/>
-              </a:ext>
-            </a:extLst>
-          </p:cNvPr>
-          <p:cNvSpPr>
-            <a:spLocks noGrp="1"/>
-          </p:cNvSpPr>
-          <p:nvPr>
-            <p:ph type="title"/>
-          </p:nvPr>
-        </p:nvSpPr>
-        <p:spPr/>
-        <p:txBody>
-          <a:bodyPr/>
-          <a:lstStyle/>
-          <a:p>
-            <a:r>
-              <a:rPr lang="en-US" altLang="zh-TW" dirty="0" err="1"/>
-              <a:t>LinearRegression</a:t>
-            </a:r>
-            <a:r>
-              <a:rPr lang="zh-TW" altLang="en-US" dirty="0"/>
-              <a:t> </a:t>
-            </a:r>
-            <a:r>
-              <a:rPr lang="en-US" altLang="zh-TW" dirty="0"/>
-              <a:t>–</a:t>
-            </a:r>
-            <a:r>
-              <a:rPr lang="zh-TW" altLang="en-US" dirty="0"/>
-              <a:t> </a:t>
-            </a:r>
-            <a:r>
-              <a:rPr lang="en-US" altLang="zh-TW" dirty="0"/>
-              <a:t>HDL</a:t>
-            </a:r>
-            <a:r>
-              <a:rPr lang="zh-TW" altLang="en-US" dirty="0"/>
-              <a:t> </a:t>
-            </a:r>
-            <a:r>
-              <a:rPr lang="en-US" altLang="zh-TW" dirty="0"/>
-              <a:t>Coder</a:t>
-            </a:r>
-            <a:r>
-              <a:rPr lang="zh-TW" altLang="en-US" dirty="0"/>
-              <a:t>設定</a:t>
-            </a:r>
-            <a:r>
-              <a:rPr lang="en-US" altLang="zh-TW" dirty="0"/>
-              <a:t>(v1)</a:t>
-            </a:r>
-            <a:endParaRPr lang="zh-TW" altLang="en-US" dirty="0"/>
-          </a:p>
-        </p:txBody>
-      </p:sp>
-      <p:pic>
-        <p:nvPicPr>
-          <p:cNvPr id="6" name="圖片 5">
-            <a:extLst>
-              <a:ext uri="{FF2B5EF4-FFF2-40B4-BE49-F238E27FC236}">
-                <a16:creationId xmlns:a16="http://schemas.microsoft.com/office/drawing/2014/main" id="{4AAF211A-B8EF-40E4-AD36-3C60FA067CD0}"/>
-              </a:ext>
-            </a:extLst>
-          </p:cNvPr>
-          <p:cNvPicPr>
-            <a:picLocks noChangeAspect="1"/>
-          </p:cNvPicPr>
-          <p:nvPr/>
-        </p:nvPicPr>
-        <p:blipFill>
-          <a:blip r:embed="rId2"/>
-          <a:stretch>
-            <a:fillRect/>
-          </a:stretch>
-        </p:blipFill>
-        <p:spPr>
-          <a:xfrm>
-            <a:off x="2153195" y="1507166"/>
-            <a:ext cx="8212183" cy="4450225"/>
-          </a:xfrm>
-          <a:prstGeom prst="rect">
-            <a:avLst/>
-          </a:prstGeom>
-        </p:spPr>
-      </p:pic>
-      <p:sp>
-        <p:nvSpPr>
-          <p:cNvPr id="2" name="矩形 1">
-            <a:extLst>
-              <a:ext uri="{FF2B5EF4-FFF2-40B4-BE49-F238E27FC236}">
-                <a16:creationId xmlns:a16="http://schemas.microsoft.com/office/drawing/2014/main" id="{4A3D12CC-DC00-4DE1-9C3C-AB330511F035}"/>
-              </a:ext>
-            </a:extLst>
-          </p:cNvPr>
-          <p:cNvSpPr/>
-          <p:nvPr/>
-        </p:nvSpPr>
-        <p:spPr>
-          <a:xfrm>
-            <a:off x="5913122" y="2508069"/>
-            <a:ext cx="1245323" cy="113211"/>
-          </a:xfrm>
-          <a:prstGeom prst="rect">
-            <a:avLst/>
-          </a:prstGeom>
-          <a:noFill/>
-          <a:ln w="28575">
-            <a:solidFill>
-              <a:srgbClr val="FF0000"/>
-            </a:solidFill>
-          </a:ln>
-        </p:spPr>
-        <p:style>
-          <a:lnRef idx="2">
-            <a:schemeClr val="accent1">
-              <a:shade val="50000"/>
-            </a:schemeClr>
-          </a:lnRef>
-          <a:fillRef idx="1">
-            <a:schemeClr val="accent1"/>
-          </a:fillRef>
-          <a:effectRef idx="0">
-            <a:schemeClr val="accent1"/>
-          </a:effectRef>
-          <a:fontRef idx="minor">
-            <a:schemeClr val="lt1"/>
-          </a:fontRef>
-        </p:style>
-        <p:txBody>
-          <a:bodyPr rtlCol="0" anchor="ctr"/>
-          <a:lstStyle/>
-          <a:p>
-            <a:pPr algn="ctr"/>
-            <a:endParaRPr lang="zh-TW" altLang="en-US"/>
-          </a:p>
-        </p:txBody>
-      </p:sp>
-      <p:sp>
-        <p:nvSpPr>
-          <p:cNvPr id="7" name="矩形 6">
-            <a:extLst>
-              <a:ext uri="{FF2B5EF4-FFF2-40B4-BE49-F238E27FC236}">
-                <a16:creationId xmlns:a16="http://schemas.microsoft.com/office/drawing/2014/main" id="{4D764CAF-9E60-4250-A3F9-571C787E6A17}"/>
-              </a:ext>
-            </a:extLst>
-          </p:cNvPr>
-          <p:cNvSpPr/>
-          <p:nvPr/>
-        </p:nvSpPr>
-        <p:spPr>
-          <a:xfrm>
-            <a:off x="4894218" y="1828799"/>
-            <a:ext cx="801188" cy="174171"/>
-          </a:xfrm>
-          <a:prstGeom prst="rect">
-            <a:avLst/>
-          </a:prstGeom>
-          <a:noFill/>
-          <a:ln w="28575">
-            <a:solidFill>
-              <a:srgbClr val="FF0000"/>
-            </a:solidFill>
-          </a:ln>
-        </p:spPr>
-        <p:style>
-          <a:lnRef idx="2">
-            <a:schemeClr val="accent1">
-              <a:shade val="50000"/>
-            </a:schemeClr>
-          </a:lnRef>
-          <a:fillRef idx="1">
-            <a:schemeClr val="accent1"/>
-          </a:fillRef>
-          <a:effectRef idx="0">
-            <a:schemeClr val="accent1"/>
-          </a:effectRef>
-          <a:fontRef idx="minor">
-            <a:schemeClr val="lt1"/>
-          </a:fontRef>
-        </p:style>
-        <p:txBody>
-          <a:bodyPr rtlCol="0" anchor="ctr"/>
-          <a:lstStyle/>
-          <a:p>
-            <a:pPr algn="ctr"/>
-            <a:endParaRPr lang="zh-TW" altLang="en-US"/>
-          </a:p>
-        </p:txBody>
-      </p:sp>
-      <p:sp>
-        <p:nvSpPr>
-          <p:cNvPr id="8" name="文字方塊 7">
-            <a:extLst>
-              <a:ext uri="{FF2B5EF4-FFF2-40B4-BE49-F238E27FC236}">
-                <a16:creationId xmlns:a16="http://schemas.microsoft.com/office/drawing/2014/main" id="{C094317A-381C-41F5-B566-5A083E773D88}"/>
-              </a:ext>
-            </a:extLst>
-          </p:cNvPr>
-          <p:cNvSpPr txBox="1"/>
-          <p:nvPr/>
-        </p:nvSpPr>
-        <p:spPr>
-          <a:xfrm>
-            <a:off x="838200" y="1252385"/>
-            <a:ext cx="10515600" cy="276999"/>
-          </a:xfrm>
-          <a:prstGeom prst="rect">
-            <a:avLst/>
-          </a:prstGeom>
-          <a:noFill/>
-        </p:spPr>
-        <p:txBody>
-          <a:bodyPr wrap="square" lIns="0" tIns="0" rIns="0" bIns="0" rtlCol="0">
-            <a:spAutoFit/>
-          </a:bodyPr>
-          <a:lstStyle/>
-          <a:p>
-            <a:pPr marL="285750" indent="-285750">
-              <a:buFont typeface="Arial" panose="020B0604020202020204" pitchFamily="34" charset="0"/>
-              <a:buChar char="•"/>
-            </a:pPr>
-            <a:r>
-              <a:rPr lang="en-US" altLang="zh-TW" dirty="0">
-                <a:solidFill>
-                  <a:prstClr val="black"/>
-                </a:solidFill>
-                <a:latin typeface="Times New Roman" panose="02020603050405020304" pitchFamily="18" charset="0"/>
-                <a:ea typeface="標楷體" panose="03000509000000000000" pitchFamily="65" charset="-120"/>
-                <a:cs typeface="Times New Roman" panose="02020603050405020304" pitchFamily="18" charset="0"/>
-              </a:rPr>
-              <a:t>Quantization</a:t>
-            </a:r>
-          </a:p>
-        </p:txBody>
-      </p:sp>
-      <p:sp>
-        <p:nvSpPr>
-          <p:cNvPr id="4" name="文字方塊 3">
-            <a:extLst>
-              <a:ext uri="{FF2B5EF4-FFF2-40B4-BE49-F238E27FC236}">
-                <a16:creationId xmlns:a16="http://schemas.microsoft.com/office/drawing/2014/main" id="{0B342DB2-5DC6-4DE0-A16E-3080DDA8A722}"/>
-              </a:ext>
-            </a:extLst>
-          </p:cNvPr>
-          <p:cNvSpPr txBox="1"/>
-          <p:nvPr/>
-        </p:nvSpPr>
-        <p:spPr>
-          <a:xfrm>
-            <a:off x="4223201" y="2073085"/>
-            <a:ext cx="1342034" cy="369332"/>
-          </a:xfrm>
-          <a:prstGeom prst="rect">
-            <a:avLst/>
-          </a:prstGeom>
-          <a:gradFill flip="none" rotWithShape="1">
-            <a:gsLst>
-              <a:gs pos="0">
-                <a:srgbClr val="FFFF00">
-                  <a:tint val="66000"/>
-                  <a:satMod val="160000"/>
-                </a:srgbClr>
-              </a:gs>
-              <a:gs pos="50000">
-                <a:srgbClr val="FFFF00">
-                  <a:tint val="44500"/>
-                  <a:satMod val="160000"/>
-                </a:srgbClr>
-              </a:gs>
-              <a:gs pos="100000">
-                <a:srgbClr val="FFFF00">
-                  <a:tint val="23500"/>
-                  <a:satMod val="160000"/>
-                </a:srgbClr>
-              </a:gs>
-            </a:gsLst>
-            <a:lin ang="2700000" scaled="1"/>
-            <a:tileRect/>
-          </a:gradFill>
-        </p:spPr>
-        <p:txBody>
-          <a:bodyPr wrap="none" rtlCol="0">
-            <a:spAutoFit/>
-          </a:bodyPr>
-          <a:lstStyle/>
-          <a:p>
-            <a:r>
-              <a:rPr lang="zh-TW" altLang="en-US" dirty="0">
-                <a:solidFill>
-                  <a:prstClr val="black"/>
-                </a:solidFill>
-                <a:latin typeface="Times New Roman" panose="02020603050405020304" pitchFamily="18" charset="0"/>
-                <a:ea typeface="標楷體" panose="03000509000000000000" pitchFamily="65" charset="-120"/>
-                <a:cs typeface="Times New Roman" panose="02020603050405020304" pitchFamily="18" charset="0"/>
-              </a:rPr>
-              <a:t>目前設定</a:t>
-            </a:r>
-            <a:r>
-              <a:rPr lang="en-US" altLang="zh-TW" dirty="0">
-                <a:solidFill>
-                  <a:prstClr val="black"/>
-                </a:solidFill>
-                <a:latin typeface="Times New Roman" panose="02020603050405020304" pitchFamily="18" charset="0"/>
-                <a:ea typeface="標楷體" panose="03000509000000000000" pitchFamily="65" charset="-120"/>
-                <a:cs typeface="Times New Roman" panose="02020603050405020304" pitchFamily="18" charset="0"/>
-              </a:rPr>
-              <a:t>24</a:t>
-            </a:r>
-            <a:endParaRPr lang="zh-TW" altLang="en-US" dirty="0">
-              <a:solidFill>
-                <a:prstClr val="black"/>
-              </a:solidFill>
-              <a:latin typeface="Times New Roman" panose="02020603050405020304" pitchFamily="18" charset="0"/>
-              <a:ea typeface="標楷體" panose="03000509000000000000" pitchFamily="65" charset="-120"/>
-              <a:cs typeface="Times New Roman" panose="02020603050405020304" pitchFamily="18" charset="0"/>
-            </a:endParaRPr>
-          </a:p>
-        </p:txBody>
-      </p:sp>
-    </p:spTree>
-    <p:extLst>
-      <p:ext uri="{BB962C8B-B14F-4D97-AF65-F5344CB8AC3E}">
-        <p14:creationId xmlns:p14="http://schemas.microsoft.com/office/powerpoint/2010/main" val="3586577910"/>
-      </p:ext>
-    </p:extLst>
-  </p:cSld>
-  <p:clrMapOvr>
-    <a:masterClrMapping/>
-  </p:clrMapOvr>
-</p:sld>
-</file>
-
-<file path=ppt/slides/slide9.xml><?xml version="1.0" encoding="utf-8"?>
-<p:sld xmlns:a="http://schemas.openxmlformats.org/drawingml/2006/main" xmlns:r="http://schemas.openxmlformats.org/officeDocument/2006/relationships" xmlns:p="http://schemas.openxmlformats.org/presentationml/2006/main">
-  <p:cSld>
-    <p:spTree>
-      <p:nvGrpSpPr>
-        <p:cNvPr id="1" name=""/>
-        <p:cNvGrpSpPr/>
-        <p:nvPr/>
-      </p:nvGrpSpPr>
-      <p:grpSpPr>
-        <a:xfrm>
-          <a:off x="0" y="0"/>
-          <a:ext cx="0" cy="0"/>
-          <a:chOff x="0" y="0"/>
-          <a:chExt cx="0" cy="0"/>
-        </a:xfrm>
-      </p:grpSpPr>
-      <p:sp>
-        <p:nvSpPr>
-          <p:cNvPr id="3" name="標題 2">
-            <a:extLst>
-              <a:ext uri="{FF2B5EF4-FFF2-40B4-BE49-F238E27FC236}">
-                <a16:creationId xmlns:a16="http://schemas.microsoft.com/office/drawing/2014/main" id="{B0FE567C-34C6-4F98-A84A-4DEAB1E49A7C}"/>
-              </a:ext>
-            </a:extLst>
-          </p:cNvPr>
-          <p:cNvSpPr>
-            <a:spLocks noGrp="1"/>
-          </p:cNvSpPr>
-          <p:nvPr>
-            <p:ph type="title"/>
-          </p:nvPr>
-        </p:nvSpPr>
-        <p:spPr/>
-        <p:txBody>
-          <a:bodyPr/>
-          <a:lstStyle/>
-          <a:p>
-            <a:r>
-              <a:rPr lang="en-US" altLang="zh-TW" dirty="0" err="1"/>
-              <a:t>LinearRegression</a:t>
-            </a:r>
-            <a:r>
-              <a:rPr lang="zh-TW" altLang="en-US" dirty="0"/>
-              <a:t> </a:t>
-            </a:r>
-            <a:r>
-              <a:rPr lang="en-US" altLang="zh-TW" dirty="0"/>
-              <a:t>–</a:t>
-            </a:r>
-            <a:r>
-              <a:rPr lang="zh-TW" altLang="en-US" dirty="0"/>
-              <a:t> </a:t>
-            </a:r>
-            <a:r>
-              <a:rPr lang="en-US" altLang="zh-TW" dirty="0"/>
-              <a:t>HDL</a:t>
-            </a:r>
-            <a:r>
-              <a:rPr lang="zh-TW" altLang="en-US" dirty="0"/>
-              <a:t> </a:t>
-            </a:r>
-            <a:r>
-              <a:rPr lang="en-US" altLang="zh-TW" dirty="0"/>
-              <a:t>Coder</a:t>
-            </a:r>
-            <a:r>
-              <a:rPr lang="zh-TW" altLang="en-US" dirty="0"/>
-              <a:t>設定</a:t>
-            </a:r>
-            <a:r>
-              <a:rPr lang="en-US" altLang="zh-TW" dirty="0"/>
-              <a:t>(v1)</a:t>
-            </a:r>
-            <a:endParaRPr lang="zh-TW" altLang="en-US" dirty="0"/>
-          </a:p>
-        </p:txBody>
-      </p:sp>
-      <p:pic>
-        <p:nvPicPr>
-          <p:cNvPr id="2" name="圖片 1">
-            <a:extLst>
-              <a:ext uri="{FF2B5EF4-FFF2-40B4-BE49-F238E27FC236}">
-                <a16:creationId xmlns:a16="http://schemas.microsoft.com/office/drawing/2014/main" id="{B3380791-D684-4F72-9082-849162D19210}"/>
-              </a:ext>
-            </a:extLst>
-          </p:cNvPr>
-          <p:cNvPicPr>
-            <a:picLocks noChangeAspect="1"/>
-          </p:cNvPicPr>
-          <p:nvPr/>
-        </p:nvPicPr>
-        <p:blipFill>
-          <a:blip r:embed="rId2"/>
-          <a:stretch>
-            <a:fillRect/>
-          </a:stretch>
-        </p:blipFill>
-        <p:spPr>
-          <a:xfrm>
-            <a:off x="522689" y="1529384"/>
-            <a:ext cx="8272793" cy="4483070"/>
-          </a:xfrm>
-          <a:prstGeom prst="rect">
-            <a:avLst/>
-          </a:prstGeom>
-        </p:spPr>
-      </p:pic>
-      <p:sp>
-        <p:nvSpPr>
-          <p:cNvPr id="5" name="矩形 4">
-            <a:extLst>
-              <a:ext uri="{FF2B5EF4-FFF2-40B4-BE49-F238E27FC236}">
-                <a16:creationId xmlns:a16="http://schemas.microsoft.com/office/drawing/2014/main" id="{230C8CFB-BF56-481C-9BCA-0A6E70BC3B6F}"/>
-              </a:ext>
-            </a:extLst>
-          </p:cNvPr>
-          <p:cNvSpPr/>
-          <p:nvPr/>
-        </p:nvSpPr>
-        <p:spPr>
-          <a:xfrm>
-            <a:off x="1680756" y="3657708"/>
-            <a:ext cx="1576250" cy="121812"/>
-          </a:xfrm>
-          <a:prstGeom prst="rect">
-            <a:avLst/>
-          </a:prstGeom>
-          <a:noFill/>
-          <a:ln w="28575">
-            <a:solidFill>
-              <a:srgbClr val="FF0000"/>
-            </a:solidFill>
-          </a:ln>
-        </p:spPr>
-        <p:style>
-          <a:lnRef idx="2">
-            <a:schemeClr val="accent1">
-              <a:shade val="50000"/>
-            </a:schemeClr>
-          </a:lnRef>
-          <a:fillRef idx="1">
-            <a:schemeClr val="accent1"/>
-          </a:fillRef>
-          <a:effectRef idx="0">
-            <a:schemeClr val="accent1"/>
-          </a:effectRef>
-          <a:fontRef idx="minor">
-            <a:schemeClr val="lt1"/>
-          </a:fontRef>
-        </p:style>
-        <p:txBody>
-          <a:bodyPr rtlCol="0" anchor="ctr"/>
-          <a:lstStyle/>
-          <a:p>
-            <a:pPr algn="ctr"/>
-            <a:endParaRPr lang="zh-TW" altLang="en-US"/>
-          </a:p>
-        </p:txBody>
-      </p:sp>
-      <p:sp>
-        <p:nvSpPr>
-          <p:cNvPr id="6" name="文字方塊 5">
-            <a:extLst>
-              <a:ext uri="{FF2B5EF4-FFF2-40B4-BE49-F238E27FC236}">
-                <a16:creationId xmlns:a16="http://schemas.microsoft.com/office/drawing/2014/main" id="{269AA0CC-C821-407E-BDB8-D76823827EB5}"/>
-              </a:ext>
-            </a:extLst>
-          </p:cNvPr>
-          <p:cNvSpPr txBox="1"/>
-          <p:nvPr/>
-        </p:nvSpPr>
-        <p:spPr>
-          <a:xfrm>
-            <a:off x="3317051" y="3200292"/>
-            <a:ext cx="1518364" cy="369332"/>
-          </a:xfrm>
-          <a:prstGeom prst="rect">
-            <a:avLst/>
-          </a:prstGeom>
-          <a:gradFill flip="none" rotWithShape="1">
-            <a:gsLst>
-              <a:gs pos="0">
-                <a:srgbClr val="FFFF00">
-                  <a:tint val="66000"/>
-                  <a:satMod val="160000"/>
-                </a:srgbClr>
-              </a:gs>
-              <a:gs pos="50000">
-                <a:srgbClr val="FFFF00">
-                  <a:tint val="44500"/>
-                  <a:satMod val="160000"/>
-                </a:srgbClr>
-              </a:gs>
-              <a:gs pos="100000">
-                <a:srgbClr val="FFFF00">
-                  <a:tint val="23500"/>
-                  <a:satMod val="160000"/>
-                </a:srgbClr>
-              </a:gs>
-            </a:gsLst>
-            <a:lin ang="2700000" scaled="1"/>
-            <a:tileRect/>
-          </a:gradFill>
-        </p:spPr>
-        <p:txBody>
-          <a:bodyPr wrap="none" rtlCol="0">
-            <a:spAutoFit/>
-          </a:bodyPr>
-          <a:lstStyle/>
-          <a:p>
-            <a:r>
-              <a:rPr lang="en-US" altLang="zh-TW" dirty="0">
-                <a:solidFill>
-                  <a:prstClr val="black"/>
-                </a:solidFill>
-                <a:latin typeface="Times New Roman" panose="02020603050405020304" pitchFamily="18" charset="0"/>
-                <a:ea typeface="標楷體" panose="03000509000000000000" pitchFamily="65" charset="-120"/>
-                <a:cs typeface="Times New Roman" panose="02020603050405020304" pitchFamily="18" charset="0"/>
-              </a:rPr>
-              <a:t>Pipeline</a:t>
-            </a:r>
-            <a:r>
-              <a:rPr lang="zh-TW" altLang="en-US" dirty="0">
-                <a:solidFill>
-                  <a:prstClr val="black"/>
-                </a:solidFill>
-                <a:latin typeface="Times New Roman" panose="02020603050405020304" pitchFamily="18" charset="0"/>
-                <a:ea typeface="標楷體" panose="03000509000000000000" pitchFamily="65" charset="-120"/>
-                <a:cs typeface="Times New Roman" panose="02020603050405020304" pitchFamily="18" charset="0"/>
-              </a:rPr>
-              <a:t>設定</a:t>
-            </a:r>
-            <a:r>
-              <a:rPr lang="en-US" altLang="zh-TW" dirty="0">
-                <a:solidFill>
-                  <a:prstClr val="black"/>
-                </a:solidFill>
-                <a:latin typeface="Times New Roman" panose="02020603050405020304" pitchFamily="18" charset="0"/>
-                <a:ea typeface="標楷體" panose="03000509000000000000" pitchFamily="65" charset="-120"/>
-                <a:cs typeface="Times New Roman" panose="02020603050405020304" pitchFamily="18" charset="0"/>
-              </a:rPr>
-              <a:t>5</a:t>
-            </a:r>
-            <a:endParaRPr lang="zh-TW" altLang="en-US" dirty="0">
-              <a:solidFill>
-                <a:prstClr val="black"/>
-              </a:solidFill>
-              <a:latin typeface="Times New Roman" panose="02020603050405020304" pitchFamily="18" charset="0"/>
-              <a:ea typeface="標楷體" panose="03000509000000000000" pitchFamily="65" charset="-120"/>
-              <a:cs typeface="Times New Roman" panose="02020603050405020304" pitchFamily="18" charset="0"/>
-            </a:endParaRPr>
-          </a:p>
-        </p:txBody>
-      </p:sp>
-      <p:graphicFrame>
-        <p:nvGraphicFramePr>
-          <p:cNvPr id="7" name="表格 6">
-            <a:extLst>
-              <a:ext uri="{FF2B5EF4-FFF2-40B4-BE49-F238E27FC236}">
-                <a16:creationId xmlns:a16="http://schemas.microsoft.com/office/drawing/2014/main" id="{9BBD99CC-B8F6-4E41-83F2-6227F4DD1BBD}"/>
-              </a:ext>
-            </a:extLst>
-          </p:cNvPr>
-          <p:cNvGraphicFramePr>
-            <a:graphicFrameLocks noGrp="1"/>
-          </p:cNvGraphicFramePr>
-          <p:nvPr>
-            <p:extLst/>
-          </p:nvPr>
-        </p:nvGraphicFramePr>
-        <p:xfrm>
-          <a:off x="9026261" y="1685479"/>
-          <a:ext cx="2643050" cy="4326975"/>
-        </p:xfrm>
-        <a:graphic>
-          <a:graphicData uri="http://schemas.openxmlformats.org/drawingml/2006/table">
-            <a:tbl>
-              <a:tblPr firstRow="1" bandRow="1">
-                <a:tableStyleId>{85BE263C-DBD7-4A20-BB59-AAB30ACAA65A}</a:tableStyleId>
-              </a:tblPr>
-              <a:tblGrid>
-                <a:gridCol w="1212234">
-                  <a:extLst>
-                    <a:ext uri="{9D8B030D-6E8A-4147-A177-3AD203B41FA5}">
-                      <a16:colId xmlns:a16="http://schemas.microsoft.com/office/drawing/2014/main" val="2814540148"/>
-                    </a:ext>
-                  </a:extLst>
-                </a:gridCol>
-                <a:gridCol w="1430816">
-                  <a:extLst>
-                    <a:ext uri="{9D8B030D-6E8A-4147-A177-3AD203B41FA5}">
-                      <a16:colId xmlns:a16="http://schemas.microsoft.com/office/drawing/2014/main" val="1165291028"/>
-                    </a:ext>
-                  </a:extLst>
-                </a:gridCol>
-              </a:tblGrid>
-              <a:tr h="480775">
-                <a:tc>
-                  <a:txBody>
-                    <a:bodyPr/>
-                    <a:lstStyle/>
-                    <a:p>
-                      <a:pPr algn="ctr"/>
-                      <a:r>
-                        <a:rPr lang="en-US" altLang="zh-TW" sz="1200" b="1" dirty="0">
-                          <a:cs typeface="Times New Roman" panose="02020603050405020304" pitchFamily="18" charset="0"/>
-                        </a:rPr>
-                        <a:t>SYSTEM</a:t>
-                      </a:r>
-                    </a:p>
-                    <a:p>
-                      <a:pPr algn="ctr"/>
-                      <a:r>
-                        <a:rPr lang="en-US" altLang="zh-TW" sz="1200" b="1" dirty="0">
-                          <a:cs typeface="Times New Roman" panose="02020603050405020304" pitchFamily="18" charset="0"/>
-                        </a:rPr>
-                        <a:t>CLK</a:t>
-                      </a:r>
-                      <a:endParaRPr lang="zh-TW" altLang="en-US" sz="1200" b="1" dirty="0"/>
-                    </a:p>
-                  </a:txBody>
-                  <a:tcPr anchor="ctr">
-                    <a:lnL w="12700" cap="flat" cmpd="sng" algn="ctr">
-                      <a:solidFill>
-                        <a:schemeClr val="tx1"/>
-                      </a:solidFill>
-                      <a:prstDash val="solid"/>
-                      <a:round/>
-                      <a:headEnd type="none" w="med" len="med"/>
-                      <a:tailEnd type="none" w="med" len="med"/>
-                    </a:lnL>
-                    <a:lnR w="12700" cap="flat" cmpd="sng" algn="ctr">
-                      <a:solidFill>
-                        <a:schemeClr val="tx1"/>
-                      </a:solidFill>
-                      <a:prstDash val="solid"/>
-                      <a:round/>
-                      <a:headEnd type="none" w="med" len="med"/>
-                      <a:tailEnd type="none" w="med" len="med"/>
-                    </a:lnR>
-                    <a:lnT w="12700" cap="flat" cmpd="sng" algn="ctr">
-                      <a:solidFill>
-                        <a:schemeClr val="tx1"/>
-                      </a:solidFill>
-                      <a:prstDash val="solid"/>
-                      <a:round/>
-                      <a:headEnd type="none" w="med" len="med"/>
-                      <a:tailEnd type="none" w="med" len="med"/>
-                    </a:lnT>
-                    <a:lnB w="12700" cap="flat" cmpd="sng" algn="ctr">
-                      <a:solidFill>
-                        <a:schemeClr val="tx1"/>
-                      </a:solidFill>
-                      <a:prstDash val="solid"/>
-                      <a:round/>
-                      <a:headEnd type="none" w="med" len="med"/>
-                      <a:tailEnd type="none" w="med" len="med"/>
-                    </a:lnB>
-                    <a:lnTlToBr w="12700" cmpd="sng">
-                      <a:noFill/>
-                      <a:prstDash val="solid"/>
-                    </a:lnTlToBr>
-                    <a:lnBlToTr w="12700" cmpd="sng">
-                      <a:noFill/>
-                      <a:prstDash val="solid"/>
-                    </a:lnBlToTr>
-                  </a:tcPr>
-                </a:tc>
-                <a:tc>
-                  <a:txBody>
-                    <a:bodyPr/>
-                    <a:lstStyle/>
-                    <a:p>
-                      <a:pPr marL="0" marR="0" lvl="0" indent="0" algn="ctr" defTabSz="914400" rtl="0" eaLnBrk="1" fontAlgn="auto" latinLnBrk="0" hangingPunct="1">
-                        <a:lnSpc>
-                          <a:spcPct val="100000"/>
-                        </a:lnSpc>
-                        <a:spcBef>
-                          <a:spcPts val="0"/>
-                        </a:spcBef>
-                        <a:spcAft>
-                          <a:spcPts val="0"/>
-                        </a:spcAft>
-                        <a:buClrTx/>
-                        <a:buSzTx/>
-                        <a:buFontTx/>
-                        <a:buNone/>
-                        <a:tabLst/>
-                        <a:defRPr/>
-                      </a:pPr>
-                      <a:r>
-                        <a:rPr lang="en-US" altLang="zh-TW" sz="1200" b="1" dirty="0"/>
-                        <a:t>150MHz</a:t>
-                      </a:r>
-                      <a:endParaRPr lang="zh-TW" altLang="en-US" sz="1200" b="1" dirty="0"/>
-                    </a:p>
-                  </a:txBody>
-                  <a:tcPr anchor="ctr">
-                    <a:lnL w="12700" cap="flat" cmpd="sng" algn="ctr">
-                      <a:solidFill>
-                        <a:schemeClr val="tx1"/>
-                      </a:solidFill>
-                      <a:prstDash val="solid"/>
-                      <a:round/>
-                      <a:headEnd type="none" w="med" len="med"/>
-                      <a:tailEnd type="none" w="med" len="med"/>
-                    </a:lnL>
-                    <a:lnR w="12700" cap="flat" cmpd="sng" algn="ctr">
-                      <a:solidFill>
-                        <a:schemeClr val="tx1"/>
-                      </a:solidFill>
-                      <a:prstDash val="solid"/>
-                      <a:round/>
-                      <a:headEnd type="none" w="med" len="med"/>
-                      <a:tailEnd type="none" w="med" len="med"/>
-                    </a:lnR>
-                    <a:lnT w="12700" cap="flat" cmpd="sng" algn="ctr">
-                      <a:solidFill>
-                        <a:schemeClr val="tx1"/>
-                      </a:solidFill>
-                      <a:prstDash val="solid"/>
-                      <a:round/>
-                      <a:headEnd type="none" w="med" len="med"/>
-                      <a:tailEnd type="none" w="med" len="med"/>
-                    </a:lnT>
-                    <a:lnB w="12700" cap="flat" cmpd="sng" algn="ctr">
-                      <a:solidFill>
-                        <a:schemeClr val="tx1"/>
-                      </a:solidFill>
-                      <a:prstDash val="solid"/>
-                      <a:round/>
-                      <a:headEnd type="none" w="med" len="med"/>
-                      <a:tailEnd type="none" w="med" len="med"/>
-                    </a:lnB>
-                    <a:lnTlToBr w="12700" cmpd="sng">
-                      <a:noFill/>
-                      <a:prstDash val="solid"/>
-                    </a:lnTlToBr>
-                    <a:lnBlToTr w="12700" cmpd="sng">
-                      <a:noFill/>
-                      <a:prstDash val="solid"/>
-                    </a:lnBlToTr>
-                  </a:tcPr>
-                </a:tc>
-                <a:extLst>
-                  <a:ext uri="{0D108BD9-81ED-4DB2-BD59-A6C34878D82A}">
-                    <a16:rowId xmlns:a16="http://schemas.microsoft.com/office/drawing/2014/main" val="2038267343"/>
-                  </a:ext>
-                </a:extLst>
-              </a:tr>
-              <a:tr h="480775">
-                <a:tc>
-                  <a:txBody>
-                    <a:bodyPr/>
-                    <a:lstStyle/>
-                    <a:p>
-                      <a:r>
-                        <a:rPr lang="en-US" altLang="zh-TW" sz="1200" b="1" dirty="0"/>
-                        <a:t>LUT</a:t>
-                      </a:r>
-                      <a:endParaRPr lang="zh-TW" altLang="en-US" sz="1200" b="1" dirty="0"/>
-                    </a:p>
-                  </a:txBody>
-                  <a:tcPr anchor="ctr">
-                    <a:lnL w="12700" cap="flat" cmpd="sng" algn="ctr">
-                      <a:solidFill>
-                        <a:schemeClr val="tx1"/>
-                      </a:solidFill>
-                      <a:prstDash val="solid"/>
-                      <a:round/>
-                      <a:headEnd type="none" w="med" len="med"/>
-                      <a:tailEnd type="none" w="med" len="med"/>
-                    </a:lnL>
-                    <a:lnR w="12700" cap="flat" cmpd="sng" algn="ctr">
-                      <a:solidFill>
-                        <a:schemeClr val="tx1"/>
-                      </a:solidFill>
-                      <a:prstDash val="solid"/>
-                      <a:round/>
-                      <a:headEnd type="none" w="med" len="med"/>
-                      <a:tailEnd type="none" w="med" len="med"/>
-                    </a:lnR>
-                    <a:lnT w="12700" cap="flat" cmpd="sng" algn="ctr">
-                      <a:solidFill>
-                        <a:schemeClr val="tx1"/>
-                      </a:solidFill>
-                      <a:prstDash val="solid"/>
-                      <a:round/>
-                      <a:headEnd type="none" w="med" len="med"/>
-                      <a:tailEnd type="none" w="med" len="med"/>
-                    </a:lnT>
-                    <a:lnB w="12700" cap="flat" cmpd="sng" algn="ctr">
-                      <a:solidFill>
-                        <a:schemeClr val="tx1"/>
-                      </a:solidFill>
-                      <a:prstDash val="solid"/>
-                      <a:round/>
-                      <a:headEnd type="none" w="med" len="med"/>
-                      <a:tailEnd type="none" w="med" len="med"/>
-                    </a:lnB>
-                    <a:lnTlToBr w="12700" cmpd="sng">
-                      <a:noFill/>
-                      <a:prstDash val="solid"/>
-                    </a:lnTlToBr>
-                    <a:lnBlToTr w="12700" cmpd="sng">
-                      <a:noFill/>
-                      <a:prstDash val="solid"/>
-                    </a:lnBlToTr>
-                  </a:tcPr>
-                </a:tc>
-                <a:tc>
-                  <a:txBody>
-                    <a:bodyPr/>
-                    <a:lstStyle/>
-                    <a:p>
-                      <a:pPr algn="ctr"/>
-                      <a:r>
-                        <a:rPr lang="en-US" altLang="zh-TW" sz="1200" b="1" dirty="0"/>
-                        <a:t>2526</a:t>
-                      </a:r>
-                      <a:endParaRPr lang="zh-TW" altLang="en-US" sz="1200" b="1" dirty="0"/>
-                    </a:p>
-                  </a:txBody>
-                  <a:tcPr anchor="ctr">
-                    <a:lnL w="12700" cap="flat" cmpd="sng" algn="ctr">
-                      <a:solidFill>
-                        <a:schemeClr val="tx1"/>
-                      </a:solidFill>
-                      <a:prstDash val="solid"/>
-                      <a:round/>
-                      <a:headEnd type="none" w="med" len="med"/>
-                      <a:tailEnd type="none" w="med" len="med"/>
-                    </a:lnL>
-                    <a:lnR w="12700" cap="flat" cmpd="sng" algn="ctr">
-                      <a:solidFill>
-                        <a:schemeClr val="tx1"/>
-                      </a:solidFill>
-                      <a:prstDash val="solid"/>
-                      <a:round/>
-                      <a:headEnd type="none" w="med" len="med"/>
-                      <a:tailEnd type="none" w="med" len="med"/>
-                    </a:lnR>
-                    <a:lnT w="12700" cap="flat" cmpd="sng" algn="ctr">
-                      <a:solidFill>
-                        <a:schemeClr val="tx1"/>
-                      </a:solidFill>
-                      <a:prstDash val="solid"/>
-                      <a:round/>
-                      <a:headEnd type="none" w="med" len="med"/>
-                      <a:tailEnd type="none" w="med" len="med"/>
-                    </a:lnT>
-                    <a:lnB w="12700" cap="flat" cmpd="sng" algn="ctr">
-                      <a:solidFill>
-                        <a:schemeClr val="tx1"/>
-                      </a:solidFill>
-                      <a:prstDash val="solid"/>
-                      <a:round/>
-                      <a:headEnd type="none" w="med" len="med"/>
-                      <a:tailEnd type="none" w="med" len="med"/>
-                    </a:lnB>
-                    <a:lnTlToBr w="12700" cmpd="sng">
-                      <a:noFill/>
-                      <a:prstDash val="solid"/>
-                    </a:lnTlToBr>
-                    <a:lnBlToTr w="12700" cmpd="sng">
-                      <a:noFill/>
-                      <a:prstDash val="solid"/>
-                    </a:lnBlToTr>
-                  </a:tcPr>
-                </a:tc>
-                <a:extLst>
-                  <a:ext uri="{0D108BD9-81ED-4DB2-BD59-A6C34878D82A}">
-                    <a16:rowId xmlns:a16="http://schemas.microsoft.com/office/drawing/2014/main" val="1656689642"/>
-                  </a:ext>
-                </a:extLst>
-              </a:tr>
-              <a:tr h="480775">
-                <a:tc>
-                  <a:txBody>
-                    <a:bodyPr/>
-                    <a:lstStyle/>
-                    <a:p>
-                      <a:r>
-                        <a:rPr lang="en-US" altLang="zh-TW" sz="1200" b="1" dirty="0"/>
-                        <a:t>LUT/RAM</a:t>
-                      </a:r>
-                      <a:endParaRPr lang="zh-TW" altLang="en-US" sz="1200" b="1" dirty="0"/>
-                    </a:p>
-                  </a:txBody>
-                  <a:tcPr anchor="ctr">
-                    <a:lnL w="12700" cap="flat" cmpd="sng" algn="ctr">
-                      <a:solidFill>
-                        <a:schemeClr val="tx1"/>
-                      </a:solidFill>
-                      <a:prstDash val="solid"/>
-                      <a:round/>
-                      <a:headEnd type="none" w="med" len="med"/>
-                      <a:tailEnd type="none" w="med" len="med"/>
-                    </a:lnL>
-                    <a:lnR w="12700" cap="flat" cmpd="sng" algn="ctr">
-                      <a:solidFill>
-                        <a:schemeClr val="tx1"/>
-                      </a:solidFill>
-                      <a:prstDash val="solid"/>
-                      <a:round/>
-                      <a:headEnd type="none" w="med" len="med"/>
-                      <a:tailEnd type="none" w="med" len="med"/>
-                    </a:lnR>
-                    <a:lnT w="12700" cap="flat" cmpd="sng" algn="ctr">
-                      <a:solidFill>
-                        <a:schemeClr val="tx1"/>
-                      </a:solidFill>
-                      <a:prstDash val="solid"/>
-                      <a:round/>
-                      <a:headEnd type="none" w="med" len="med"/>
-                      <a:tailEnd type="none" w="med" len="med"/>
-                    </a:lnT>
-                    <a:lnB w="12700" cap="flat" cmpd="sng" algn="ctr">
-                      <a:solidFill>
-                        <a:schemeClr val="tx1"/>
-                      </a:solidFill>
-                      <a:prstDash val="solid"/>
-                      <a:round/>
-                      <a:headEnd type="none" w="med" len="med"/>
-                      <a:tailEnd type="none" w="med" len="med"/>
-                    </a:lnB>
-                    <a:lnTlToBr w="12700" cmpd="sng">
-                      <a:noFill/>
-                      <a:prstDash val="solid"/>
-                    </a:lnTlToBr>
-                    <a:lnBlToTr w="12700" cmpd="sng">
-                      <a:noFill/>
-                      <a:prstDash val="solid"/>
-                    </a:lnBlToTr>
-                  </a:tcPr>
-                </a:tc>
-                <a:tc>
-                  <a:txBody>
-                    <a:bodyPr/>
-                    <a:lstStyle/>
-                    <a:p>
-                      <a:pPr algn="ctr"/>
-                      <a:r>
-                        <a:rPr lang="en-US" altLang="zh-TW" sz="1200" b="1" dirty="0"/>
-                        <a:t>143</a:t>
-                      </a:r>
-                      <a:endParaRPr lang="zh-TW" altLang="en-US" sz="1200" b="1" dirty="0"/>
-                    </a:p>
-                  </a:txBody>
-                  <a:tcPr anchor="ctr">
-                    <a:lnL w="12700" cap="flat" cmpd="sng" algn="ctr">
-                      <a:solidFill>
-                        <a:schemeClr val="tx1"/>
-                      </a:solidFill>
-                      <a:prstDash val="solid"/>
-                      <a:round/>
-                      <a:headEnd type="none" w="med" len="med"/>
-                      <a:tailEnd type="none" w="med" len="med"/>
-                    </a:lnL>
-                    <a:lnR w="12700" cap="flat" cmpd="sng" algn="ctr">
-                      <a:solidFill>
-                        <a:schemeClr val="tx1"/>
-                      </a:solidFill>
-                      <a:prstDash val="solid"/>
-                      <a:round/>
-                      <a:headEnd type="none" w="med" len="med"/>
-                      <a:tailEnd type="none" w="med" len="med"/>
-                    </a:lnR>
-                    <a:lnT w="12700" cap="flat" cmpd="sng" algn="ctr">
-                      <a:solidFill>
-                        <a:schemeClr val="tx1"/>
-                      </a:solidFill>
-                      <a:prstDash val="solid"/>
-                      <a:round/>
-                      <a:headEnd type="none" w="med" len="med"/>
-                      <a:tailEnd type="none" w="med" len="med"/>
-                    </a:lnT>
-                    <a:lnB w="12700" cap="flat" cmpd="sng" algn="ctr">
-                      <a:solidFill>
-                        <a:schemeClr val="tx1"/>
-                      </a:solidFill>
-                      <a:prstDash val="solid"/>
-                      <a:round/>
-                      <a:headEnd type="none" w="med" len="med"/>
-                      <a:tailEnd type="none" w="med" len="med"/>
-                    </a:lnB>
-                    <a:lnTlToBr w="12700" cmpd="sng">
-                      <a:noFill/>
-                      <a:prstDash val="solid"/>
-                    </a:lnTlToBr>
-                    <a:lnBlToTr w="12700" cmpd="sng">
-                      <a:noFill/>
-                      <a:prstDash val="solid"/>
-                    </a:lnBlToTr>
-                  </a:tcPr>
-                </a:tc>
-                <a:extLst>
-                  <a:ext uri="{0D108BD9-81ED-4DB2-BD59-A6C34878D82A}">
-                    <a16:rowId xmlns:a16="http://schemas.microsoft.com/office/drawing/2014/main" val="3926747283"/>
-                  </a:ext>
-                </a:extLst>
-              </a:tr>
-              <a:tr h="480775">
-                <a:tc>
-                  <a:txBody>
-                    <a:bodyPr/>
-                    <a:lstStyle/>
-                    <a:p>
-                      <a:r>
-                        <a:rPr lang="en-US" altLang="zh-TW" sz="1200" b="1" dirty="0"/>
-                        <a:t>FF</a:t>
-                      </a:r>
-                      <a:endParaRPr lang="zh-TW" altLang="en-US" sz="1200" b="1" dirty="0"/>
-                    </a:p>
-                  </a:txBody>
-                  <a:tcPr anchor="ctr">
-                    <a:lnL w="12700" cap="flat" cmpd="sng" algn="ctr">
-                      <a:solidFill>
-                        <a:schemeClr val="tx1"/>
-                      </a:solidFill>
-                      <a:prstDash val="solid"/>
-                      <a:round/>
-                      <a:headEnd type="none" w="med" len="med"/>
-                      <a:tailEnd type="none" w="med" len="med"/>
-                    </a:lnL>
-                    <a:lnR w="12700" cap="flat" cmpd="sng" algn="ctr">
-                      <a:solidFill>
-                        <a:schemeClr val="tx1"/>
-                      </a:solidFill>
-                      <a:prstDash val="solid"/>
-                      <a:round/>
-                      <a:headEnd type="none" w="med" len="med"/>
-                      <a:tailEnd type="none" w="med" len="med"/>
-                    </a:lnR>
-                    <a:lnT w="12700" cap="flat" cmpd="sng" algn="ctr">
-                      <a:solidFill>
-                        <a:schemeClr val="tx1"/>
-                      </a:solidFill>
-                      <a:prstDash val="solid"/>
-                      <a:round/>
-                      <a:headEnd type="none" w="med" len="med"/>
-                      <a:tailEnd type="none" w="med" len="med"/>
-                    </a:lnT>
-                    <a:lnB w="12700" cap="flat" cmpd="sng" algn="ctr">
-                      <a:solidFill>
-                        <a:schemeClr val="tx1"/>
-                      </a:solidFill>
-                      <a:prstDash val="solid"/>
-                      <a:round/>
-                      <a:headEnd type="none" w="med" len="med"/>
-                      <a:tailEnd type="none" w="med" len="med"/>
-                    </a:lnB>
-                    <a:lnTlToBr w="12700" cmpd="sng">
-                      <a:noFill/>
-                      <a:prstDash val="solid"/>
-                    </a:lnTlToBr>
-                    <a:lnBlToTr w="12700" cmpd="sng">
-                      <a:noFill/>
-                      <a:prstDash val="solid"/>
-                    </a:lnBlToTr>
-                  </a:tcPr>
-                </a:tc>
-                <a:tc>
-                  <a:txBody>
-                    <a:bodyPr/>
-                    <a:lstStyle/>
-                    <a:p>
-                      <a:pPr algn="ctr"/>
-                      <a:r>
-                        <a:rPr lang="en-US" altLang="zh-TW" sz="1200" b="1" dirty="0"/>
-                        <a:t>2229</a:t>
-                      </a:r>
-                      <a:endParaRPr lang="zh-TW" altLang="en-US" sz="1200" b="1" dirty="0"/>
-                    </a:p>
-                  </a:txBody>
-                  <a:tcPr anchor="ctr">
-                    <a:lnL w="12700" cap="flat" cmpd="sng" algn="ctr">
-                      <a:solidFill>
-                        <a:schemeClr val="tx1"/>
-                      </a:solidFill>
-                      <a:prstDash val="solid"/>
-                      <a:round/>
-                      <a:headEnd type="none" w="med" len="med"/>
-                      <a:tailEnd type="none" w="med" len="med"/>
-                    </a:lnL>
-                    <a:lnR w="12700" cap="flat" cmpd="sng" algn="ctr">
-                      <a:solidFill>
-                        <a:schemeClr val="tx1"/>
-                      </a:solidFill>
-                      <a:prstDash val="solid"/>
-                      <a:round/>
-                      <a:headEnd type="none" w="med" len="med"/>
-                      <a:tailEnd type="none" w="med" len="med"/>
-                    </a:lnR>
-                    <a:lnT w="12700" cap="flat" cmpd="sng" algn="ctr">
-                      <a:solidFill>
-                        <a:schemeClr val="tx1"/>
-                      </a:solidFill>
-                      <a:prstDash val="solid"/>
-                      <a:round/>
-                      <a:headEnd type="none" w="med" len="med"/>
-                      <a:tailEnd type="none" w="med" len="med"/>
-                    </a:lnT>
-                    <a:lnB w="12700" cap="flat" cmpd="sng" algn="ctr">
-                      <a:solidFill>
-                        <a:schemeClr val="tx1"/>
-                      </a:solidFill>
-                      <a:prstDash val="solid"/>
-                      <a:round/>
-                      <a:headEnd type="none" w="med" len="med"/>
-                      <a:tailEnd type="none" w="med" len="med"/>
-                    </a:lnB>
-                    <a:lnTlToBr w="12700" cmpd="sng">
-                      <a:noFill/>
-                      <a:prstDash val="solid"/>
-                    </a:lnTlToBr>
-                    <a:lnBlToTr w="12700" cmpd="sng">
-                      <a:noFill/>
-                      <a:prstDash val="solid"/>
-                    </a:lnBlToTr>
-                  </a:tcPr>
-                </a:tc>
-                <a:extLst>
-                  <a:ext uri="{0D108BD9-81ED-4DB2-BD59-A6C34878D82A}">
-                    <a16:rowId xmlns:a16="http://schemas.microsoft.com/office/drawing/2014/main" val="3935625904"/>
-                  </a:ext>
-                </a:extLst>
-              </a:tr>
-              <a:tr h="480775">
-                <a:tc>
-                  <a:txBody>
-                    <a:bodyPr/>
-                    <a:lstStyle/>
-                    <a:p>
-                      <a:r>
-                        <a:rPr lang="en-US" altLang="zh-TW" sz="1200" b="1" dirty="0"/>
-                        <a:t>BRAM</a:t>
-                      </a:r>
-                      <a:endParaRPr lang="zh-TW" altLang="en-US" sz="1200" b="1" dirty="0"/>
-                    </a:p>
-                  </a:txBody>
-                  <a:tcPr anchor="ctr">
-                    <a:lnL w="12700" cap="flat" cmpd="sng" algn="ctr">
-                      <a:solidFill>
-                        <a:schemeClr val="tx1"/>
-                      </a:solidFill>
-                      <a:prstDash val="solid"/>
-                      <a:round/>
-                      <a:headEnd type="none" w="med" len="med"/>
-                      <a:tailEnd type="none" w="med" len="med"/>
-                    </a:lnL>
-                    <a:lnR w="12700" cap="flat" cmpd="sng" algn="ctr">
-                      <a:solidFill>
-                        <a:schemeClr val="tx1"/>
-                      </a:solidFill>
-                      <a:prstDash val="solid"/>
-                      <a:round/>
-                      <a:headEnd type="none" w="med" len="med"/>
-                      <a:tailEnd type="none" w="med" len="med"/>
-                    </a:lnR>
-                    <a:lnT w="12700" cap="flat" cmpd="sng" algn="ctr">
-                      <a:solidFill>
-                        <a:schemeClr val="tx1"/>
-                      </a:solidFill>
-                      <a:prstDash val="solid"/>
-                      <a:round/>
-                      <a:headEnd type="none" w="med" len="med"/>
-                      <a:tailEnd type="none" w="med" len="med"/>
-                    </a:lnT>
-                    <a:lnB w="12700" cap="flat" cmpd="sng" algn="ctr">
-                      <a:solidFill>
-                        <a:schemeClr val="tx1"/>
-                      </a:solidFill>
-                      <a:prstDash val="solid"/>
-                      <a:round/>
-                      <a:headEnd type="none" w="med" len="med"/>
-                      <a:tailEnd type="none" w="med" len="med"/>
-                    </a:lnB>
-                    <a:lnTlToBr w="12700" cmpd="sng">
-                      <a:noFill/>
-                      <a:prstDash val="solid"/>
-                    </a:lnTlToBr>
-                    <a:lnBlToTr w="12700" cmpd="sng">
-                      <a:noFill/>
-                      <a:prstDash val="solid"/>
-                    </a:lnBlToTr>
-                  </a:tcPr>
-                </a:tc>
-                <a:tc>
-                  <a:txBody>
-                    <a:bodyPr/>
-                    <a:lstStyle/>
-                    <a:p>
-                      <a:pPr algn="ctr"/>
-                      <a:r>
-                        <a:rPr lang="en-US" altLang="zh-TW" sz="1200" b="1" dirty="0"/>
-                        <a:t>1.5</a:t>
-                      </a:r>
-                      <a:endParaRPr lang="zh-TW" altLang="en-US" sz="1200" b="1" dirty="0"/>
-                    </a:p>
-                  </a:txBody>
-                  <a:tcPr anchor="ctr">
-                    <a:lnL w="12700" cap="flat" cmpd="sng" algn="ctr">
-                      <a:solidFill>
-                        <a:schemeClr val="tx1"/>
-                      </a:solidFill>
-                      <a:prstDash val="solid"/>
-                      <a:round/>
-                      <a:headEnd type="none" w="med" len="med"/>
-                      <a:tailEnd type="none" w="med" len="med"/>
-                    </a:lnL>
-                    <a:lnR w="12700" cap="flat" cmpd="sng" algn="ctr">
-                      <a:solidFill>
-                        <a:schemeClr val="tx1"/>
-                      </a:solidFill>
-                      <a:prstDash val="solid"/>
-                      <a:round/>
-                      <a:headEnd type="none" w="med" len="med"/>
-                      <a:tailEnd type="none" w="med" len="med"/>
-                    </a:lnR>
-                    <a:lnT w="12700" cap="flat" cmpd="sng" algn="ctr">
-                      <a:solidFill>
-                        <a:schemeClr val="tx1"/>
-                      </a:solidFill>
-                      <a:prstDash val="solid"/>
-                      <a:round/>
-                      <a:headEnd type="none" w="med" len="med"/>
-                      <a:tailEnd type="none" w="med" len="med"/>
-                    </a:lnT>
-                    <a:lnB w="12700" cap="flat" cmpd="sng" algn="ctr">
-                      <a:solidFill>
-                        <a:schemeClr val="tx1"/>
-                      </a:solidFill>
-                      <a:prstDash val="solid"/>
-                      <a:round/>
-                      <a:headEnd type="none" w="med" len="med"/>
-                      <a:tailEnd type="none" w="med" len="med"/>
-                    </a:lnB>
-                    <a:lnTlToBr w="12700" cmpd="sng">
-                      <a:noFill/>
-                      <a:prstDash val="solid"/>
-                    </a:lnTlToBr>
-                    <a:lnBlToTr w="12700" cmpd="sng">
-                      <a:noFill/>
-                      <a:prstDash val="solid"/>
-                    </a:lnBlToTr>
-                  </a:tcPr>
-                </a:tc>
-                <a:extLst>
-                  <a:ext uri="{0D108BD9-81ED-4DB2-BD59-A6C34878D82A}">
-                    <a16:rowId xmlns:a16="http://schemas.microsoft.com/office/drawing/2014/main" val="1727100914"/>
-                  </a:ext>
-                </a:extLst>
-              </a:tr>
-              <a:tr h="480775">
-                <a:tc>
-                  <a:txBody>
-                    <a:bodyPr/>
-                    <a:lstStyle/>
-                    <a:p>
-                      <a:r>
-                        <a:rPr lang="en-US" altLang="zh-TW" sz="1200" b="1" dirty="0"/>
-                        <a:t>DSP</a:t>
-                      </a:r>
-                      <a:endParaRPr lang="zh-TW" altLang="en-US" sz="1200" b="1" dirty="0"/>
-                    </a:p>
-                  </a:txBody>
-                  <a:tcPr anchor="ctr">
-                    <a:lnL w="12700" cap="flat" cmpd="sng" algn="ctr">
-                      <a:solidFill>
-                        <a:schemeClr val="tx1"/>
-                      </a:solidFill>
-                      <a:prstDash val="solid"/>
-                      <a:round/>
-                      <a:headEnd type="none" w="med" len="med"/>
-                      <a:tailEnd type="none" w="med" len="med"/>
-                    </a:lnL>
-                    <a:lnR w="12700" cap="flat" cmpd="sng" algn="ctr">
-                      <a:solidFill>
-                        <a:schemeClr val="tx1"/>
-                      </a:solidFill>
-                      <a:prstDash val="solid"/>
-                      <a:round/>
-                      <a:headEnd type="none" w="med" len="med"/>
-                      <a:tailEnd type="none" w="med" len="med"/>
-                    </a:lnR>
-                    <a:lnT w="12700" cap="flat" cmpd="sng" algn="ctr">
-                      <a:solidFill>
-                        <a:schemeClr val="tx1"/>
-                      </a:solidFill>
-                      <a:prstDash val="solid"/>
-                      <a:round/>
-                      <a:headEnd type="none" w="med" len="med"/>
-                      <a:tailEnd type="none" w="med" len="med"/>
-                    </a:lnT>
-                    <a:lnB w="12700" cap="flat" cmpd="sng" algn="ctr">
-                      <a:solidFill>
-                        <a:schemeClr val="tx1"/>
-                      </a:solidFill>
-                      <a:prstDash val="solid"/>
-                      <a:round/>
-                      <a:headEnd type="none" w="med" len="med"/>
-                      <a:tailEnd type="none" w="med" len="med"/>
-                    </a:lnB>
-                    <a:lnTlToBr w="12700" cmpd="sng">
-                      <a:noFill/>
-                      <a:prstDash val="solid"/>
-                    </a:lnTlToBr>
-                    <a:lnBlToTr w="12700" cmpd="sng">
-                      <a:noFill/>
-                      <a:prstDash val="solid"/>
-                    </a:lnBlToTr>
-                  </a:tcPr>
-                </a:tc>
-                <a:tc>
-                  <a:txBody>
-                    <a:bodyPr/>
-                    <a:lstStyle/>
-                    <a:p>
-                      <a:pPr algn="ctr"/>
-                      <a:r>
-                        <a:rPr lang="en-US" altLang="zh-TW" sz="1200" b="1" dirty="0"/>
-                        <a:t>3</a:t>
-                      </a:r>
-                      <a:endParaRPr lang="zh-TW" altLang="en-US" sz="1200" b="1" dirty="0"/>
-                    </a:p>
-                  </a:txBody>
-                  <a:tcPr anchor="ctr">
-                    <a:lnL w="12700" cap="flat" cmpd="sng" algn="ctr">
-                      <a:solidFill>
-                        <a:schemeClr val="tx1"/>
-                      </a:solidFill>
-                      <a:prstDash val="solid"/>
-                      <a:round/>
-                      <a:headEnd type="none" w="med" len="med"/>
-                      <a:tailEnd type="none" w="med" len="med"/>
-                    </a:lnL>
-                    <a:lnR w="12700" cap="flat" cmpd="sng" algn="ctr">
-                      <a:solidFill>
-                        <a:schemeClr val="tx1"/>
-                      </a:solidFill>
-                      <a:prstDash val="solid"/>
-                      <a:round/>
-                      <a:headEnd type="none" w="med" len="med"/>
-                      <a:tailEnd type="none" w="med" len="med"/>
-                    </a:lnR>
-                    <a:lnT w="12700" cap="flat" cmpd="sng" algn="ctr">
-                      <a:solidFill>
-                        <a:schemeClr val="tx1"/>
-                      </a:solidFill>
-                      <a:prstDash val="solid"/>
-                      <a:round/>
-                      <a:headEnd type="none" w="med" len="med"/>
-                      <a:tailEnd type="none" w="med" len="med"/>
-                    </a:lnT>
-                    <a:lnB w="12700" cap="flat" cmpd="sng" algn="ctr">
-                      <a:solidFill>
-                        <a:schemeClr val="tx1"/>
-                      </a:solidFill>
-                      <a:prstDash val="solid"/>
-                      <a:round/>
-                      <a:headEnd type="none" w="med" len="med"/>
-                      <a:tailEnd type="none" w="med" len="med"/>
-                    </a:lnB>
-                    <a:lnTlToBr w="12700" cmpd="sng">
-                      <a:noFill/>
-                      <a:prstDash val="solid"/>
-                    </a:lnTlToBr>
-                    <a:lnBlToTr w="12700" cmpd="sng">
-                      <a:noFill/>
-                      <a:prstDash val="solid"/>
-                    </a:lnBlToTr>
-                  </a:tcPr>
-                </a:tc>
-                <a:extLst>
-                  <a:ext uri="{0D108BD9-81ED-4DB2-BD59-A6C34878D82A}">
-                    <a16:rowId xmlns:a16="http://schemas.microsoft.com/office/drawing/2014/main" val="3506169593"/>
-                  </a:ext>
-                </a:extLst>
-              </a:tr>
-              <a:tr h="480775">
-                <a:tc>
-                  <a:txBody>
-                    <a:bodyPr/>
-                    <a:lstStyle/>
-                    <a:p>
-                      <a:pPr marL="0" marR="0" lvl="0" indent="0" algn="l" defTabSz="914400" rtl="0" eaLnBrk="1" fontAlgn="auto" latinLnBrk="0" hangingPunct="1">
-                        <a:lnSpc>
-                          <a:spcPct val="100000"/>
-                        </a:lnSpc>
-                        <a:spcBef>
-                          <a:spcPts val="0"/>
-                        </a:spcBef>
-                        <a:spcAft>
-                          <a:spcPts val="0"/>
-                        </a:spcAft>
-                        <a:buClrTx/>
-                        <a:buSzTx/>
-                        <a:buFontTx/>
-                        <a:buNone/>
-                        <a:tabLst/>
-                        <a:defRPr/>
-                      </a:pPr>
-                      <a:r>
-                        <a:rPr lang="en-US" altLang="zh-TW" sz="1200" b="1" dirty="0"/>
-                        <a:t>Worst Negative Slack (ns)</a:t>
-                      </a:r>
-                      <a:endParaRPr lang="zh-TW" altLang="en-US" sz="1200" b="1" dirty="0"/>
-                    </a:p>
-                  </a:txBody>
-                  <a:tcPr anchor="ctr">
-                    <a:lnL w="12700" cap="flat" cmpd="sng" algn="ctr">
-                      <a:solidFill>
-                        <a:schemeClr val="tx1"/>
-                      </a:solidFill>
-                      <a:prstDash val="solid"/>
-                      <a:round/>
-                      <a:headEnd type="none" w="med" len="med"/>
-                      <a:tailEnd type="none" w="med" len="med"/>
-                    </a:lnL>
-                    <a:lnR w="12700" cap="flat" cmpd="sng" algn="ctr">
-                      <a:solidFill>
-                        <a:schemeClr val="tx1"/>
-                      </a:solidFill>
-                      <a:prstDash val="solid"/>
-                      <a:round/>
-                      <a:headEnd type="none" w="med" len="med"/>
-                      <a:tailEnd type="none" w="med" len="med"/>
-                    </a:lnR>
-                    <a:lnT w="12700" cap="flat" cmpd="sng" algn="ctr">
-                      <a:solidFill>
-                        <a:schemeClr val="tx1"/>
-                      </a:solidFill>
-                      <a:prstDash val="solid"/>
-                      <a:round/>
-                      <a:headEnd type="none" w="med" len="med"/>
-                      <a:tailEnd type="none" w="med" len="med"/>
-                    </a:lnT>
-                    <a:lnB w="12700" cap="flat" cmpd="sng" algn="ctr">
-                      <a:solidFill>
-                        <a:schemeClr val="tx1"/>
-                      </a:solidFill>
-                      <a:prstDash val="solid"/>
-                      <a:round/>
-                      <a:headEnd type="none" w="med" len="med"/>
-                      <a:tailEnd type="none" w="med" len="med"/>
-                    </a:lnB>
-                    <a:lnTlToBr w="12700" cmpd="sng">
-                      <a:noFill/>
-                      <a:prstDash val="solid"/>
-                    </a:lnTlToBr>
-                    <a:lnBlToTr w="12700" cmpd="sng">
-                      <a:noFill/>
-                      <a:prstDash val="solid"/>
-                    </a:lnBlToTr>
-                  </a:tcPr>
-                </a:tc>
-                <a:tc>
-                  <a:txBody>
-                    <a:bodyPr/>
-                    <a:lstStyle/>
-                    <a:p>
-                      <a:pPr marL="0" algn="ctr" defTabSz="914411" rtl="0" eaLnBrk="1" latinLnBrk="0" hangingPunct="1"/>
-                      <a:r>
-                        <a:rPr lang="en-US" altLang="zh-TW" sz="1200" b="1" kern="1200" dirty="0">
-                          <a:solidFill>
-                            <a:schemeClr val="dk1"/>
-                          </a:solidFill>
-                          <a:latin typeface="+mn-lt"/>
-                          <a:ea typeface="+mn-ea"/>
-                          <a:cs typeface="+mn-cs"/>
-                        </a:rPr>
-                        <a:t>0.017</a:t>
-                      </a:r>
-                      <a:endParaRPr lang="zh-TW" altLang="en-US" sz="1200" b="1" kern="1200" dirty="0">
-                        <a:solidFill>
-                          <a:schemeClr val="dk1"/>
-                        </a:solidFill>
-                        <a:latin typeface="+mn-lt"/>
-                        <a:ea typeface="+mn-ea"/>
-                        <a:cs typeface="+mn-cs"/>
-                      </a:endParaRPr>
-                    </a:p>
-                  </a:txBody>
-                  <a:tcPr anchor="ctr">
-                    <a:lnL w="12700" cap="flat" cmpd="sng" algn="ctr">
-                      <a:solidFill>
-                        <a:schemeClr val="tx1"/>
-                      </a:solidFill>
-                      <a:prstDash val="solid"/>
-                      <a:round/>
-                      <a:headEnd type="none" w="med" len="med"/>
-                      <a:tailEnd type="none" w="med" len="med"/>
-                    </a:lnL>
-                    <a:lnR w="12700" cap="flat" cmpd="sng" algn="ctr">
-                      <a:solidFill>
-                        <a:schemeClr val="tx1"/>
-                      </a:solidFill>
-                      <a:prstDash val="solid"/>
-                      <a:round/>
-                      <a:headEnd type="none" w="med" len="med"/>
-                      <a:tailEnd type="none" w="med" len="med"/>
-                    </a:lnR>
-                    <a:lnT w="12700" cap="flat" cmpd="sng" algn="ctr">
-                      <a:solidFill>
-                        <a:schemeClr val="tx1"/>
-                      </a:solidFill>
-                      <a:prstDash val="solid"/>
-                      <a:round/>
-                      <a:headEnd type="none" w="med" len="med"/>
-                      <a:tailEnd type="none" w="med" len="med"/>
-                    </a:lnT>
-                    <a:lnB w="12700" cap="flat" cmpd="sng" algn="ctr">
-                      <a:solidFill>
-                        <a:schemeClr val="tx1"/>
-                      </a:solidFill>
-                      <a:prstDash val="solid"/>
-                      <a:round/>
-                      <a:headEnd type="none" w="med" len="med"/>
-                      <a:tailEnd type="none" w="med" len="med"/>
-                    </a:lnB>
-                    <a:lnTlToBr w="12700" cmpd="sng">
-                      <a:noFill/>
-                      <a:prstDash val="solid"/>
-                    </a:lnTlToBr>
-                    <a:lnBlToTr w="12700" cmpd="sng">
-                      <a:noFill/>
-                      <a:prstDash val="solid"/>
-                    </a:lnBlToTr>
-                  </a:tcPr>
-                </a:tc>
-                <a:extLst>
-                  <a:ext uri="{0D108BD9-81ED-4DB2-BD59-A6C34878D82A}">
-                    <a16:rowId xmlns:a16="http://schemas.microsoft.com/office/drawing/2014/main" val="2888799551"/>
-                  </a:ext>
-                </a:extLst>
-              </a:tr>
-              <a:tr h="480775">
-                <a:tc>
-                  <a:txBody>
-                    <a:bodyPr/>
-                    <a:lstStyle/>
-                    <a:p>
-                      <a:r>
-                        <a:rPr lang="en-US" altLang="zh-TW" sz="1200" b="1" dirty="0"/>
-                        <a:t>Total On-Chip Power</a:t>
-                      </a:r>
-                      <a:endParaRPr lang="zh-TW" altLang="en-US" sz="1200" b="1" dirty="0"/>
-                    </a:p>
-                  </a:txBody>
-                  <a:tcPr anchor="ctr">
-                    <a:lnL w="12700" cap="flat" cmpd="sng" algn="ctr">
-                      <a:solidFill>
-                        <a:schemeClr val="tx1"/>
-                      </a:solidFill>
-                      <a:prstDash val="solid"/>
-                      <a:round/>
-                      <a:headEnd type="none" w="med" len="med"/>
-                      <a:tailEnd type="none" w="med" len="med"/>
-                    </a:lnL>
-                    <a:lnR w="12700" cap="flat" cmpd="sng" algn="ctr">
-                      <a:solidFill>
-                        <a:schemeClr val="tx1"/>
-                      </a:solidFill>
-                      <a:prstDash val="solid"/>
-                      <a:round/>
-                      <a:headEnd type="none" w="med" len="med"/>
-                      <a:tailEnd type="none" w="med" len="med"/>
-                    </a:lnR>
-                    <a:lnT w="12700" cap="flat" cmpd="sng" algn="ctr">
-                      <a:solidFill>
-                        <a:schemeClr val="tx1"/>
-                      </a:solidFill>
-                      <a:prstDash val="solid"/>
-                      <a:round/>
-                      <a:headEnd type="none" w="med" len="med"/>
-                      <a:tailEnd type="none" w="med" len="med"/>
-                    </a:lnT>
-                    <a:lnB w="12700" cap="flat" cmpd="sng" algn="ctr">
-                      <a:solidFill>
-                        <a:schemeClr val="tx1"/>
-                      </a:solidFill>
-                      <a:prstDash val="solid"/>
-                      <a:round/>
-                      <a:headEnd type="none" w="med" len="med"/>
-                      <a:tailEnd type="none" w="med" len="med"/>
-                    </a:lnB>
-                    <a:lnTlToBr w="12700" cmpd="sng">
-                      <a:noFill/>
-                      <a:prstDash val="solid"/>
-                    </a:lnTlToBr>
-                    <a:lnBlToTr w="12700" cmpd="sng">
-                      <a:noFill/>
-                      <a:prstDash val="solid"/>
-                    </a:lnBlToTr>
-                  </a:tcPr>
-                </a:tc>
-                <a:tc>
-                  <a:txBody>
-                    <a:bodyPr/>
-                    <a:lstStyle/>
-                    <a:p>
-                      <a:pPr marL="0" algn="ctr" defTabSz="914411" rtl="0" eaLnBrk="1" latinLnBrk="0" hangingPunct="1"/>
-                      <a:r>
-                        <a:rPr lang="en-US" altLang="zh-TW" sz="1200" b="1" kern="1200" dirty="0">
-                          <a:solidFill>
-                            <a:schemeClr val="dk1"/>
-                          </a:solidFill>
-                          <a:latin typeface="+mn-lt"/>
-                          <a:ea typeface="+mn-ea"/>
-                          <a:cs typeface="+mn-cs"/>
-                        </a:rPr>
-                        <a:t>1.313</a:t>
-                      </a:r>
-                      <a:endParaRPr lang="zh-TW" altLang="en-US" sz="1200" b="1" kern="1200" dirty="0">
-                        <a:solidFill>
-                          <a:schemeClr val="dk1"/>
-                        </a:solidFill>
-                        <a:latin typeface="+mn-lt"/>
-                        <a:ea typeface="+mn-ea"/>
-                        <a:cs typeface="+mn-cs"/>
-                      </a:endParaRPr>
-                    </a:p>
-                  </a:txBody>
-                  <a:tcPr anchor="ctr">
-                    <a:lnL w="12700" cap="flat" cmpd="sng" algn="ctr">
-                      <a:solidFill>
-                        <a:schemeClr val="tx1"/>
-                      </a:solidFill>
-                      <a:prstDash val="solid"/>
-                      <a:round/>
-                      <a:headEnd type="none" w="med" len="med"/>
-                      <a:tailEnd type="none" w="med" len="med"/>
-                    </a:lnL>
-                    <a:lnR w="12700" cap="flat" cmpd="sng" algn="ctr">
-                      <a:solidFill>
-                        <a:schemeClr val="tx1"/>
-                      </a:solidFill>
-                      <a:prstDash val="solid"/>
-                      <a:round/>
-                      <a:headEnd type="none" w="med" len="med"/>
-                      <a:tailEnd type="none" w="med" len="med"/>
-                    </a:lnR>
-                    <a:lnT w="12700" cap="flat" cmpd="sng" algn="ctr">
-                      <a:solidFill>
-                        <a:schemeClr val="tx1"/>
-                      </a:solidFill>
-                      <a:prstDash val="solid"/>
-                      <a:round/>
-                      <a:headEnd type="none" w="med" len="med"/>
-                      <a:tailEnd type="none" w="med" len="med"/>
-                    </a:lnT>
-                    <a:lnB w="12700" cap="flat" cmpd="sng" algn="ctr">
-                      <a:solidFill>
-                        <a:schemeClr val="tx1"/>
-                      </a:solidFill>
-                      <a:prstDash val="solid"/>
-                      <a:round/>
-                      <a:headEnd type="none" w="med" len="med"/>
-                      <a:tailEnd type="none" w="med" len="med"/>
-                    </a:lnB>
-                    <a:lnTlToBr w="12700" cmpd="sng">
-                      <a:noFill/>
-                      <a:prstDash val="solid"/>
-                    </a:lnTlToBr>
-                    <a:lnBlToTr w="12700" cmpd="sng">
-                      <a:noFill/>
-                      <a:prstDash val="solid"/>
-                    </a:lnBlToTr>
-                  </a:tcPr>
-                </a:tc>
-                <a:extLst>
-                  <a:ext uri="{0D108BD9-81ED-4DB2-BD59-A6C34878D82A}">
-                    <a16:rowId xmlns:a16="http://schemas.microsoft.com/office/drawing/2014/main" val="3802768643"/>
-                  </a:ext>
-                </a:extLst>
-              </a:tr>
-              <a:tr h="480775">
-                <a:tc>
-                  <a:txBody>
-                    <a:bodyPr/>
-                    <a:lstStyle/>
-                    <a:p>
-                      <a:r>
-                        <a:rPr lang="en-US" altLang="zh-TW" sz="1200" b="1" dirty="0"/>
-                        <a:t>Junction Temperature</a:t>
-                      </a:r>
-                      <a:endParaRPr lang="zh-TW" altLang="en-US" sz="1200" b="1" dirty="0"/>
-                    </a:p>
-                  </a:txBody>
-                  <a:tcPr anchor="ctr">
-                    <a:lnL w="12700" cap="flat" cmpd="sng" algn="ctr">
-                      <a:solidFill>
-                        <a:schemeClr val="tx1"/>
-                      </a:solidFill>
-                      <a:prstDash val="solid"/>
-                      <a:round/>
-                      <a:headEnd type="none" w="med" len="med"/>
-                      <a:tailEnd type="none" w="med" len="med"/>
-                    </a:lnL>
-                    <a:lnR w="12700" cap="flat" cmpd="sng" algn="ctr">
-                      <a:solidFill>
-                        <a:schemeClr val="tx1"/>
-                      </a:solidFill>
-                      <a:prstDash val="solid"/>
-                      <a:round/>
-                      <a:headEnd type="none" w="med" len="med"/>
-                      <a:tailEnd type="none" w="med" len="med"/>
-                    </a:lnR>
-                    <a:lnT w="12700" cap="flat" cmpd="sng" algn="ctr">
-                      <a:solidFill>
-                        <a:schemeClr val="tx1"/>
-                      </a:solidFill>
-                      <a:prstDash val="solid"/>
-                      <a:round/>
-                      <a:headEnd type="none" w="med" len="med"/>
-                      <a:tailEnd type="none" w="med" len="med"/>
-                    </a:lnT>
-                    <a:lnB w="12700" cap="flat" cmpd="sng" algn="ctr">
-                      <a:solidFill>
-                        <a:schemeClr val="tx1"/>
-                      </a:solidFill>
-                      <a:prstDash val="solid"/>
-                      <a:round/>
-                      <a:headEnd type="none" w="med" len="med"/>
-                      <a:tailEnd type="none" w="med" len="med"/>
-                    </a:lnB>
-                    <a:lnTlToBr w="12700" cmpd="sng">
-                      <a:noFill/>
-                      <a:prstDash val="solid"/>
-                    </a:lnTlToBr>
-                    <a:lnBlToTr w="12700" cmpd="sng">
-                      <a:noFill/>
-                      <a:prstDash val="solid"/>
-                    </a:lnBlToTr>
-                  </a:tcPr>
-                </a:tc>
-                <a:tc>
-                  <a:txBody>
-                    <a:bodyPr/>
-                    <a:lstStyle/>
-                    <a:p>
-                      <a:pPr algn="ctr"/>
-                      <a:r>
-                        <a:rPr lang="en-US" altLang="zh-TW" sz="1200" b="1" dirty="0"/>
-                        <a:t>40.1</a:t>
-                      </a:r>
-                      <a:endParaRPr lang="zh-TW" altLang="en-US" sz="1200" b="1" dirty="0"/>
-                    </a:p>
-                  </a:txBody>
-                  <a:tcPr anchor="ctr">
-                    <a:lnL w="12700" cap="flat" cmpd="sng" algn="ctr">
-                      <a:solidFill>
-                        <a:schemeClr val="tx1"/>
-                      </a:solidFill>
-                      <a:prstDash val="solid"/>
-                      <a:round/>
-                      <a:headEnd type="none" w="med" len="med"/>
-                      <a:tailEnd type="none" w="med" len="med"/>
-                    </a:lnL>
-                    <a:lnR w="12700" cap="flat" cmpd="sng" algn="ctr">
-                      <a:solidFill>
-                        <a:schemeClr val="tx1"/>
-                      </a:solidFill>
-                      <a:prstDash val="solid"/>
-                      <a:round/>
-                      <a:headEnd type="none" w="med" len="med"/>
-                      <a:tailEnd type="none" w="med" len="med"/>
-                    </a:lnR>
-                    <a:lnT w="12700" cap="flat" cmpd="sng" algn="ctr">
-                      <a:solidFill>
-                        <a:schemeClr val="tx1"/>
-                      </a:solidFill>
-                      <a:prstDash val="solid"/>
-                      <a:round/>
-                      <a:headEnd type="none" w="med" len="med"/>
-                      <a:tailEnd type="none" w="med" len="med"/>
-                    </a:lnT>
-                    <a:lnB w="12700" cap="flat" cmpd="sng" algn="ctr">
-                      <a:solidFill>
-                        <a:schemeClr val="tx1"/>
-                      </a:solidFill>
-                      <a:prstDash val="solid"/>
-                      <a:round/>
-                      <a:headEnd type="none" w="med" len="med"/>
-                      <a:tailEnd type="none" w="med" len="med"/>
-                    </a:lnB>
-                    <a:lnTlToBr w="12700" cmpd="sng">
-                      <a:noFill/>
-                      <a:prstDash val="solid"/>
-                    </a:lnTlToBr>
-                    <a:lnBlToTr w="12700" cmpd="sng">
-                      <a:noFill/>
-                      <a:prstDash val="solid"/>
-                    </a:lnBlToTr>
-                  </a:tcPr>
-                </a:tc>
-                <a:extLst>
-                  <a:ext uri="{0D108BD9-81ED-4DB2-BD59-A6C34878D82A}">
-                    <a16:rowId xmlns:a16="http://schemas.microsoft.com/office/drawing/2014/main" val="3493964112"/>
-                  </a:ext>
-                </a:extLst>
-              </a:tr>
-            </a:tbl>
-          </a:graphicData>
-        </a:graphic>
-      </p:graphicFrame>
-    </p:spTree>
-    <p:extLst>
-      <p:ext uri="{BB962C8B-B14F-4D97-AF65-F5344CB8AC3E}">
-        <p14:creationId xmlns:p14="http://schemas.microsoft.com/office/powerpoint/2010/main" val="2189736553"/>
-      </p:ext>
-    </p:extLst>
-  </p:cSld>
-  <p:clrMapOvr>
-    <a:masterClrMapping/>
-  </p:clrMapOvr>
-</p:sld>
-</file>
-
 <file path=ppt/theme/theme1.xml><?xml version="1.0" encoding="utf-8"?>
 <a:theme xmlns:a="http://schemas.openxmlformats.org/drawingml/2006/main" name="1_Office 佈景主題">
   <a:themeElements>
